--- a/lectures/lecture_10/Lecture_10_Cross_Validation_and_Software_Engineering.pptx
+++ b/lectures/lecture_10/Lecture_10_Cross_Validation_and_Software_Engineering.pptx
@@ -5,20 +5,22 @@
     <p:sldMasterId id="2147483648" r:id="rId1"/>
   </p:sldMasterIdLst>
   <p:notesMasterIdLst>
-    <p:notesMasterId r:id="rId10"/>
+    <p:notesMasterId r:id="rId12"/>
   </p:notesMasterIdLst>
   <p:handoutMasterIdLst>
-    <p:handoutMasterId r:id="rId11"/>
+    <p:handoutMasterId r:id="rId13"/>
   </p:handoutMasterIdLst>
   <p:sldIdLst>
     <p:sldId id="347" r:id="rId2"/>
     <p:sldId id="363" r:id="rId3"/>
-    <p:sldId id="383" r:id="rId4"/>
-    <p:sldId id="265" r:id="rId5"/>
-    <p:sldId id="370" r:id="rId6"/>
-    <p:sldId id="367" r:id="rId7"/>
-    <p:sldId id="366" r:id="rId8"/>
-    <p:sldId id="382" r:id="rId9"/>
+    <p:sldId id="265" r:id="rId4"/>
+    <p:sldId id="370" r:id="rId5"/>
+    <p:sldId id="385" r:id="rId6"/>
+    <p:sldId id="384" r:id="rId7"/>
+    <p:sldId id="387" r:id="rId8"/>
+    <p:sldId id="386" r:id="rId9"/>
+    <p:sldId id="383" r:id="rId10"/>
+    <p:sldId id="388" r:id="rId11"/>
   </p:sldIdLst>
   <p:sldSz cx="9144000" cy="6858000" type="screen4x3"/>
   <p:notesSz cx="6858000" cy="9144000"/>
@@ -154,16 +156,14 @@
           <p14:sldIdLst>
             <p14:sldId id="347"/>
             <p14:sldId id="363"/>
-            <p14:sldId id="383"/>
             <p14:sldId id="265"/>
             <p14:sldId id="370"/>
-          </p14:sldIdLst>
-        </p14:section>
-        <p14:section name="Untitled Section" id="{87D83A5A-145B-724B-99A6-B357B0086BDE}">
-          <p14:sldIdLst>
-            <p14:sldId id="367"/>
-            <p14:sldId id="366"/>
-            <p14:sldId id="382"/>
+            <p14:sldId id="385"/>
+            <p14:sldId id="384"/>
+            <p14:sldId id="387"/>
+            <p14:sldId id="386"/>
+            <p14:sldId id="383"/>
+            <p14:sldId id="388"/>
           </p14:sldIdLst>
         </p14:section>
       </p14:sectionLst>
@@ -301,7 +301,7 @@
               <a:pPr>
                 <a:defRPr/>
               </a:pPr>
-              <a:t>10/20/19</a:t>
+              <a:t>10/22/19</a:t>
             </a:fld>
             <a:endParaRPr lang="en-US" altLang="x-none"/>
           </a:p>
@@ -510,7 +510,7 @@
               <a:pPr>
                 <a:defRPr/>
               </a:pPr>
-              <a:t>10/20/19</a:t>
+              <a:t>10/22/19</a:t>
             </a:fld>
             <a:endParaRPr lang="en-US" altLang="x-none"/>
           </a:p>
@@ -4977,24 +4977,8 @@
               <a:rPr lang="en-US" altLang="en-US" sz="2800" b="1" u="sng" dirty="0">
                 <a:ea typeface="ＭＳ Ｐゴシック" panose="020B0600070205080204" pitchFamily="34" charset="-128"/>
               </a:rPr>
-              <a:t>Lecture 10: Parameter Confidence Intervals</a:t>
-            </a:r>
-            <a:br>
-              <a:rPr lang="en-US" altLang="en-US" sz="2800" b="1" u="sng" dirty="0">
-                <a:ea typeface="ＭＳ Ｐゴシック" panose="020B0600070205080204" pitchFamily="34" charset="-128"/>
-              </a:rPr>
-            </a:br>
-            <a:r>
-              <a:rPr lang="en-US" altLang="en-US" sz="2800" b="1" u="sng" dirty="0">
-                <a:ea typeface="ＭＳ Ｐゴシック" panose="020B0600070205080204" pitchFamily="34" charset="-128"/>
-              </a:rPr>
-              <a:t>With Bootstrapping</a:t>
-            </a:r>
-            <a:br>
-              <a:rPr lang="en-US" altLang="en-US" b="1" dirty="0">
-                <a:ea typeface="ＭＳ Ｐゴシック" panose="020B0600070205080204" pitchFamily="34" charset="-128"/>
-              </a:rPr>
-            </a:br>
+              <a:t>Lecture 10: Software Engineering for Modelers</a:t>
+            </a:r>
             <a:br>
               <a:rPr lang="en-US" altLang="en-US" b="1" dirty="0">
                 <a:ea typeface="ＭＳ Ｐゴシック" panose="020B0600070205080204" pitchFamily="34" charset="-128"/>
@@ -5093,6 +5077,220 @@
     <p:extLst>
       <p:ext uri="{BB962C8B-B14F-4D97-AF65-F5344CB8AC3E}">
         <p14:creationId xmlns:p14="http://schemas.microsoft.com/office/powerpoint/2010/main" val="1288863208"/>
+      </p:ext>
+    </p:extLst>
+  </p:cSld>
+  <p:clrMapOvr>
+    <a:masterClrMapping/>
+  </p:clrMapOvr>
+</p:sld>
+</file>
+
+<file path=ppt/slides/slide10.xml><?xml version="1.0" encoding="utf-8"?>
+<p:sld xmlns:a="http://schemas.openxmlformats.org/drawingml/2006/main" xmlns:r="http://schemas.openxmlformats.org/officeDocument/2006/relationships" xmlns:p="http://schemas.openxmlformats.org/presentationml/2006/main">
+  <p:cSld>
+    <p:spTree>
+      <p:nvGrpSpPr>
+        <p:cNvPr id="1" name=""/>
+        <p:cNvGrpSpPr/>
+        <p:nvPr/>
+      </p:nvGrpSpPr>
+      <p:grpSpPr>
+        <a:xfrm>
+          <a:off x="0" y="0"/>
+          <a:ext cx="0" cy="0"/>
+          <a:chOff x="0" y="0"/>
+          <a:chExt cx="0" cy="0"/>
+        </a:xfrm>
+      </p:grpSpPr>
+      <p:sp>
+        <p:nvSpPr>
+          <p:cNvPr id="2" name="Title 1">
+            <a:extLst>
+              <a:ext uri="{FF2B5EF4-FFF2-40B4-BE49-F238E27FC236}">
+                <a16:creationId xmlns:a16="http://schemas.microsoft.com/office/drawing/2014/main" id="{0A3DDCDE-AD0E-BC40-8906-6338F96F2C26}"/>
+              </a:ext>
+            </a:extLst>
+          </p:cNvPr>
+          <p:cNvSpPr>
+            <a:spLocks noGrp="1"/>
+          </p:cNvSpPr>
+          <p:nvPr>
+            <p:ph type="title"/>
+          </p:nvPr>
+        </p:nvSpPr>
+        <p:spPr/>
+        <p:txBody>
+          <a:bodyPr/>
+          <a:lstStyle/>
+          <a:p>
+            <a:r>
+              <a:rPr lang="en-US" dirty="0"/>
+              <a:t>Exercises 2</a:t>
+            </a:r>
+          </a:p>
+        </p:txBody>
+      </p:sp>
+      <p:sp>
+        <p:nvSpPr>
+          <p:cNvPr id="3" name="Content Placeholder 2">
+            <a:extLst>
+              <a:ext uri="{FF2B5EF4-FFF2-40B4-BE49-F238E27FC236}">
+                <a16:creationId xmlns:a16="http://schemas.microsoft.com/office/drawing/2014/main" id="{1BCC2A97-F9ED-D64D-B459-4273FBD4DEE7}"/>
+              </a:ext>
+            </a:extLst>
+          </p:cNvPr>
+          <p:cNvSpPr>
+            <a:spLocks noGrp="1"/>
+          </p:cNvSpPr>
+          <p:nvPr>
+            <p:ph idx="1"/>
+          </p:nvPr>
+        </p:nvSpPr>
+        <p:spPr/>
+        <p:txBody>
+          <a:bodyPr/>
+          <a:lstStyle/>
+          <a:p>
+            <a:r>
+              <a:rPr lang="en-US" dirty="0"/>
+              <a:t>Add a new function to </a:t>
+            </a:r>
+            <a:r>
+              <a:rPr lang="en-US" dirty="0" err="1">
+                <a:latin typeface="Courier New" panose="02070309020205020404" pitchFamily="49" charset="0"/>
+                <a:cs typeface="Courier New" panose="02070309020205020404" pitchFamily="49" charset="0"/>
+              </a:rPr>
+              <a:t>model_fitting</a:t>
+            </a:r>
+            <a:endParaRPr lang="en-US" dirty="0">
+              <a:latin typeface="Courier New" panose="02070309020205020404" pitchFamily="49" charset="0"/>
+              <a:cs typeface="Courier New" panose="02070309020205020404" pitchFamily="49" charset="0"/>
+            </a:endParaRPr>
+          </a:p>
+          <a:p>
+            <a:pPr lvl="1"/>
+            <a:r>
+              <a:rPr lang="en-US" dirty="0">
+                <a:cs typeface="Courier New" panose="02070309020205020404" pitchFamily="49" charset="0"/>
+              </a:rPr>
+              <a:t>Ex: </a:t>
+            </a:r>
+            <a:r>
+              <a:rPr lang="en-US" dirty="0" err="1">
+                <a:latin typeface="Courier New" panose="02070309020205020404" pitchFamily="49" charset="0"/>
+                <a:cs typeface="Courier New" panose="02070309020205020404" pitchFamily="49" charset="0"/>
+              </a:rPr>
+              <a:t>calcChiSq</a:t>
+            </a:r>
+            <a:endParaRPr lang="en-US" dirty="0">
+              <a:latin typeface="Courier New" panose="02070309020205020404" pitchFamily="49" charset="0"/>
+              <a:cs typeface="Courier New" panose="02070309020205020404" pitchFamily="49" charset="0"/>
+            </a:endParaRPr>
+          </a:p>
+          <a:p>
+            <a:r>
+              <a:rPr lang="en-US" dirty="0">
+                <a:cs typeface="Courier New" panose="02070309020205020404" pitchFamily="49" charset="0"/>
+              </a:rPr>
+              <a:t>Create a test for </a:t>
+            </a:r>
+            <a:r>
+              <a:rPr lang="en-US" dirty="0" err="1">
+                <a:latin typeface="Courier New" panose="02070309020205020404" pitchFamily="49" charset="0"/>
+                <a:cs typeface="Courier New" panose="02070309020205020404" pitchFamily="49" charset="0"/>
+              </a:rPr>
+              <a:t>calcChiSq</a:t>
+            </a:r>
+            <a:endParaRPr lang="en-US" dirty="0">
+              <a:latin typeface="Courier New" panose="02070309020205020404" pitchFamily="49" charset="0"/>
+              <a:cs typeface="Courier New" panose="02070309020205020404" pitchFamily="49" charset="0"/>
+            </a:endParaRPr>
+          </a:p>
+          <a:p>
+            <a:r>
+              <a:rPr lang="en-US" dirty="0">
+                <a:cs typeface="Courier New" panose="02070309020205020404" pitchFamily="49" charset="0"/>
+              </a:rPr>
+              <a:t>Modify </a:t>
+            </a:r>
+            <a:r>
+              <a:rPr lang="en-US" dirty="0" err="1">
+                <a:latin typeface="Courier New" panose="02070309020205020404" pitchFamily="49" charset="0"/>
+                <a:cs typeface="Courier New" panose="02070309020205020404" pitchFamily="49" charset="0"/>
+              </a:rPr>
+              <a:t>crossValidate</a:t>
+            </a:r>
+            <a:r>
+              <a:rPr lang="en-US" dirty="0">
+                <a:cs typeface="Courier New" panose="02070309020205020404" pitchFamily="49" charset="0"/>
+              </a:rPr>
+              <a:t> to also return </a:t>
+            </a:r>
+            <a:r>
+              <a:rPr lang="en-US" dirty="0" err="1">
+                <a:cs typeface="Courier New" panose="02070309020205020404" pitchFamily="49" charset="0"/>
+              </a:rPr>
+              <a:t>ChiSq</a:t>
+            </a:r>
+            <a:r>
+              <a:rPr lang="en-US" dirty="0">
+                <a:cs typeface="Courier New" panose="02070309020205020404" pitchFamily="49" charset="0"/>
+              </a:rPr>
+              <a:t> values</a:t>
+            </a:r>
+          </a:p>
+          <a:p>
+            <a:pPr lvl="1"/>
+            <a:r>
+              <a:rPr lang="en-US" dirty="0">
+                <a:cs typeface="Courier New" panose="02070309020205020404" pitchFamily="49" charset="0"/>
+              </a:rPr>
+              <a:t>This includes changing tests</a:t>
+            </a:r>
+            <a:endParaRPr lang="en-US" dirty="0"/>
+          </a:p>
+        </p:txBody>
+      </p:sp>
+      <p:sp>
+        <p:nvSpPr>
+          <p:cNvPr id="4" name="Slide Number Placeholder 3">
+            <a:extLst>
+              <a:ext uri="{FF2B5EF4-FFF2-40B4-BE49-F238E27FC236}">
+                <a16:creationId xmlns:a16="http://schemas.microsoft.com/office/drawing/2014/main" id="{05D9E78E-9B74-944C-AA7D-EA9316A44659}"/>
+              </a:ext>
+            </a:extLst>
+          </p:cNvPr>
+          <p:cNvSpPr>
+            <a:spLocks noGrp="1"/>
+          </p:cNvSpPr>
+          <p:nvPr>
+            <p:ph type="sldNum" sz="quarter" idx="11"/>
+          </p:nvPr>
+        </p:nvSpPr>
+        <p:spPr/>
+        <p:txBody>
+          <a:bodyPr/>
+          <a:lstStyle/>
+          <a:p>
+            <a:pPr>
+              <a:defRPr/>
+            </a:pPr>
+            <a:fld id="{3EF4E9CC-9D91-476E-91FD-5BEEC1642931}" type="slidenum">
+              <a:rPr lang="en-US" altLang="x-none" smtClean="0"/>
+              <a:pPr>
+                <a:defRPr/>
+              </a:pPr>
+              <a:t>10</a:t>
+            </a:fld>
+            <a:endParaRPr lang="en-US" altLang="x-none"/>
+          </a:p>
+        </p:txBody>
+      </p:sp>
+    </p:spTree>
+    <p:extLst>
+      <p:ext uri="{BB962C8B-B14F-4D97-AF65-F5344CB8AC3E}">
+        <p14:creationId xmlns:p14="http://schemas.microsoft.com/office/powerpoint/2010/main" val="4020945841"/>
       </p:ext>
     </p:extLst>
   </p:cSld>
@@ -5170,7 +5368,7 @@
           <a:p>
             <a:r>
               <a:rPr lang="en-US" dirty="0"/>
-              <a:t>Lecture_9* at http://</a:t>
+              <a:t>Lecture_10/ at http://</a:t>
             </a:r>
             <a:r>
               <a:rPr lang="en-US" dirty="0" err="1"/>
@@ -5232,162 +5430,6 @@
 </file>
 
 <file path=ppt/slides/slide3.xml><?xml version="1.0" encoding="utf-8"?>
-<p:sld xmlns:a="http://schemas.openxmlformats.org/drawingml/2006/main" xmlns:r="http://schemas.openxmlformats.org/officeDocument/2006/relationships" xmlns:p="http://schemas.openxmlformats.org/presentationml/2006/main">
-  <p:cSld>
-    <p:spTree>
-      <p:nvGrpSpPr>
-        <p:cNvPr id="1" name=""/>
-        <p:cNvGrpSpPr/>
-        <p:nvPr/>
-      </p:nvGrpSpPr>
-      <p:grpSpPr>
-        <a:xfrm>
-          <a:off x="0" y="0"/>
-          <a:ext cx="0" cy="0"/>
-          <a:chOff x="0" y="0"/>
-          <a:chExt cx="0" cy="0"/>
-        </a:xfrm>
-      </p:grpSpPr>
-      <p:sp>
-        <p:nvSpPr>
-          <p:cNvPr id="2" name="Title 1">
-            <a:extLst>
-              <a:ext uri="{FF2B5EF4-FFF2-40B4-BE49-F238E27FC236}">
-                <a16:creationId xmlns:a16="http://schemas.microsoft.com/office/drawing/2014/main" id="{D8902AD0-9338-CD46-9B66-D617AC02BCA5}"/>
-              </a:ext>
-            </a:extLst>
-          </p:cNvPr>
-          <p:cNvSpPr>
-            <a:spLocks noGrp="1"/>
-          </p:cNvSpPr>
-          <p:nvPr>
-            <p:ph type="title"/>
-          </p:nvPr>
-        </p:nvSpPr>
-        <p:spPr/>
-        <p:txBody>
-          <a:bodyPr/>
-          <a:lstStyle/>
-          <a:p>
-            <a:r>
-              <a:rPr lang="en-US" dirty="0"/>
-              <a:t>TODO</a:t>
-            </a:r>
-          </a:p>
-        </p:txBody>
-      </p:sp>
-      <p:sp>
-        <p:nvSpPr>
-          <p:cNvPr id="3" name="Content Placeholder 2">
-            <a:extLst>
-              <a:ext uri="{FF2B5EF4-FFF2-40B4-BE49-F238E27FC236}">
-                <a16:creationId xmlns:a16="http://schemas.microsoft.com/office/drawing/2014/main" id="{93450BE3-648F-1A45-8522-7AA2DBF56554}"/>
-              </a:ext>
-            </a:extLst>
-          </p:cNvPr>
-          <p:cNvSpPr>
-            <a:spLocks noGrp="1"/>
-          </p:cNvSpPr>
-          <p:nvPr>
-            <p:ph idx="1"/>
-          </p:nvPr>
-        </p:nvSpPr>
-        <p:spPr/>
-        <p:txBody>
-          <a:bodyPr/>
-          <a:lstStyle/>
-          <a:p>
-            <a:r>
-              <a:rPr lang="en-US" dirty="0"/>
-              <a:t>Create </a:t>
-            </a:r>
-            <a:r>
-              <a:rPr lang="en-US" dirty="0" err="1"/>
-              <a:t>cross_validation</a:t>
-            </a:r>
-            <a:r>
-              <a:rPr lang="en-US" dirty="0"/>
-              <a:t> module in lecture 10</a:t>
-            </a:r>
-          </a:p>
-          <a:p>
-            <a:r>
-              <a:rPr lang="en-US" dirty="0"/>
-              <a:t>Construct bootstrap notebook</a:t>
-            </a:r>
-          </a:p>
-          <a:p>
-            <a:r>
-              <a:rPr lang="en-US" dirty="0"/>
-              <a:t>Exercises</a:t>
-            </a:r>
-          </a:p>
-          <a:p>
-            <a:pPr lvl="1"/>
-            <a:r>
-              <a:rPr lang="en-US" dirty="0"/>
-              <a:t>Different models with different parameters for </a:t>
-            </a:r>
-            <a:r>
-              <a:rPr lang="en-US" dirty="0" err="1"/>
-              <a:t>cross_validation</a:t>
-            </a:r>
-            <a:r>
-              <a:rPr lang="en-US"/>
-              <a:t> module</a:t>
-            </a:r>
-          </a:p>
-        </p:txBody>
-      </p:sp>
-      <p:sp>
-        <p:nvSpPr>
-          <p:cNvPr id="4" name="Slide Number Placeholder 3">
-            <a:extLst>
-              <a:ext uri="{FF2B5EF4-FFF2-40B4-BE49-F238E27FC236}">
-                <a16:creationId xmlns:a16="http://schemas.microsoft.com/office/drawing/2014/main" id="{F6EEAA1A-B096-2743-AE90-55A92688088D}"/>
-              </a:ext>
-            </a:extLst>
-          </p:cNvPr>
-          <p:cNvSpPr>
-            <a:spLocks noGrp="1"/>
-          </p:cNvSpPr>
-          <p:nvPr>
-            <p:ph type="sldNum" sz="quarter" idx="11"/>
-          </p:nvPr>
-        </p:nvSpPr>
-        <p:spPr/>
-        <p:txBody>
-          <a:bodyPr/>
-          <a:lstStyle/>
-          <a:p>
-            <a:pPr>
-              <a:defRPr/>
-            </a:pPr>
-            <a:fld id="{3EF4E9CC-9D91-476E-91FD-5BEEC1642931}" type="slidenum">
-              <a:rPr lang="en-US" altLang="x-none" smtClean="0"/>
-              <a:pPr>
-                <a:defRPr/>
-              </a:pPr>
-              <a:t>3</a:t>
-            </a:fld>
-            <a:endParaRPr lang="en-US" altLang="x-none"/>
-          </a:p>
-        </p:txBody>
-      </p:sp>
-    </p:spTree>
-    <p:extLst>
-      <p:ext uri="{BB962C8B-B14F-4D97-AF65-F5344CB8AC3E}">
-        <p14:creationId xmlns:p14="http://schemas.microsoft.com/office/powerpoint/2010/main" val="2021594256"/>
-      </p:ext>
-    </p:extLst>
-  </p:cSld>
-  <p:clrMapOvr>
-    <a:masterClrMapping/>
-  </p:clrMapOvr>
-</p:sld>
-</file>
-
-<file path=ppt/slides/slide4.xml><?xml version="1.0" encoding="utf-8"?>
 <p:sld xmlns:a="http://schemas.openxmlformats.org/drawingml/2006/main" xmlns:r="http://schemas.openxmlformats.org/officeDocument/2006/relationships" xmlns:p="http://schemas.openxmlformats.org/presentationml/2006/main">
   <p:cSld>
     <p:spTree>
@@ -7134,6 +7176,150 @@
 </p:sld>
 </file>
 
+<file path=ppt/slides/slide4.xml><?xml version="1.0" encoding="utf-8"?>
+<p:sld xmlns:a="http://schemas.openxmlformats.org/drawingml/2006/main" xmlns:r="http://schemas.openxmlformats.org/officeDocument/2006/relationships" xmlns:p="http://schemas.openxmlformats.org/presentationml/2006/main">
+  <p:cSld>
+    <p:spTree>
+      <p:nvGrpSpPr>
+        <p:cNvPr id="1" name=""/>
+        <p:cNvGrpSpPr/>
+        <p:nvPr/>
+      </p:nvGrpSpPr>
+      <p:grpSpPr>
+        <a:xfrm>
+          <a:off x="0" y="0"/>
+          <a:ext cx="0" cy="0"/>
+          <a:chOff x="0" y="0"/>
+          <a:chExt cx="0" cy="0"/>
+        </a:xfrm>
+      </p:grpSpPr>
+      <p:sp>
+        <p:nvSpPr>
+          <p:cNvPr id="2" name="Title 1">
+            <a:extLst>
+              <a:ext uri="{FF2B5EF4-FFF2-40B4-BE49-F238E27FC236}">
+                <a16:creationId xmlns:a16="http://schemas.microsoft.com/office/drawing/2014/main" id="{8FDC0FC5-4607-3544-9AE7-2A2AE7D79CC0}"/>
+              </a:ext>
+            </a:extLst>
+          </p:cNvPr>
+          <p:cNvSpPr>
+            <a:spLocks noGrp="1"/>
+          </p:cNvSpPr>
+          <p:nvPr>
+            <p:ph type="title"/>
+          </p:nvPr>
+        </p:nvSpPr>
+        <p:spPr/>
+        <p:txBody>
+          <a:bodyPr/>
+          <a:lstStyle/>
+          <a:p>
+            <a:r>
+              <a:rPr lang="en-US" dirty="0"/>
+              <a:t>Agenda</a:t>
+            </a:r>
+          </a:p>
+        </p:txBody>
+      </p:sp>
+      <p:sp>
+        <p:nvSpPr>
+          <p:cNvPr id="3" name="Content Placeholder 2">
+            <a:extLst>
+              <a:ext uri="{FF2B5EF4-FFF2-40B4-BE49-F238E27FC236}">
+                <a16:creationId xmlns:a16="http://schemas.microsoft.com/office/drawing/2014/main" id="{045232E1-DDA0-7840-B460-59388493AE09}"/>
+              </a:ext>
+            </a:extLst>
+          </p:cNvPr>
+          <p:cNvSpPr>
+            <a:spLocks noGrp="1"/>
+          </p:cNvSpPr>
+          <p:nvPr>
+            <p:ph idx="1"/>
+          </p:nvPr>
+        </p:nvSpPr>
+        <p:spPr/>
+        <p:txBody>
+          <a:bodyPr/>
+          <a:lstStyle/>
+          <a:p>
+            <a:r>
+              <a:rPr lang="en-US" dirty="0"/>
+              <a:t>Review of cross validation (</a:t>
+            </a:r>
+            <a:r>
+              <a:rPr lang="en-US" dirty="0" err="1"/>
+              <a:t>Jupyter</a:t>
+            </a:r>
+            <a:r>
+              <a:rPr lang="en-US" dirty="0"/>
+              <a:t> notebook)</a:t>
+            </a:r>
+          </a:p>
+          <a:p>
+            <a:r>
+              <a:rPr lang="en-US" dirty="0"/>
+              <a:t>Software engineering concepts</a:t>
+            </a:r>
+          </a:p>
+          <a:p>
+            <a:r>
+              <a:rPr lang="en-US" dirty="0"/>
+              <a:t>Software engineering workflow for modelers</a:t>
+            </a:r>
+          </a:p>
+          <a:p>
+            <a:endParaRPr lang="en-US" dirty="0"/>
+          </a:p>
+        </p:txBody>
+      </p:sp>
+      <p:sp>
+        <p:nvSpPr>
+          <p:cNvPr id="4" name="Slide Number Placeholder 3">
+            <a:extLst>
+              <a:ext uri="{FF2B5EF4-FFF2-40B4-BE49-F238E27FC236}">
+                <a16:creationId xmlns:a16="http://schemas.microsoft.com/office/drawing/2014/main" id="{6FE1EE21-A226-204F-8EF8-9D8CBBE07257}"/>
+              </a:ext>
+            </a:extLst>
+          </p:cNvPr>
+          <p:cNvSpPr>
+            <a:spLocks noGrp="1"/>
+          </p:cNvSpPr>
+          <p:nvPr>
+            <p:ph type="sldNum" sz="quarter" idx="11"/>
+          </p:nvPr>
+        </p:nvSpPr>
+        <p:spPr/>
+        <p:txBody>
+          <a:bodyPr/>
+          <a:lstStyle/>
+          <a:p>
+            <a:pPr>
+              <a:defRPr/>
+            </a:pPr>
+            <a:fld id="{3EF4E9CC-9D91-476E-91FD-5BEEC1642931}" type="slidenum">
+              <a:rPr lang="en-US" altLang="x-none" smtClean="0"/>
+              <a:pPr>
+                <a:defRPr/>
+              </a:pPr>
+              <a:t>4</a:t>
+            </a:fld>
+            <a:endParaRPr lang="en-US" altLang="x-none"/>
+          </a:p>
+        </p:txBody>
+      </p:sp>
+    </p:spTree>
+    <p:extLst>
+      <p:ext uri="{BB962C8B-B14F-4D97-AF65-F5344CB8AC3E}">
+        <p14:creationId xmlns:p14="http://schemas.microsoft.com/office/powerpoint/2010/main" val="867686869"/>
+      </p:ext>
+    </p:extLst>
+  </p:cSld>
+  <p:clrMapOvr>
+    <a:masterClrMapping/>
+  </p:clrMapOvr>
+</p:sld>
+</file>
+
 <file path=ppt/slides/slide5.xml><?xml version="1.0" encoding="utf-8"?>
 <p:sld xmlns:a="http://schemas.openxmlformats.org/drawingml/2006/main" xmlns:r="http://schemas.openxmlformats.org/officeDocument/2006/relationships" xmlns:p="http://schemas.openxmlformats.org/presentationml/2006/main">
   <p:cSld>
@@ -7156,7 +7342,7 @@
           <p:cNvPr id="2" name="Title 1">
             <a:extLst>
               <a:ext uri="{FF2B5EF4-FFF2-40B4-BE49-F238E27FC236}">
-                <a16:creationId xmlns:a16="http://schemas.microsoft.com/office/drawing/2014/main" id="{8FDC0FC5-4607-3544-9AE7-2A2AE7D79CC0}"/>
+                <a16:creationId xmlns:a16="http://schemas.microsoft.com/office/drawing/2014/main" id="{474EDC96-7BDD-514A-84C8-9589F040FC78}"/>
               </a:ext>
             </a:extLst>
           </p:cNvPr>
@@ -7174,7 +7360,15 @@
           <a:p>
             <a:r>
               <a:rPr lang="en-US" dirty="0"/>
-              <a:t>Agenda</a:t>
+              <a:t>Software and 21</a:t>
+            </a:r>
+            <a:r>
+              <a:rPr lang="en-US" baseline="30000" dirty="0"/>
+              <a:t>st</a:t>
+            </a:r>
+            <a:r>
+              <a:rPr lang="en-US" dirty="0"/>
+              <a:t> Century Science</a:t>
             </a:r>
           </a:p>
         </p:txBody>
@@ -7184,7 +7378,7 @@
           <p:cNvPr id="3" name="Content Placeholder 2">
             <a:extLst>
               <a:ext uri="{FF2B5EF4-FFF2-40B4-BE49-F238E27FC236}">
-                <a16:creationId xmlns:a16="http://schemas.microsoft.com/office/drawing/2014/main" id="{045232E1-DDA0-7840-B460-59388493AE09}"/>
+                <a16:creationId xmlns:a16="http://schemas.microsoft.com/office/drawing/2014/main" id="{1988E0DD-525B-EC47-931F-1C419A040C5B}"/>
               </a:ext>
             </a:extLst>
           </p:cNvPr>
@@ -7202,41 +7396,34 @@
           <a:p>
             <a:r>
               <a:rPr lang="en-US" dirty="0"/>
-              <a:t>Review of cross validation (</a:t>
-            </a:r>
-            <a:r>
-              <a:rPr lang="en-US" dirty="0" err="1"/>
-              <a:t>Jupyter</a:t>
-            </a:r>
+              <a:t>Code and data are research products.</a:t>
+            </a:r>
+          </a:p>
+          <a:p>
             <a:r>
               <a:rPr lang="en-US" dirty="0"/>
-              <a:t> notebook)</a:t>
-            </a:r>
-          </a:p>
-          <a:p>
+              <a:t>Your standing in professional life depends on the quality and understandability of your code and data.</a:t>
+            </a:r>
+          </a:p>
+          <a:p>
+            <a:pPr lvl="1"/>
             <a:r>
               <a:rPr lang="en-US" dirty="0"/>
-              <a:t>Bootstrapping steps</a:t>
-            </a:r>
-          </a:p>
-          <a:p>
+              <a:t>Your computational methods</a:t>
+            </a:r>
+          </a:p>
+          <a:p>
+            <a:pPr lvl="1"/>
             <a:r>
               <a:rPr lang="en-US" dirty="0"/>
-              <a:t>Bootstrapping details (</a:t>
-            </a:r>
-            <a:r>
-              <a:rPr lang="en-US" dirty="0" err="1"/>
-              <a:t>Jupyter</a:t>
-            </a:r>
+              <a:t>Your reasoning for the computational methods</a:t>
+            </a:r>
+          </a:p>
+          <a:p>
+            <a:pPr lvl="1"/>
             <a:r>
               <a:rPr lang="en-US" dirty="0"/>
-              <a:t> notebook)</a:t>
-            </a:r>
-          </a:p>
-          <a:p>
-            <a:r>
-              <a:rPr lang="en-US" dirty="0"/>
-              <a:t>Class exercises</a:t>
+              <a:t>How others can build on your code (citations)</a:t>
             </a:r>
           </a:p>
           <a:p>
@@ -7249,7 +7436,7 @@
           <p:cNvPr id="4" name="Slide Number Placeholder 3">
             <a:extLst>
               <a:ext uri="{FF2B5EF4-FFF2-40B4-BE49-F238E27FC236}">
-                <a16:creationId xmlns:a16="http://schemas.microsoft.com/office/drawing/2014/main" id="{6FE1EE21-A226-204F-8EF8-9D8CBBE07257}"/>
+                <a16:creationId xmlns:a16="http://schemas.microsoft.com/office/drawing/2014/main" id="{8C040B3E-C965-5F48-A6ED-51D7F1CFF84F}"/>
               </a:ext>
             </a:extLst>
           </p:cNvPr>
@@ -7282,225 +7469,7 @@
     </p:spTree>
     <p:extLst>
       <p:ext uri="{BB962C8B-B14F-4D97-AF65-F5344CB8AC3E}">
-        <p14:creationId xmlns:p14="http://schemas.microsoft.com/office/powerpoint/2010/main" val="867686869"/>
-      </p:ext>
-    </p:extLst>
-  </p:cSld>
-  <p:clrMapOvr>
-    <a:masterClrMapping/>
-  </p:clrMapOvr>
-</p:sld>
-</file>
-
-<file path=ppt/slides/slide6.xml><?xml version="1.0" encoding="utf-8"?>
-<p:sld xmlns:a="http://schemas.openxmlformats.org/drawingml/2006/main" xmlns:r="http://schemas.openxmlformats.org/officeDocument/2006/relationships" xmlns:p="http://schemas.openxmlformats.org/presentationml/2006/main">
-  <p:cSld>
-    <p:spTree>
-      <p:nvGrpSpPr>
-        <p:cNvPr id="1" name=""/>
-        <p:cNvGrpSpPr/>
-        <p:nvPr/>
-      </p:nvGrpSpPr>
-      <p:grpSpPr>
-        <a:xfrm>
-          <a:off x="0" y="0"/>
-          <a:ext cx="0" cy="0"/>
-          <a:chOff x="0" y="0"/>
-          <a:chExt cx="0" cy="0"/>
-        </a:xfrm>
-      </p:grpSpPr>
-      <p:sp>
-        <p:nvSpPr>
-          <p:cNvPr id="2" name="Title 1">
-            <a:extLst>
-              <a:ext uri="{FF2B5EF4-FFF2-40B4-BE49-F238E27FC236}">
-                <a16:creationId xmlns:a16="http://schemas.microsoft.com/office/drawing/2014/main" id="{75ABD150-7FF1-2A41-B255-4F99D65A4DDF}"/>
-              </a:ext>
-            </a:extLst>
-          </p:cNvPr>
-          <p:cNvSpPr>
-            <a:spLocks noGrp="1"/>
-          </p:cNvSpPr>
-          <p:nvPr>
-            <p:ph type="title"/>
-          </p:nvPr>
-        </p:nvSpPr>
-        <p:spPr>
-          <a:xfrm>
-            <a:off x="228600" y="228600"/>
-            <a:ext cx="8458200" cy="838200"/>
-          </a:xfrm>
-        </p:spPr>
-        <p:txBody>
-          <a:bodyPr/>
-          <a:lstStyle/>
-          <a:p>
-            <a:r>
-              <a:rPr lang="en-US" dirty="0"/>
-              <a:t>Synthetic Observations With Bootstrapping</a:t>
-            </a:r>
-          </a:p>
-        </p:txBody>
-      </p:sp>
-      <p:sp>
-        <p:nvSpPr>
-          <p:cNvPr id="4" name="Slide Number Placeholder 3">
-            <a:extLst>
-              <a:ext uri="{FF2B5EF4-FFF2-40B4-BE49-F238E27FC236}">
-                <a16:creationId xmlns:a16="http://schemas.microsoft.com/office/drawing/2014/main" id="{BB3E002D-3997-354B-976E-21A5C58840E5}"/>
-              </a:ext>
-            </a:extLst>
-          </p:cNvPr>
-          <p:cNvSpPr>
-            <a:spLocks noGrp="1"/>
-          </p:cNvSpPr>
-          <p:nvPr>
-            <p:ph type="sldNum" sz="quarter" idx="11"/>
-          </p:nvPr>
-        </p:nvSpPr>
-        <p:spPr/>
-        <p:txBody>
-          <a:bodyPr/>
-          <a:lstStyle/>
-          <a:p>
-            <a:pPr>
-              <a:defRPr/>
-            </a:pPr>
-            <a:fld id="{3EF4E9CC-9D91-476E-91FD-5BEEC1642931}" type="slidenum">
-              <a:rPr lang="en-US" altLang="x-none" smtClean="0"/>
-              <a:pPr>
-                <a:defRPr/>
-              </a:pPr>
-              <a:t>6</a:t>
-            </a:fld>
-            <a:endParaRPr lang="en-US" altLang="x-none"/>
-          </a:p>
-        </p:txBody>
-      </p:sp>
-      <p:pic>
-        <p:nvPicPr>
-          <p:cNvPr id="6" name="Picture 5">
-            <a:extLst>
-              <a:ext uri="{FF2B5EF4-FFF2-40B4-BE49-F238E27FC236}">
-                <a16:creationId xmlns:a16="http://schemas.microsoft.com/office/drawing/2014/main" id="{8EF113A2-9A9B-AD4A-994A-45280F35C83A}"/>
-              </a:ext>
-            </a:extLst>
-          </p:cNvPr>
-          <p:cNvPicPr>
-            <a:picLocks noChangeAspect="1"/>
-          </p:cNvPicPr>
-          <p:nvPr/>
-        </p:nvPicPr>
-        <p:blipFill>
-          <a:blip r:embed="rId2"/>
-          <a:stretch>
-            <a:fillRect/>
-          </a:stretch>
-        </p:blipFill>
-        <p:spPr>
-          <a:xfrm>
-            <a:off x="6185710" y="2640862"/>
-            <a:ext cx="2715940" cy="3866300"/>
-          </a:xfrm>
-          <a:prstGeom prst="rect">
-            <a:avLst/>
-          </a:prstGeom>
-        </p:spPr>
-      </p:pic>
-      <p:pic>
-        <p:nvPicPr>
-          <p:cNvPr id="8" name="Picture 7">
-            <a:extLst>
-              <a:ext uri="{FF2B5EF4-FFF2-40B4-BE49-F238E27FC236}">
-                <a16:creationId xmlns:a16="http://schemas.microsoft.com/office/drawing/2014/main" id="{C1DA8FBF-EA10-614F-BF6C-2CD3E5B2AF96}"/>
-              </a:ext>
-            </a:extLst>
-          </p:cNvPr>
-          <p:cNvPicPr>
-            <a:picLocks noChangeAspect="1"/>
-          </p:cNvPicPr>
-          <p:nvPr/>
-        </p:nvPicPr>
-        <p:blipFill>
-          <a:blip r:embed="rId3"/>
-          <a:stretch>
-            <a:fillRect/>
-          </a:stretch>
-        </p:blipFill>
-        <p:spPr>
-          <a:xfrm>
-            <a:off x="314493" y="2544218"/>
-            <a:ext cx="2809707" cy="3962944"/>
-          </a:xfrm>
-          <a:prstGeom prst="rect">
-            <a:avLst/>
-          </a:prstGeom>
-        </p:spPr>
-      </p:pic>
-      <p:pic>
-        <p:nvPicPr>
-          <p:cNvPr id="10" name="Picture 9">
-            <a:extLst>
-              <a:ext uri="{FF2B5EF4-FFF2-40B4-BE49-F238E27FC236}">
-                <a16:creationId xmlns:a16="http://schemas.microsoft.com/office/drawing/2014/main" id="{61E84951-C0B4-1641-9CF2-708FE1A22A68}"/>
-              </a:ext>
-            </a:extLst>
-          </p:cNvPr>
-          <p:cNvPicPr>
-            <a:picLocks noChangeAspect="1"/>
-          </p:cNvPicPr>
-          <p:nvPr/>
-        </p:nvPicPr>
-        <p:blipFill>
-          <a:blip r:embed="rId4"/>
-          <a:stretch>
-            <a:fillRect/>
-          </a:stretch>
-        </p:blipFill>
-        <p:spPr>
-          <a:xfrm>
-            <a:off x="3263089" y="787400"/>
-            <a:ext cx="2922621" cy="1981200"/>
-          </a:xfrm>
-          <a:prstGeom prst="rect">
-            <a:avLst/>
-          </a:prstGeom>
-        </p:spPr>
-      </p:pic>
-      <p:pic>
-        <p:nvPicPr>
-          <p:cNvPr id="12" name="Picture 11">
-            <a:extLst>
-              <a:ext uri="{FF2B5EF4-FFF2-40B4-BE49-F238E27FC236}">
-                <a16:creationId xmlns:a16="http://schemas.microsoft.com/office/drawing/2014/main" id="{31FE8E0F-F681-3F4A-A536-2366CF09DBE2}"/>
-              </a:ext>
-            </a:extLst>
-          </p:cNvPr>
-          <p:cNvPicPr>
-            <a:picLocks noChangeAspect="1"/>
-          </p:cNvPicPr>
-          <p:nvPr/>
-        </p:nvPicPr>
-        <p:blipFill>
-          <a:blip r:embed="rId5"/>
-          <a:stretch>
-            <a:fillRect/>
-          </a:stretch>
-        </p:blipFill>
-        <p:spPr>
-          <a:xfrm>
-            <a:off x="5002950" y="3866300"/>
-            <a:ext cx="38100" cy="25400"/>
-          </a:xfrm>
-          <a:prstGeom prst="rect">
-            <a:avLst/>
-          </a:prstGeom>
-        </p:spPr>
-      </p:pic>
-    </p:spTree>
-    <p:extLst>
-      <p:ext uri="{BB962C8B-B14F-4D97-AF65-F5344CB8AC3E}">
-        <p14:creationId xmlns:p14="http://schemas.microsoft.com/office/powerpoint/2010/main" val="3977553218"/>
+        <p14:creationId xmlns:p14="http://schemas.microsoft.com/office/powerpoint/2010/main" val="1157864061"/>
       </p:ext>
     </p:extLst>
   </p:cSld>
@@ -7541,7 +7510,11 @@
                                           </p:stCondLst>
                                         </p:cTn>
                                         <p:tgtEl>
-                                          <p:spTgt spid="8"/>
+                                          <p:spTgt spid="3">
+                                            <p:txEl>
+                                              <p:pRg st="1" end="1"/>
+                                            </p:txEl>
+                                          </p:spTgt>
                                         </p:tgtEl>
                                         <p:attrNameLst>
                                           <p:attrName>style.visibility</p:attrName>
@@ -7568,7 +7541,747 @@
                                           </p:stCondLst>
                                         </p:cTn>
                                         <p:tgtEl>
-                                          <p:spTgt spid="6"/>
+                                          <p:spTgt spid="3">
+                                            <p:txEl>
+                                              <p:pRg st="2" end="2"/>
+                                            </p:txEl>
+                                          </p:spTgt>
+                                        </p:tgtEl>
+                                        <p:attrNameLst>
+                                          <p:attrName>style.visibility</p:attrName>
+                                        </p:attrNameLst>
+                                      </p:cBhvr>
+                                      <p:to>
+                                        <p:strVal val="visible"/>
+                                      </p:to>
+                                    </p:set>
+                                  </p:childTnLst>
+                                </p:cTn>
+                              </p:par>
+                              <p:par>
+                                <p:cTn id="9" presetID="1" presetClass="entr" presetSubtype="0" fill="hold" nodeType="withEffect">
+                                  <p:stCondLst>
+                                    <p:cond delay="0"/>
+                                  </p:stCondLst>
+                                  <p:childTnLst>
+                                    <p:set>
+                                      <p:cBhvr>
+                                        <p:cTn id="10" dur="1" fill="hold">
+                                          <p:stCondLst>
+                                            <p:cond delay="0"/>
+                                          </p:stCondLst>
+                                        </p:cTn>
+                                        <p:tgtEl>
+                                          <p:spTgt spid="3">
+                                            <p:txEl>
+                                              <p:pRg st="3" end="3"/>
+                                            </p:txEl>
+                                          </p:spTgt>
+                                        </p:tgtEl>
+                                        <p:attrNameLst>
+                                          <p:attrName>style.visibility</p:attrName>
+                                        </p:attrNameLst>
+                                      </p:cBhvr>
+                                      <p:to>
+                                        <p:strVal val="visible"/>
+                                      </p:to>
+                                    </p:set>
+                                  </p:childTnLst>
+                                </p:cTn>
+                              </p:par>
+                              <p:par>
+                                <p:cTn id="11" presetID="1" presetClass="entr" presetSubtype="0" fill="hold" nodeType="withEffect">
+                                  <p:stCondLst>
+                                    <p:cond delay="0"/>
+                                  </p:stCondLst>
+                                  <p:childTnLst>
+                                    <p:set>
+                                      <p:cBhvr>
+                                        <p:cTn id="12" dur="1" fill="hold">
+                                          <p:stCondLst>
+                                            <p:cond delay="0"/>
+                                          </p:stCondLst>
+                                        </p:cTn>
+                                        <p:tgtEl>
+                                          <p:spTgt spid="3">
+                                            <p:txEl>
+                                              <p:pRg st="4" end="4"/>
+                                            </p:txEl>
+                                          </p:spTgt>
+                                        </p:tgtEl>
+                                        <p:attrNameLst>
+                                          <p:attrName>style.visibility</p:attrName>
+                                        </p:attrNameLst>
+                                      </p:cBhvr>
+                                      <p:to>
+                                        <p:strVal val="visible"/>
+                                      </p:to>
+                                    </p:set>
+                                  </p:childTnLst>
+                                </p:cTn>
+                              </p:par>
+                            </p:childTnLst>
+                          </p:cTn>
+                        </p:par>
+                      </p:childTnLst>
+                    </p:cTn>
+                  </p:par>
+                </p:childTnLst>
+              </p:cTn>
+              <p:prevCondLst>
+                <p:cond evt="onPrev" delay="0">
+                  <p:tgtEl>
+                    <p:sldTgt/>
+                  </p:tgtEl>
+                </p:cond>
+              </p:prevCondLst>
+              <p:nextCondLst>
+                <p:cond evt="onNext" delay="0">
+                  <p:tgtEl>
+                    <p:sldTgt/>
+                  </p:tgtEl>
+                </p:cond>
+              </p:nextCondLst>
+            </p:seq>
+          </p:childTnLst>
+        </p:cTn>
+      </p:par>
+    </p:tnLst>
+  </p:timing>
+</p:sld>
+</file>
+
+<file path=ppt/slides/slide6.xml><?xml version="1.0" encoding="utf-8"?>
+<p:sld xmlns:a="http://schemas.openxmlformats.org/drawingml/2006/main" xmlns:r="http://schemas.openxmlformats.org/officeDocument/2006/relationships" xmlns:p="http://schemas.openxmlformats.org/presentationml/2006/main">
+  <p:cSld>
+    <p:spTree>
+      <p:nvGrpSpPr>
+        <p:cNvPr id="1" name=""/>
+        <p:cNvGrpSpPr/>
+        <p:nvPr/>
+      </p:nvGrpSpPr>
+      <p:grpSpPr>
+        <a:xfrm>
+          <a:off x="0" y="0"/>
+          <a:ext cx="0" cy="0"/>
+          <a:chOff x="0" y="0"/>
+          <a:chExt cx="0" cy="0"/>
+        </a:xfrm>
+      </p:grpSpPr>
+      <p:sp>
+        <p:nvSpPr>
+          <p:cNvPr id="2" name="Title 1">
+            <a:extLst>
+              <a:ext uri="{FF2B5EF4-FFF2-40B4-BE49-F238E27FC236}">
+                <a16:creationId xmlns:a16="http://schemas.microsoft.com/office/drawing/2014/main" id="{BCC97F97-0735-C740-AE00-B2A95525A21C}"/>
+              </a:ext>
+            </a:extLst>
+          </p:cNvPr>
+          <p:cNvSpPr>
+            <a:spLocks noGrp="1"/>
+          </p:cNvSpPr>
+          <p:nvPr>
+            <p:ph type="title"/>
+          </p:nvPr>
+        </p:nvSpPr>
+        <p:spPr/>
+        <p:txBody>
+          <a:bodyPr/>
+          <a:lstStyle/>
+          <a:p>
+            <a:r>
+              <a:rPr lang="en-US" dirty="0"/>
+              <a:t>Key Software Engineering Practices</a:t>
+            </a:r>
+          </a:p>
+        </p:txBody>
+      </p:sp>
+      <p:sp>
+        <p:nvSpPr>
+          <p:cNvPr id="3" name="Content Placeholder 2">
+            <a:extLst>
+              <a:ext uri="{FF2B5EF4-FFF2-40B4-BE49-F238E27FC236}">
+                <a16:creationId xmlns:a16="http://schemas.microsoft.com/office/drawing/2014/main" id="{E81626DD-71C8-1945-9AB4-64955C291439}"/>
+              </a:ext>
+            </a:extLst>
+          </p:cNvPr>
+          <p:cNvSpPr>
+            <a:spLocks noGrp="1"/>
+          </p:cNvSpPr>
+          <p:nvPr>
+            <p:ph idx="1"/>
+          </p:nvPr>
+        </p:nvSpPr>
+        <p:spPr>
+          <a:xfrm>
+            <a:off x="609600" y="1143000"/>
+            <a:ext cx="8229600" cy="4572001"/>
+          </a:xfrm>
+        </p:spPr>
+        <p:txBody>
+          <a:bodyPr/>
+          <a:lstStyle/>
+          <a:p>
+            <a:r>
+              <a:rPr lang="en-US" sz="2400" dirty="0"/>
+              <a:t>Never write the same code (or data) twice</a:t>
+            </a:r>
+          </a:p>
+          <a:p>
+            <a:pPr lvl="1"/>
+            <a:r>
+              <a:rPr lang="en-US" sz="2000" dirty="0"/>
+              <a:t>Why? Copies always diverge</a:t>
+            </a:r>
+          </a:p>
+          <a:p>
+            <a:pPr lvl="1"/>
+            <a:r>
+              <a:rPr lang="en-US" sz="2000" dirty="0"/>
+              <a:t>Best practices: Use functions</a:t>
+            </a:r>
+          </a:p>
+          <a:p>
+            <a:r>
+              <a:rPr lang="en-US" sz="2400" dirty="0"/>
+              <a:t>Software components should have well-defined interfaces</a:t>
+            </a:r>
+          </a:p>
+          <a:p>
+            <a:pPr lvl="1"/>
+            <a:r>
+              <a:rPr lang="en-US" sz="2000" dirty="0"/>
+              <a:t>Why? Easy to understand, reuse, and modify components</a:t>
+            </a:r>
+          </a:p>
+          <a:p>
+            <a:pPr lvl="1"/>
+            <a:r>
+              <a:rPr lang="en-US" sz="2000" dirty="0"/>
+              <a:t>Best practices: No global variables, use functions</a:t>
+            </a:r>
+          </a:p>
+          <a:p>
+            <a:r>
+              <a:rPr lang="en-US" sz="2400" dirty="0"/>
+              <a:t>Write readable code</a:t>
+            </a:r>
+          </a:p>
+          <a:p>
+            <a:pPr lvl="1"/>
+            <a:r>
+              <a:rPr lang="en-US" sz="2000" dirty="0"/>
+              <a:t>Why? So others can understand and extend your work</a:t>
+            </a:r>
+          </a:p>
+          <a:p>
+            <a:pPr lvl="1"/>
+            <a:r>
+              <a:rPr lang="en-US" sz="2000" dirty="0"/>
+              <a:t>Best practices: function, module documentation, meaningful names</a:t>
+            </a:r>
+          </a:p>
+          <a:p>
+            <a:r>
+              <a:rPr lang="en-US" sz="2400" dirty="0"/>
+              <a:t>Write reproducible code</a:t>
+            </a:r>
+          </a:p>
+          <a:p>
+            <a:pPr lvl="1"/>
+            <a:r>
+              <a:rPr lang="en-US" sz="2000" dirty="0"/>
+              <a:t>Why? Reproducibility is the foundation of science</a:t>
+            </a:r>
+          </a:p>
+          <a:p>
+            <a:pPr lvl="1"/>
+            <a:r>
+              <a:rPr lang="en-US" sz="2000" dirty="0"/>
+              <a:t>Best practices: write tests for each function, no manual steps in computation studies, automated installs</a:t>
+            </a:r>
+          </a:p>
+        </p:txBody>
+      </p:sp>
+      <p:sp>
+        <p:nvSpPr>
+          <p:cNvPr id="4" name="Slide Number Placeholder 3">
+            <a:extLst>
+              <a:ext uri="{FF2B5EF4-FFF2-40B4-BE49-F238E27FC236}">
+                <a16:creationId xmlns:a16="http://schemas.microsoft.com/office/drawing/2014/main" id="{B5D1EB44-9A43-5F40-9D3D-4A169BDE2A52}"/>
+              </a:ext>
+            </a:extLst>
+          </p:cNvPr>
+          <p:cNvSpPr>
+            <a:spLocks noGrp="1"/>
+          </p:cNvSpPr>
+          <p:nvPr>
+            <p:ph type="sldNum" sz="quarter" idx="11"/>
+          </p:nvPr>
+        </p:nvSpPr>
+        <p:spPr/>
+        <p:txBody>
+          <a:bodyPr/>
+          <a:lstStyle/>
+          <a:p>
+            <a:pPr>
+              <a:defRPr/>
+            </a:pPr>
+            <a:fld id="{3EF4E9CC-9D91-476E-91FD-5BEEC1642931}" type="slidenum">
+              <a:rPr lang="en-US" altLang="x-none" smtClean="0"/>
+              <a:pPr>
+                <a:defRPr/>
+              </a:pPr>
+              <a:t>6</a:t>
+            </a:fld>
+            <a:endParaRPr lang="en-US" altLang="x-none"/>
+          </a:p>
+        </p:txBody>
+      </p:sp>
+    </p:spTree>
+    <p:extLst>
+      <p:ext uri="{BB962C8B-B14F-4D97-AF65-F5344CB8AC3E}">
+        <p14:creationId xmlns:p14="http://schemas.microsoft.com/office/powerpoint/2010/main" val="3776473833"/>
+      </p:ext>
+    </p:extLst>
+  </p:cSld>
+  <p:clrMapOvr>
+    <a:masterClrMapping/>
+  </p:clrMapOvr>
+  <p:timing>
+    <p:tnLst>
+      <p:par>
+        <p:cTn id="1" dur="indefinite" restart="never" nodeType="tmRoot">
+          <p:childTnLst>
+            <p:seq concurrent="1" nextAc="seek">
+              <p:cTn id="2" dur="indefinite" nodeType="mainSeq">
+                <p:childTnLst>
+                  <p:par>
+                    <p:cTn id="3" fill="hold">
+                      <p:stCondLst>
+                        <p:cond delay="indefinite"/>
+                      </p:stCondLst>
+                      <p:childTnLst>
+                        <p:par>
+                          <p:cTn id="4" fill="hold">
+                            <p:stCondLst>
+                              <p:cond delay="0"/>
+                            </p:stCondLst>
+                            <p:childTnLst>
+                              <p:par>
+                                <p:cTn id="5" presetID="1" presetClass="entr" presetSubtype="0" fill="hold" nodeType="clickEffect">
+                                  <p:stCondLst>
+                                    <p:cond delay="0"/>
+                                  </p:stCondLst>
+                                  <p:childTnLst>
+                                    <p:set>
+                                      <p:cBhvr>
+                                        <p:cTn id="6" dur="1" fill="hold">
+                                          <p:stCondLst>
+                                            <p:cond delay="0"/>
+                                          </p:stCondLst>
+                                        </p:cTn>
+                                        <p:tgtEl>
+                                          <p:spTgt spid="3">
+                                            <p:txEl>
+                                              <p:pRg st="0" end="0"/>
+                                            </p:txEl>
+                                          </p:spTgt>
+                                        </p:tgtEl>
+                                        <p:attrNameLst>
+                                          <p:attrName>style.visibility</p:attrName>
+                                        </p:attrNameLst>
+                                      </p:cBhvr>
+                                      <p:to>
+                                        <p:strVal val="visible"/>
+                                      </p:to>
+                                    </p:set>
+                                  </p:childTnLst>
+                                </p:cTn>
+                              </p:par>
+                              <p:par>
+                                <p:cTn id="7" presetID="1" presetClass="entr" presetSubtype="0" fill="hold" nodeType="withEffect">
+                                  <p:stCondLst>
+                                    <p:cond delay="0"/>
+                                  </p:stCondLst>
+                                  <p:childTnLst>
+                                    <p:set>
+                                      <p:cBhvr>
+                                        <p:cTn id="8" dur="1" fill="hold">
+                                          <p:stCondLst>
+                                            <p:cond delay="0"/>
+                                          </p:stCondLst>
+                                        </p:cTn>
+                                        <p:tgtEl>
+                                          <p:spTgt spid="3">
+                                            <p:txEl>
+                                              <p:pRg st="1" end="1"/>
+                                            </p:txEl>
+                                          </p:spTgt>
+                                        </p:tgtEl>
+                                        <p:attrNameLst>
+                                          <p:attrName>style.visibility</p:attrName>
+                                        </p:attrNameLst>
+                                      </p:cBhvr>
+                                      <p:to>
+                                        <p:strVal val="visible"/>
+                                      </p:to>
+                                    </p:set>
+                                  </p:childTnLst>
+                                </p:cTn>
+                              </p:par>
+                              <p:par>
+                                <p:cTn id="9" presetID="1" presetClass="entr" presetSubtype="0" fill="hold" nodeType="withEffect">
+                                  <p:stCondLst>
+                                    <p:cond delay="0"/>
+                                  </p:stCondLst>
+                                  <p:childTnLst>
+                                    <p:set>
+                                      <p:cBhvr>
+                                        <p:cTn id="10" dur="1" fill="hold">
+                                          <p:stCondLst>
+                                            <p:cond delay="0"/>
+                                          </p:stCondLst>
+                                        </p:cTn>
+                                        <p:tgtEl>
+                                          <p:spTgt spid="3">
+                                            <p:txEl>
+                                              <p:pRg st="2" end="2"/>
+                                            </p:txEl>
+                                          </p:spTgt>
+                                        </p:tgtEl>
+                                        <p:attrNameLst>
+                                          <p:attrName>style.visibility</p:attrName>
+                                        </p:attrNameLst>
+                                      </p:cBhvr>
+                                      <p:to>
+                                        <p:strVal val="visible"/>
+                                      </p:to>
+                                    </p:set>
+                                  </p:childTnLst>
+                                </p:cTn>
+                              </p:par>
+                            </p:childTnLst>
+                          </p:cTn>
+                        </p:par>
+                      </p:childTnLst>
+                    </p:cTn>
+                  </p:par>
+                  <p:par>
+                    <p:cTn id="11" fill="hold">
+                      <p:stCondLst>
+                        <p:cond delay="indefinite"/>
+                      </p:stCondLst>
+                      <p:childTnLst>
+                        <p:par>
+                          <p:cTn id="12" fill="hold">
+                            <p:stCondLst>
+                              <p:cond delay="0"/>
+                            </p:stCondLst>
+                            <p:childTnLst>
+                              <p:par>
+                                <p:cTn id="13" presetID="1" presetClass="entr" presetSubtype="0" fill="hold" nodeType="clickEffect">
+                                  <p:stCondLst>
+                                    <p:cond delay="0"/>
+                                  </p:stCondLst>
+                                  <p:childTnLst>
+                                    <p:set>
+                                      <p:cBhvr>
+                                        <p:cTn id="14" dur="1" fill="hold">
+                                          <p:stCondLst>
+                                            <p:cond delay="0"/>
+                                          </p:stCondLst>
+                                        </p:cTn>
+                                        <p:tgtEl>
+                                          <p:spTgt spid="3">
+                                            <p:txEl>
+                                              <p:pRg st="3" end="3"/>
+                                            </p:txEl>
+                                          </p:spTgt>
+                                        </p:tgtEl>
+                                        <p:attrNameLst>
+                                          <p:attrName>style.visibility</p:attrName>
+                                        </p:attrNameLst>
+                                      </p:cBhvr>
+                                      <p:to>
+                                        <p:strVal val="visible"/>
+                                      </p:to>
+                                    </p:set>
+                                  </p:childTnLst>
+                                </p:cTn>
+                              </p:par>
+                              <p:par>
+                                <p:cTn id="15" presetID="1" presetClass="entr" presetSubtype="0" fill="hold" nodeType="withEffect">
+                                  <p:stCondLst>
+                                    <p:cond delay="0"/>
+                                  </p:stCondLst>
+                                  <p:childTnLst>
+                                    <p:set>
+                                      <p:cBhvr>
+                                        <p:cTn id="16" dur="1" fill="hold">
+                                          <p:stCondLst>
+                                            <p:cond delay="0"/>
+                                          </p:stCondLst>
+                                        </p:cTn>
+                                        <p:tgtEl>
+                                          <p:spTgt spid="3">
+                                            <p:txEl>
+                                              <p:pRg st="4" end="4"/>
+                                            </p:txEl>
+                                          </p:spTgt>
+                                        </p:tgtEl>
+                                        <p:attrNameLst>
+                                          <p:attrName>style.visibility</p:attrName>
+                                        </p:attrNameLst>
+                                      </p:cBhvr>
+                                      <p:to>
+                                        <p:strVal val="visible"/>
+                                      </p:to>
+                                    </p:set>
+                                  </p:childTnLst>
+                                </p:cTn>
+                              </p:par>
+                              <p:par>
+                                <p:cTn id="17" presetID="1" presetClass="entr" presetSubtype="0" fill="hold" nodeType="withEffect">
+                                  <p:stCondLst>
+                                    <p:cond delay="0"/>
+                                  </p:stCondLst>
+                                  <p:childTnLst>
+                                    <p:set>
+                                      <p:cBhvr>
+                                        <p:cTn id="18" dur="1" fill="hold">
+                                          <p:stCondLst>
+                                            <p:cond delay="0"/>
+                                          </p:stCondLst>
+                                        </p:cTn>
+                                        <p:tgtEl>
+                                          <p:spTgt spid="3">
+                                            <p:txEl>
+                                              <p:pRg st="5" end="5"/>
+                                            </p:txEl>
+                                          </p:spTgt>
+                                        </p:tgtEl>
+                                        <p:attrNameLst>
+                                          <p:attrName>style.visibility</p:attrName>
+                                        </p:attrNameLst>
+                                      </p:cBhvr>
+                                      <p:to>
+                                        <p:strVal val="visible"/>
+                                      </p:to>
+                                    </p:set>
+                                  </p:childTnLst>
+                                </p:cTn>
+                              </p:par>
+                            </p:childTnLst>
+                          </p:cTn>
+                        </p:par>
+                      </p:childTnLst>
+                    </p:cTn>
+                  </p:par>
+                  <p:par>
+                    <p:cTn id="19" fill="hold">
+                      <p:stCondLst>
+                        <p:cond delay="indefinite"/>
+                      </p:stCondLst>
+                      <p:childTnLst>
+                        <p:par>
+                          <p:cTn id="20" fill="hold">
+                            <p:stCondLst>
+                              <p:cond delay="0"/>
+                            </p:stCondLst>
+                            <p:childTnLst>
+                              <p:par>
+                                <p:cTn id="21" presetID="1" presetClass="entr" presetSubtype="0" fill="hold" nodeType="clickEffect">
+                                  <p:stCondLst>
+                                    <p:cond delay="0"/>
+                                  </p:stCondLst>
+                                  <p:childTnLst>
+                                    <p:set>
+                                      <p:cBhvr>
+                                        <p:cTn id="22" dur="1" fill="hold">
+                                          <p:stCondLst>
+                                            <p:cond delay="0"/>
+                                          </p:stCondLst>
+                                        </p:cTn>
+                                        <p:tgtEl>
+                                          <p:spTgt spid="3">
+                                            <p:txEl>
+                                              <p:pRg st="6" end="6"/>
+                                            </p:txEl>
+                                          </p:spTgt>
+                                        </p:tgtEl>
+                                        <p:attrNameLst>
+                                          <p:attrName>style.visibility</p:attrName>
+                                        </p:attrNameLst>
+                                      </p:cBhvr>
+                                      <p:to>
+                                        <p:strVal val="visible"/>
+                                      </p:to>
+                                    </p:set>
+                                  </p:childTnLst>
+                                </p:cTn>
+                              </p:par>
+                              <p:par>
+                                <p:cTn id="23" presetID="1" presetClass="entr" presetSubtype="0" fill="hold" nodeType="withEffect">
+                                  <p:stCondLst>
+                                    <p:cond delay="0"/>
+                                  </p:stCondLst>
+                                  <p:childTnLst>
+                                    <p:set>
+                                      <p:cBhvr>
+                                        <p:cTn id="24" dur="1" fill="hold">
+                                          <p:stCondLst>
+                                            <p:cond delay="0"/>
+                                          </p:stCondLst>
+                                        </p:cTn>
+                                        <p:tgtEl>
+                                          <p:spTgt spid="3">
+                                            <p:txEl>
+                                              <p:pRg st="7" end="7"/>
+                                            </p:txEl>
+                                          </p:spTgt>
+                                        </p:tgtEl>
+                                        <p:attrNameLst>
+                                          <p:attrName>style.visibility</p:attrName>
+                                        </p:attrNameLst>
+                                      </p:cBhvr>
+                                      <p:to>
+                                        <p:strVal val="visible"/>
+                                      </p:to>
+                                    </p:set>
+                                  </p:childTnLst>
+                                </p:cTn>
+                              </p:par>
+                              <p:par>
+                                <p:cTn id="25" presetID="1" presetClass="entr" presetSubtype="0" fill="hold" nodeType="withEffect">
+                                  <p:stCondLst>
+                                    <p:cond delay="0"/>
+                                  </p:stCondLst>
+                                  <p:childTnLst>
+                                    <p:set>
+                                      <p:cBhvr>
+                                        <p:cTn id="26" dur="1" fill="hold">
+                                          <p:stCondLst>
+                                            <p:cond delay="0"/>
+                                          </p:stCondLst>
+                                        </p:cTn>
+                                        <p:tgtEl>
+                                          <p:spTgt spid="3">
+                                            <p:txEl>
+                                              <p:pRg st="8" end="8"/>
+                                            </p:txEl>
+                                          </p:spTgt>
+                                        </p:tgtEl>
+                                        <p:attrNameLst>
+                                          <p:attrName>style.visibility</p:attrName>
+                                        </p:attrNameLst>
+                                      </p:cBhvr>
+                                      <p:to>
+                                        <p:strVal val="visible"/>
+                                      </p:to>
+                                    </p:set>
+                                  </p:childTnLst>
+                                </p:cTn>
+                              </p:par>
+                            </p:childTnLst>
+                          </p:cTn>
+                        </p:par>
+                      </p:childTnLst>
+                    </p:cTn>
+                  </p:par>
+                  <p:par>
+                    <p:cTn id="27" fill="hold">
+                      <p:stCondLst>
+                        <p:cond delay="indefinite"/>
+                      </p:stCondLst>
+                      <p:childTnLst>
+                        <p:par>
+                          <p:cTn id="28" fill="hold">
+                            <p:stCondLst>
+                              <p:cond delay="0"/>
+                            </p:stCondLst>
+                            <p:childTnLst>
+                              <p:par>
+                                <p:cTn id="29" presetID="1" presetClass="entr" presetSubtype="0" fill="hold" nodeType="clickEffect">
+                                  <p:stCondLst>
+                                    <p:cond delay="0"/>
+                                  </p:stCondLst>
+                                  <p:childTnLst>
+                                    <p:set>
+                                      <p:cBhvr>
+                                        <p:cTn id="30" dur="1" fill="hold">
+                                          <p:stCondLst>
+                                            <p:cond delay="0"/>
+                                          </p:stCondLst>
+                                        </p:cTn>
+                                        <p:tgtEl>
+                                          <p:spTgt spid="3">
+                                            <p:txEl>
+                                              <p:pRg st="9" end="9"/>
+                                            </p:txEl>
+                                          </p:spTgt>
+                                        </p:tgtEl>
+                                        <p:attrNameLst>
+                                          <p:attrName>style.visibility</p:attrName>
+                                        </p:attrNameLst>
+                                      </p:cBhvr>
+                                      <p:to>
+                                        <p:strVal val="visible"/>
+                                      </p:to>
+                                    </p:set>
+                                  </p:childTnLst>
+                                </p:cTn>
+                              </p:par>
+                              <p:par>
+                                <p:cTn id="31" presetID="1" presetClass="entr" presetSubtype="0" fill="hold" nodeType="withEffect">
+                                  <p:stCondLst>
+                                    <p:cond delay="0"/>
+                                  </p:stCondLst>
+                                  <p:childTnLst>
+                                    <p:set>
+                                      <p:cBhvr>
+                                        <p:cTn id="32" dur="1" fill="hold">
+                                          <p:stCondLst>
+                                            <p:cond delay="0"/>
+                                          </p:stCondLst>
+                                        </p:cTn>
+                                        <p:tgtEl>
+                                          <p:spTgt spid="3">
+                                            <p:txEl>
+                                              <p:pRg st="10" end="10"/>
+                                            </p:txEl>
+                                          </p:spTgt>
+                                        </p:tgtEl>
+                                        <p:attrNameLst>
+                                          <p:attrName>style.visibility</p:attrName>
+                                        </p:attrNameLst>
+                                      </p:cBhvr>
+                                      <p:to>
+                                        <p:strVal val="visible"/>
+                                      </p:to>
+                                    </p:set>
+                                  </p:childTnLst>
+                                </p:cTn>
+                              </p:par>
+                              <p:par>
+                                <p:cTn id="33" presetID="1" presetClass="entr" presetSubtype="0" fill="hold" nodeType="withEffect">
+                                  <p:stCondLst>
+                                    <p:cond delay="0"/>
+                                  </p:stCondLst>
+                                  <p:childTnLst>
+                                    <p:set>
+                                      <p:cBhvr>
+                                        <p:cTn id="34" dur="1" fill="hold">
+                                          <p:stCondLst>
+                                            <p:cond delay="0"/>
+                                          </p:stCondLst>
+                                        </p:cTn>
+                                        <p:tgtEl>
+                                          <p:spTgt spid="3">
+                                            <p:txEl>
+                                              <p:pRg st="11" end="11"/>
+                                            </p:txEl>
+                                          </p:spTgt>
                                         </p:tgtEl>
                                         <p:attrNameLst>
                                           <p:attrName>style.visibility</p:attrName>
@@ -7634,7 +8347,7 @@
           <p:cNvPr id="2" name="Title 1">
             <a:extLst>
               <a:ext uri="{FF2B5EF4-FFF2-40B4-BE49-F238E27FC236}">
-                <a16:creationId xmlns:a16="http://schemas.microsoft.com/office/drawing/2014/main" id="{3C7E67AC-19A8-A84A-AD29-CE9094C8D37C}"/>
+                <a16:creationId xmlns:a16="http://schemas.microsoft.com/office/drawing/2014/main" id="{239FCCAA-5D8C-DD45-B09D-A0FC06360657}"/>
               </a:ext>
             </a:extLst>
           </p:cNvPr>
@@ -7652,17 +8365,17 @@
           <a:p>
             <a:r>
               <a:rPr lang="en-US" dirty="0"/>
-              <a:t>Generating a Synthetic Response Data</a:t>
-            </a:r>
-          </a:p>
-        </p:txBody>
-      </p:sp>
-      <p:sp>
-        <p:nvSpPr>
-          <p:cNvPr id="4" name="Content Placeholder 3">
+              <a:t>Key Terms in the Workflow</a:t>
+            </a:r>
+          </a:p>
+        </p:txBody>
+      </p:sp>
+      <p:sp>
+        <p:nvSpPr>
+          <p:cNvPr id="3" name="Content Placeholder 2">
             <a:extLst>
               <a:ext uri="{FF2B5EF4-FFF2-40B4-BE49-F238E27FC236}">
-                <a16:creationId xmlns:a16="http://schemas.microsoft.com/office/drawing/2014/main" id="{467EA42C-8833-EF4C-974C-06FAC4D63BBB}"/>
+                <a16:creationId xmlns:a16="http://schemas.microsoft.com/office/drawing/2014/main" id="{98B6C996-CD2D-EB4B-AA4A-75786795FFBA}"/>
               </a:ext>
             </a:extLst>
           </p:cNvPr>
@@ -7678,423 +8391,40 @@
           <a:bodyPr/>
           <a:lstStyle/>
           <a:p>
-            <a:pPr marL="0" indent="0">
-              <a:buNone/>
-            </a:pPr>
-            <a:r>
-              <a:rPr lang="en-US" sz="2000" dirty="0">
-                <a:latin typeface="Courier New" panose="02070309020205020404" pitchFamily="49" charset="0"/>
-                <a:cs typeface="Courier New" panose="02070309020205020404" pitchFamily="49" charset="0"/>
-              </a:rPr>
-              <a:t>def </a:t>
-            </a:r>
-            <a:r>
-              <a:rPr lang="en-US" sz="2000" dirty="0" err="1">
-                <a:latin typeface="Courier New" panose="02070309020205020404" pitchFamily="49" charset="0"/>
-                <a:cs typeface="Courier New" panose="02070309020205020404" pitchFamily="49" charset="0"/>
-              </a:rPr>
-              <a:t>generateData</a:t>
-            </a:r>
-            <a:r>
-              <a:rPr lang="en-US" sz="2000" dirty="0">
-                <a:latin typeface="Courier New" panose="02070309020205020404" pitchFamily="49" charset="0"/>
-                <a:cs typeface="Courier New" panose="02070309020205020404" pitchFamily="49" charset="0"/>
-              </a:rPr>
-              <a:t>(</a:t>
-            </a:r>
-            <a:r>
-              <a:rPr lang="en-US" sz="2000" dirty="0" err="1">
-                <a:latin typeface="Courier New" panose="02070309020205020404" pitchFamily="49" charset="0"/>
-                <a:cs typeface="Courier New" panose="02070309020205020404" pitchFamily="49" charset="0"/>
-              </a:rPr>
-              <a:t>y_obs</a:t>
-            </a:r>
-            <a:r>
-              <a:rPr lang="en-US" sz="2000" dirty="0">
-                <a:latin typeface="Courier New" panose="02070309020205020404" pitchFamily="49" charset="0"/>
-                <a:cs typeface="Courier New" panose="02070309020205020404" pitchFamily="49" charset="0"/>
-              </a:rPr>
-              <a:t>, </a:t>
-            </a:r>
-            <a:r>
-              <a:rPr lang="en-US" sz="2000" dirty="0" err="1">
-                <a:latin typeface="Courier New" panose="02070309020205020404" pitchFamily="49" charset="0"/>
-                <a:cs typeface="Courier New" panose="02070309020205020404" pitchFamily="49" charset="0"/>
-              </a:rPr>
-              <a:t>y_fit</a:t>
-            </a:r>
-            <a:r>
-              <a:rPr lang="en-US" sz="2000" dirty="0">
-                <a:latin typeface="Courier New" panose="02070309020205020404" pitchFamily="49" charset="0"/>
-                <a:cs typeface="Courier New" panose="02070309020205020404" pitchFamily="49" charset="0"/>
-              </a:rPr>
-              <a:t>):</a:t>
-            </a:r>
-          </a:p>
-          <a:p>
-            <a:pPr marL="0" indent="0">
-              <a:buNone/>
-            </a:pPr>
-            <a:r>
-              <a:rPr lang="en-US" sz="2000" dirty="0">
-                <a:latin typeface="Courier New" panose="02070309020205020404" pitchFamily="49" charset="0"/>
-                <a:cs typeface="Courier New" panose="02070309020205020404" pitchFamily="49" charset="0"/>
-              </a:rPr>
-              <a:t>    """</a:t>
-            </a:r>
-          </a:p>
-          <a:p>
-            <a:pPr marL="0" indent="0">
-              <a:buNone/>
-            </a:pPr>
-            <a:r>
-              <a:rPr lang="en-US" sz="2000" dirty="0">
-                <a:latin typeface="Courier New" panose="02070309020205020404" pitchFamily="49" charset="0"/>
-                <a:cs typeface="Courier New" panose="02070309020205020404" pitchFamily="49" charset="0"/>
-              </a:rPr>
-              <a:t>    :</a:t>
-            </a:r>
-            <a:r>
-              <a:rPr lang="en-US" sz="2000" dirty="0" err="1">
-                <a:latin typeface="Courier New" panose="02070309020205020404" pitchFamily="49" charset="0"/>
-                <a:cs typeface="Courier New" panose="02070309020205020404" pitchFamily="49" charset="0"/>
-              </a:rPr>
-              <a:t>param</a:t>
-            </a:r>
-            <a:r>
-              <a:rPr lang="en-US" sz="2000" dirty="0">
-                <a:latin typeface="Courier New" panose="02070309020205020404" pitchFamily="49" charset="0"/>
-                <a:cs typeface="Courier New" panose="02070309020205020404" pitchFamily="49" charset="0"/>
-              </a:rPr>
-              <a:t> </a:t>
-            </a:r>
-            <a:r>
-              <a:rPr lang="en-US" sz="2000" dirty="0" err="1">
-                <a:latin typeface="Courier New" panose="02070309020205020404" pitchFamily="49" charset="0"/>
-                <a:cs typeface="Courier New" panose="02070309020205020404" pitchFamily="49" charset="0"/>
-              </a:rPr>
-              <a:t>np.array</a:t>
-            </a:r>
-            <a:r>
-              <a:rPr lang="en-US" sz="2000" dirty="0">
-                <a:latin typeface="Courier New" panose="02070309020205020404" pitchFamily="49" charset="0"/>
-                <a:cs typeface="Courier New" panose="02070309020205020404" pitchFamily="49" charset="0"/>
-              </a:rPr>
-              <a:t> </a:t>
-            </a:r>
-            <a:r>
-              <a:rPr lang="en-US" sz="2000" dirty="0" err="1">
-                <a:latin typeface="Courier New" panose="02070309020205020404" pitchFamily="49" charset="0"/>
-                <a:cs typeface="Courier New" panose="02070309020205020404" pitchFamily="49" charset="0"/>
-              </a:rPr>
-              <a:t>y_obs</a:t>
-            </a:r>
-            <a:endParaRPr lang="en-US" sz="2000" dirty="0">
-              <a:latin typeface="Courier New" panose="02070309020205020404" pitchFamily="49" charset="0"/>
-              <a:cs typeface="Courier New" panose="02070309020205020404" pitchFamily="49" charset="0"/>
-            </a:endParaRPr>
-          </a:p>
-          <a:p>
-            <a:pPr marL="0" indent="0">
-              <a:buNone/>
-            </a:pPr>
-            <a:r>
-              <a:rPr lang="en-US" sz="2000" dirty="0">
-                <a:latin typeface="Courier New" panose="02070309020205020404" pitchFamily="49" charset="0"/>
-                <a:cs typeface="Courier New" panose="02070309020205020404" pitchFamily="49" charset="0"/>
-              </a:rPr>
-              <a:t>    :</a:t>
-            </a:r>
-            <a:r>
-              <a:rPr lang="en-US" sz="2000" dirty="0" err="1">
-                <a:latin typeface="Courier New" panose="02070309020205020404" pitchFamily="49" charset="0"/>
-                <a:cs typeface="Courier New" panose="02070309020205020404" pitchFamily="49" charset="0"/>
-              </a:rPr>
-              <a:t>param</a:t>
-            </a:r>
-            <a:r>
-              <a:rPr lang="en-US" sz="2000" dirty="0">
-                <a:latin typeface="Courier New" panose="02070309020205020404" pitchFamily="49" charset="0"/>
-                <a:cs typeface="Courier New" panose="02070309020205020404" pitchFamily="49" charset="0"/>
-              </a:rPr>
-              <a:t> </a:t>
-            </a:r>
-            <a:r>
-              <a:rPr lang="en-US" sz="2000" dirty="0" err="1">
-                <a:latin typeface="Courier New" panose="02070309020205020404" pitchFamily="49" charset="0"/>
-                <a:cs typeface="Courier New" panose="02070309020205020404" pitchFamily="49" charset="0"/>
-              </a:rPr>
-              <a:t>np.array</a:t>
-            </a:r>
-            <a:r>
-              <a:rPr lang="en-US" sz="2000" dirty="0">
-                <a:latin typeface="Courier New" panose="02070309020205020404" pitchFamily="49" charset="0"/>
-                <a:cs typeface="Courier New" panose="02070309020205020404" pitchFamily="49" charset="0"/>
-              </a:rPr>
-              <a:t> </a:t>
-            </a:r>
-            <a:r>
-              <a:rPr lang="en-US" sz="2000" dirty="0" err="1">
-                <a:latin typeface="Courier New" panose="02070309020205020404" pitchFamily="49" charset="0"/>
-                <a:cs typeface="Courier New" panose="02070309020205020404" pitchFamily="49" charset="0"/>
-              </a:rPr>
-              <a:t>y_fit</a:t>
-            </a:r>
-            <a:endParaRPr lang="en-US" sz="2000" dirty="0">
-              <a:latin typeface="Courier New" panose="02070309020205020404" pitchFamily="49" charset="0"/>
-              <a:cs typeface="Courier New" panose="02070309020205020404" pitchFamily="49" charset="0"/>
-            </a:endParaRPr>
-          </a:p>
-          <a:p>
-            <a:pPr marL="0" indent="0">
-              <a:buNone/>
-            </a:pPr>
-            <a:r>
-              <a:rPr lang="en-US" sz="2000" dirty="0">
-                <a:latin typeface="Courier New" panose="02070309020205020404" pitchFamily="49" charset="0"/>
-                <a:cs typeface="Courier New" panose="02070309020205020404" pitchFamily="49" charset="0"/>
-              </a:rPr>
-              <a:t>    :return </a:t>
-            </a:r>
-            <a:r>
-              <a:rPr lang="en-US" sz="2000" dirty="0" err="1">
-                <a:latin typeface="Courier New" panose="02070309020205020404" pitchFamily="49" charset="0"/>
-                <a:cs typeface="Courier New" panose="02070309020205020404" pitchFamily="49" charset="0"/>
-              </a:rPr>
-              <a:t>np.array</a:t>
-            </a:r>
-            <a:r>
-              <a:rPr lang="en-US" sz="2000" dirty="0">
-                <a:latin typeface="Courier New" panose="02070309020205020404" pitchFamily="49" charset="0"/>
-                <a:cs typeface="Courier New" panose="02070309020205020404" pitchFamily="49" charset="0"/>
-              </a:rPr>
-              <a:t>: bootstrap data</a:t>
-            </a:r>
-          </a:p>
-          <a:p>
-            <a:pPr marL="0" indent="0">
-              <a:buNone/>
-            </a:pPr>
-            <a:r>
-              <a:rPr lang="en-US" sz="2000" dirty="0">
-                <a:latin typeface="Courier New" panose="02070309020205020404" pitchFamily="49" charset="0"/>
-                <a:cs typeface="Courier New" panose="02070309020205020404" pitchFamily="49" charset="0"/>
-              </a:rPr>
-              <a:t>    """</a:t>
-            </a:r>
-          </a:p>
-          <a:p>
-            <a:pPr marL="0" indent="0">
-              <a:buNone/>
-            </a:pPr>
-            <a:r>
-              <a:rPr lang="en-US" sz="2000" dirty="0">
-                <a:latin typeface="Courier New" panose="02070309020205020404" pitchFamily="49" charset="0"/>
-                <a:cs typeface="Courier New" panose="02070309020205020404" pitchFamily="49" charset="0"/>
-              </a:rPr>
-              <a:t>    residuals = </a:t>
-            </a:r>
-            <a:r>
-              <a:rPr lang="en-US" sz="2000" dirty="0" err="1">
-                <a:latin typeface="Courier New" panose="02070309020205020404" pitchFamily="49" charset="0"/>
-                <a:cs typeface="Courier New" panose="02070309020205020404" pitchFamily="49" charset="0"/>
-              </a:rPr>
-              <a:t>y_obs</a:t>
-            </a:r>
-            <a:r>
-              <a:rPr lang="en-US" sz="2000" dirty="0">
-                <a:latin typeface="Courier New" panose="02070309020205020404" pitchFamily="49" charset="0"/>
-                <a:cs typeface="Courier New" panose="02070309020205020404" pitchFamily="49" charset="0"/>
-              </a:rPr>
-              <a:t> - </a:t>
-            </a:r>
-            <a:r>
-              <a:rPr lang="en-US" sz="2000" dirty="0" err="1">
-                <a:latin typeface="Courier New" panose="02070309020205020404" pitchFamily="49" charset="0"/>
-                <a:cs typeface="Courier New" panose="02070309020205020404" pitchFamily="49" charset="0"/>
-              </a:rPr>
-              <a:t>y_fit</a:t>
-            </a:r>
-            <a:endParaRPr lang="en-US" sz="2000" dirty="0">
-              <a:latin typeface="Courier New" panose="02070309020205020404" pitchFamily="49" charset="0"/>
-              <a:cs typeface="Courier New" panose="02070309020205020404" pitchFamily="49" charset="0"/>
-            </a:endParaRPr>
-          </a:p>
-          <a:p>
-            <a:pPr marL="0" indent="0">
-              <a:buNone/>
-            </a:pPr>
-            <a:r>
-              <a:rPr lang="en-US" sz="2000" dirty="0">
-                <a:latin typeface="Courier New" panose="02070309020205020404" pitchFamily="49" charset="0"/>
-                <a:cs typeface="Courier New" panose="02070309020205020404" pitchFamily="49" charset="0"/>
-              </a:rPr>
-              <a:t>    length = </a:t>
-            </a:r>
-            <a:r>
-              <a:rPr lang="en-US" sz="2000" dirty="0" err="1">
-                <a:latin typeface="Courier New" panose="02070309020205020404" pitchFamily="49" charset="0"/>
-                <a:cs typeface="Courier New" panose="02070309020205020404" pitchFamily="49" charset="0"/>
-              </a:rPr>
-              <a:t>len</a:t>
-            </a:r>
-            <a:r>
-              <a:rPr lang="en-US" sz="2000" dirty="0">
-                <a:latin typeface="Courier New" panose="02070309020205020404" pitchFamily="49" charset="0"/>
-                <a:cs typeface="Courier New" panose="02070309020205020404" pitchFamily="49" charset="0"/>
-              </a:rPr>
-              <a:t>(</a:t>
-            </a:r>
-            <a:r>
-              <a:rPr lang="en-US" sz="2000" dirty="0" err="1">
-                <a:latin typeface="Courier New" panose="02070309020205020404" pitchFamily="49" charset="0"/>
-                <a:cs typeface="Courier New" panose="02070309020205020404" pitchFamily="49" charset="0"/>
-              </a:rPr>
-              <a:t>y_obs</a:t>
-            </a:r>
-            <a:r>
-              <a:rPr lang="en-US" sz="2000" dirty="0">
-                <a:latin typeface="Courier New" panose="02070309020205020404" pitchFamily="49" charset="0"/>
-                <a:cs typeface="Courier New" panose="02070309020205020404" pitchFamily="49" charset="0"/>
-              </a:rPr>
-              <a:t>)</a:t>
-            </a:r>
-          </a:p>
-          <a:p>
-            <a:pPr marL="0" indent="0">
-              <a:buNone/>
-            </a:pPr>
-            <a:r>
-              <a:rPr lang="en-US" sz="2000" dirty="0">
-                <a:latin typeface="Courier New" panose="02070309020205020404" pitchFamily="49" charset="0"/>
-                <a:cs typeface="Courier New" panose="02070309020205020404" pitchFamily="49" charset="0"/>
-              </a:rPr>
-              <a:t>    residuals = </a:t>
-            </a:r>
-            <a:r>
-              <a:rPr lang="en-US" sz="2000" dirty="0" err="1">
-                <a:latin typeface="Courier New" panose="02070309020205020404" pitchFamily="49" charset="0"/>
-                <a:cs typeface="Courier New" panose="02070309020205020404" pitchFamily="49" charset="0"/>
-              </a:rPr>
-              <a:t>residuals.reshape</a:t>
-            </a:r>
-            <a:r>
-              <a:rPr lang="en-US" sz="2000" dirty="0">
-                <a:latin typeface="Courier New" panose="02070309020205020404" pitchFamily="49" charset="0"/>
-                <a:cs typeface="Courier New" panose="02070309020205020404" pitchFamily="49" charset="0"/>
-              </a:rPr>
-              <a:t>(length)</a:t>
-            </a:r>
-          </a:p>
-          <a:p>
-            <a:pPr marL="0" indent="0">
-              <a:buNone/>
-            </a:pPr>
-            <a:r>
-              <a:rPr lang="en-US" sz="2000" dirty="0">
-                <a:latin typeface="Courier New" panose="02070309020205020404" pitchFamily="49" charset="0"/>
-                <a:cs typeface="Courier New" panose="02070309020205020404" pitchFamily="49" charset="0"/>
-              </a:rPr>
-              <a:t>    samples = </a:t>
-            </a:r>
-            <a:r>
-              <a:rPr lang="en-US" sz="2000" dirty="0" err="1">
-                <a:latin typeface="Courier New" panose="02070309020205020404" pitchFamily="49" charset="0"/>
-                <a:cs typeface="Courier New" panose="02070309020205020404" pitchFamily="49" charset="0"/>
-              </a:rPr>
-              <a:t>np.random.randint</a:t>
-            </a:r>
-            <a:r>
-              <a:rPr lang="en-US" sz="2000" dirty="0">
-                <a:latin typeface="Courier New" panose="02070309020205020404" pitchFamily="49" charset="0"/>
-                <a:cs typeface="Courier New" panose="02070309020205020404" pitchFamily="49" charset="0"/>
-              </a:rPr>
-              <a:t>(0, length</a:t>
-            </a:r>
-            <a:r>
-              <a:rPr lang="en-US" sz="2000">
-                <a:latin typeface="Courier New" panose="02070309020205020404" pitchFamily="49" charset="0"/>
-                <a:cs typeface="Courier New" panose="02070309020205020404" pitchFamily="49" charset="0"/>
-              </a:rPr>
-              <a:t>, length)</a:t>
-            </a:r>
-            <a:endParaRPr lang="en-US" sz="2000" dirty="0">
-              <a:latin typeface="Courier New" panose="02070309020205020404" pitchFamily="49" charset="0"/>
-              <a:cs typeface="Courier New" panose="02070309020205020404" pitchFamily="49" charset="0"/>
-            </a:endParaRPr>
-          </a:p>
-          <a:p>
-            <a:pPr marL="0" indent="0">
-              <a:buNone/>
-            </a:pPr>
-            <a:r>
-              <a:rPr lang="en-US" sz="2000" dirty="0">
-                <a:latin typeface="Courier New" panose="02070309020205020404" pitchFamily="49" charset="0"/>
-                <a:cs typeface="Courier New" panose="02070309020205020404" pitchFamily="49" charset="0"/>
-              </a:rPr>
-              <a:t>    result = </a:t>
-            </a:r>
-            <a:r>
-              <a:rPr lang="en-US" sz="2000" dirty="0" err="1">
-                <a:latin typeface="Courier New" panose="02070309020205020404" pitchFamily="49" charset="0"/>
-                <a:cs typeface="Courier New" panose="02070309020205020404" pitchFamily="49" charset="0"/>
-              </a:rPr>
-              <a:t>y_fit</a:t>
-            </a:r>
-            <a:r>
-              <a:rPr lang="en-US" sz="2000" dirty="0">
-                <a:latin typeface="Courier New" panose="02070309020205020404" pitchFamily="49" charset="0"/>
-                <a:cs typeface="Courier New" panose="02070309020205020404" pitchFamily="49" charset="0"/>
-              </a:rPr>
-              <a:t> + residuals[samples]</a:t>
-            </a:r>
-          </a:p>
-          <a:p>
-            <a:pPr marL="0" indent="0">
-              <a:buNone/>
-            </a:pPr>
-            <a:r>
-              <a:rPr lang="en-US" sz="2000" dirty="0">
-                <a:latin typeface="Courier New" panose="02070309020205020404" pitchFamily="49" charset="0"/>
-                <a:cs typeface="Courier New" panose="02070309020205020404" pitchFamily="49" charset="0"/>
-              </a:rPr>
-              <a:t>    result = </a:t>
-            </a:r>
-            <a:r>
-              <a:rPr lang="en-US" sz="2000" dirty="0" err="1">
-                <a:latin typeface="Courier New" panose="02070309020205020404" pitchFamily="49" charset="0"/>
-                <a:cs typeface="Courier New" panose="02070309020205020404" pitchFamily="49" charset="0"/>
-              </a:rPr>
-              <a:t>result.reshape</a:t>
-            </a:r>
-            <a:r>
-              <a:rPr lang="en-US" sz="2000" dirty="0">
-                <a:latin typeface="Courier New" panose="02070309020205020404" pitchFamily="49" charset="0"/>
-                <a:cs typeface="Courier New" panose="02070309020205020404" pitchFamily="49" charset="0"/>
-              </a:rPr>
-              <a:t>(length)</a:t>
-            </a:r>
-          </a:p>
-          <a:p>
-            <a:pPr marL="0" indent="0">
-              <a:buNone/>
-            </a:pPr>
-            <a:r>
-              <a:rPr lang="en-US" sz="2000" dirty="0">
-                <a:latin typeface="Courier New" panose="02070309020205020404" pitchFamily="49" charset="0"/>
-                <a:cs typeface="Courier New" panose="02070309020205020404" pitchFamily="49" charset="0"/>
-              </a:rPr>
-              <a:t>    return result</a:t>
-            </a:r>
-          </a:p>
-        </p:txBody>
-      </p:sp>
-      <p:sp>
-        <p:nvSpPr>
-          <p:cNvPr id="3" name="Slide Number Placeholder 2">
+            <a:r>
+              <a:rPr lang="en-US" b="1" dirty="0"/>
+              <a:t>Functionalize</a:t>
+            </a:r>
+          </a:p>
+          <a:p>
+            <a:pPr lvl="1"/>
+            <a:r>
+              <a:rPr lang="en-US" dirty="0"/>
+              <a:t>Transforming a script into a function: arguments, return value</a:t>
+            </a:r>
+          </a:p>
+          <a:p>
+            <a:r>
+              <a:rPr lang="en-US" b="1" dirty="0" err="1"/>
+              <a:t>Unittest</a:t>
+            </a:r>
+            <a:endParaRPr lang="en-US" b="1" dirty="0"/>
+          </a:p>
+          <a:p>
+            <a:pPr lvl="1"/>
+            <a:r>
+              <a:rPr lang="en-US" dirty="0"/>
+              <a:t>Code that runs a function and has additional code that checks the validity of the returned value.</a:t>
+            </a:r>
+          </a:p>
+        </p:txBody>
+      </p:sp>
+      <p:sp>
+        <p:nvSpPr>
+          <p:cNvPr id="4" name="Slide Number Placeholder 3">
             <a:extLst>
               <a:ext uri="{FF2B5EF4-FFF2-40B4-BE49-F238E27FC236}">
-                <a16:creationId xmlns:a16="http://schemas.microsoft.com/office/drawing/2014/main" id="{9726B264-DF07-A34E-A052-73194C3256CB}"/>
+                <a16:creationId xmlns:a16="http://schemas.microsoft.com/office/drawing/2014/main" id="{512DC3E8-8E44-494A-BD00-180EC94B1B3D}"/>
               </a:ext>
             </a:extLst>
           </p:cNvPr>
@@ -8113,7 +8443,7 @@
             <a:pPr>
               <a:defRPr/>
             </a:pPr>
-            <a:fld id="{2E4304A7-0FB2-4094-BC1E-DB17183AD0C1}" type="slidenum">
+            <a:fld id="{3EF4E9CC-9D91-476E-91FD-5BEEC1642931}" type="slidenum">
               <a:rPr lang="en-US" altLang="x-none" smtClean="0"/>
               <a:pPr>
                 <a:defRPr/>
@@ -8127,7 +8457,7 @@
     </p:spTree>
     <p:extLst>
       <p:ext uri="{BB962C8B-B14F-4D97-AF65-F5344CB8AC3E}">
-        <p14:creationId xmlns:p14="http://schemas.microsoft.com/office/powerpoint/2010/main" val="2147730144"/>
+        <p14:creationId xmlns:p14="http://schemas.microsoft.com/office/powerpoint/2010/main" val="1039138126"/>
       </p:ext>
     </p:extLst>
   </p:cSld>
@@ -8159,7 +8489,7 @@
           <p:cNvPr id="2" name="Title 1">
             <a:extLst>
               <a:ext uri="{FF2B5EF4-FFF2-40B4-BE49-F238E27FC236}">
-                <a16:creationId xmlns:a16="http://schemas.microsoft.com/office/drawing/2014/main" id="{59D8CD8E-D28D-BA48-91E1-D41F2631C049}"/>
+                <a16:creationId xmlns:a16="http://schemas.microsoft.com/office/drawing/2014/main" id="{78E5CFF9-EA49-6A41-868D-0A94283F8A54}"/>
               </a:ext>
             </a:extLst>
           </p:cNvPr>
@@ -8170,24 +8500,431 @@
             <p:ph type="title"/>
           </p:nvPr>
         </p:nvSpPr>
-        <p:spPr/>
+        <p:spPr>
+          <a:xfrm>
+            <a:off x="152400" y="228600"/>
+            <a:ext cx="8839200" cy="838200"/>
+          </a:xfrm>
+        </p:spPr>
         <p:txBody>
           <a:bodyPr/>
           <a:lstStyle/>
           <a:p>
             <a:r>
               <a:rPr lang="en-US" dirty="0"/>
-              <a:t>Exercise</a:t>
-            </a:r>
-          </a:p>
-        </p:txBody>
-      </p:sp>
-      <p:sp>
-        <p:nvSpPr>
-          <p:cNvPr id="4" name="Content Placeholder 3">
+              <a:t>Software Engineering Workflow for Modeling</a:t>
+            </a:r>
+          </a:p>
+        </p:txBody>
+      </p:sp>
+      <p:sp>
+        <p:nvSpPr>
+          <p:cNvPr id="4" name="Slide Number Placeholder 3">
             <a:extLst>
               <a:ext uri="{FF2B5EF4-FFF2-40B4-BE49-F238E27FC236}">
-                <a16:creationId xmlns:a16="http://schemas.microsoft.com/office/drawing/2014/main" id="{5B44CA9C-E409-3C40-8632-4F324145E8F9}"/>
+                <a16:creationId xmlns:a16="http://schemas.microsoft.com/office/drawing/2014/main" id="{87A61205-5FED-2547-AB3B-BECE0878A47C}"/>
+              </a:ext>
+            </a:extLst>
+          </p:cNvPr>
+          <p:cNvSpPr>
+            <a:spLocks noGrp="1"/>
+          </p:cNvSpPr>
+          <p:nvPr>
+            <p:ph type="sldNum" sz="quarter" idx="11"/>
+          </p:nvPr>
+        </p:nvSpPr>
+        <p:spPr/>
+        <p:txBody>
+          <a:bodyPr/>
+          <a:lstStyle/>
+          <a:p>
+            <a:pPr>
+              <a:defRPr/>
+            </a:pPr>
+            <a:fld id="{3EF4E9CC-9D91-476E-91FD-5BEEC1642931}" type="slidenum">
+              <a:rPr lang="en-US" altLang="x-none" smtClean="0"/>
+              <a:pPr>
+                <a:defRPr/>
+              </a:pPr>
+              <a:t>8</a:t>
+            </a:fld>
+            <a:endParaRPr lang="en-US" altLang="x-none"/>
+          </a:p>
+        </p:txBody>
+      </p:sp>
+      <p:sp>
+        <p:nvSpPr>
+          <p:cNvPr id="5" name="Rectangle 4">
+            <a:extLst>
+              <a:ext uri="{FF2B5EF4-FFF2-40B4-BE49-F238E27FC236}">
+                <a16:creationId xmlns:a16="http://schemas.microsoft.com/office/drawing/2014/main" id="{0E63BFA0-6808-9D47-9A8F-DD27EFE43AC2}"/>
+              </a:ext>
+            </a:extLst>
+          </p:cNvPr>
+          <p:cNvSpPr/>
+          <p:nvPr/>
+        </p:nvSpPr>
+        <p:spPr>
+          <a:xfrm>
+            <a:off x="762000" y="1219200"/>
+            <a:ext cx="2209800" cy="914400"/>
+          </a:xfrm>
+          <a:prstGeom prst="rect">
+            <a:avLst/>
+          </a:prstGeom>
+        </p:spPr>
+        <p:style>
+          <a:lnRef idx="1">
+            <a:schemeClr val="accent1"/>
+          </a:lnRef>
+          <a:fillRef idx="3">
+            <a:schemeClr val="accent1"/>
+          </a:fillRef>
+          <a:effectRef idx="2">
+            <a:schemeClr val="accent1"/>
+          </a:effectRef>
+          <a:fontRef idx="minor">
+            <a:schemeClr val="lt1"/>
+          </a:fontRef>
+        </p:style>
+        <p:txBody>
+          <a:bodyPr rtlCol="0" anchor="ctr"/>
+          <a:lstStyle/>
+          <a:p>
+            <a:pPr algn="ctr"/>
+            <a:r>
+              <a:rPr lang="en-US" b="1" dirty="0"/>
+              <a:t>Construct model in a </a:t>
+            </a:r>
+            <a:r>
+              <a:rPr lang="en-US" b="1" dirty="0" err="1"/>
+              <a:t>Jupyter</a:t>
+            </a:r>
+            <a:r>
+              <a:rPr lang="en-US" b="1" dirty="0"/>
+              <a:t>  Notebook (or similar)</a:t>
+            </a:r>
+          </a:p>
+        </p:txBody>
+      </p:sp>
+      <p:sp>
+        <p:nvSpPr>
+          <p:cNvPr id="6" name="Rectangle 5">
+            <a:extLst>
+              <a:ext uri="{FF2B5EF4-FFF2-40B4-BE49-F238E27FC236}">
+                <a16:creationId xmlns:a16="http://schemas.microsoft.com/office/drawing/2014/main" id="{7E73DCC0-C285-894A-8284-5B51C203FD91}"/>
+              </a:ext>
+            </a:extLst>
+          </p:cNvPr>
+          <p:cNvSpPr/>
+          <p:nvPr/>
+        </p:nvSpPr>
+        <p:spPr>
+          <a:xfrm>
+            <a:off x="768531" y="2781300"/>
+            <a:ext cx="2209800" cy="914400"/>
+          </a:xfrm>
+          <a:prstGeom prst="rect">
+            <a:avLst/>
+          </a:prstGeom>
+        </p:spPr>
+        <p:style>
+          <a:lnRef idx="1">
+            <a:schemeClr val="accent1"/>
+          </a:lnRef>
+          <a:fillRef idx="3">
+            <a:schemeClr val="accent1"/>
+          </a:fillRef>
+          <a:effectRef idx="2">
+            <a:schemeClr val="accent1"/>
+          </a:effectRef>
+          <a:fontRef idx="minor">
+            <a:schemeClr val="lt1"/>
+          </a:fontRef>
+        </p:style>
+        <p:txBody>
+          <a:bodyPr rtlCol="0" anchor="ctr"/>
+          <a:lstStyle/>
+          <a:p>
+            <a:pPr algn="ctr"/>
+            <a:r>
+              <a:rPr lang="en-US" b="1" dirty="0"/>
+              <a:t>Functionalize common codes.</a:t>
+            </a:r>
+          </a:p>
+        </p:txBody>
+      </p:sp>
+      <p:sp>
+        <p:nvSpPr>
+          <p:cNvPr id="7" name="Rectangle 6">
+            <a:extLst>
+              <a:ext uri="{FF2B5EF4-FFF2-40B4-BE49-F238E27FC236}">
+                <a16:creationId xmlns:a16="http://schemas.microsoft.com/office/drawing/2014/main" id="{008FD830-0B0D-1649-B576-6C5900389E98}"/>
+              </a:ext>
+            </a:extLst>
+          </p:cNvPr>
+          <p:cNvSpPr/>
+          <p:nvPr/>
+        </p:nvSpPr>
+        <p:spPr>
+          <a:xfrm>
+            <a:off x="768531" y="4191000"/>
+            <a:ext cx="2209800" cy="914400"/>
+          </a:xfrm>
+          <a:prstGeom prst="rect">
+            <a:avLst/>
+          </a:prstGeom>
+        </p:spPr>
+        <p:style>
+          <a:lnRef idx="1">
+            <a:schemeClr val="accent1"/>
+          </a:lnRef>
+          <a:fillRef idx="3">
+            <a:schemeClr val="accent1"/>
+          </a:fillRef>
+          <a:effectRef idx="2">
+            <a:schemeClr val="accent1"/>
+          </a:effectRef>
+          <a:fontRef idx="minor">
+            <a:schemeClr val="lt1"/>
+          </a:fontRef>
+        </p:style>
+        <p:txBody>
+          <a:bodyPr rtlCol="0" anchor="ctr"/>
+          <a:lstStyle/>
+          <a:p>
+            <a:pPr algn="ctr"/>
+            <a:r>
+              <a:rPr lang="en-US" b="1" dirty="0"/>
+              <a:t>Export notebook to a python module using </a:t>
+            </a:r>
+            <a:r>
+              <a:rPr lang="en-US" b="1" dirty="0" err="1">
+                <a:latin typeface="Courier New" panose="02070309020205020404" pitchFamily="49" charset="0"/>
+                <a:cs typeface="Courier New" panose="02070309020205020404" pitchFamily="49" charset="0"/>
+              </a:rPr>
+              <a:t>nbconvert</a:t>
+            </a:r>
+            <a:r>
+              <a:rPr lang="en-US" b="1" dirty="0"/>
+              <a:t>.</a:t>
+            </a:r>
+          </a:p>
+        </p:txBody>
+      </p:sp>
+      <p:sp>
+        <p:nvSpPr>
+          <p:cNvPr id="8" name="Rectangle 7">
+            <a:extLst>
+              <a:ext uri="{FF2B5EF4-FFF2-40B4-BE49-F238E27FC236}">
+                <a16:creationId xmlns:a16="http://schemas.microsoft.com/office/drawing/2014/main" id="{AC13B347-7B9E-FA4E-89DD-E3B4B70FFDE4}"/>
+              </a:ext>
+            </a:extLst>
+          </p:cNvPr>
+          <p:cNvSpPr/>
+          <p:nvPr/>
+        </p:nvSpPr>
+        <p:spPr>
+          <a:xfrm>
+            <a:off x="3733800" y="1219200"/>
+            <a:ext cx="2209800" cy="914400"/>
+          </a:xfrm>
+          <a:prstGeom prst="rect">
+            <a:avLst/>
+          </a:prstGeom>
+        </p:spPr>
+        <p:style>
+          <a:lnRef idx="1">
+            <a:schemeClr val="accent1"/>
+          </a:lnRef>
+          <a:fillRef idx="3">
+            <a:schemeClr val="accent1"/>
+          </a:fillRef>
+          <a:effectRef idx="2">
+            <a:schemeClr val="accent1"/>
+          </a:effectRef>
+          <a:fontRef idx="minor">
+            <a:schemeClr val="lt1"/>
+          </a:fontRef>
+        </p:style>
+        <p:txBody>
+          <a:bodyPr rtlCol="0" anchor="ctr"/>
+          <a:lstStyle/>
+          <a:p>
+            <a:pPr algn="ctr"/>
+            <a:r>
+              <a:rPr lang="en-US" b="1" dirty="0"/>
+              <a:t>Functionalize codes in python module.</a:t>
+            </a:r>
+          </a:p>
+        </p:txBody>
+      </p:sp>
+      <p:sp>
+        <p:nvSpPr>
+          <p:cNvPr id="9" name="Rectangle 8">
+            <a:extLst>
+              <a:ext uri="{FF2B5EF4-FFF2-40B4-BE49-F238E27FC236}">
+                <a16:creationId xmlns:a16="http://schemas.microsoft.com/office/drawing/2014/main" id="{A30B67A8-1D78-2C49-B6D9-60CA9E606454}"/>
+              </a:ext>
+            </a:extLst>
+          </p:cNvPr>
+          <p:cNvSpPr/>
+          <p:nvPr/>
+        </p:nvSpPr>
+        <p:spPr>
+          <a:xfrm>
+            <a:off x="3733800" y="2819400"/>
+            <a:ext cx="2209800" cy="914400"/>
+          </a:xfrm>
+          <a:prstGeom prst="rect">
+            <a:avLst/>
+          </a:prstGeom>
+        </p:spPr>
+        <p:style>
+          <a:lnRef idx="1">
+            <a:schemeClr val="accent1"/>
+          </a:lnRef>
+          <a:fillRef idx="3">
+            <a:schemeClr val="accent1"/>
+          </a:fillRef>
+          <a:effectRef idx="2">
+            <a:schemeClr val="accent1"/>
+          </a:effectRef>
+          <a:fontRef idx="minor">
+            <a:schemeClr val="lt1"/>
+          </a:fontRef>
+        </p:style>
+        <p:txBody>
+          <a:bodyPr rtlCol="0" anchor="ctr"/>
+          <a:lstStyle/>
+          <a:p>
+            <a:pPr algn="ctr"/>
+            <a:r>
+              <a:rPr lang="en-US" b="1" dirty="0"/>
+              <a:t>Create </a:t>
+            </a:r>
+            <a:r>
+              <a:rPr lang="en-US" b="1" dirty="0" err="1"/>
+              <a:t>unittests</a:t>
+            </a:r>
+            <a:r>
+              <a:rPr lang="en-US" b="1" dirty="0"/>
+              <a:t>.</a:t>
+            </a:r>
+          </a:p>
+        </p:txBody>
+      </p:sp>
+      <p:sp>
+        <p:nvSpPr>
+          <p:cNvPr id="10" name="Rectangle 9">
+            <a:extLst>
+              <a:ext uri="{FF2B5EF4-FFF2-40B4-BE49-F238E27FC236}">
+                <a16:creationId xmlns:a16="http://schemas.microsoft.com/office/drawing/2014/main" id="{27BCE8DE-8FC9-6D41-A6E2-CA334949D7F6}"/>
+              </a:ext>
+            </a:extLst>
+          </p:cNvPr>
+          <p:cNvSpPr/>
+          <p:nvPr/>
+        </p:nvSpPr>
+        <p:spPr>
+          <a:xfrm>
+            <a:off x="6477000" y="2057400"/>
+            <a:ext cx="2209800" cy="2133600"/>
+          </a:xfrm>
+          <a:prstGeom prst="rect">
+            <a:avLst/>
+          </a:prstGeom>
+        </p:spPr>
+        <p:style>
+          <a:lnRef idx="1">
+            <a:schemeClr val="accent1"/>
+          </a:lnRef>
+          <a:fillRef idx="3">
+            <a:schemeClr val="accent1"/>
+          </a:fillRef>
+          <a:effectRef idx="2">
+            <a:schemeClr val="accent1"/>
+          </a:effectRef>
+          <a:fontRef idx="minor">
+            <a:schemeClr val="lt1"/>
+          </a:fontRef>
+        </p:style>
+        <p:txBody>
+          <a:bodyPr rtlCol="0" anchor="ctr"/>
+          <a:lstStyle/>
+          <a:p>
+            <a:pPr algn="ctr"/>
+            <a:r>
+              <a:rPr lang="en-US" b="1" dirty="0"/>
+              <a:t>Create a new notebook that uses codes in python module and verify that the result is the same as the original notebook. .</a:t>
+            </a:r>
+          </a:p>
+        </p:txBody>
+      </p:sp>
+    </p:spTree>
+    <p:extLst>
+      <p:ext uri="{BB962C8B-B14F-4D97-AF65-F5344CB8AC3E}">
+        <p14:creationId xmlns:p14="http://schemas.microsoft.com/office/powerpoint/2010/main" val="2622821966"/>
+      </p:ext>
+    </p:extLst>
+  </p:cSld>
+  <p:clrMapOvr>
+    <a:masterClrMapping/>
+  </p:clrMapOvr>
+</p:sld>
+</file>
+
+<file path=ppt/slides/slide9.xml><?xml version="1.0" encoding="utf-8"?>
+<p:sld xmlns:a="http://schemas.openxmlformats.org/drawingml/2006/main" xmlns:r="http://schemas.openxmlformats.org/officeDocument/2006/relationships" xmlns:p="http://schemas.openxmlformats.org/presentationml/2006/main">
+  <p:cSld>
+    <p:spTree>
+      <p:nvGrpSpPr>
+        <p:cNvPr id="1" name=""/>
+        <p:cNvGrpSpPr/>
+        <p:nvPr/>
+      </p:nvGrpSpPr>
+      <p:grpSpPr>
+        <a:xfrm>
+          <a:off x="0" y="0"/>
+          <a:ext cx="0" cy="0"/>
+          <a:chOff x="0" y="0"/>
+          <a:chExt cx="0" cy="0"/>
+        </a:xfrm>
+      </p:grpSpPr>
+      <p:sp>
+        <p:nvSpPr>
+          <p:cNvPr id="2" name="Title 1">
+            <a:extLst>
+              <a:ext uri="{FF2B5EF4-FFF2-40B4-BE49-F238E27FC236}">
+                <a16:creationId xmlns:a16="http://schemas.microsoft.com/office/drawing/2014/main" id="{D8902AD0-9338-CD46-9B66-D617AC02BCA5}"/>
+              </a:ext>
+            </a:extLst>
+          </p:cNvPr>
+          <p:cNvSpPr>
+            <a:spLocks noGrp="1"/>
+          </p:cNvSpPr>
+          <p:nvPr>
+            <p:ph type="title"/>
+          </p:nvPr>
+        </p:nvSpPr>
+        <p:spPr/>
+        <p:txBody>
+          <a:bodyPr/>
+          <a:lstStyle/>
+          <a:p>
+            <a:r>
+              <a:rPr lang="en-US" dirty="0"/>
+              <a:t>Exercises 1</a:t>
+            </a:r>
+          </a:p>
+        </p:txBody>
+      </p:sp>
+      <p:sp>
+        <p:nvSpPr>
+          <p:cNvPr id="3" name="Content Placeholder 2">
+            <a:extLst>
+              <a:ext uri="{FF2B5EF4-FFF2-40B4-BE49-F238E27FC236}">
+                <a16:creationId xmlns:a16="http://schemas.microsoft.com/office/drawing/2014/main" id="{93450BE3-648F-1A45-8522-7AA2DBF56554}"/>
               </a:ext>
             </a:extLst>
           </p:cNvPr>
@@ -8203,16 +8940,68 @@
           <a:bodyPr/>
           <a:lstStyle/>
           <a:p>
-            <a:endParaRPr lang="en-US" dirty="0"/>
-          </a:p>
-        </p:txBody>
-      </p:sp>
-      <p:sp>
-        <p:nvSpPr>
-          <p:cNvPr id="3" name="Slide Number Placeholder 2">
+            <a:r>
+              <a:rPr lang="en-US" dirty="0"/>
+              <a:t>Use </a:t>
+            </a:r>
+            <a:r>
+              <a:rPr lang="en-US" dirty="0" err="1"/>
+              <a:t>model_fitting</a:t>
+            </a:r>
+            <a:r>
+              <a:rPr lang="en-US" dirty="0"/>
+              <a:t> to do a cross validation study</a:t>
+            </a:r>
+          </a:p>
+          <a:p>
+            <a:pPr lvl="1"/>
+            <a:r>
+              <a:rPr lang="en-US" dirty="0"/>
+              <a:t>Effect of using 2 folds? 5 folds?</a:t>
+            </a:r>
+          </a:p>
+          <a:p>
+            <a:r>
+              <a:rPr lang="en-US" dirty="0"/>
+              <a:t>See the effect of fitting the wrong model.</a:t>
+            </a:r>
+          </a:p>
+          <a:p>
+            <a:pPr lvl="1"/>
+            <a:r>
+              <a:rPr lang="en-US" dirty="0"/>
+              <a:t>Correct model: </a:t>
+            </a:r>
+            <a:r>
+              <a:rPr lang="en-US" dirty="0">
+                <a:latin typeface="Courier New" panose="02070309020205020404" pitchFamily="49" charset="0"/>
+                <a:cs typeface="Courier New" panose="02070309020205020404" pitchFamily="49" charset="0"/>
+              </a:rPr>
+              <a:t>A-&gt;B-&gt;C-&gt;D</a:t>
+            </a:r>
+          </a:p>
+          <a:p>
+            <a:pPr lvl="1"/>
+            <a:r>
+              <a:rPr lang="en-US" dirty="0"/>
+              <a:t>Fitted model:  </a:t>
+            </a:r>
+            <a:r>
+              <a:rPr lang="en-US" dirty="0">
+                <a:latin typeface="Courier New" panose="02070309020205020404" pitchFamily="49" charset="0"/>
+                <a:cs typeface="Courier New" panose="02070309020205020404" pitchFamily="49" charset="0"/>
+              </a:rPr>
+              <a:t>A-&gt;B, A-&gt;C, B + C -&gt; D</a:t>
+            </a:r>
+          </a:p>
+        </p:txBody>
+      </p:sp>
+      <p:sp>
+        <p:nvSpPr>
+          <p:cNvPr id="4" name="Slide Number Placeholder 3">
             <a:extLst>
               <a:ext uri="{FF2B5EF4-FFF2-40B4-BE49-F238E27FC236}">
-                <a16:creationId xmlns:a16="http://schemas.microsoft.com/office/drawing/2014/main" id="{1F4F2996-EDB7-B54F-96E0-7945BA027B0A}"/>
+                <a16:creationId xmlns:a16="http://schemas.microsoft.com/office/drawing/2014/main" id="{F6EEAA1A-B096-2743-AE90-55A92688088D}"/>
               </a:ext>
             </a:extLst>
           </p:cNvPr>
@@ -8231,12 +9020,12 @@
             <a:pPr>
               <a:defRPr/>
             </a:pPr>
-            <a:fld id="{2E4304A7-0FB2-4094-BC1E-DB17183AD0C1}" type="slidenum">
+            <a:fld id="{3EF4E9CC-9D91-476E-91FD-5BEEC1642931}" type="slidenum">
               <a:rPr lang="en-US" altLang="x-none" smtClean="0"/>
               <a:pPr>
                 <a:defRPr/>
               </a:pPr>
-              <a:t>8</a:t>
+              <a:t>9</a:t>
             </a:fld>
             <a:endParaRPr lang="en-US" altLang="x-none"/>
           </a:p>
@@ -8245,7 +9034,7 @@
     </p:spTree>
     <p:extLst>
       <p:ext uri="{BB962C8B-B14F-4D97-AF65-F5344CB8AC3E}">
-        <p14:creationId xmlns:p14="http://schemas.microsoft.com/office/powerpoint/2010/main" val="2093438422"/>
+        <p14:creationId xmlns:p14="http://schemas.microsoft.com/office/powerpoint/2010/main" val="259598209"/>
       </p:ext>
     </p:extLst>
   </p:cSld>

--- a/lectures/lecture_10/Lecture_10_Cross_Validation_and_Software_Engineering.pptx
+++ b/lectures/lecture_10/Lecture_10_Cross_Validation_and_Software_Engineering.pptx
@@ -5126,8 +5126,19 @@
           <a:p>
             <a:r>
               <a:rPr lang="en-US" dirty="0"/>
-              <a:t>Exercises 2</a:t>
-            </a:r>
+              <a:t>Exercises 2: Extending </a:t>
+            </a:r>
+            <a:r>
+              <a:rPr lang="en-US" dirty="0" err="1">
+                <a:latin typeface="Courier New" panose="02070309020205020404" pitchFamily="49" charset="0"/>
+                <a:cs typeface="Courier New" panose="02070309020205020404" pitchFamily="49" charset="0"/>
+              </a:rPr>
+              <a:t>model_fitting</a:t>
+            </a:r>
+            <a:endParaRPr lang="en-US" dirty="0">
+              <a:latin typeface="Courier New" panose="02070309020205020404" pitchFamily="49" charset="0"/>
+              <a:cs typeface="Courier New" panose="02070309020205020404" pitchFamily="49" charset="0"/>
+            </a:endParaRPr>
           </a:p>
         </p:txBody>
       </p:sp>
@@ -5487,7 +5498,7 @@
         </p:nvSpPr>
         <p:spPr>
           <a:xfrm>
-            <a:off x="1828800" y="990600"/>
+            <a:off x="2410944" y="990497"/>
             <a:ext cx="2046756" cy="644802"/>
           </a:xfrm>
           <a:prstGeom prst="ellipse">
@@ -5682,8 +5693,8 @@
         </p:nvSpPr>
         <p:spPr>
           <a:xfrm>
-            <a:off x="3505200" y="3055069"/>
-            <a:ext cx="1942270" cy="1059731"/>
+            <a:off x="3047999" y="3055069"/>
+            <a:ext cx="2399471" cy="1059731"/>
           </a:xfrm>
           <a:prstGeom prst="rect">
             <a:avLst/>
@@ -5758,7 +5769,7 @@
         </p:nvSpPr>
         <p:spPr>
           <a:xfrm>
-            <a:off x="1592977" y="3260013"/>
+            <a:off x="953330" y="3260013"/>
             <a:ext cx="1637470" cy="644802"/>
           </a:xfrm>
           <a:prstGeom prst="ellipse">
@@ -5852,8 +5863,8 @@
         </p:nvSpPr>
         <p:spPr>
           <a:xfrm>
-            <a:off x="4419600" y="3484028"/>
-            <a:ext cx="875470" cy="533400"/>
+            <a:off x="4598688" y="3484028"/>
+            <a:ext cx="696381" cy="533400"/>
           </a:xfrm>
           <a:prstGeom prst="rect">
             <a:avLst/>
@@ -5879,14 +5890,14 @@
           <a:p>
             <a:pPr algn="ctr"/>
             <a:r>
-              <a:rPr lang="en-US" b="1" dirty="0"/>
+              <a:rPr lang="en-US" sz="1400" b="1" dirty="0"/>
               <a:t>Run</a:t>
             </a:r>
           </a:p>
           <a:p>
             <a:pPr algn="ctr"/>
             <a:r>
-              <a:rPr lang="en-US" b="1" dirty="0"/>
+              <a:rPr lang="en-US" sz="1400" b="1" dirty="0"/>
               <a:t>Model</a:t>
             </a:r>
           </a:p>
@@ -5906,8 +5917,8 @@
         </p:nvSpPr>
         <p:spPr>
           <a:xfrm>
-            <a:off x="1524000" y="2514600"/>
-            <a:ext cx="6629400" cy="1828800"/>
+            <a:off x="914400" y="2514600"/>
+            <a:ext cx="7239000" cy="1828800"/>
           </a:xfrm>
           <a:prstGeom prst="rect">
             <a:avLst/>
@@ -5986,8 +5997,8 @@
         </p:nvSpPr>
         <p:spPr>
           <a:xfrm>
-            <a:off x="1295400" y="1961944"/>
-            <a:ext cx="7162800" cy="3676856"/>
+            <a:off x="457200" y="1961944"/>
+            <a:ext cx="8001000" cy="3676856"/>
           </a:xfrm>
           <a:prstGeom prst="rect">
             <a:avLst/>
@@ -6066,8 +6077,8 @@
         </p:nvSpPr>
         <p:spPr>
           <a:xfrm>
-            <a:off x="1458091" y="5832658"/>
-            <a:ext cx="3113909" cy="644802"/>
+            <a:off x="4655149" y="5856868"/>
+            <a:ext cx="3193451" cy="644802"/>
           </a:xfrm>
           <a:prstGeom prst="ellipse">
             <a:avLst/>
@@ -6118,7 +6129,7 @@
         <p:spPr>
           <a:xfrm rot="10800000" flipV="1">
             <a:off x="5295070" y="1302012"/>
-            <a:ext cx="152400" cy="2448716"/>
+            <a:ext cx="152401" cy="2448716"/>
           </a:xfrm>
           <a:prstGeom prst="bentConnector3">
             <a:avLst>
@@ -6162,12 +6173,12 @@
         </p:nvCxnSpPr>
         <p:spPr>
           <a:xfrm rot="10800000">
-            <a:off x="2411712" y="3260013"/>
-            <a:ext cx="1093488" cy="324922"/>
+            <a:off x="1772065" y="3260013"/>
+            <a:ext cx="1275934" cy="324922"/>
           </a:xfrm>
           <a:prstGeom prst="bentConnector4">
             <a:avLst>
-              <a:gd name="adj1" fmla="val 12563"/>
+              <a:gd name="adj1" fmla="val 17916"/>
               <a:gd name="adj2" fmla="val 170355"/>
             </a:avLst>
           </a:prstGeom>
@@ -6246,6 +6257,7 @@
             </a:extLst>
           </p:cNvPr>
           <p:cNvCxnSpPr>
+            <a:cxnSpLocks/>
             <a:stCxn id="18" idx="2"/>
             <a:endCxn id="15" idx="0"/>
           </p:cNvCxnSpPr>
@@ -6253,8 +6265,8 @@
         </p:nvCxnSpPr>
         <p:spPr>
           <a:xfrm rot="5400000">
-            <a:off x="3713493" y="3540771"/>
-            <a:ext cx="322579" cy="1927836"/>
+            <a:off x="3561093" y="3693171"/>
+            <a:ext cx="322579" cy="1623036"/>
           </a:xfrm>
           <a:prstGeom prst="bentConnector3">
             <a:avLst/>
@@ -6288,6 +6300,7 @@
             </a:extLst>
           </p:cNvPr>
           <p:cNvCxnSpPr>
+            <a:cxnSpLocks/>
             <a:stCxn id="18" idx="2"/>
             <a:endCxn id="16" idx="0"/>
           </p:cNvCxnSpPr>
@@ -6295,8 +6308,8 @@
         </p:nvCxnSpPr>
         <p:spPr>
           <a:xfrm rot="16200000" flipH="1">
-            <a:off x="5665656" y="3516443"/>
-            <a:ext cx="308237" cy="1962149"/>
+            <a:off x="5513256" y="3364043"/>
+            <a:ext cx="308237" cy="2266949"/>
           </a:xfrm>
           <a:prstGeom prst="bentConnector3">
             <a:avLst/>
@@ -6330,15 +6343,16 @@
             </a:extLst>
           </p:cNvPr>
           <p:cNvCxnSpPr>
+            <a:cxnSpLocks/>
             <a:stCxn id="20" idx="2"/>
-            <a:endCxn id="23" idx="6"/>
+            <a:endCxn id="23" idx="2"/>
           </p:cNvCxnSpPr>
           <p:nvPr/>
         </p:nvCxnSpPr>
         <p:spPr>
-          <a:xfrm rot="5400000">
-            <a:off x="4466271" y="5744529"/>
-            <a:ext cx="516259" cy="304800"/>
+          <a:xfrm rot="16200000" flipH="1">
+            <a:off x="4286190" y="5810309"/>
+            <a:ext cx="540469" cy="197449"/>
           </a:xfrm>
           <a:prstGeom prst="bentConnector2">
             <a:avLst/>
@@ -6372,14 +6386,16 @@
             </a:extLst>
           </p:cNvPr>
           <p:cNvCxnSpPr>
+            <a:cxnSpLocks/>
             <a:stCxn id="10" idx="4"/>
+            <a:endCxn id="7" idx="0"/>
           </p:cNvCxnSpPr>
           <p:nvPr/>
         </p:nvCxnSpPr>
         <p:spPr>
           <a:xfrm rot="16200000" flipH="1">
-            <a:off x="2653647" y="1833933"/>
-            <a:ext cx="1419667" cy="1022604"/>
+            <a:off x="3131143" y="1938477"/>
+            <a:ext cx="1419770" cy="813413"/>
           </a:xfrm>
           <a:prstGeom prst="bentConnector3">
             <a:avLst/>
@@ -6417,8 +6433,8 @@
         </p:nvSpPr>
         <p:spPr>
           <a:xfrm>
-            <a:off x="3581400" y="3488803"/>
-            <a:ext cx="778879" cy="444337"/>
+            <a:off x="3200400" y="3488803"/>
+            <a:ext cx="1371600" cy="444337"/>
           </a:xfrm>
           <a:prstGeom prst="ellipse">
             <a:avLst/>
@@ -6444,12 +6460,105 @@
           <a:p>
             <a:pPr algn="ctr"/>
             <a:r>
+              <a:rPr lang="en-US" sz="1400" dirty="0"/>
+              <a:t>Estimates</a:t>
+            </a:r>
+          </a:p>
+        </p:txBody>
+      </p:sp>
+      <p:sp>
+        <p:nvSpPr>
+          <p:cNvPr id="33" name="Oval 32">
+            <a:extLst>
+              <a:ext uri="{FF2B5EF4-FFF2-40B4-BE49-F238E27FC236}">
+                <a16:creationId xmlns:a16="http://schemas.microsoft.com/office/drawing/2014/main" id="{CA9E90BF-347A-6A4E-BCBB-0E6491102903}"/>
+              </a:ext>
+            </a:extLst>
+          </p:cNvPr>
+          <p:cNvSpPr/>
+          <p:nvPr/>
+        </p:nvSpPr>
+        <p:spPr>
+          <a:xfrm>
+            <a:off x="350264" y="957201"/>
+            <a:ext cx="1223310" cy="644802"/>
+          </a:xfrm>
+          <a:prstGeom prst="ellipse">
+            <a:avLst/>
+          </a:prstGeom>
+        </p:spPr>
+        <p:style>
+          <a:lnRef idx="1">
+            <a:schemeClr val="accent1"/>
+          </a:lnRef>
+          <a:fillRef idx="3">
+            <a:schemeClr val="accent1"/>
+          </a:fillRef>
+          <a:effectRef idx="2">
+            <a:schemeClr val="accent1"/>
+          </a:effectRef>
+          <a:fontRef idx="minor">
+            <a:schemeClr val="lt1"/>
+          </a:fontRef>
+        </p:style>
+        <p:txBody>
+          <a:bodyPr rtlCol="0" anchor="ctr"/>
+          <a:lstStyle/>
+          <a:p>
+            <a:pPr algn="ctr"/>
+            <a:r>
               <a:rPr lang="en-US" dirty="0"/>
-              <a:t>Est.</a:t>
-            </a:r>
-          </a:p>
-        </p:txBody>
-      </p:sp>
+              <a:t>Folds</a:t>
+            </a:r>
+          </a:p>
+        </p:txBody>
+      </p:sp>
+      <p:cxnSp>
+        <p:nvCxnSpPr>
+          <p:cNvPr id="35" name="Elbow Connector 34">
+            <a:extLst>
+              <a:ext uri="{FF2B5EF4-FFF2-40B4-BE49-F238E27FC236}">
+                <a16:creationId xmlns:a16="http://schemas.microsoft.com/office/drawing/2014/main" id="{B481FA36-5374-B24F-B900-A23A0DD46F30}"/>
+              </a:ext>
+            </a:extLst>
+          </p:cNvPr>
+          <p:cNvCxnSpPr>
+            <a:cxnSpLocks/>
+            <a:stCxn id="33" idx="4"/>
+            <a:endCxn id="18" idx="1"/>
+          </p:cNvCxnSpPr>
+          <p:nvPr/>
+        </p:nvCxnSpPr>
+        <p:spPr>
+          <a:xfrm rot="5400000">
+            <a:off x="24662" y="2491742"/>
+            <a:ext cx="1826997" cy="47519"/>
+          </a:xfrm>
+          <a:prstGeom prst="bentConnector4">
+            <a:avLst>
+              <a:gd name="adj1" fmla="val 13654"/>
+              <a:gd name="adj2" fmla="val 581071"/>
+            </a:avLst>
+          </a:prstGeom>
+          <a:ln>
+            <a:tailEnd type="triangle"/>
+          </a:ln>
+        </p:spPr>
+        <p:style>
+          <a:lnRef idx="2">
+            <a:schemeClr val="accent1"/>
+          </a:lnRef>
+          <a:fillRef idx="0">
+            <a:schemeClr val="accent1"/>
+          </a:fillRef>
+          <a:effectRef idx="1">
+            <a:schemeClr val="accent1"/>
+          </a:effectRef>
+          <a:fontRef idx="minor">
+            <a:schemeClr val="tx1"/>
+          </a:fontRef>
+        </p:style>
+      </p:cxnSp>
     </p:spTree>
     <p:extLst>
       <p:ext uri="{BB962C8B-B14F-4D97-AF65-F5344CB8AC3E}">
@@ -7002,39 +7111,21 @@
                                   </p:childTnLst>
                                 </p:cTn>
                               </p:par>
-                            </p:childTnLst>
-                          </p:cTn>
-                        </p:par>
-                      </p:childTnLst>
-                    </p:cTn>
-                  </p:par>
-                  <p:par>
-                    <p:cTn id="45" fill="hold">
-                      <p:stCondLst>
-                        <p:cond delay="indefinite"/>
-                      </p:stCondLst>
-                      <p:childTnLst>
-                        <p:par>
-                          <p:cTn id="46" fill="hold">
-                            <p:stCondLst>
-                              <p:cond delay="0"/>
-                            </p:stCondLst>
-                            <p:childTnLst>
                               <p:par>
-                                <p:cTn id="47" presetID="1" presetClass="entr" presetSubtype="0" fill="hold" grpId="0" nodeType="clickEffect">
+                                <p:cTn id="45" presetID="1" presetClass="entr" presetSubtype="0" fill="hold" grpId="0" nodeType="withEffect">
                                   <p:stCondLst>
                                     <p:cond delay="0"/>
                                   </p:stCondLst>
                                   <p:childTnLst>
                                     <p:set>
                                       <p:cBhvr>
-                                        <p:cTn id="48" dur="1" fill="hold">
+                                        <p:cTn id="46" dur="1" fill="hold">
                                           <p:stCondLst>
                                             <p:cond delay="0"/>
                                           </p:stCondLst>
                                         </p:cTn>
                                         <p:tgtEl>
-                                          <p:spTgt spid="20"/>
+                                          <p:spTgt spid="33"/>
                                         </p:tgtEl>
                                         <p:attrNameLst>
                                           <p:attrName>style.visibility</p:attrName>
@@ -7048,20 +7139,20 @@
                                 </p:cTn>
                               </p:par>
                               <p:par>
-                                <p:cTn id="49" presetID="1" presetClass="entr" presetSubtype="0" fill="hold" grpId="0" nodeType="withEffect">
+                                <p:cTn id="47" presetID="1" presetClass="entr" presetSubtype="0" fill="hold" nodeType="withEffect">
                                   <p:stCondLst>
                                     <p:cond delay="0"/>
                                   </p:stCondLst>
                                   <p:childTnLst>
                                     <p:set>
                                       <p:cBhvr>
-                                        <p:cTn id="50" dur="1" fill="hold">
+                                        <p:cTn id="48" dur="1" fill="hold">
                                           <p:stCondLst>
                                             <p:cond delay="0"/>
                                           </p:stCondLst>
                                         </p:cTn>
                                         <p:tgtEl>
-                                          <p:spTgt spid="22"/>
+                                          <p:spTgt spid="35"/>
                                         </p:tgtEl>
                                         <p:attrNameLst>
                                           <p:attrName>style.visibility</p:attrName>
@@ -7074,8 +7165,26 @@
                                   </p:childTnLst>
                                 </p:cTn>
                               </p:par>
+                            </p:childTnLst>
+                          </p:cTn>
+                        </p:par>
+                      </p:childTnLst>
+                    </p:cTn>
+                  </p:par>
+                  <p:par>
+                    <p:cTn id="49" fill="hold">
+                      <p:stCondLst>
+                        <p:cond delay="indefinite"/>
+                      </p:stCondLst>
+                      <p:childTnLst>
+                        <p:par>
+                          <p:cTn id="50" fill="hold">
+                            <p:stCondLst>
+                              <p:cond delay="0"/>
+                            </p:stCondLst>
+                            <p:childTnLst>
                               <p:par>
-                                <p:cTn id="51" presetID="1" presetClass="entr" presetSubtype="0" fill="hold" nodeType="withEffect">
+                                <p:cTn id="51" presetID="1" presetClass="entr" presetSubtype="0" fill="hold" grpId="0" nodeType="clickEffect">
                                   <p:stCondLst>
                                     <p:cond delay="0"/>
                                   </p:stCondLst>
@@ -7088,7 +7197,7 @@
                                           </p:stCondLst>
                                         </p:cTn>
                                         <p:tgtEl>
-                                          <p:spTgt spid="40"/>
+                                          <p:spTgt spid="20"/>
                                         </p:tgtEl>
                                         <p:attrNameLst>
                                           <p:attrName>style.visibility</p:attrName>
@@ -7110,6 +7219,60 @@
                                     <p:set>
                                       <p:cBhvr>
                                         <p:cTn id="54" dur="1" fill="hold">
+                                          <p:stCondLst>
+                                            <p:cond delay="0"/>
+                                          </p:stCondLst>
+                                        </p:cTn>
+                                        <p:tgtEl>
+                                          <p:spTgt spid="22"/>
+                                        </p:tgtEl>
+                                        <p:attrNameLst>
+                                          <p:attrName>style.visibility</p:attrName>
+                                        </p:attrNameLst>
+                                      </p:cBhvr>
+                                      <p:to>
+                                        <p:strVal val="visible"/>
+                                      </p:to>
+                                    </p:set>
+                                  </p:childTnLst>
+                                </p:cTn>
+                              </p:par>
+                              <p:par>
+                                <p:cTn id="55" presetID="1" presetClass="entr" presetSubtype="0" fill="hold" nodeType="withEffect">
+                                  <p:stCondLst>
+                                    <p:cond delay="0"/>
+                                  </p:stCondLst>
+                                  <p:childTnLst>
+                                    <p:set>
+                                      <p:cBhvr>
+                                        <p:cTn id="56" dur="1" fill="hold">
+                                          <p:stCondLst>
+                                            <p:cond delay="0"/>
+                                          </p:stCondLst>
+                                        </p:cTn>
+                                        <p:tgtEl>
+                                          <p:spTgt spid="40"/>
+                                        </p:tgtEl>
+                                        <p:attrNameLst>
+                                          <p:attrName>style.visibility</p:attrName>
+                                        </p:attrNameLst>
+                                      </p:cBhvr>
+                                      <p:to>
+                                        <p:strVal val="visible"/>
+                                      </p:to>
+                                    </p:set>
+                                  </p:childTnLst>
+                                </p:cTn>
+                              </p:par>
+                              <p:par>
+                                <p:cTn id="57" presetID="1" presetClass="entr" presetSubtype="0" fill="hold" grpId="0" nodeType="withEffect">
+                                  <p:stCondLst>
+                                    <p:cond delay="0"/>
+                                  </p:stCondLst>
+                                  <p:childTnLst>
+                                    <p:set>
+                                      <p:cBhvr>
+                                        <p:cTn id="58" dur="1" fill="hold">
                                           <p:stCondLst>
                                             <p:cond delay="0"/>
                                           </p:stCondLst>
@@ -7171,6 +7334,7 @@
       <p:bldP spid="23" grpId="0" animBg="1"/>
       <p:bldP spid="44" grpId="0" animBg="1"/>
       <p:bldP spid="44" grpId="1" animBg="1"/>
+      <p:bldP spid="33" grpId="0" animBg="1"/>
     </p:bldLst>
   </p:timing>
 </p:sld>
@@ -8365,7 +8529,7 @@
           <a:p>
             <a:r>
               <a:rPr lang="en-US" dirty="0"/>
-              <a:t>Key Terms in the Workflow</a:t>
+              <a:t>Key Terms in Software Engineering Workflow</a:t>
             </a:r>
           </a:p>
         </p:txBody>
@@ -8566,7 +8730,7 @@
         </p:nvSpPr>
         <p:spPr>
           <a:xfrm>
-            <a:off x="762000" y="1219200"/>
+            <a:off x="765265" y="1219200"/>
             <a:ext cx="2209800" cy="914400"/>
           </a:xfrm>
           <a:prstGeom prst="rect">
@@ -8621,7 +8785,7 @@
         </p:nvSpPr>
         <p:spPr>
           <a:xfrm>
-            <a:off x="768531" y="2781300"/>
+            <a:off x="765265" y="2781300"/>
             <a:ext cx="2209800" cy="914400"/>
           </a:xfrm>
           <a:prstGeom prst="rect">
@@ -8668,7 +8832,7 @@
         </p:nvSpPr>
         <p:spPr>
           <a:xfrm>
-            <a:off x="768531" y="4191000"/>
+            <a:off x="765265" y="4191000"/>
             <a:ext cx="2209800" cy="914400"/>
           </a:xfrm>
           <a:prstGeom prst="rect">
@@ -8861,6 +9025,214 @@
           </a:p>
         </p:txBody>
       </p:sp>
+      <p:cxnSp>
+        <p:nvCxnSpPr>
+          <p:cNvPr id="12" name="Elbow Connector 11">
+            <a:extLst>
+              <a:ext uri="{FF2B5EF4-FFF2-40B4-BE49-F238E27FC236}">
+                <a16:creationId xmlns:a16="http://schemas.microsoft.com/office/drawing/2014/main" id="{03429367-1517-6443-B72D-561FCBFE87B1}"/>
+              </a:ext>
+            </a:extLst>
+          </p:cNvPr>
+          <p:cNvCxnSpPr/>
+          <p:nvPr/>
+        </p:nvCxnSpPr>
+        <p:spPr>
+          <a:xfrm rot="5400000">
+            <a:off x="1546315" y="2457450"/>
+            <a:ext cx="647700" cy="12700"/>
+          </a:xfrm>
+          <a:prstGeom prst="bentConnector3">
+            <a:avLst/>
+          </a:prstGeom>
+          <a:ln>
+            <a:tailEnd type="triangle"/>
+          </a:ln>
+        </p:spPr>
+        <p:style>
+          <a:lnRef idx="2">
+            <a:schemeClr val="accent1"/>
+          </a:lnRef>
+          <a:fillRef idx="0">
+            <a:schemeClr val="accent1"/>
+          </a:fillRef>
+          <a:effectRef idx="1">
+            <a:schemeClr val="accent1"/>
+          </a:effectRef>
+          <a:fontRef idx="minor">
+            <a:schemeClr val="tx1"/>
+          </a:fontRef>
+        </p:style>
+      </p:cxnSp>
+      <p:cxnSp>
+        <p:nvCxnSpPr>
+          <p:cNvPr id="13" name="Elbow Connector 12">
+            <a:extLst>
+              <a:ext uri="{FF2B5EF4-FFF2-40B4-BE49-F238E27FC236}">
+                <a16:creationId xmlns:a16="http://schemas.microsoft.com/office/drawing/2014/main" id="{8B40F8E3-C856-0644-88C7-0DD8621C47C3}"/>
+              </a:ext>
+            </a:extLst>
+          </p:cNvPr>
+          <p:cNvCxnSpPr>
+            <a:cxnSpLocks/>
+          </p:cNvCxnSpPr>
+          <p:nvPr/>
+        </p:nvCxnSpPr>
+        <p:spPr>
+          <a:xfrm rot="5400000">
+            <a:off x="1622515" y="3943350"/>
+            <a:ext cx="495300" cy="12700"/>
+          </a:xfrm>
+          <a:prstGeom prst="bentConnector3">
+            <a:avLst>
+              <a:gd name="adj1" fmla="val 50000"/>
+            </a:avLst>
+          </a:prstGeom>
+          <a:ln>
+            <a:tailEnd type="triangle"/>
+          </a:ln>
+        </p:spPr>
+        <p:style>
+          <a:lnRef idx="2">
+            <a:schemeClr val="accent1"/>
+          </a:lnRef>
+          <a:fillRef idx="0">
+            <a:schemeClr val="accent1"/>
+          </a:fillRef>
+          <a:effectRef idx="1">
+            <a:schemeClr val="accent1"/>
+          </a:effectRef>
+          <a:fontRef idx="minor">
+            <a:schemeClr val="tx1"/>
+          </a:fontRef>
+        </p:style>
+      </p:cxnSp>
+      <p:cxnSp>
+        <p:nvCxnSpPr>
+          <p:cNvPr id="17" name="Elbow Connector 16">
+            <a:extLst>
+              <a:ext uri="{FF2B5EF4-FFF2-40B4-BE49-F238E27FC236}">
+                <a16:creationId xmlns:a16="http://schemas.microsoft.com/office/drawing/2014/main" id="{ADD77FB8-158B-994D-9767-BDEEC1EC3874}"/>
+              </a:ext>
+            </a:extLst>
+          </p:cNvPr>
+          <p:cNvCxnSpPr>
+            <a:stCxn id="7" idx="3"/>
+            <a:endCxn id="8" idx="1"/>
+          </p:cNvCxnSpPr>
+          <p:nvPr/>
+        </p:nvCxnSpPr>
+        <p:spPr>
+          <a:xfrm flipV="1">
+            <a:off x="2975065" y="1676400"/>
+            <a:ext cx="758735" cy="2971800"/>
+          </a:xfrm>
+          <a:prstGeom prst="bentConnector3">
+            <a:avLst/>
+          </a:prstGeom>
+          <a:ln>
+            <a:tailEnd type="triangle"/>
+          </a:ln>
+        </p:spPr>
+        <p:style>
+          <a:lnRef idx="2">
+            <a:schemeClr val="accent1"/>
+          </a:lnRef>
+          <a:fillRef idx="0">
+            <a:schemeClr val="accent1"/>
+          </a:fillRef>
+          <a:effectRef idx="1">
+            <a:schemeClr val="accent1"/>
+          </a:effectRef>
+          <a:fontRef idx="minor">
+            <a:schemeClr val="tx1"/>
+          </a:fontRef>
+        </p:style>
+      </p:cxnSp>
+      <p:cxnSp>
+        <p:nvCxnSpPr>
+          <p:cNvPr id="19" name="Elbow Connector 18">
+            <a:extLst>
+              <a:ext uri="{FF2B5EF4-FFF2-40B4-BE49-F238E27FC236}">
+                <a16:creationId xmlns:a16="http://schemas.microsoft.com/office/drawing/2014/main" id="{CE661BD8-66C1-EC49-9636-84CFF80D74D7}"/>
+              </a:ext>
+            </a:extLst>
+          </p:cNvPr>
+          <p:cNvCxnSpPr/>
+          <p:nvPr/>
+        </p:nvCxnSpPr>
+        <p:spPr>
+          <a:xfrm rot="5400000">
+            <a:off x="4495800" y="2476500"/>
+            <a:ext cx="685800" cy="12700"/>
+          </a:xfrm>
+          <a:prstGeom prst="bentConnector3">
+            <a:avLst/>
+          </a:prstGeom>
+          <a:ln>
+            <a:tailEnd type="triangle"/>
+          </a:ln>
+        </p:spPr>
+        <p:style>
+          <a:lnRef idx="2">
+            <a:schemeClr val="accent1"/>
+          </a:lnRef>
+          <a:fillRef idx="0">
+            <a:schemeClr val="accent1"/>
+          </a:fillRef>
+          <a:effectRef idx="1">
+            <a:schemeClr val="accent1"/>
+          </a:effectRef>
+          <a:fontRef idx="minor">
+            <a:schemeClr val="tx1"/>
+          </a:fontRef>
+        </p:style>
+      </p:cxnSp>
+      <p:cxnSp>
+        <p:nvCxnSpPr>
+          <p:cNvPr id="23" name="Elbow Connector 22">
+            <a:extLst>
+              <a:ext uri="{FF2B5EF4-FFF2-40B4-BE49-F238E27FC236}">
+                <a16:creationId xmlns:a16="http://schemas.microsoft.com/office/drawing/2014/main" id="{67305E93-8F2E-FB48-9299-1B8AFD3D8265}"/>
+              </a:ext>
+            </a:extLst>
+          </p:cNvPr>
+          <p:cNvCxnSpPr>
+            <a:stCxn id="9" idx="3"/>
+            <a:endCxn id="10" idx="0"/>
+          </p:cNvCxnSpPr>
+          <p:nvPr/>
+        </p:nvCxnSpPr>
+        <p:spPr>
+          <a:xfrm flipV="1">
+            <a:off x="5943600" y="2057400"/>
+            <a:ext cx="1638300" cy="1219200"/>
+          </a:xfrm>
+          <a:prstGeom prst="bentConnector4">
+            <a:avLst>
+              <a:gd name="adj1" fmla="val 16279"/>
+              <a:gd name="adj2" fmla="val 118750"/>
+            </a:avLst>
+          </a:prstGeom>
+          <a:ln>
+            <a:tailEnd type="triangle"/>
+          </a:ln>
+        </p:spPr>
+        <p:style>
+          <a:lnRef idx="2">
+            <a:schemeClr val="accent1"/>
+          </a:lnRef>
+          <a:fillRef idx="0">
+            <a:schemeClr val="accent1"/>
+          </a:fillRef>
+          <a:effectRef idx="1">
+            <a:schemeClr val="accent1"/>
+          </a:effectRef>
+          <a:fontRef idx="minor">
+            <a:schemeClr val="tx1"/>
+          </a:fontRef>
+        </p:style>
+      </p:cxnSp>
     </p:spTree>
     <p:extLst>
       <p:ext uri="{BB962C8B-B14F-4D97-AF65-F5344CB8AC3E}">
@@ -8871,6 +9243,403 @@
   <p:clrMapOvr>
     <a:masterClrMapping/>
   </p:clrMapOvr>
+  <p:timing>
+    <p:tnLst>
+      <p:par>
+        <p:cTn id="1" dur="indefinite" restart="never" nodeType="tmRoot">
+          <p:childTnLst>
+            <p:seq concurrent="1" nextAc="seek">
+              <p:cTn id="2" dur="indefinite" nodeType="mainSeq">
+                <p:childTnLst>
+                  <p:par>
+                    <p:cTn id="3" fill="hold">
+                      <p:stCondLst>
+                        <p:cond delay="indefinite"/>
+                      </p:stCondLst>
+                      <p:childTnLst>
+                        <p:par>
+                          <p:cTn id="4" fill="hold">
+                            <p:stCondLst>
+                              <p:cond delay="0"/>
+                            </p:stCondLst>
+                            <p:childTnLst>
+                              <p:par>
+                                <p:cTn id="5" presetID="1" presetClass="entr" presetSubtype="0" fill="hold" nodeType="clickEffect">
+                                  <p:stCondLst>
+                                    <p:cond delay="0"/>
+                                  </p:stCondLst>
+                                  <p:childTnLst>
+                                    <p:set>
+                                      <p:cBhvr>
+                                        <p:cTn id="6" dur="1" fill="hold">
+                                          <p:stCondLst>
+                                            <p:cond delay="0"/>
+                                          </p:stCondLst>
+                                        </p:cTn>
+                                        <p:tgtEl>
+                                          <p:spTgt spid="12"/>
+                                        </p:tgtEl>
+                                        <p:attrNameLst>
+                                          <p:attrName>style.visibility</p:attrName>
+                                        </p:attrNameLst>
+                                      </p:cBhvr>
+                                      <p:to>
+                                        <p:strVal val="visible"/>
+                                      </p:to>
+                                    </p:set>
+                                  </p:childTnLst>
+                                </p:cTn>
+                              </p:par>
+                              <p:par>
+                                <p:cTn id="7" presetID="1" presetClass="entr" presetSubtype="0" fill="hold" grpId="0" nodeType="withEffect">
+                                  <p:stCondLst>
+                                    <p:cond delay="0"/>
+                                  </p:stCondLst>
+                                  <p:childTnLst>
+                                    <p:set>
+                                      <p:cBhvr>
+                                        <p:cTn id="8" dur="1" fill="hold">
+                                          <p:stCondLst>
+                                            <p:cond delay="0"/>
+                                          </p:stCondLst>
+                                        </p:cTn>
+                                        <p:tgtEl>
+                                          <p:spTgt spid="6"/>
+                                        </p:tgtEl>
+                                        <p:attrNameLst>
+                                          <p:attrName>style.visibility</p:attrName>
+                                        </p:attrNameLst>
+                                      </p:cBhvr>
+                                      <p:to>
+                                        <p:strVal val="visible"/>
+                                      </p:to>
+                                    </p:set>
+                                  </p:childTnLst>
+                                </p:cTn>
+                              </p:par>
+                            </p:childTnLst>
+                          </p:cTn>
+                        </p:par>
+                      </p:childTnLst>
+                    </p:cTn>
+                  </p:par>
+                  <p:par>
+                    <p:cTn id="9" fill="hold">
+                      <p:stCondLst>
+                        <p:cond delay="indefinite"/>
+                      </p:stCondLst>
+                      <p:childTnLst>
+                        <p:par>
+                          <p:cTn id="10" fill="hold">
+                            <p:stCondLst>
+                              <p:cond delay="0"/>
+                            </p:stCondLst>
+                            <p:childTnLst>
+                              <p:par>
+                                <p:cTn id="11" presetID="1" presetClass="entr" presetSubtype="0" fill="hold" nodeType="clickEffect">
+                                  <p:stCondLst>
+                                    <p:cond delay="0"/>
+                                  </p:stCondLst>
+                                  <p:childTnLst>
+                                    <p:set>
+                                      <p:cBhvr>
+                                        <p:cTn id="12" dur="1" fill="hold">
+                                          <p:stCondLst>
+                                            <p:cond delay="0"/>
+                                          </p:stCondLst>
+                                        </p:cTn>
+                                        <p:tgtEl>
+                                          <p:spTgt spid="13"/>
+                                        </p:tgtEl>
+                                        <p:attrNameLst>
+                                          <p:attrName>style.visibility</p:attrName>
+                                        </p:attrNameLst>
+                                      </p:cBhvr>
+                                      <p:to>
+                                        <p:strVal val="visible"/>
+                                      </p:to>
+                                    </p:set>
+                                  </p:childTnLst>
+                                </p:cTn>
+                              </p:par>
+                              <p:par>
+                                <p:cTn id="13" presetID="1" presetClass="entr" presetSubtype="0" fill="hold" grpId="0" nodeType="withEffect">
+                                  <p:stCondLst>
+                                    <p:cond delay="0"/>
+                                  </p:stCondLst>
+                                  <p:childTnLst>
+                                    <p:set>
+                                      <p:cBhvr>
+                                        <p:cTn id="14" dur="1" fill="hold">
+                                          <p:stCondLst>
+                                            <p:cond delay="0"/>
+                                          </p:stCondLst>
+                                        </p:cTn>
+                                        <p:tgtEl>
+                                          <p:spTgt spid="7"/>
+                                        </p:tgtEl>
+                                        <p:attrNameLst>
+                                          <p:attrName>style.visibility</p:attrName>
+                                        </p:attrNameLst>
+                                      </p:cBhvr>
+                                      <p:to>
+                                        <p:strVal val="visible"/>
+                                      </p:to>
+                                    </p:set>
+                                  </p:childTnLst>
+                                </p:cTn>
+                              </p:par>
+                            </p:childTnLst>
+                          </p:cTn>
+                        </p:par>
+                      </p:childTnLst>
+                    </p:cTn>
+                  </p:par>
+                  <p:par>
+                    <p:cTn id="15" fill="hold">
+                      <p:stCondLst>
+                        <p:cond delay="indefinite"/>
+                      </p:stCondLst>
+                      <p:childTnLst>
+                        <p:par>
+                          <p:cTn id="16" fill="hold">
+                            <p:stCondLst>
+                              <p:cond delay="0"/>
+                            </p:stCondLst>
+                            <p:childTnLst>
+                              <p:par>
+                                <p:cTn id="17" presetID="1" presetClass="entr" presetSubtype="0" fill="hold" nodeType="clickEffect">
+                                  <p:stCondLst>
+                                    <p:cond delay="0"/>
+                                  </p:stCondLst>
+                                  <p:childTnLst>
+                                    <p:set>
+                                      <p:cBhvr>
+                                        <p:cTn id="18" dur="1" fill="hold">
+                                          <p:stCondLst>
+                                            <p:cond delay="0"/>
+                                          </p:stCondLst>
+                                        </p:cTn>
+                                        <p:tgtEl>
+                                          <p:spTgt spid="17"/>
+                                        </p:tgtEl>
+                                        <p:attrNameLst>
+                                          <p:attrName>style.visibility</p:attrName>
+                                        </p:attrNameLst>
+                                      </p:cBhvr>
+                                      <p:to>
+                                        <p:strVal val="visible"/>
+                                      </p:to>
+                                    </p:set>
+                                  </p:childTnLst>
+                                </p:cTn>
+                              </p:par>
+                              <p:par>
+                                <p:cTn id="19" presetID="1" presetClass="entr" presetSubtype="0" fill="hold" grpId="0" nodeType="withEffect">
+                                  <p:stCondLst>
+                                    <p:cond delay="0"/>
+                                  </p:stCondLst>
+                                  <p:childTnLst>
+                                    <p:set>
+                                      <p:cBhvr>
+                                        <p:cTn id="20" dur="1" fill="hold">
+                                          <p:stCondLst>
+                                            <p:cond delay="0"/>
+                                          </p:stCondLst>
+                                        </p:cTn>
+                                        <p:tgtEl>
+                                          <p:spTgt spid="8"/>
+                                        </p:tgtEl>
+                                        <p:attrNameLst>
+                                          <p:attrName>style.visibility</p:attrName>
+                                        </p:attrNameLst>
+                                      </p:cBhvr>
+                                      <p:to>
+                                        <p:strVal val="visible"/>
+                                      </p:to>
+                                    </p:set>
+                                  </p:childTnLst>
+                                </p:cTn>
+                              </p:par>
+                            </p:childTnLst>
+                          </p:cTn>
+                        </p:par>
+                      </p:childTnLst>
+                    </p:cTn>
+                  </p:par>
+                  <p:par>
+                    <p:cTn id="21" fill="hold">
+                      <p:stCondLst>
+                        <p:cond delay="indefinite"/>
+                      </p:stCondLst>
+                      <p:childTnLst>
+                        <p:par>
+                          <p:cTn id="22" fill="hold">
+                            <p:stCondLst>
+                              <p:cond delay="0"/>
+                            </p:stCondLst>
+                            <p:childTnLst>
+                              <p:par>
+                                <p:cTn id="23" presetID="1" presetClass="entr" presetSubtype="0" fill="hold" nodeType="clickEffect">
+                                  <p:stCondLst>
+                                    <p:cond delay="0"/>
+                                  </p:stCondLst>
+                                  <p:childTnLst>
+                                    <p:set>
+                                      <p:cBhvr>
+                                        <p:cTn id="24" dur="1" fill="hold">
+                                          <p:stCondLst>
+                                            <p:cond delay="0"/>
+                                          </p:stCondLst>
+                                        </p:cTn>
+                                        <p:tgtEl>
+                                          <p:spTgt spid="19"/>
+                                        </p:tgtEl>
+                                        <p:attrNameLst>
+                                          <p:attrName>style.visibility</p:attrName>
+                                        </p:attrNameLst>
+                                      </p:cBhvr>
+                                      <p:to>
+                                        <p:strVal val="visible"/>
+                                      </p:to>
+                                    </p:set>
+                                  </p:childTnLst>
+                                </p:cTn>
+                              </p:par>
+                              <p:par>
+                                <p:cTn id="25" presetID="1" presetClass="entr" presetSubtype="0" fill="hold" grpId="0" nodeType="withEffect">
+                                  <p:stCondLst>
+                                    <p:cond delay="0"/>
+                                  </p:stCondLst>
+                                  <p:childTnLst>
+                                    <p:set>
+                                      <p:cBhvr>
+                                        <p:cTn id="26" dur="1" fill="hold">
+                                          <p:stCondLst>
+                                            <p:cond delay="0"/>
+                                          </p:stCondLst>
+                                        </p:cTn>
+                                        <p:tgtEl>
+                                          <p:spTgt spid="9"/>
+                                        </p:tgtEl>
+                                        <p:attrNameLst>
+                                          <p:attrName>style.visibility</p:attrName>
+                                        </p:attrNameLst>
+                                      </p:cBhvr>
+                                      <p:to>
+                                        <p:strVal val="visible"/>
+                                      </p:to>
+                                    </p:set>
+                                  </p:childTnLst>
+                                </p:cTn>
+                              </p:par>
+                            </p:childTnLst>
+                          </p:cTn>
+                        </p:par>
+                      </p:childTnLst>
+                    </p:cTn>
+                  </p:par>
+                  <p:par>
+                    <p:cTn id="27" fill="hold">
+                      <p:stCondLst>
+                        <p:cond delay="indefinite"/>
+                      </p:stCondLst>
+                      <p:childTnLst>
+                        <p:par>
+                          <p:cTn id="28" fill="hold">
+                            <p:stCondLst>
+                              <p:cond delay="0"/>
+                            </p:stCondLst>
+                            <p:childTnLst>
+                              <p:par>
+                                <p:cTn id="29" presetID="1" presetClass="entr" presetSubtype="0" fill="hold" nodeType="clickEffect">
+                                  <p:stCondLst>
+                                    <p:cond delay="0"/>
+                                  </p:stCondLst>
+                                  <p:childTnLst>
+                                    <p:set>
+                                      <p:cBhvr>
+                                        <p:cTn id="30" dur="1" fill="hold">
+                                          <p:stCondLst>
+                                            <p:cond delay="0"/>
+                                          </p:stCondLst>
+                                        </p:cTn>
+                                        <p:tgtEl>
+                                          <p:spTgt spid="23"/>
+                                        </p:tgtEl>
+                                        <p:attrNameLst>
+                                          <p:attrName>style.visibility</p:attrName>
+                                        </p:attrNameLst>
+                                      </p:cBhvr>
+                                      <p:to>
+                                        <p:strVal val="visible"/>
+                                      </p:to>
+                                    </p:set>
+                                  </p:childTnLst>
+                                </p:cTn>
+                              </p:par>
+                              <p:par>
+                                <p:cTn id="31" presetID="1" presetClass="entr" presetSubtype="0" fill="hold" grpId="0" nodeType="withEffect">
+                                  <p:stCondLst>
+                                    <p:cond delay="0"/>
+                                  </p:stCondLst>
+                                  <p:childTnLst>
+                                    <p:set>
+                                      <p:cBhvr>
+                                        <p:cTn id="32" dur="1" fill="hold">
+                                          <p:stCondLst>
+                                            <p:cond delay="0"/>
+                                          </p:stCondLst>
+                                        </p:cTn>
+                                        <p:tgtEl>
+                                          <p:spTgt spid="10"/>
+                                        </p:tgtEl>
+                                        <p:attrNameLst>
+                                          <p:attrName>style.visibility</p:attrName>
+                                        </p:attrNameLst>
+                                      </p:cBhvr>
+                                      <p:to>
+                                        <p:strVal val="visible"/>
+                                      </p:to>
+                                    </p:set>
+                                  </p:childTnLst>
+                                </p:cTn>
+                              </p:par>
+                            </p:childTnLst>
+                          </p:cTn>
+                        </p:par>
+                      </p:childTnLst>
+                    </p:cTn>
+                  </p:par>
+                </p:childTnLst>
+              </p:cTn>
+              <p:prevCondLst>
+                <p:cond evt="onPrev" delay="0">
+                  <p:tgtEl>
+                    <p:sldTgt/>
+                  </p:tgtEl>
+                </p:cond>
+              </p:prevCondLst>
+              <p:nextCondLst>
+                <p:cond evt="onNext" delay="0">
+                  <p:tgtEl>
+                    <p:sldTgt/>
+                  </p:tgtEl>
+                </p:cond>
+              </p:nextCondLst>
+            </p:seq>
+          </p:childTnLst>
+        </p:cTn>
+      </p:par>
+    </p:tnLst>
+    <p:bldLst>
+      <p:bldP spid="6" grpId="0" animBg="1"/>
+      <p:bldP spid="7" grpId="0" animBg="1"/>
+      <p:bldP spid="8" grpId="0" animBg="1"/>
+      <p:bldP spid="9" grpId="0" animBg="1"/>
+      <p:bldP spid="10" grpId="0" animBg="1"/>
+    </p:bldLst>
+  </p:timing>
 </p:sld>
 </file>
 
@@ -8914,8 +9683,19 @@
           <a:p>
             <a:r>
               <a:rPr lang="en-US" dirty="0"/>
-              <a:t>Exercises 1</a:t>
-            </a:r>
+              <a:t>Exercises 1: Using </a:t>
+            </a:r>
+            <a:r>
+              <a:rPr lang="en-US" dirty="0" err="1">
+                <a:latin typeface="Courier New" panose="02070309020205020404" pitchFamily="49" charset="0"/>
+                <a:cs typeface="Courier New" panose="02070309020205020404" pitchFamily="49" charset="0"/>
+              </a:rPr>
+              <a:t>model_fitting</a:t>
+            </a:r>
+            <a:endParaRPr lang="en-US" dirty="0">
+              <a:latin typeface="Courier New" panose="02070309020205020404" pitchFamily="49" charset="0"/>
+              <a:cs typeface="Courier New" panose="02070309020205020404" pitchFamily="49" charset="0"/>
+            </a:endParaRPr>
           </a:p>
         </p:txBody>
       </p:sp>

--- a/lectures/lecture_10/Lecture_10_Cross_Validation_and_Software_Engineering.pptx
+++ b/lectures/lecture_10/Lecture_10_Cross_Validation_and_Software_Engineering.pptx
@@ -5,22 +5,24 @@
     <p:sldMasterId id="2147483648" r:id="rId1"/>
   </p:sldMasterIdLst>
   <p:notesMasterIdLst>
-    <p:notesMasterId r:id="rId12"/>
+    <p:notesMasterId r:id="rId14"/>
   </p:notesMasterIdLst>
   <p:handoutMasterIdLst>
-    <p:handoutMasterId r:id="rId13"/>
+    <p:handoutMasterId r:id="rId15"/>
   </p:handoutMasterIdLst>
   <p:sldIdLst>
     <p:sldId id="347" r:id="rId2"/>
     <p:sldId id="363" r:id="rId3"/>
-    <p:sldId id="265" r:id="rId4"/>
-    <p:sldId id="370" r:id="rId5"/>
-    <p:sldId id="385" r:id="rId6"/>
-    <p:sldId id="384" r:id="rId7"/>
-    <p:sldId id="387" r:id="rId8"/>
-    <p:sldId id="386" r:id="rId9"/>
-    <p:sldId id="383" r:id="rId10"/>
-    <p:sldId id="388" r:id="rId11"/>
+    <p:sldId id="370" r:id="rId4"/>
+    <p:sldId id="352" r:id="rId5"/>
+    <p:sldId id="389" r:id="rId6"/>
+    <p:sldId id="265" r:id="rId7"/>
+    <p:sldId id="385" r:id="rId8"/>
+    <p:sldId id="384" r:id="rId9"/>
+    <p:sldId id="387" r:id="rId10"/>
+    <p:sldId id="386" r:id="rId11"/>
+    <p:sldId id="390" r:id="rId12"/>
+    <p:sldId id="388" r:id="rId13"/>
   </p:sldIdLst>
   <p:sldSz cx="9144000" cy="6858000" type="screen4x3"/>
   <p:notesSz cx="6858000" cy="9144000"/>
@@ -156,13 +158,15 @@
           <p14:sldIdLst>
             <p14:sldId id="347"/>
             <p14:sldId id="363"/>
+            <p14:sldId id="370"/>
+            <p14:sldId id="352"/>
+            <p14:sldId id="389"/>
             <p14:sldId id="265"/>
-            <p14:sldId id="370"/>
             <p14:sldId id="385"/>
             <p14:sldId id="384"/>
             <p14:sldId id="387"/>
             <p14:sldId id="386"/>
-            <p14:sldId id="383"/>
+            <p14:sldId id="390"/>
             <p14:sldId id="388"/>
           </p14:sldIdLst>
         </p14:section>
@@ -910,6 +914,96 @@
     <p:extLst>
       <p:ext uri="{BB962C8B-B14F-4D97-AF65-F5344CB8AC3E}">
         <p14:creationId xmlns:p14="http://schemas.microsoft.com/office/powerpoint/2010/main" val="256389567"/>
+      </p:ext>
+    </p:extLst>
+  </p:cSld>
+  <p:clrMapOvr>
+    <a:masterClrMapping/>
+  </p:clrMapOvr>
+</p:notes>
+</file>
+
+<file path=ppt/notesSlides/notesSlide2.xml><?xml version="1.0" encoding="utf-8"?>
+<p:notes xmlns:a="http://schemas.openxmlformats.org/drawingml/2006/main" xmlns:r="http://schemas.openxmlformats.org/officeDocument/2006/relationships" xmlns:p="http://schemas.openxmlformats.org/presentationml/2006/main">
+  <p:cSld>
+    <p:spTree>
+      <p:nvGrpSpPr>
+        <p:cNvPr id="1" name=""/>
+        <p:cNvGrpSpPr/>
+        <p:nvPr/>
+      </p:nvGrpSpPr>
+      <p:grpSpPr>
+        <a:xfrm>
+          <a:off x="0" y="0"/>
+          <a:ext cx="0" cy="0"/>
+          <a:chOff x="0" y="0"/>
+          <a:chExt cx="0" cy="0"/>
+        </a:xfrm>
+      </p:grpSpPr>
+      <p:sp>
+        <p:nvSpPr>
+          <p:cNvPr id="2" name="Slide Image Placeholder 1"/>
+          <p:cNvSpPr>
+            <a:spLocks noGrp="1" noRot="1" noChangeAspect="1"/>
+          </p:cNvSpPr>
+          <p:nvPr>
+            <p:ph type="sldImg"/>
+          </p:nvPr>
+        </p:nvSpPr>
+        <p:spPr/>
+      </p:sp>
+      <p:sp>
+        <p:nvSpPr>
+          <p:cNvPr id="3" name="Notes Placeholder 2"/>
+          <p:cNvSpPr>
+            <a:spLocks noGrp="1"/>
+          </p:cNvSpPr>
+          <p:nvPr>
+            <p:ph type="body" idx="1"/>
+          </p:nvPr>
+        </p:nvSpPr>
+        <p:spPr/>
+        <p:txBody>
+          <a:bodyPr/>
+          <a:lstStyle/>
+          <a:p>
+            <a:endParaRPr lang="en-US" dirty="0"/>
+          </a:p>
+        </p:txBody>
+      </p:sp>
+      <p:sp>
+        <p:nvSpPr>
+          <p:cNvPr id="4" name="Slide Number Placeholder 3"/>
+          <p:cNvSpPr>
+            <a:spLocks noGrp="1"/>
+          </p:cNvSpPr>
+          <p:nvPr>
+            <p:ph type="sldNum" sz="quarter" idx="5"/>
+          </p:nvPr>
+        </p:nvSpPr>
+        <p:spPr/>
+        <p:txBody>
+          <a:bodyPr/>
+          <a:lstStyle/>
+          <a:p>
+            <a:pPr>
+              <a:defRPr/>
+            </a:pPr>
+            <a:fld id="{1E3608CA-DBCA-4E8F-8DAB-6E1AFAF19782}" type="slidenum">
+              <a:rPr lang="en-US" altLang="x-none" smtClean="0"/>
+              <a:pPr>
+                <a:defRPr/>
+              </a:pPr>
+              <a:t>4</a:t>
+            </a:fld>
+            <a:endParaRPr lang="en-US" altLang="x-none"/>
+          </a:p>
+        </p:txBody>
+      </p:sp>
+    </p:spTree>
+    <p:extLst>
+      <p:ext uri="{BB962C8B-B14F-4D97-AF65-F5344CB8AC3E}">
+        <p14:creationId xmlns:p14="http://schemas.microsoft.com/office/powerpoint/2010/main" val="692082230"/>
       </p:ext>
     </p:extLst>
   </p:cSld>
@@ -5108,6 +5202,1301 @@
           <p:cNvPr id="2" name="Title 1">
             <a:extLst>
               <a:ext uri="{FF2B5EF4-FFF2-40B4-BE49-F238E27FC236}">
+                <a16:creationId xmlns:a16="http://schemas.microsoft.com/office/drawing/2014/main" id="{78E5CFF9-EA49-6A41-868D-0A94283F8A54}"/>
+              </a:ext>
+            </a:extLst>
+          </p:cNvPr>
+          <p:cNvSpPr>
+            <a:spLocks noGrp="1"/>
+          </p:cNvSpPr>
+          <p:nvPr>
+            <p:ph type="title"/>
+          </p:nvPr>
+        </p:nvSpPr>
+        <p:spPr>
+          <a:xfrm>
+            <a:off x="152400" y="228600"/>
+            <a:ext cx="8839200" cy="838200"/>
+          </a:xfrm>
+        </p:spPr>
+        <p:txBody>
+          <a:bodyPr/>
+          <a:lstStyle/>
+          <a:p>
+            <a:r>
+              <a:rPr lang="en-US" dirty="0"/>
+              <a:t>Software Engineering Workflow for Modeling</a:t>
+            </a:r>
+          </a:p>
+        </p:txBody>
+      </p:sp>
+      <p:sp>
+        <p:nvSpPr>
+          <p:cNvPr id="4" name="Slide Number Placeholder 3">
+            <a:extLst>
+              <a:ext uri="{FF2B5EF4-FFF2-40B4-BE49-F238E27FC236}">
+                <a16:creationId xmlns:a16="http://schemas.microsoft.com/office/drawing/2014/main" id="{87A61205-5FED-2547-AB3B-BECE0878A47C}"/>
+              </a:ext>
+            </a:extLst>
+          </p:cNvPr>
+          <p:cNvSpPr>
+            <a:spLocks noGrp="1"/>
+          </p:cNvSpPr>
+          <p:nvPr>
+            <p:ph type="sldNum" sz="quarter" idx="11"/>
+          </p:nvPr>
+        </p:nvSpPr>
+        <p:spPr/>
+        <p:txBody>
+          <a:bodyPr/>
+          <a:lstStyle/>
+          <a:p>
+            <a:pPr>
+              <a:defRPr/>
+            </a:pPr>
+            <a:fld id="{3EF4E9CC-9D91-476E-91FD-5BEEC1642931}" type="slidenum">
+              <a:rPr lang="en-US" altLang="x-none" smtClean="0"/>
+              <a:pPr>
+                <a:defRPr/>
+              </a:pPr>
+              <a:t>10</a:t>
+            </a:fld>
+            <a:endParaRPr lang="en-US" altLang="x-none"/>
+          </a:p>
+        </p:txBody>
+      </p:sp>
+      <p:sp>
+        <p:nvSpPr>
+          <p:cNvPr id="5" name="Rectangle 4">
+            <a:extLst>
+              <a:ext uri="{FF2B5EF4-FFF2-40B4-BE49-F238E27FC236}">
+                <a16:creationId xmlns:a16="http://schemas.microsoft.com/office/drawing/2014/main" id="{0E63BFA0-6808-9D47-9A8F-DD27EFE43AC2}"/>
+              </a:ext>
+            </a:extLst>
+          </p:cNvPr>
+          <p:cNvSpPr/>
+          <p:nvPr/>
+        </p:nvSpPr>
+        <p:spPr>
+          <a:xfrm>
+            <a:off x="765265" y="1219200"/>
+            <a:ext cx="2209800" cy="914400"/>
+          </a:xfrm>
+          <a:prstGeom prst="rect">
+            <a:avLst/>
+          </a:prstGeom>
+        </p:spPr>
+        <p:style>
+          <a:lnRef idx="1">
+            <a:schemeClr val="accent1"/>
+          </a:lnRef>
+          <a:fillRef idx="3">
+            <a:schemeClr val="accent1"/>
+          </a:fillRef>
+          <a:effectRef idx="2">
+            <a:schemeClr val="accent1"/>
+          </a:effectRef>
+          <a:fontRef idx="minor">
+            <a:schemeClr val="lt1"/>
+          </a:fontRef>
+        </p:style>
+        <p:txBody>
+          <a:bodyPr rtlCol="0" anchor="ctr"/>
+          <a:lstStyle/>
+          <a:p>
+            <a:pPr algn="ctr"/>
+            <a:r>
+              <a:rPr lang="en-US" b="1" dirty="0"/>
+              <a:t>Construct model in a </a:t>
+            </a:r>
+            <a:r>
+              <a:rPr lang="en-US" b="1" dirty="0" err="1"/>
+              <a:t>Jupyter</a:t>
+            </a:r>
+            <a:r>
+              <a:rPr lang="en-US" b="1" dirty="0"/>
+              <a:t>  Notebook (or similar)</a:t>
+            </a:r>
+          </a:p>
+        </p:txBody>
+      </p:sp>
+      <p:sp>
+        <p:nvSpPr>
+          <p:cNvPr id="6" name="Rectangle 5">
+            <a:extLst>
+              <a:ext uri="{FF2B5EF4-FFF2-40B4-BE49-F238E27FC236}">
+                <a16:creationId xmlns:a16="http://schemas.microsoft.com/office/drawing/2014/main" id="{7E73DCC0-C285-894A-8284-5B51C203FD91}"/>
+              </a:ext>
+            </a:extLst>
+          </p:cNvPr>
+          <p:cNvSpPr/>
+          <p:nvPr/>
+        </p:nvSpPr>
+        <p:spPr>
+          <a:xfrm>
+            <a:off x="765265" y="2781300"/>
+            <a:ext cx="2209800" cy="914400"/>
+          </a:xfrm>
+          <a:prstGeom prst="rect">
+            <a:avLst/>
+          </a:prstGeom>
+        </p:spPr>
+        <p:style>
+          <a:lnRef idx="1">
+            <a:schemeClr val="accent1"/>
+          </a:lnRef>
+          <a:fillRef idx="3">
+            <a:schemeClr val="accent1"/>
+          </a:fillRef>
+          <a:effectRef idx="2">
+            <a:schemeClr val="accent1"/>
+          </a:effectRef>
+          <a:fontRef idx="minor">
+            <a:schemeClr val="lt1"/>
+          </a:fontRef>
+        </p:style>
+        <p:txBody>
+          <a:bodyPr rtlCol="0" anchor="ctr"/>
+          <a:lstStyle/>
+          <a:p>
+            <a:pPr algn="ctr"/>
+            <a:r>
+              <a:rPr lang="en-US" b="1" dirty="0"/>
+              <a:t>Functionalize common codes.</a:t>
+            </a:r>
+          </a:p>
+        </p:txBody>
+      </p:sp>
+      <p:sp>
+        <p:nvSpPr>
+          <p:cNvPr id="7" name="Rectangle 6">
+            <a:extLst>
+              <a:ext uri="{FF2B5EF4-FFF2-40B4-BE49-F238E27FC236}">
+                <a16:creationId xmlns:a16="http://schemas.microsoft.com/office/drawing/2014/main" id="{008FD830-0B0D-1649-B576-6C5900389E98}"/>
+              </a:ext>
+            </a:extLst>
+          </p:cNvPr>
+          <p:cNvSpPr/>
+          <p:nvPr/>
+        </p:nvSpPr>
+        <p:spPr>
+          <a:xfrm>
+            <a:off x="765265" y="4191000"/>
+            <a:ext cx="2209800" cy="914400"/>
+          </a:xfrm>
+          <a:prstGeom prst="rect">
+            <a:avLst/>
+          </a:prstGeom>
+        </p:spPr>
+        <p:style>
+          <a:lnRef idx="1">
+            <a:schemeClr val="accent1"/>
+          </a:lnRef>
+          <a:fillRef idx="3">
+            <a:schemeClr val="accent1"/>
+          </a:fillRef>
+          <a:effectRef idx="2">
+            <a:schemeClr val="accent1"/>
+          </a:effectRef>
+          <a:fontRef idx="minor">
+            <a:schemeClr val="lt1"/>
+          </a:fontRef>
+        </p:style>
+        <p:txBody>
+          <a:bodyPr rtlCol="0" anchor="ctr"/>
+          <a:lstStyle/>
+          <a:p>
+            <a:pPr algn="ctr"/>
+            <a:r>
+              <a:rPr lang="en-US" b="1" dirty="0"/>
+              <a:t>Export notebook to a python module using </a:t>
+            </a:r>
+            <a:r>
+              <a:rPr lang="en-US" b="1" dirty="0" err="1">
+                <a:latin typeface="Courier New" panose="02070309020205020404" pitchFamily="49" charset="0"/>
+                <a:cs typeface="Courier New" panose="02070309020205020404" pitchFamily="49" charset="0"/>
+              </a:rPr>
+              <a:t>nbconvert</a:t>
+            </a:r>
+            <a:r>
+              <a:rPr lang="en-US" b="1" dirty="0"/>
+              <a:t>.</a:t>
+            </a:r>
+          </a:p>
+        </p:txBody>
+      </p:sp>
+      <p:sp>
+        <p:nvSpPr>
+          <p:cNvPr id="8" name="Rectangle 7">
+            <a:extLst>
+              <a:ext uri="{FF2B5EF4-FFF2-40B4-BE49-F238E27FC236}">
+                <a16:creationId xmlns:a16="http://schemas.microsoft.com/office/drawing/2014/main" id="{AC13B347-7B9E-FA4E-89DD-E3B4B70FFDE4}"/>
+              </a:ext>
+            </a:extLst>
+          </p:cNvPr>
+          <p:cNvSpPr/>
+          <p:nvPr/>
+        </p:nvSpPr>
+        <p:spPr>
+          <a:xfrm>
+            <a:off x="3733800" y="1219200"/>
+            <a:ext cx="2209800" cy="914400"/>
+          </a:xfrm>
+          <a:prstGeom prst="rect">
+            <a:avLst/>
+          </a:prstGeom>
+        </p:spPr>
+        <p:style>
+          <a:lnRef idx="1">
+            <a:schemeClr val="accent1"/>
+          </a:lnRef>
+          <a:fillRef idx="3">
+            <a:schemeClr val="accent1"/>
+          </a:fillRef>
+          <a:effectRef idx="2">
+            <a:schemeClr val="accent1"/>
+          </a:effectRef>
+          <a:fontRef idx="minor">
+            <a:schemeClr val="lt1"/>
+          </a:fontRef>
+        </p:style>
+        <p:txBody>
+          <a:bodyPr rtlCol="0" anchor="ctr"/>
+          <a:lstStyle/>
+          <a:p>
+            <a:pPr algn="ctr"/>
+            <a:r>
+              <a:rPr lang="en-US" b="1" dirty="0"/>
+              <a:t>Functionalize codes in python module.</a:t>
+            </a:r>
+          </a:p>
+        </p:txBody>
+      </p:sp>
+      <p:sp>
+        <p:nvSpPr>
+          <p:cNvPr id="9" name="Rectangle 8">
+            <a:extLst>
+              <a:ext uri="{FF2B5EF4-FFF2-40B4-BE49-F238E27FC236}">
+                <a16:creationId xmlns:a16="http://schemas.microsoft.com/office/drawing/2014/main" id="{A30B67A8-1D78-2C49-B6D9-60CA9E606454}"/>
+              </a:ext>
+            </a:extLst>
+          </p:cNvPr>
+          <p:cNvSpPr/>
+          <p:nvPr/>
+        </p:nvSpPr>
+        <p:spPr>
+          <a:xfrm>
+            <a:off x="3733800" y="2819400"/>
+            <a:ext cx="2209800" cy="914400"/>
+          </a:xfrm>
+          <a:prstGeom prst="rect">
+            <a:avLst/>
+          </a:prstGeom>
+        </p:spPr>
+        <p:style>
+          <a:lnRef idx="1">
+            <a:schemeClr val="accent1"/>
+          </a:lnRef>
+          <a:fillRef idx="3">
+            <a:schemeClr val="accent1"/>
+          </a:fillRef>
+          <a:effectRef idx="2">
+            <a:schemeClr val="accent1"/>
+          </a:effectRef>
+          <a:fontRef idx="minor">
+            <a:schemeClr val="lt1"/>
+          </a:fontRef>
+        </p:style>
+        <p:txBody>
+          <a:bodyPr rtlCol="0" anchor="ctr"/>
+          <a:lstStyle/>
+          <a:p>
+            <a:pPr algn="ctr"/>
+            <a:r>
+              <a:rPr lang="en-US" b="1" dirty="0"/>
+              <a:t>Create </a:t>
+            </a:r>
+            <a:r>
+              <a:rPr lang="en-US" b="1" dirty="0" err="1"/>
+              <a:t>unittests</a:t>
+            </a:r>
+            <a:r>
+              <a:rPr lang="en-US" b="1" dirty="0"/>
+              <a:t>.</a:t>
+            </a:r>
+          </a:p>
+        </p:txBody>
+      </p:sp>
+      <p:sp>
+        <p:nvSpPr>
+          <p:cNvPr id="10" name="Rectangle 9">
+            <a:extLst>
+              <a:ext uri="{FF2B5EF4-FFF2-40B4-BE49-F238E27FC236}">
+                <a16:creationId xmlns:a16="http://schemas.microsoft.com/office/drawing/2014/main" id="{27BCE8DE-8FC9-6D41-A6E2-CA334949D7F6}"/>
+              </a:ext>
+            </a:extLst>
+          </p:cNvPr>
+          <p:cNvSpPr/>
+          <p:nvPr/>
+        </p:nvSpPr>
+        <p:spPr>
+          <a:xfrm>
+            <a:off x="6477000" y="1447800"/>
+            <a:ext cx="2209800" cy="2133600"/>
+          </a:xfrm>
+          <a:prstGeom prst="rect">
+            <a:avLst/>
+          </a:prstGeom>
+        </p:spPr>
+        <p:style>
+          <a:lnRef idx="1">
+            <a:schemeClr val="accent1"/>
+          </a:lnRef>
+          <a:fillRef idx="3">
+            <a:schemeClr val="accent1"/>
+          </a:fillRef>
+          <a:effectRef idx="2">
+            <a:schemeClr val="accent1"/>
+          </a:effectRef>
+          <a:fontRef idx="minor">
+            <a:schemeClr val="lt1"/>
+          </a:fontRef>
+        </p:style>
+        <p:txBody>
+          <a:bodyPr rtlCol="0" anchor="ctr"/>
+          <a:lstStyle/>
+          <a:p>
+            <a:pPr algn="ctr"/>
+            <a:r>
+              <a:rPr lang="en-US" b="1" dirty="0"/>
+              <a:t>Create a new notebook that uses codes in python module and verify that the result is the same as the original notebook. </a:t>
+            </a:r>
+          </a:p>
+        </p:txBody>
+      </p:sp>
+      <p:cxnSp>
+        <p:nvCxnSpPr>
+          <p:cNvPr id="12" name="Elbow Connector 11">
+            <a:extLst>
+              <a:ext uri="{FF2B5EF4-FFF2-40B4-BE49-F238E27FC236}">
+                <a16:creationId xmlns:a16="http://schemas.microsoft.com/office/drawing/2014/main" id="{03429367-1517-6443-B72D-561FCBFE87B1}"/>
+              </a:ext>
+            </a:extLst>
+          </p:cNvPr>
+          <p:cNvCxnSpPr/>
+          <p:nvPr/>
+        </p:nvCxnSpPr>
+        <p:spPr>
+          <a:xfrm rot="5400000">
+            <a:off x="1546315" y="2457450"/>
+            <a:ext cx="647700" cy="12700"/>
+          </a:xfrm>
+          <a:prstGeom prst="bentConnector3">
+            <a:avLst/>
+          </a:prstGeom>
+          <a:ln>
+            <a:tailEnd type="triangle"/>
+          </a:ln>
+        </p:spPr>
+        <p:style>
+          <a:lnRef idx="2">
+            <a:schemeClr val="accent1"/>
+          </a:lnRef>
+          <a:fillRef idx="0">
+            <a:schemeClr val="accent1"/>
+          </a:fillRef>
+          <a:effectRef idx="1">
+            <a:schemeClr val="accent1"/>
+          </a:effectRef>
+          <a:fontRef idx="minor">
+            <a:schemeClr val="tx1"/>
+          </a:fontRef>
+        </p:style>
+      </p:cxnSp>
+      <p:cxnSp>
+        <p:nvCxnSpPr>
+          <p:cNvPr id="13" name="Elbow Connector 12">
+            <a:extLst>
+              <a:ext uri="{FF2B5EF4-FFF2-40B4-BE49-F238E27FC236}">
+                <a16:creationId xmlns:a16="http://schemas.microsoft.com/office/drawing/2014/main" id="{8B40F8E3-C856-0644-88C7-0DD8621C47C3}"/>
+              </a:ext>
+            </a:extLst>
+          </p:cNvPr>
+          <p:cNvCxnSpPr>
+            <a:cxnSpLocks/>
+          </p:cNvCxnSpPr>
+          <p:nvPr/>
+        </p:nvCxnSpPr>
+        <p:spPr>
+          <a:xfrm rot="5400000">
+            <a:off x="1622515" y="3943350"/>
+            <a:ext cx="495300" cy="12700"/>
+          </a:xfrm>
+          <a:prstGeom prst="bentConnector3">
+            <a:avLst>
+              <a:gd name="adj1" fmla="val 50000"/>
+            </a:avLst>
+          </a:prstGeom>
+          <a:ln>
+            <a:tailEnd type="triangle"/>
+          </a:ln>
+        </p:spPr>
+        <p:style>
+          <a:lnRef idx="2">
+            <a:schemeClr val="accent1"/>
+          </a:lnRef>
+          <a:fillRef idx="0">
+            <a:schemeClr val="accent1"/>
+          </a:fillRef>
+          <a:effectRef idx="1">
+            <a:schemeClr val="accent1"/>
+          </a:effectRef>
+          <a:fontRef idx="minor">
+            <a:schemeClr val="tx1"/>
+          </a:fontRef>
+        </p:style>
+      </p:cxnSp>
+      <p:cxnSp>
+        <p:nvCxnSpPr>
+          <p:cNvPr id="17" name="Elbow Connector 16">
+            <a:extLst>
+              <a:ext uri="{FF2B5EF4-FFF2-40B4-BE49-F238E27FC236}">
+                <a16:creationId xmlns:a16="http://schemas.microsoft.com/office/drawing/2014/main" id="{ADD77FB8-158B-994D-9767-BDEEC1EC3874}"/>
+              </a:ext>
+            </a:extLst>
+          </p:cNvPr>
+          <p:cNvCxnSpPr>
+            <a:stCxn id="7" idx="3"/>
+            <a:endCxn id="8" idx="1"/>
+          </p:cNvCxnSpPr>
+          <p:nvPr/>
+        </p:nvCxnSpPr>
+        <p:spPr>
+          <a:xfrm flipV="1">
+            <a:off x="2975065" y="1676400"/>
+            <a:ext cx="758735" cy="2971800"/>
+          </a:xfrm>
+          <a:prstGeom prst="bentConnector3">
+            <a:avLst/>
+          </a:prstGeom>
+          <a:ln>
+            <a:tailEnd type="triangle"/>
+          </a:ln>
+        </p:spPr>
+        <p:style>
+          <a:lnRef idx="2">
+            <a:schemeClr val="accent1"/>
+          </a:lnRef>
+          <a:fillRef idx="0">
+            <a:schemeClr val="accent1"/>
+          </a:fillRef>
+          <a:effectRef idx="1">
+            <a:schemeClr val="accent1"/>
+          </a:effectRef>
+          <a:fontRef idx="minor">
+            <a:schemeClr val="tx1"/>
+          </a:fontRef>
+        </p:style>
+      </p:cxnSp>
+      <p:cxnSp>
+        <p:nvCxnSpPr>
+          <p:cNvPr id="19" name="Elbow Connector 18">
+            <a:extLst>
+              <a:ext uri="{FF2B5EF4-FFF2-40B4-BE49-F238E27FC236}">
+                <a16:creationId xmlns:a16="http://schemas.microsoft.com/office/drawing/2014/main" id="{CE661BD8-66C1-EC49-9636-84CFF80D74D7}"/>
+              </a:ext>
+            </a:extLst>
+          </p:cNvPr>
+          <p:cNvCxnSpPr/>
+          <p:nvPr/>
+        </p:nvCxnSpPr>
+        <p:spPr>
+          <a:xfrm rot="5400000">
+            <a:off x="4495800" y="2476500"/>
+            <a:ext cx="685800" cy="12700"/>
+          </a:xfrm>
+          <a:prstGeom prst="bentConnector3">
+            <a:avLst/>
+          </a:prstGeom>
+          <a:ln>
+            <a:tailEnd type="triangle"/>
+          </a:ln>
+        </p:spPr>
+        <p:style>
+          <a:lnRef idx="2">
+            <a:schemeClr val="accent1"/>
+          </a:lnRef>
+          <a:fillRef idx="0">
+            <a:schemeClr val="accent1"/>
+          </a:fillRef>
+          <a:effectRef idx="1">
+            <a:schemeClr val="accent1"/>
+          </a:effectRef>
+          <a:fontRef idx="minor">
+            <a:schemeClr val="tx1"/>
+          </a:fontRef>
+        </p:style>
+      </p:cxnSp>
+      <p:cxnSp>
+        <p:nvCxnSpPr>
+          <p:cNvPr id="23" name="Elbow Connector 22">
+            <a:extLst>
+              <a:ext uri="{FF2B5EF4-FFF2-40B4-BE49-F238E27FC236}">
+                <a16:creationId xmlns:a16="http://schemas.microsoft.com/office/drawing/2014/main" id="{67305E93-8F2E-FB48-9299-1B8AFD3D8265}"/>
+              </a:ext>
+            </a:extLst>
+          </p:cNvPr>
+          <p:cNvCxnSpPr>
+            <a:stCxn id="9" idx="3"/>
+            <a:endCxn id="10" idx="0"/>
+          </p:cNvCxnSpPr>
+          <p:nvPr/>
+        </p:nvCxnSpPr>
+        <p:spPr>
+          <a:xfrm flipV="1">
+            <a:off x="5943600" y="1447800"/>
+            <a:ext cx="1638300" cy="1828800"/>
+          </a:xfrm>
+          <a:prstGeom prst="bentConnector4">
+            <a:avLst>
+              <a:gd name="adj1" fmla="val 16279"/>
+              <a:gd name="adj2" fmla="val 112500"/>
+            </a:avLst>
+          </a:prstGeom>
+          <a:ln>
+            <a:tailEnd type="triangle"/>
+          </a:ln>
+        </p:spPr>
+        <p:style>
+          <a:lnRef idx="2">
+            <a:schemeClr val="accent1"/>
+          </a:lnRef>
+          <a:fillRef idx="0">
+            <a:schemeClr val="accent1"/>
+          </a:fillRef>
+          <a:effectRef idx="1">
+            <a:schemeClr val="accent1"/>
+          </a:effectRef>
+          <a:fontRef idx="minor">
+            <a:schemeClr val="tx1"/>
+          </a:fontRef>
+        </p:style>
+      </p:cxnSp>
+      <p:sp>
+        <p:nvSpPr>
+          <p:cNvPr id="24" name="Rectangle 23">
+            <a:extLst>
+              <a:ext uri="{FF2B5EF4-FFF2-40B4-BE49-F238E27FC236}">
+                <a16:creationId xmlns:a16="http://schemas.microsoft.com/office/drawing/2014/main" id="{9FEAD428-8551-2249-BAFE-71CCCA011E57}"/>
+              </a:ext>
+            </a:extLst>
+          </p:cNvPr>
+          <p:cNvSpPr/>
+          <p:nvPr/>
+        </p:nvSpPr>
+        <p:spPr>
+          <a:xfrm>
+            <a:off x="6477000" y="4267200"/>
+            <a:ext cx="2209800" cy="1143000"/>
+          </a:xfrm>
+          <a:prstGeom prst="rect">
+            <a:avLst/>
+          </a:prstGeom>
+        </p:spPr>
+        <p:style>
+          <a:lnRef idx="1">
+            <a:schemeClr val="accent1"/>
+          </a:lnRef>
+          <a:fillRef idx="3">
+            <a:schemeClr val="accent1"/>
+          </a:fillRef>
+          <a:effectRef idx="2">
+            <a:schemeClr val="accent1"/>
+          </a:effectRef>
+          <a:fontRef idx="minor">
+            <a:schemeClr val="lt1"/>
+          </a:fontRef>
+        </p:style>
+        <p:txBody>
+          <a:bodyPr rtlCol="0" anchor="ctr"/>
+          <a:lstStyle/>
+          <a:p>
+            <a:pPr algn="ctr"/>
+            <a:r>
+              <a:rPr lang="en-US" b="1" dirty="0"/>
+              <a:t>Use the codes to do new computational studies.</a:t>
+            </a:r>
+          </a:p>
+        </p:txBody>
+      </p:sp>
+      <p:cxnSp>
+        <p:nvCxnSpPr>
+          <p:cNvPr id="26" name="Elbow Connector 25">
+            <a:extLst>
+              <a:ext uri="{FF2B5EF4-FFF2-40B4-BE49-F238E27FC236}">
+                <a16:creationId xmlns:a16="http://schemas.microsoft.com/office/drawing/2014/main" id="{D523CAA4-0795-A446-822F-34C184203209}"/>
+              </a:ext>
+            </a:extLst>
+          </p:cNvPr>
+          <p:cNvCxnSpPr>
+            <a:stCxn id="10" idx="2"/>
+            <a:endCxn id="24" idx="0"/>
+          </p:cNvCxnSpPr>
+          <p:nvPr/>
+        </p:nvCxnSpPr>
+        <p:spPr>
+          <a:xfrm rot="5400000">
+            <a:off x="7239000" y="3924300"/>
+            <a:ext cx="685800" cy="12700"/>
+          </a:xfrm>
+          <a:prstGeom prst="bentConnector3">
+            <a:avLst/>
+          </a:prstGeom>
+          <a:ln>
+            <a:tailEnd type="triangle"/>
+          </a:ln>
+        </p:spPr>
+        <p:style>
+          <a:lnRef idx="2">
+            <a:schemeClr val="accent1"/>
+          </a:lnRef>
+          <a:fillRef idx="0">
+            <a:schemeClr val="accent1"/>
+          </a:fillRef>
+          <a:effectRef idx="1">
+            <a:schemeClr val="accent1"/>
+          </a:effectRef>
+          <a:fontRef idx="minor">
+            <a:schemeClr val="tx1"/>
+          </a:fontRef>
+        </p:style>
+      </p:cxnSp>
+    </p:spTree>
+    <p:extLst>
+      <p:ext uri="{BB962C8B-B14F-4D97-AF65-F5344CB8AC3E}">
+        <p14:creationId xmlns:p14="http://schemas.microsoft.com/office/powerpoint/2010/main" val="2622821966"/>
+      </p:ext>
+    </p:extLst>
+  </p:cSld>
+  <p:clrMapOvr>
+    <a:masterClrMapping/>
+  </p:clrMapOvr>
+  <p:timing>
+    <p:tnLst>
+      <p:par>
+        <p:cTn id="1" dur="indefinite" restart="never" nodeType="tmRoot">
+          <p:childTnLst>
+            <p:seq concurrent="1" nextAc="seek">
+              <p:cTn id="2" dur="indefinite" nodeType="mainSeq">
+                <p:childTnLst>
+                  <p:par>
+                    <p:cTn id="3" fill="hold">
+                      <p:stCondLst>
+                        <p:cond delay="indefinite"/>
+                      </p:stCondLst>
+                      <p:childTnLst>
+                        <p:par>
+                          <p:cTn id="4" fill="hold">
+                            <p:stCondLst>
+                              <p:cond delay="0"/>
+                            </p:stCondLst>
+                            <p:childTnLst>
+                              <p:par>
+                                <p:cTn id="5" presetID="1" presetClass="entr" presetSubtype="0" fill="hold" nodeType="clickEffect">
+                                  <p:stCondLst>
+                                    <p:cond delay="0"/>
+                                  </p:stCondLst>
+                                  <p:childTnLst>
+                                    <p:set>
+                                      <p:cBhvr>
+                                        <p:cTn id="6" dur="1" fill="hold">
+                                          <p:stCondLst>
+                                            <p:cond delay="0"/>
+                                          </p:stCondLst>
+                                        </p:cTn>
+                                        <p:tgtEl>
+                                          <p:spTgt spid="12"/>
+                                        </p:tgtEl>
+                                        <p:attrNameLst>
+                                          <p:attrName>style.visibility</p:attrName>
+                                        </p:attrNameLst>
+                                      </p:cBhvr>
+                                      <p:to>
+                                        <p:strVal val="visible"/>
+                                      </p:to>
+                                    </p:set>
+                                  </p:childTnLst>
+                                </p:cTn>
+                              </p:par>
+                              <p:par>
+                                <p:cTn id="7" presetID="1" presetClass="entr" presetSubtype="0" fill="hold" grpId="0" nodeType="withEffect">
+                                  <p:stCondLst>
+                                    <p:cond delay="0"/>
+                                  </p:stCondLst>
+                                  <p:childTnLst>
+                                    <p:set>
+                                      <p:cBhvr>
+                                        <p:cTn id="8" dur="1" fill="hold">
+                                          <p:stCondLst>
+                                            <p:cond delay="0"/>
+                                          </p:stCondLst>
+                                        </p:cTn>
+                                        <p:tgtEl>
+                                          <p:spTgt spid="6"/>
+                                        </p:tgtEl>
+                                        <p:attrNameLst>
+                                          <p:attrName>style.visibility</p:attrName>
+                                        </p:attrNameLst>
+                                      </p:cBhvr>
+                                      <p:to>
+                                        <p:strVal val="visible"/>
+                                      </p:to>
+                                    </p:set>
+                                  </p:childTnLst>
+                                </p:cTn>
+                              </p:par>
+                            </p:childTnLst>
+                          </p:cTn>
+                        </p:par>
+                      </p:childTnLst>
+                    </p:cTn>
+                  </p:par>
+                  <p:par>
+                    <p:cTn id="9" fill="hold">
+                      <p:stCondLst>
+                        <p:cond delay="indefinite"/>
+                      </p:stCondLst>
+                      <p:childTnLst>
+                        <p:par>
+                          <p:cTn id="10" fill="hold">
+                            <p:stCondLst>
+                              <p:cond delay="0"/>
+                            </p:stCondLst>
+                            <p:childTnLst>
+                              <p:par>
+                                <p:cTn id="11" presetID="1" presetClass="entr" presetSubtype="0" fill="hold" nodeType="clickEffect">
+                                  <p:stCondLst>
+                                    <p:cond delay="0"/>
+                                  </p:stCondLst>
+                                  <p:childTnLst>
+                                    <p:set>
+                                      <p:cBhvr>
+                                        <p:cTn id="12" dur="1" fill="hold">
+                                          <p:stCondLst>
+                                            <p:cond delay="0"/>
+                                          </p:stCondLst>
+                                        </p:cTn>
+                                        <p:tgtEl>
+                                          <p:spTgt spid="13"/>
+                                        </p:tgtEl>
+                                        <p:attrNameLst>
+                                          <p:attrName>style.visibility</p:attrName>
+                                        </p:attrNameLst>
+                                      </p:cBhvr>
+                                      <p:to>
+                                        <p:strVal val="visible"/>
+                                      </p:to>
+                                    </p:set>
+                                  </p:childTnLst>
+                                </p:cTn>
+                              </p:par>
+                              <p:par>
+                                <p:cTn id="13" presetID="1" presetClass="entr" presetSubtype="0" fill="hold" grpId="0" nodeType="withEffect">
+                                  <p:stCondLst>
+                                    <p:cond delay="0"/>
+                                  </p:stCondLst>
+                                  <p:childTnLst>
+                                    <p:set>
+                                      <p:cBhvr>
+                                        <p:cTn id="14" dur="1" fill="hold">
+                                          <p:stCondLst>
+                                            <p:cond delay="0"/>
+                                          </p:stCondLst>
+                                        </p:cTn>
+                                        <p:tgtEl>
+                                          <p:spTgt spid="7"/>
+                                        </p:tgtEl>
+                                        <p:attrNameLst>
+                                          <p:attrName>style.visibility</p:attrName>
+                                        </p:attrNameLst>
+                                      </p:cBhvr>
+                                      <p:to>
+                                        <p:strVal val="visible"/>
+                                      </p:to>
+                                    </p:set>
+                                  </p:childTnLst>
+                                </p:cTn>
+                              </p:par>
+                            </p:childTnLst>
+                          </p:cTn>
+                        </p:par>
+                      </p:childTnLst>
+                    </p:cTn>
+                  </p:par>
+                  <p:par>
+                    <p:cTn id="15" fill="hold">
+                      <p:stCondLst>
+                        <p:cond delay="indefinite"/>
+                      </p:stCondLst>
+                      <p:childTnLst>
+                        <p:par>
+                          <p:cTn id="16" fill="hold">
+                            <p:stCondLst>
+                              <p:cond delay="0"/>
+                            </p:stCondLst>
+                            <p:childTnLst>
+                              <p:par>
+                                <p:cTn id="17" presetID="1" presetClass="entr" presetSubtype="0" fill="hold" nodeType="clickEffect">
+                                  <p:stCondLst>
+                                    <p:cond delay="0"/>
+                                  </p:stCondLst>
+                                  <p:childTnLst>
+                                    <p:set>
+                                      <p:cBhvr>
+                                        <p:cTn id="18" dur="1" fill="hold">
+                                          <p:stCondLst>
+                                            <p:cond delay="0"/>
+                                          </p:stCondLst>
+                                        </p:cTn>
+                                        <p:tgtEl>
+                                          <p:spTgt spid="17"/>
+                                        </p:tgtEl>
+                                        <p:attrNameLst>
+                                          <p:attrName>style.visibility</p:attrName>
+                                        </p:attrNameLst>
+                                      </p:cBhvr>
+                                      <p:to>
+                                        <p:strVal val="visible"/>
+                                      </p:to>
+                                    </p:set>
+                                  </p:childTnLst>
+                                </p:cTn>
+                              </p:par>
+                              <p:par>
+                                <p:cTn id="19" presetID="1" presetClass="entr" presetSubtype="0" fill="hold" grpId="0" nodeType="withEffect">
+                                  <p:stCondLst>
+                                    <p:cond delay="0"/>
+                                  </p:stCondLst>
+                                  <p:childTnLst>
+                                    <p:set>
+                                      <p:cBhvr>
+                                        <p:cTn id="20" dur="1" fill="hold">
+                                          <p:stCondLst>
+                                            <p:cond delay="0"/>
+                                          </p:stCondLst>
+                                        </p:cTn>
+                                        <p:tgtEl>
+                                          <p:spTgt spid="8"/>
+                                        </p:tgtEl>
+                                        <p:attrNameLst>
+                                          <p:attrName>style.visibility</p:attrName>
+                                        </p:attrNameLst>
+                                      </p:cBhvr>
+                                      <p:to>
+                                        <p:strVal val="visible"/>
+                                      </p:to>
+                                    </p:set>
+                                  </p:childTnLst>
+                                </p:cTn>
+                              </p:par>
+                            </p:childTnLst>
+                          </p:cTn>
+                        </p:par>
+                      </p:childTnLst>
+                    </p:cTn>
+                  </p:par>
+                  <p:par>
+                    <p:cTn id="21" fill="hold">
+                      <p:stCondLst>
+                        <p:cond delay="indefinite"/>
+                      </p:stCondLst>
+                      <p:childTnLst>
+                        <p:par>
+                          <p:cTn id="22" fill="hold">
+                            <p:stCondLst>
+                              <p:cond delay="0"/>
+                            </p:stCondLst>
+                            <p:childTnLst>
+                              <p:par>
+                                <p:cTn id="23" presetID="1" presetClass="entr" presetSubtype="0" fill="hold" nodeType="clickEffect">
+                                  <p:stCondLst>
+                                    <p:cond delay="0"/>
+                                  </p:stCondLst>
+                                  <p:childTnLst>
+                                    <p:set>
+                                      <p:cBhvr>
+                                        <p:cTn id="24" dur="1" fill="hold">
+                                          <p:stCondLst>
+                                            <p:cond delay="0"/>
+                                          </p:stCondLst>
+                                        </p:cTn>
+                                        <p:tgtEl>
+                                          <p:spTgt spid="19"/>
+                                        </p:tgtEl>
+                                        <p:attrNameLst>
+                                          <p:attrName>style.visibility</p:attrName>
+                                        </p:attrNameLst>
+                                      </p:cBhvr>
+                                      <p:to>
+                                        <p:strVal val="visible"/>
+                                      </p:to>
+                                    </p:set>
+                                  </p:childTnLst>
+                                </p:cTn>
+                              </p:par>
+                              <p:par>
+                                <p:cTn id="25" presetID="1" presetClass="entr" presetSubtype="0" fill="hold" grpId="0" nodeType="withEffect">
+                                  <p:stCondLst>
+                                    <p:cond delay="0"/>
+                                  </p:stCondLst>
+                                  <p:childTnLst>
+                                    <p:set>
+                                      <p:cBhvr>
+                                        <p:cTn id="26" dur="1" fill="hold">
+                                          <p:stCondLst>
+                                            <p:cond delay="0"/>
+                                          </p:stCondLst>
+                                        </p:cTn>
+                                        <p:tgtEl>
+                                          <p:spTgt spid="9"/>
+                                        </p:tgtEl>
+                                        <p:attrNameLst>
+                                          <p:attrName>style.visibility</p:attrName>
+                                        </p:attrNameLst>
+                                      </p:cBhvr>
+                                      <p:to>
+                                        <p:strVal val="visible"/>
+                                      </p:to>
+                                    </p:set>
+                                  </p:childTnLst>
+                                </p:cTn>
+                              </p:par>
+                            </p:childTnLst>
+                          </p:cTn>
+                        </p:par>
+                      </p:childTnLst>
+                    </p:cTn>
+                  </p:par>
+                  <p:par>
+                    <p:cTn id="27" fill="hold">
+                      <p:stCondLst>
+                        <p:cond delay="indefinite"/>
+                      </p:stCondLst>
+                      <p:childTnLst>
+                        <p:par>
+                          <p:cTn id="28" fill="hold">
+                            <p:stCondLst>
+                              <p:cond delay="0"/>
+                            </p:stCondLst>
+                            <p:childTnLst>
+                              <p:par>
+                                <p:cTn id="29" presetID="1" presetClass="entr" presetSubtype="0" fill="hold" nodeType="clickEffect">
+                                  <p:stCondLst>
+                                    <p:cond delay="0"/>
+                                  </p:stCondLst>
+                                  <p:childTnLst>
+                                    <p:set>
+                                      <p:cBhvr>
+                                        <p:cTn id="30" dur="1" fill="hold">
+                                          <p:stCondLst>
+                                            <p:cond delay="0"/>
+                                          </p:stCondLst>
+                                        </p:cTn>
+                                        <p:tgtEl>
+                                          <p:spTgt spid="23"/>
+                                        </p:tgtEl>
+                                        <p:attrNameLst>
+                                          <p:attrName>style.visibility</p:attrName>
+                                        </p:attrNameLst>
+                                      </p:cBhvr>
+                                      <p:to>
+                                        <p:strVal val="visible"/>
+                                      </p:to>
+                                    </p:set>
+                                  </p:childTnLst>
+                                </p:cTn>
+                              </p:par>
+                              <p:par>
+                                <p:cTn id="31" presetID="1" presetClass="entr" presetSubtype="0" fill="hold" grpId="0" nodeType="withEffect">
+                                  <p:stCondLst>
+                                    <p:cond delay="0"/>
+                                  </p:stCondLst>
+                                  <p:childTnLst>
+                                    <p:set>
+                                      <p:cBhvr>
+                                        <p:cTn id="32" dur="1" fill="hold">
+                                          <p:stCondLst>
+                                            <p:cond delay="0"/>
+                                          </p:stCondLst>
+                                        </p:cTn>
+                                        <p:tgtEl>
+                                          <p:spTgt spid="10"/>
+                                        </p:tgtEl>
+                                        <p:attrNameLst>
+                                          <p:attrName>style.visibility</p:attrName>
+                                        </p:attrNameLst>
+                                      </p:cBhvr>
+                                      <p:to>
+                                        <p:strVal val="visible"/>
+                                      </p:to>
+                                    </p:set>
+                                  </p:childTnLst>
+                                </p:cTn>
+                              </p:par>
+                            </p:childTnLst>
+                          </p:cTn>
+                        </p:par>
+                      </p:childTnLst>
+                    </p:cTn>
+                  </p:par>
+                  <p:par>
+                    <p:cTn id="33" fill="hold">
+                      <p:stCondLst>
+                        <p:cond delay="indefinite"/>
+                      </p:stCondLst>
+                      <p:childTnLst>
+                        <p:par>
+                          <p:cTn id="34" fill="hold">
+                            <p:stCondLst>
+                              <p:cond delay="0"/>
+                            </p:stCondLst>
+                            <p:childTnLst>
+                              <p:par>
+                                <p:cTn id="35" presetID="1" presetClass="entr" presetSubtype="0" fill="hold" nodeType="clickEffect">
+                                  <p:stCondLst>
+                                    <p:cond delay="0"/>
+                                  </p:stCondLst>
+                                  <p:childTnLst>
+                                    <p:set>
+                                      <p:cBhvr>
+                                        <p:cTn id="36" dur="1" fill="hold">
+                                          <p:stCondLst>
+                                            <p:cond delay="0"/>
+                                          </p:stCondLst>
+                                        </p:cTn>
+                                        <p:tgtEl>
+                                          <p:spTgt spid="26"/>
+                                        </p:tgtEl>
+                                        <p:attrNameLst>
+                                          <p:attrName>style.visibility</p:attrName>
+                                        </p:attrNameLst>
+                                      </p:cBhvr>
+                                      <p:to>
+                                        <p:strVal val="visible"/>
+                                      </p:to>
+                                    </p:set>
+                                  </p:childTnLst>
+                                </p:cTn>
+                              </p:par>
+                              <p:par>
+                                <p:cTn id="37" presetID="1" presetClass="entr" presetSubtype="0" fill="hold" grpId="0" nodeType="withEffect">
+                                  <p:stCondLst>
+                                    <p:cond delay="0"/>
+                                  </p:stCondLst>
+                                  <p:childTnLst>
+                                    <p:set>
+                                      <p:cBhvr>
+                                        <p:cTn id="38" dur="1" fill="hold">
+                                          <p:stCondLst>
+                                            <p:cond delay="0"/>
+                                          </p:stCondLst>
+                                        </p:cTn>
+                                        <p:tgtEl>
+                                          <p:spTgt spid="24"/>
+                                        </p:tgtEl>
+                                        <p:attrNameLst>
+                                          <p:attrName>style.visibility</p:attrName>
+                                        </p:attrNameLst>
+                                      </p:cBhvr>
+                                      <p:to>
+                                        <p:strVal val="visible"/>
+                                      </p:to>
+                                    </p:set>
+                                  </p:childTnLst>
+                                </p:cTn>
+                              </p:par>
+                            </p:childTnLst>
+                          </p:cTn>
+                        </p:par>
+                      </p:childTnLst>
+                    </p:cTn>
+                  </p:par>
+                </p:childTnLst>
+              </p:cTn>
+              <p:prevCondLst>
+                <p:cond evt="onPrev" delay="0">
+                  <p:tgtEl>
+                    <p:sldTgt/>
+                  </p:tgtEl>
+                </p:cond>
+              </p:prevCondLst>
+              <p:nextCondLst>
+                <p:cond evt="onNext" delay="0">
+                  <p:tgtEl>
+                    <p:sldTgt/>
+                  </p:tgtEl>
+                </p:cond>
+              </p:nextCondLst>
+            </p:seq>
+          </p:childTnLst>
+        </p:cTn>
+      </p:par>
+    </p:tnLst>
+    <p:bldLst>
+      <p:bldP spid="6" grpId="0" animBg="1"/>
+      <p:bldP spid="7" grpId="0" animBg="1"/>
+      <p:bldP spid="8" grpId="0" animBg="1"/>
+      <p:bldP spid="9" grpId="0" animBg="1"/>
+      <p:bldP spid="10" grpId="0" animBg="1"/>
+      <p:bldP spid="24" grpId="0" animBg="1"/>
+    </p:bldLst>
+  </p:timing>
+</p:sld>
+</file>
+
+<file path=ppt/slides/slide11.xml><?xml version="1.0" encoding="utf-8"?>
+<p:sld xmlns:a="http://schemas.openxmlformats.org/drawingml/2006/main" xmlns:r="http://schemas.openxmlformats.org/officeDocument/2006/relationships" xmlns:p="http://schemas.openxmlformats.org/presentationml/2006/main">
+  <p:cSld>
+    <p:spTree>
+      <p:nvGrpSpPr>
+        <p:cNvPr id="1" name=""/>
+        <p:cNvGrpSpPr/>
+        <p:nvPr/>
+      </p:nvGrpSpPr>
+      <p:grpSpPr>
+        <a:xfrm>
+          <a:off x="0" y="0"/>
+          <a:ext cx="0" cy="0"/>
+          <a:chOff x="0" y="0"/>
+          <a:chExt cx="0" cy="0"/>
+        </a:xfrm>
+      </p:grpSpPr>
+      <p:sp>
+        <p:nvSpPr>
+          <p:cNvPr id="2" name="Title 1">
+            <a:extLst>
+              <a:ext uri="{FF2B5EF4-FFF2-40B4-BE49-F238E27FC236}">
+                <a16:creationId xmlns:a16="http://schemas.microsoft.com/office/drawing/2014/main" id="{67345335-ED46-0D4F-B205-2E4F8BBCAED2}"/>
+              </a:ext>
+            </a:extLst>
+          </p:cNvPr>
+          <p:cNvSpPr>
+            <a:spLocks noGrp="1"/>
+          </p:cNvSpPr>
+          <p:nvPr>
+            <p:ph type="title"/>
+          </p:nvPr>
+        </p:nvSpPr>
+        <p:spPr>
+          <a:xfrm>
+            <a:off x="457200" y="838200"/>
+            <a:ext cx="8229600" cy="838200"/>
+          </a:xfrm>
+        </p:spPr>
+        <p:txBody>
+          <a:bodyPr/>
+          <a:lstStyle/>
+          <a:p>
+            <a:r>
+              <a:rPr lang="en-US" sz="2400" dirty="0"/>
+              <a:t>See lecture_10/</a:t>
+            </a:r>
+            <a:r>
+              <a:rPr lang="en-US" sz="2400" dirty="0" err="1"/>
+              <a:t>model_fitting.py</a:t>
+            </a:r>
+            <a:r>
+              <a:rPr lang="en-US" sz="2400" dirty="0"/>
+              <a:t>,</a:t>
+            </a:r>
+            <a:br>
+              <a:rPr lang="en-US" sz="2400" dirty="0"/>
+            </a:br>
+            <a:r>
+              <a:rPr lang="en-US" sz="2400" dirty="0"/>
+              <a:t>lecture_10/Model Fitting With Exercises (No Answers).</a:t>
+            </a:r>
+            <a:r>
+              <a:rPr lang="en-US" sz="2400" dirty="0" err="1"/>
+              <a:t>ipynb</a:t>
+            </a:r>
+            <a:br>
+              <a:rPr lang="en-US" sz="2400" dirty="0"/>
+            </a:br>
+            <a:endParaRPr lang="en-US" sz="2400" dirty="0"/>
+          </a:p>
+        </p:txBody>
+      </p:sp>
+      <p:sp>
+        <p:nvSpPr>
+          <p:cNvPr id="3" name="Slide Number Placeholder 2">
+            <a:extLst>
+              <a:ext uri="{FF2B5EF4-FFF2-40B4-BE49-F238E27FC236}">
+                <a16:creationId xmlns:a16="http://schemas.microsoft.com/office/drawing/2014/main" id="{55F1BA6F-DF47-6945-AD26-014F0ADCB6E6}"/>
+              </a:ext>
+            </a:extLst>
+          </p:cNvPr>
+          <p:cNvSpPr>
+            <a:spLocks noGrp="1"/>
+          </p:cNvSpPr>
+          <p:nvPr>
+            <p:ph type="sldNum" sz="quarter" idx="11"/>
+          </p:nvPr>
+        </p:nvSpPr>
+        <p:spPr/>
+        <p:txBody>
+          <a:bodyPr/>
+          <a:lstStyle/>
+          <a:p>
+            <a:pPr>
+              <a:defRPr/>
+            </a:pPr>
+            <a:fld id="{2E4304A7-0FB2-4094-BC1E-DB17183AD0C1}" type="slidenum">
+              <a:rPr lang="en-US" altLang="x-none" smtClean="0"/>
+              <a:pPr>
+                <a:defRPr/>
+              </a:pPr>
+              <a:t>11</a:t>
+            </a:fld>
+            <a:endParaRPr lang="en-US" altLang="x-none"/>
+          </a:p>
+        </p:txBody>
+      </p:sp>
+    </p:spTree>
+    <p:extLst>
+      <p:ext uri="{BB962C8B-B14F-4D97-AF65-F5344CB8AC3E}">
+        <p14:creationId xmlns:p14="http://schemas.microsoft.com/office/powerpoint/2010/main" val="4114843383"/>
+      </p:ext>
+    </p:extLst>
+  </p:cSld>
+  <p:clrMapOvr>
+    <a:masterClrMapping/>
+  </p:clrMapOvr>
+</p:sld>
+</file>
+
+<file path=ppt/slides/slide12.xml><?xml version="1.0" encoding="utf-8"?>
+<p:sld xmlns:a="http://schemas.openxmlformats.org/drawingml/2006/main" xmlns:r="http://schemas.openxmlformats.org/officeDocument/2006/relationships" xmlns:p="http://schemas.openxmlformats.org/presentationml/2006/main">
+  <p:cSld>
+    <p:spTree>
+      <p:nvGrpSpPr>
+        <p:cNvPr id="1" name=""/>
+        <p:cNvGrpSpPr/>
+        <p:nvPr/>
+      </p:nvGrpSpPr>
+      <p:grpSpPr>
+        <a:xfrm>
+          <a:off x="0" y="0"/>
+          <a:ext cx="0" cy="0"/>
+          <a:chOff x="0" y="0"/>
+          <a:chExt cx="0" cy="0"/>
+        </a:xfrm>
+      </p:grpSpPr>
+      <p:sp>
+        <p:nvSpPr>
+          <p:cNvPr id="2" name="Title 1">
+            <a:extLst>
+              <a:ext uri="{FF2B5EF4-FFF2-40B4-BE49-F238E27FC236}">
                 <a16:creationId xmlns:a16="http://schemas.microsoft.com/office/drawing/2014/main" id="{0A3DDCDE-AD0E-BC40-8906-6338F96F2C26}"/>
               </a:ext>
             </a:extLst>
@@ -5292,7 +6681,7 @@
               <a:pPr>
                 <a:defRPr/>
               </a:pPr>
-              <a:t>10</a:t>
+              <a:t>12</a:t>
             </a:fld>
             <a:endParaRPr lang="en-US" altLang="x-none"/>
           </a:p>
@@ -5378,16 +6767,53 @@
           <a:lstStyle/>
           <a:p>
             <a:r>
+              <a:rPr lang="en-US" dirty="0">
+                <a:latin typeface="Courier New" panose="02070309020205020404" pitchFamily="49" charset="0"/>
+                <a:cs typeface="Courier New" panose="02070309020205020404" pitchFamily="49" charset="0"/>
+              </a:rPr>
+              <a:t>http://</a:t>
+            </a:r>
+            <a:r>
+              <a:rPr lang="en-US" dirty="0" err="1">
+                <a:latin typeface="Courier New" panose="02070309020205020404" pitchFamily="49" charset="0"/>
+                <a:cs typeface="Courier New" panose="02070309020205020404" pitchFamily="49" charset="0"/>
+              </a:rPr>
+              <a:t>shorturl.at</a:t>
+            </a:r>
+            <a:r>
+              <a:rPr lang="en-US" dirty="0">
+                <a:latin typeface="Courier New" panose="02070309020205020404" pitchFamily="49" charset="0"/>
+                <a:cs typeface="Courier New" panose="02070309020205020404" pitchFamily="49" charset="0"/>
+              </a:rPr>
+              <a:t>/crOS2</a:t>
+            </a:r>
+          </a:p>
+          <a:p>
+            <a:pPr lvl="1"/>
+            <a:r>
               <a:rPr lang="en-US" dirty="0"/>
-              <a:t>Lecture_10/ at http://</a:t>
+              <a:t>lecture_9_cross_validation.ipynb</a:t>
+            </a:r>
+          </a:p>
+          <a:p>
+            <a:pPr lvl="1"/>
+            <a:r>
+              <a:rPr lang="en-US" dirty="0"/>
+              <a:t>Lecture_10/</a:t>
+            </a:r>
+          </a:p>
+          <a:p>
+            <a:r>
+              <a:rPr lang="en-US" dirty="0"/>
+              <a:t>Follow the link in “Getting the Joe’s Lectures” for markdown version of notebooks if you don’t have </a:t>
             </a:r>
             <a:r>
               <a:rPr lang="en-US" dirty="0" err="1"/>
-              <a:t>shorturl.at</a:t>
+              <a:t>Juypter</a:t>
             </a:r>
             <a:r>
               <a:rPr lang="en-US" dirty="0"/>
-              <a:t>/crOS2</a:t>
+              <a:t> installed.</a:t>
             </a:r>
           </a:p>
         </p:txBody>
@@ -5441,6 +6867,5946 @@
 </file>
 
 <file path=ppt/slides/slide3.xml><?xml version="1.0" encoding="utf-8"?>
+<p:sld xmlns:a="http://schemas.openxmlformats.org/drawingml/2006/main" xmlns:r="http://schemas.openxmlformats.org/officeDocument/2006/relationships" xmlns:p="http://schemas.openxmlformats.org/presentationml/2006/main">
+  <p:cSld>
+    <p:spTree>
+      <p:nvGrpSpPr>
+        <p:cNvPr id="1" name=""/>
+        <p:cNvGrpSpPr/>
+        <p:nvPr/>
+      </p:nvGrpSpPr>
+      <p:grpSpPr>
+        <a:xfrm>
+          <a:off x="0" y="0"/>
+          <a:ext cx="0" cy="0"/>
+          <a:chOff x="0" y="0"/>
+          <a:chExt cx="0" cy="0"/>
+        </a:xfrm>
+      </p:grpSpPr>
+      <p:sp>
+        <p:nvSpPr>
+          <p:cNvPr id="2" name="Title 1">
+            <a:extLst>
+              <a:ext uri="{FF2B5EF4-FFF2-40B4-BE49-F238E27FC236}">
+                <a16:creationId xmlns:a16="http://schemas.microsoft.com/office/drawing/2014/main" id="{8FDC0FC5-4607-3544-9AE7-2A2AE7D79CC0}"/>
+              </a:ext>
+            </a:extLst>
+          </p:cNvPr>
+          <p:cNvSpPr>
+            <a:spLocks noGrp="1"/>
+          </p:cNvSpPr>
+          <p:nvPr>
+            <p:ph type="title"/>
+          </p:nvPr>
+        </p:nvSpPr>
+        <p:spPr/>
+        <p:txBody>
+          <a:bodyPr/>
+          <a:lstStyle/>
+          <a:p>
+            <a:r>
+              <a:rPr lang="en-US" dirty="0"/>
+              <a:t>Agenda</a:t>
+            </a:r>
+          </a:p>
+        </p:txBody>
+      </p:sp>
+      <p:sp>
+        <p:nvSpPr>
+          <p:cNvPr id="3" name="Content Placeholder 2">
+            <a:extLst>
+              <a:ext uri="{FF2B5EF4-FFF2-40B4-BE49-F238E27FC236}">
+                <a16:creationId xmlns:a16="http://schemas.microsoft.com/office/drawing/2014/main" id="{045232E1-DDA0-7840-B460-59388493AE09}"/>
+              </a:ext>
+            </a:extLst>
+          </p:cNvPr>
+          <p:cNvSpPr>
+            <a:spLocks noGrp="1"/>
+          </p:cNvSpPr>
+          <p:nvPr>
+            <p:ph idx="1"/>
+          </p:nvPr>
+        </p:nvSpPr>
+        <p:spPr/>
+        <p:txBody>
+          <a:bodyPr/>
+          <a:lstStyle/>
+          <a:p>
+            <a:r>
+              <a:rPr lang="en-US" dirty="0"/>
+              <a:t>Review of cross validation (</a:t>
+            </a:r>
+            <a:r>
+              <a:rPr lang="en-US" dirty="0" err="1"/>
+              <a:t>Jupyter</a:t>
+            </a:r>
+            <a:r>
+              <a:rPr lang="en-US" dirty="0"/>
+              <a:t> notebook)</a:t>
+            </a:r>
+          </a:p>
+          <a:p>
+            <a:r>
+              <a:rPr lang="en-US" dirty="0"/>
+              <a:t>Software engineering concepts</a:t>
+            </a:r>
+          </a:p>
+          <a:p>
+            <a:r>
+              <a:rPr lang="en-US" dirty="0"/>
+              <a:t>Software engineering workflow for modelers</a:t>
+            </a:r>
+          </a:p>
+          <a:p>
+            <a:endParaRPr lang="en-US" dirty="0"/>
+          </a:p>
+        </p:txBody>
+      </p:sp>
+      <p:sp>
+        <p:nvSpPr>
+          <p:cNvPr id="4" name="Slide Number Placeholder 3">
+            <a:extLst>
+              <a:ext uri="{FF2B5EF4-FFF2-40B4-BE49-F238E27FC236}">
+                <a16:creationId xmlns:a16="http://schemas.microsoft.com/office/drawing/2014/main" id="{6FE1EE21-A226-204F-8EF8-9D8CBBE07257}"/>
+              </a:ext>
+            </a:extLst>
+          </p:cNvPr>
+          <p:cNvSpPr>
+            <a:spLocks noGrp="1"/>
+          </p:cNvSpPr>
+          <p:nvPr>
+            <p:ph type="sldNum" sz="quarter" idx="11"/>
+          </p:nvPr>
+        </p:nvSpPr>
+        <p:spPr/>
+        <p:txBody>
+          <a:bodyPr/>
+          <a:lstStyle/>
+          <a:p>
+            <a:pPr>
+              <a:defRPr/>
+            </a:pPr>
+            <a:fld id="{3EF4E9CC-9D91-476E-91FD-5BEEC1642931}" type="slidenum">
+              <a:rPr lang="en-US" altLang="x-none" smtClean="0"/>
+              <a:pPr>
+                <a:defRPr/>
+              </a:pPr>
+              <a:t>3</a:t>
+            </a:fld>
+            <a:endParaRPr lang="en-US" altLang="x-none"/>
+          </a:p>
+        </p:txBody>
+      </p:sp>
+    </p:spTree>
+    <p:extLst>
+      <p:ext uri="{BB962C8B-B14F-4D97-AF65-F5344CB8AC3E}">
+        <p14:creationId xmlns:p14="http://schemas.microsoft.com/office/powerpoint/2010/main" val="867686869"/>
+      </p:ext>
+    </p:extLst>
+  </p:cSld>
+  <p:clrMapOvr>
+    <a:masterClrMapping/>
+  </p:clrMapOvr>
+</p:sld>
+</file>
+
+<file path=ppt/slides/slide4.xml><?xml version="1.0" encoding="utf-8"?>
+<p:sld xmlns:a="http://schemas.openxmlformats.org/drawingml/2006/main" xmlns:r="http://schemas.openxmlformats.org/officeDocument/2006/relationships" xmlns:p="http://schemas.openxmlformats.org/presentationml/2006/main">
+  <p:cSld>
+    <p:spTree>
+      <p:nvGrpSpPr>
+        <p:cNvPr id="1" name=""/>
+        <p:cNvGrpSpPr/>
+        <p:nvPr/>
+      </p:nvGrpSpPr>
+      <p:grpSpPr>
+        <a:xfrm>
+          <a:off x="0" y="0"/>
+          <a:ext cx="0" cy="0"/>
+          <a:chOff x="0" y="0"/>
+          <a:chExt cx="0" cy="0"/>
+        </a:xfrm>
+      </p:grpSpPr>
+      <p:sp>
+        <p:nvSpPr>
+          <p:cNvPr id="2" name="Title 1">
+            <a:extLst>
+              <a:ext uri="{FF2B5EF4-FFF2-40B4-BE49-F238E27FC236}">
+                <a16:creationId xmlns:a16="http://schemas.microsoft.com/office/drawing/2014/main" id="{BE365F2C-AE53-374A-92E6-43CA22DB77DA}"/>
+              </a:ext>
+            </a:extLst>
+          </p:cNvPr>
+          <p:cNvSpPr>
+            <a:spLocks noGrp="1"/>
+          </p:cNvSpPr>
+          <p:nvPr>
+            <p:ph type="title"/>
+          </p:nvPr>
+        </p:nvSpPr>
+        <p:spPr/>
+        <p:txBody>
+          <a:bodyPr/>
+          <a:lstStyle/>
+          <a:p>
+            <a:r>
+              <a:rPr lang="en-US" dirty="0"/>
+              <a:t>Cross Validation Summary</a:t>
+            </a:r>
+          </a:p>
+        </p:txBody>
+      </p:sp>
+      <p:sp>
+        <p:nvSpPr>
+          <p:cNvPr id="4" name="Slide Number Placeholder 3">
+            <a:extLst>
+              <a:ext uri="{FF2B5EF4-FFF2-40B4-BE49-F238E27FC236}">
+                <a16:creationId xmlns:a16="http://schemas.microsoft.com/office/drawing/2014/main" id="{BDFF67F1-0B9B-EA43-ADF5-B64D6CD8E081}"/>
+              </a:ext>
+            </a:extLst>
+          </p:cNvPr>
+          <p:cNvSpPr>
+            <a:spLocks noGrp="1"/>
+          </p:cNvSpPr>
+          <p:nvPr>
+            <p:ph type="sldNum" sz="quarter" idx="11"/>
+          </p:nvPr>
+        </p:nvSpPr>
+        <p:spPr/>
+        <p:txBody>
+          <a:bodyPr/>
+          <a:lstStyle/>
+          <a:p>
+            <a:pPr>
+              <a:defRPr/>
+            </a:pPr>
+            <a:fld id="{3EF4E9CC-9D91-476E-91FD-5BEEC1642931}" type="slidenum">
+              <a:rPr lang="en-US" altLang="x-none" smtClean="0"/>
+              <a:pPr>
+                <a:defRPr/>
+              </a:pPr>
+              <a:t>4</a:t>
+            </a:fld>
+            <a:endParaRPr lang="en-US" altLang="x-none"/>
+          </a:p>
+        </p:txBody>
+      </p:sp>
+      <p:sp>
+        <p:nvSpPr>
+          <p:cNvPr id="5" name="Rectangle 4">
+            <a:extLst>
+              <a:ext uri="{FF2B5EF4-FFF2-40B4-BE49-F238E27FC236}">
+                <a16:creationId xmlns:a16="http://schemas.microsoft.com/office/drawing/2014/main" id="{86972A79-AFD0-7B43-98BE-13188C126C46}"/>
+              </a:ext>
+            </a:extLst>
+          </p:cNvPr>
+          <p:cNvSpPr/>
+          <p:nvPr/>
+        </p:nvSpPr>
+        <p:spPr>
+          <a:xfrm>
+            <a:off x="762000" y="1219200"/>
+            <a:ext cx="2971800" cy="914400"/>
+          </a:xfrm>
+          <a:prstGeom prst="rect">
+            <a:avLst/>
+          </a:prstGeom>
+        </p:spPr>
+        <p:style>
+          <a:lnRef idx="1">
+            <a:schemeClr val="accent1"/>
+          </a:lnRef>
+          <a:fillRef idx="3">
+            <a:schemeClr val="accent1"/>
+          </a:fillRef>
+          <a:effectRef idx="2">
+            <a:schemeClr val="accent1"/>
+          </a:effectRef>
+          <a:fontRef idx="minor">
+            <a:schemeClr val="lt1"/>
+          </a:fontRef>
+        </p:style>
+        <p:txBody>
+          <a:bodyPr rtlCol="0" anchor="ctr"/>
+          <a:lstStyle/>
+          <a:p>
+            <a:pPr algn="ctr"/>
+            <a:r>
+              <a:rPr lang="en-US" sz="2400" b="1" dirty="0"/>
+              <a:t>Divide full data set into </a:t>
+            </a:r>
+            <a:r>
+              <a:rPr lang="en-US" sz="2400" b="1" i="1" dirty="0"/>
+              <a:t>N</a:t>
+            </a:r>
+            <a:r>
+              <a:rPr lang="en-US" sz="2400" b="1" dirty="0"/>
+              <a:t> Folds</a:t>
+            </a:r>
+          </a:p>
+        </p:txBody>
+      </p:sp>
+      <p:sp>
+        <p:nvSpPr>
+          <p:cNvPr id="6" name="Rectangle 5">
+            <a:extLst>
+              <a:ext uri="{FF2B5EF4-FFF2-40B4-BE49-F238E27FC236}">
+                <a16:creationId xmlns:a16="http://schemas.microsoft.com/office/drawing/2014/main" id="{74837913-787B-804F-B077-ABC3DD76D40F}"/>
+              </a:ext>
+            </a:extLst>
+          </p:cNvPr>
+          <p:cNvSpPr/>
+          <p:nvPr/>
+        </p:nvSpPr>
+        <p:spPr>
+          <a:xfrm>
+            <a:off x="304800" y="2590800"/>
+            <a:ext cx="3657600" cy="914400"/>
+          </a:xfrm>
+          <a:prstGeom prst="rect">
+            <a:avLst/>
+          </a:prstGeom>
+        </p:spPr>
+        <p:style>
+          <a:lnRef idx="1">
+            <a:schemeClr val="accent1"/>
+          </a:lnRef>
+          <a:fillRef idx="3">
+            <a:schemeClr val="accent1"/>
+          </a:fillRef>
+          <a:effectRef idx="2">
+            <a:schemeClr val="accent1"/>
+          </a:effectRef>
+          <a:fontRef idx="minor">
+            <a:schemeClr val="lt1"/>
+          </a:fontRef>
+        </p:style>
+        <p:txBody>
+          <a:bodyPr rtlCol="0" anchor="ctr"/>
+          <a:lstStyle/>
+          <a:p>
+            <a:pPr algn="ctr"/>
+            <a:r>
+              <a:rPr lang="en-US" sz="2400" b="1" dirty="0"/>
+              <a:t>Construct </a:t>
+            </a:r>
+            <a:r>
+              <a:rPr lang="en-US" sz="2400" b="1" i="1" dirty="0"/>
+              <a:t>N</a:t>
+            </a:r>
+            <a:r>
+              <a:rPr lang="en-US" sz="2400" b="1" dirty="0"/>
+              <a:t> training data sets and </a:t>
+            </a:r>
+            <a:r>
+              <a:rPr lang="en-US" sz="2400" b="1" i="1" dirty="0"/>
+              <a:t>N</a:t>
+            </a:r>
+            <a:r>
+              <a:rPr lang="en-US" sz="2400" b="1" dirty="0"/>
+              <a:t> test data sets</a:t>
+            </a:r>
+          </a:p>
+        </p:txBody>
+      </p:sp>
+      <p:sp>
+        <p:nvSpPr>
+          <p:cNvPr id="7" name="Rectangle 6">
+            <a:extLst>
+              <a:ext uri="{FF2B5EF4-FFF2-40B4-BE49-F238E27FC236}">
+                <a16:creationId xmlns:a16="http://schemas.microsoft.com/office/drawing/2014/main" id="{10295FAE-F9F0-9D44-ADBA-8123F3B09B1A}"/>
+              </a:ext>
+            </a:extLst>
+          </p:cNvPr>
+          <p:cNvSpPr/>
+          <p:nvPr/>
+        </p:nvSpPr>
+        <p:spPr>
+          <a:xfrm>
+            <a:off x="457199" y="3962400"/>
+            <a:ext cx="3398747" cy="914400"/>
+          </a:xfrm>
+          <a:prstGeom prst="rect">
+            <a:avLst/>
+          </a:prstGeom>
+        </p:spPr>
+        <p:style>
+          <a:lnRef idx="1">
+            <a:schemeClr val="accent1"/>
+          </a:lnRef>
+          <a:fillRef idx="3">
+            <a:schemeClr val="accent1"/>
+          </a:fillRef>
+          <a:effectRef idx="2">
+            <a:schemeClr val="accent1"/>
+          </a:effectRef>
+          <a:fontRef idx="minor">
+            <a:schemeClr val="lt1"/>
+          </a:fontRef>
+        </p:style>
+        <p:txBody>
+          <a:bodyPr rtlCol="0" anchor="ctr"/>
+          <a:lstStyle/>
+          <a:p>
+            <a:pPr algn="ctr"/>
+            <a:r>
+              <a:rPr lang="en-US" sz="2400" b="1" dirty="0"/>
+              <a:t>Obtain </a:t>
+            </a:r>
+            <a:r>
+              <a:rPr lang="en-US" sz="2400" b="1" i="1" dirty="0"/>
+              <a:t>N</a:t>
+            </a:r>
+            <a:r>
+              <a:rPr lang="en-US" sz="2400" b="1" dirty="0"/>
+              <a:t> parameter fits and model evaluations</a:t>
+            </a:r>
+          </a:p>
+        </p:txBody>
+      </p:sp>
+      <p:sp>
+        <p:nvSpPr>
+          <p:cNvPr id="8" name="Rectangle 7">
+            <a:extLst>
+              <a:ext uri="{FF2B5EF4-FFF2-40B4-BE49-F238E27FC236}">
+                <a16:creationId xmlns:a16="http://schemas.microsoft.com/office/drawing/2014/main" id="{D44D0E68-3444-F84E-9E75-93D0FCF24EAE}"/>
+              </a:ext>
+            </a:extLst>
+          </p:cNvPr>
+          <p:cNvSpPr/>
+          <p:nvPr/>
+        </p:nvSpPr>
+        <p:spPr>
+          <a:xfrm>
+            <a:off x="762000" y="5317435"/>
+            <a:ext cx="2971800" cy="914400"/>
+          </a:xfrm>
+          <a:prstGeom prst="rect">
+            <a:avLst/>
+          </a:prstGeom>
+        </p:spPr>
+        <p:style>
+          <a:lnRef idx="1">
+            <a:schemeClr val="accent1"/>
+          </a:lnRef>
+          <a:fillRef idx="3">
+            <a:schemeClr val="accent1"/>
+          </a:fillRef>
+          <a:effectRef idx="2">
+            <a:schemeClr val="accent1"/>
+          </a:effectRef>
+          <a:fontRef idx="minor">
+            <a:schemeClr val="lt1"/>
+          </a:fontRef>
+        </p:style>
+        <p:txBody>
+          <a:bodyPr rtlCol="0" anchor="ctr"/>
+          <a:lstStyle/>
+          <a:p>
+            <a:pPr algn="ctr"/>
+            <a:r>
+              <a:rPr lang="en-US" sz="2400" b="1" dirty="0"/>
+              <a:t>Report statistics of the evaluations</a:t>
+            </a:r>
+          </a:p>
+        </p:txBody>
+      </p:sp>
+      <p:cxnSp>
+        <p:nvCxnSpPr>
+          <p:cNvPr id="10" name="Straight Arrow Connector 9">
+            <a:extLst>
+              <a:ext uri="{FF2B5EF4-FFF2-40B4-BE49-F238E27FC236}">
+                <a16:creationId xmlns:a16="http://schemas.microsoft.com/office/drawing/2014/main" id="{83A4E811-B290-374E-956E-AB9781A6CCF7}"/>
+              </a:ext>
+            </a:extLst>
+          </p:cNvPr>
+          <p:cNvCxnSpPr/>
+          <p:nvPr/>
+        </p:nvCxnSpPr>
+        <p:spPr>
+          <a:xfrm>
+            <a:off x="2247900" y="2133600"/>
+            <a:ext cx="0" cy="457200"/>
+          </a:xfrm>
+          <a:prstGeom prst="straightConnector1">
+            <a:avLst/>
+          </a:prstGeom>
+          <a:ln>
+            <a:tailEnd type="triangle"/>
+          </a:ln>
+        </p:spPr>
+        <p:style>
+          <a:lnRef idx="2">
+            <a:schemeClr val="accent1"/>
+          </a:lnRef>
+          <a:fillRef idx="0">
+            <a:schemeClr val="accent1"/>
+          </a:fillRef>
+          <a:effectRef idx="1">
+            <a:schemeClr val="accent1"/>
+          </a:effectRef>
+          <a:fontRef idx="minor">
+            <a:schemeClr val="tx1"/>
+          </a:fontRef>
+        </p:style>
+      </p:cxnSp>
+      <p:cxnSp>
+        <p:nvCxnSpPr>
+          <p:cNvPr id="14" name="Straight Arrow Connector 13">
+            <a:extLst>
+              <a:ext uri="{FF2B5EF4-FFF2-40B4-BE49-F238E27FC236}">
+                <a16:creationId xmlns:a16="http://schemas.microsoft.com/office/drawing/2014/main" id="{2BF477F8-2B42-5B40-AE75-274B5CBF0817}"/>
+              </a:ext>
+            </a:extLst>
+          </p:cNvPr>
+          <p:cNvCxnSpPr>
+            <a:cxnSpLocks/>
+          </p:cNvCxnSpPr>
+          <p:nvPr/>
+        </p:nvCxnSpPr>
+        <p:spPr>
+          <a:xfrm>
+            <a:off x="2209800" y="4876800"/>
+            <a:ext cx="0" cy="457200"/>
+          </a:xfrm>
+          <a:prstGeom prst="straightConnector1">
+            <a:avLst/>
+          </a:prstGeom>
+          <a:ln>
+            <a:tailEnd type="triangle"/>
+          </a:ln>
+        </p:spPr>
+        <p:style>
+          <a:lnRef idx="2">
+            <a:schemeClr val="accent1"/>
+          </a:lnRef>
+          <a:fillRef idx="0">
+            <a:schemeClr val="accent1"/>
+          </a:fillRef>
+          <a:effectRef idx="1">
+            <a:schemeClr val="accent1"/>
+          </a:effectRef>
+          <a:fontRef idx="minor">
+            <a:schemeClr val="tx1"/>
+          </a:fontRef>
+        </p:style>
+      </p:cxnSp>
+      <p:graphicFrame>
+        <p:nvGraphicFramePr>
+          <p:cNvPr id="19" name="Table 18">
+            <a:extLst>
+              <a:ext uri="{FF2B5EF4-FFF2-40B4-BE49-F238E27FC236}">
+                <a16:creationId xmlns:a16="http://schemas.microsoft.com/office/drawing/2014/main" id="{BF594696-5046-6C4C-AAB5-1064F0A34348}"/>
+              </a:ext>
+            </a:extLst>
+          </p:cNvPr>
+          <p:cNvGraphicFramePr>
+            <a:graphicFrameLocks noGrp="1"/>
+          </p:cNvGraphicFramePr>
+          <p:nvPr/>
+        </p:nvGraphicFramePr>
+        <p:xfrm>
+          <a:off x="6024880" y="838200"/>
+          <a:ext cx="833120" cy="701040"/>
+        </p:xfrm>
+        <a:graphic>
+          <a:graphicData uri="http://schemas.openxmlformats.org/drawingml/2006/table">
+            <a:tbl>
+              <a:tblPr firstRow="1" bandRow="1">
+                <a:tableStyleId>{5C22544A-7EE6-4342-B048-85BDC9FD1C3A}</a:tableStyleId>
+              </a:tblPr>
+              <a:tblGrid>
+                <a:gridCol w="208280">
+                  <a:extLst>
+                    <a:ext uri="{9D8B030D-6E8A-4147-A177-3AD203B41FA5}">
+                      <a16:colId xmlns:a16="http://schemas.microsoft.com/office/drawing/2014/main" val="2850824769"/>
+                    </a:ext>
+                  </a:extLst>
+                </a:gridCol>
+                <a:gridCol w="208280">
+                  <a:extLst>
+                    <a:ext uri="{9D8B030D-6E8A-4147-A177-3AD203B41FA5}">
+                      <a16:colId xmlns:a16="http://schemas.microsoft.com/office/drawing/2014/main" val="57343624"/>
+                    </a:ext>
+                  </a:extLst>
+                </a:gridCol>
+                <a:gridCol w="208280">
+                  <a:extLst>
+                    <a:ext uri="{9D8B030D-6E8A-4147-A177-3AD203B41FA5}">
+                      <a16:colId xmlns:a16="http://schemas.microsoft.com/office/drawing/2014/main" val="2298198695"/>
+                    </a:ext>
+                  </a:extLst>
+                </a:gridCol>
+                <a:gridCol w="208280">
+                  <a:extLst>
+                    <a:ext uri="{9D8B030D-6E8A-4147-A177-3AD203B41FA5}">
+                      <a16:colId xmlns:a16="http://schemas.microsoft.com/office/drawing/2014/main" val="3269445081"/>
+                    </a:ext>
+                  </a:extLst>
+                </a:gridCol>
+              </a:tblGrid>
+              <a:tr h="0">
+                <a:tc>
+                  <a:txBody>
+                    <a:bodyPr/>
+                    <a:lstStyle/>
+                    <a:p>
+                      <a:endParaRPr lang="en-US" sz="100" dirty="0">
+                        <a:solidFill>
+                          <a:srgbClr val="002060"/>
+                        </a:solidFill>
+                        <a:highlight>
+                          <a:srgbClr val="0000FF"/>
+                        </a:highlight>
+                      </a:endParaRPr>
+                    </a:p>
+                  </a:txBody>
+                  <a:tcPr>
+                    <a:solidFill>
+                      <a:srgbClr val="002060"/>
+                    </a:solidFill>
+                  </a:tcPr>
+                </a:tc>
+                <a:tc>
+                  <a:txBody>
+                    <a:bodyPr/>
+                    <a:lstStyle/>
+                    <a:p>
+                      <a:endParaRPr lang="en-US" sz="100" dirty="0">
+                        <a:solidFill>
+                          <a:srgbClr val="002060"/>
+                        </a:solidFill>
+                        <a:highlight>
+                          <a:srgbClr val="0000FF"/>
+                        </a:highlight>
+                      </a:endParaRPr>
+                    </a:p>
+                  </a:txBody>
+                  <a:tcPr>
+                    <a:solidFill>
+                      <a:srgbClr val="002060"/>
+                    </a:solidFill>
+                  </a:tcPr>
+                </a:tc>
+                <a:tc>
+                  <a:txBody>
+                    <a:bodyPr/>
+                    <a:lstStyle/>
+                    <a:p>
+                      <a:endParaRPr lang="en-US" sz="100" dirty="0">
+                        <a:solidFill>
+                          <a:srgbClr val="002060"/>
+                        </a:solidFill>
+                        <a:highlight>
+                          <a:srgbClr val="0000FF"/>
+                        </a:highlight>
+                      </a:endParaRPr>
+                    </a:p>
+                  </a:txBody>
+                  <a:tcPr>
+                    <a:solidFill>
+                      <a:srgbClr val="002060"/>
+                    </a:solidFill>
+                  </a:tcPr>
+                </a:tc>
+                <a:tc>
+                  <a:txBody>
+                    <a:bodyPr/>
+                    <a:lstStyle/>
+                    <a:p>
+                      <a:endParaRPr lang="en-US" sz="100" dirty="0">
+                        <a:solidFill>
+                          <a:srgbClr val="002060"/>
+                        </a:solidFill>
+                        <a:highlight>
+                          <a:srgbClr val="0000FF"/>
+                        </a:highlight>
+                      </a:endParaRPr>
+                    </a:p>
+                  </a:txBody>
+                  <a:tcPr>
+                    <a:solidFill>
+                      <a:srgbClr val="002060"/>
+                    </a:solidFill>
+                  </a:tcPr>
+                </a:tc>
+                <a:extLst>
+                  <a:ext uri="{0D108BD9-81ED-4DB2-BD59-A6C34878D82A}">
+                    <a16:rowId xmlns:a16="http://schemas.microsoft.com/office/drawing/2014/main" val="1182745223"/>
+                  </a:ext>
+                </a:extLst>
+              </a:tr>
+              <a:tr h="0">
+                <a:tc>
+                  <a:txBody>
+                    <a:bodyPr/>
+                    <a:lstStyle/>
+                    <a:p>
+                      <a:endParaRPr lang="en-US" sz="100">
+                        <a:solidFill>
+                          <a:srgbClr val="002060"/>
+                        </a:solidFill>
+                        <a:highlight>
+                          <a:srgbClr val="0000FF"/>
+                        </a:highlight>
+                      </a:endParaRPr>
+                    </a:p>
+                  </a:txBody>
+                  <a:tcPr>
+                    <a:solidFill>
+                      <a:srgbClr val="002060"/>
+                    </a:solidFill>
+                  </a:tcPr>
+                </a:tc>
+                <a:tc>
+                  <a:txBody>
+                    <a:bodyPr/>
+                    <a:lstStyle/>
+                    <a:p>
+                      <a:endParaRPr lang="en-US" sz="100">
+                        <a:solidFill>
+                          <a:srgbClr val="002060"/>
+                        </a:solidFill>
+                        <a:highlight>
+                          <a:srgbClr val="0000FF"/>
+                        </a:highlight>
+                      </a:endParaRPr>
+                    </a:p>
+                  </a:txBody>
+                  <a:tcPr>
+                    <a:solidFill>
+                      <a:srgbClr val="002060"/>
+                    </a:solidFill>
+                  </a:tcPr>
+                </a:tc>
+                <a:tc>
+                  <a:txBody>
+                    <a:bodyPr/>
+                    <a:lstStyle/>
+                    <a:p>
+                      <a:endParaRPr lang="en-US" sz="100" dirty="0">
+                        <a:solidFill>
+                          <a:srgbClr val="002060"/>
+                        </a:solidFill>
+                        <a:highlight>
+                          <a:srgbClr val="0000FF"/>
+                        </a:highlight>
+                      </a:endParaRPr>
+                    </a:p>
+                  </a:txBody>
+                  <a:tcPr>
+                    <a:solidFill>
+                      <a:srgbClr val="002060"/>
+                    </a:solidFill>
+                  </a:tcPr>
+                </a:tc>
+                <a:tc>
+                  <a:txBody>
+                    <a:bodyPr/>
+                    <a:lstStyle/>
+                    <a:p>
+                      <a:endParaRPr lang="en-US" sz="100" dirty="0">
+                        <a:solidFill>
+                          <a:srgbClr val="002060"/>
+                        </a:solidFill>
+                        <a:highlight>
+                          <a:srgbClr val="0000FF"/>
+                        </a:highlight>
+                      </a:endParaRPr>
+                    </a:p>
+                  </a:txBody>
+                  <a:tcPr>
+                    <a:solidFill>
+                      <a:srgbClr val="002060"/>
+                    </a:solidFill>
+                  </a:tcPr>
+                </a:tc>
+                <a:extLst>
+                  <a:ext uri="{0D108BD9-81ED-4DB2-BD59-A6C34878D82A}">
+                    <a16:rowId xmlns:a16="http://schemas.microsoft.com/office/drawing/2014/main" val="1211249238"/>
+                  </a:ext>
+                </a:extLst>
+              </a:tr>
+              <a:tr h="0">
+                <a:tc>
+                  <a:txBody>
+                    <a:bodyPr/>
+                    <a:lstStyle/>
+                    <a:p>
+                      <a:endParaRPr lang="en-US" sz="100" dirty="0"/>
+                    </a:p>
+                  </a:txBody>
+                  <a:tcPr>
+                    <a:solidFill>
+                      <a:srgbClr val="00B050"/>
+                    </a:solidFill>
+                  </a:tcPr>
+                </a:tc>
+                <a:tc>
+                  <a:txBody>
+                    <a:bodyPr/>
+                    <a:lstStyle/>
+                    <a:p>
+                      <a:endParaRPr lang="en-US" sz="100" dirty="0"/>
+                    </a:p>
+                  </a:txBody>
+                  <a:tcPr>
+                    <a:solidFill>
+                      <a:srgbClr val="00B050"/>
+                    </a:solidFill>
+                  </a:tcPr>
+                </a:tc>
+                <a:tc>
+                  <a:txBody>
+                    <a:bodyPr/>
+                    <a:lstStyle/>
+                    <a:p>
+                      <a:endParaRPr lang="en-US" sz="100" dirty="0"/>
+                    </a:p>
+                  </a:txBody>
+                  <a:tcPr>
+                    <a:solidFill>
+                      <a:srgbClr val="00B050"/>
+                    </a:solidFill>
+                  </a:tcPr>
+                </a:tc>
+                <a:tc>
+                  <a:txBody>
+                    <a:bodyPr/>
+                    <a:lstStyle/>
+                    <a:p>
+                      <a:endParaRPr lang="en-US" sz="100" dirty="0"/>
+                    </a:p>
+                  </a:txBody>
+                  <a:tcPr>
+                    <a:solidFill>
+                      <a:srgbClr val="00B050"/>
+                    </a:solidFill>
+                  </a:tcPr>
+                </a:tc>
+                <a:extLst>
+                  <a:ext uri="{0D108BD9-81ED-4DB2-BD59-A6C34878D82A}">
+                    <a16:rowId xmlns:a16="http://schemas.microsoft.com/office/drawing/2014/main" val="640380758"/>
+                  </a:ext>
+                </a:extLst>
+              </a:tr>
+              <a:tr h="0">
+                <a:tc>
+                  <a:txBody>
+                    <a:bodyPr/>
+                    <a:lstStyle/>
+                    <a:p>
+                      <a:endParaRPr lang="en-US" sz="100" dirty="0"/>
+                    </a:p>
+                  </a:txBody>
+                  <a:tcPr>
+                    <a:solidFill>
+                      <a:srgbClr val="00B050"/>
+                    </a:solidFill>
+                  </a:tcPr>
+                </a:tc>
+                <a:tc>
+                  <a:txBody>
+                    <a:bodyPr/>
+                    <a:lstStyle/>
+                    <a:p>
+                      <a:endParaRPr lang="en-US" sz="100" dirty="0"/>
+                    </a:p>
+                  </a:txBody>
+                  <a:tcPr>
+                    <a:solidFill>
+                      <a:srgbClr val="00B050"/>
+                    </a:solidFill>
+                  </a:tcPr>
+                </a:tc>
+                <a:tc>
+                  <a:txBody>
+                    <a:bodyPr/>
+                    <a:lstStyle/>
+                    <a:p>
+                      <a:endParaRPr lang="en-US" sz="100" dirty="0"/>
+                    </a:p>
+                  </a:txBody>
+                  <a:tcPr>
+                    <a:solidFill>
+                      <a:srgbClr val="00B050"/>
+                    </a:solidFill>
+                  </a:tcPr>
+                </a:tc>
+                <a:tc>
+                  <a:txBody>
+                    <a:bodyPr/>
+                    <a:lstStyle/>
+                    <a:p>
+                      <a:endParaRPr lang="en-US" sz="100" dirty="0"/>
+                    </a:p>
+                  </a:txBody>
+                  <a:tcPr>
+                    <a:solidFill>
+                      <a:srgbClr val="00B050"/>
+                    </a:solidFill>
+                  </a:tcPr>
+                </a:tc>
+                <a:extLst>
+                  <a:ext uri="{0D108BD9-81ED-4DB2-BD59-A6C34878D82A}">
+                    <a16:rowId xmlns:a16="http://schemas.microsoft.com/office/drawing/2014/main" val="3739254808"/>
+                  </a:ext>
+                </a:extLst>
+              </a:tr>
+              <a:tr h="0">
+                <a:tc>
+                  <a:txBody>
+                    <a:bodyPr/>
+                    <a:lstStyle/>
+                    <a:p>
+                      <a:endParaRPr lang="en-US" sz="100" dirty="0"/>
+                    </a:p>
+                  </a:txBody>
+                  <a:tcPr>
+                    <a:solidFill>
+                      <a:srgbClr val="C00000"/>
+                    </a:solidFill>
+                  </a:tcPr>
+                </a:tc>
+                <a:tc>
+                  <a:txBody>
+                    <a:bodyPr/>
+                    <a:lstStyle/>
+                    <a:p>
+                      <a:endParaRPr lang="en-US" sz="100"/>
+                    </a:p>
+                  </a:txBody>
+                  <a:tcPr>
+                    <a:solidFill>
+                      <a:srgbClr val="C00000"/>
+                    </a:solidFill>
+                  </a:tcPr>
+                </a:tc>
+                <a:tc>
+                  <a:txBody>
+                    <a:bodyPr/>
+                    <a:lstStyle/>
+                    <a:p>
+                      <a:endParaRPr lang="en-US" sz="100" dirty="0"/>
+                    </a:p>
+                  </a:txBody>
+                  <a:tcPr>
+                    <a:solidFill>
+                      <a:srgbClr val="C00000"/>
+                    </a:solidFill>
+                  </a:tcPr>
+                </a:tc>
+                <a:tc>
+                  <a:txBody>
+                    <a:bodyPr/>
+                    <a:lstStyle/>
+                    <a:p>
+                      <a:endParaRPr lang="en-US" sz="100" dirty="0"/>
+                    </a:p>
+                  </a:txBody>
+                  <a:tcPr>
+                    <a:solidFill>
+                      <a:srgbClr val="C00000"/>
+                    </a:solidFill>
+                  </a:tcPr>
+                </a:tc>
+                <a:extLst>
+                  <a:ext uri="{0D108BD9-81ED-4DB2-BD59-A6C34878D82A}">
+                    <a16:rowId xmlns:a16="http://schemas.microsoft.com/office/drawing/2014/main" val="2733300335"/>
+                  </a:ext>
+                </a:extLst>
+              </a:tr>
+              <a:tr h="0">
+                <a:tc>
+                  <a:txBody>
+                    <a:bodyPr/>
+                    <a:lstStyle/>
+                    <a:p>
+                      <a:endParaRPr lang="en-US" sz="100"/>
+                    </a:p>
+                  </a:txBody>
+                  <a:tcPr>
+                    <a:solidFill>
+                      <a:srgbClr val="C00000"/>
+                    </a:solidFill>
+                  </a:tcPr>
+                </a:tc>
+                <a:tc>
+                  <a:txBody>
+                    <a:bodyPr/>
+                    <a:lstStyle/>
+                    <a:p>
+                      <a:endParaRPr lang="en-US" sz="100"/>
+                    </a:p>
+                  </a:txBody>
+                  <a:tcPr>
+                    <a:solidFill>
+                      <a:srgbClr val="C00000"/>
+                    </a:solidFill>
+                  </a:tcPr>
+                </a:tc>
+                <a:tc>
+                  <a:txBody>
+                    <a:bodyPr/>
+                    <a:lstStyle/>
+                    <a:p>
+                      <a:endParaRPr lang="en-US" sz="100"/>
+                    </a:p>
+                  </a:txBody>
+                  <a:tcPr>
+                    <a:solidFill>
+                      <a:srgbClr val="C00000"/>
+                    </a:solidFill>
+                  </a:tcPr>
+                </a:tc>
+                <a:tc>
+                  <a:txBody>
+                    <a:bodyPr/>
+                    <a:lstStyle/>
+                    <a:p>
+                      <a:endParaRPr lang="en-US" sz="100" dirty="0"/>
+                    </a:p>
+                  </a:txBody>
+                  <a:tcPr>
+                    <a:solidFill>
+                      <a:srgbClr val="C00000"/>
+                    </a:solidFill>
+                  </a:tcPr>
+                </a:tc>
+                <a:extLst>
+                  <a:ext uri="{0D108BD9-81ED-4DB2-BD59-A6C34878D82A}">
+                    <a16:rowId xmlns:a16="http://schemas.microsoft.com/office/drawing/2014/main" val="4233758861"/>
+                  </a:ext>
+                </a:extLst>
+              </a:tr>
+            </a:tbl>
+          </a:graphicData>
+        </a:graphic>
+      </p:graphicFrame>
+      <p:sp>
+        <p:nvSpPr>
+          <p:cNvPr id="25" name="TextBox 24">
+            <a:extLst>
+              <a:ext uri="{FF2B5EF4-FFF2-40B4-BE49-F238E27FC236}">
+                <a16:creationId xmlns:a16="http://schemas.microsoft.com/office/drawing/2014/main" id="{6EFF534E-3EF9-6A4E-A5AE-1F9D1F477FF0}"/>
+              </a:ext>
+            </a:extLst>
+          </p:cNvPr>
+          <p:cNvSpPr txBox="1"/>
+          <p:nvPr/>
+        </p:nvSpPr>
+        <p:spPr>
+          <a:xfrm>
+            <a:off x="5283857" y="1981200"/>
+            <a:ext cx="894219" cy="369332"/>
+          </a:xfrm>
+          <a:prstGeom prst="rect">
+            <a:avLst/>
+          </a:prstGeom>
+          <a:noFill/>
+        </p:spPr>
+        <p:txBody>
+          <a:bodyPr wrap="none" rtlCol="0">
+            <a:spAutoFit/>
+          </a:bodyPr>
+          <a:lstStyle/>
+          <a:p>
+            <a:r>
+              <a:rPr lang="en-US" dirty="0"/>
+              <a:t>Train 1</a:t>
+            </a:r>
+          </a:p>
+        </p:txBody>
+      </p:sp>
+      <p:sp>
+        <p:nvSpPr>
+          <p:cNvPr id="26" name="TextBox 25">
+            <a:extLst>
+              <a:ext uri="{FF2B5EF4-FFF2-40B4-BE49-F238E27FC236}">
+                <a16:creationId xmlns:a16="http://schemas.microsoft.com/office/drawing/2014/main" id="{9D4DCE87-3BDA-FA40-A9A1-89695AFD5906}"/>
+              </a:ext>
+            </a:extLst>
+          </p:cNvPr>
+          <p:cNvSpPr txBox="1"/>
+          <p:nvPr/>
+        </p:nvSpPr>
+        <p:spPr>
+          <a:xfrm>
+            <a:off x="6218438" y="1981200"/>
+            <a:ext cx="800284" cy="369332"/>
+          </a:xfrm>
+          <a:prstGeom prst="rect">
+            <a:avLst/>
+          </a:prstGeom>
+          <a:noFill/>
+        </p:spPr>
+        <p:txBody>
+          <a:bodyPr wrap="none" rtlCol="0">
+            <a:spAutoFit/>
+          </a:bodyPr>
+          <a:lstStyle/>
+          <a:p>
+            <a:r>
+              <a:rPr lang="en-US" dirty="0"/>
+              <a:t>Test 1</a:t>
+            </a:r>
+          </a:p>
+        </p:txBody>
+      </p:sp>
+      <mc:AlternateContent xmlns:mc="http://schemas.openxmlformats.org/markup-compatibility/2006" xmlns:a14="http://schemas.microsoft.com/office/drawing/2010/main">
+        <mc:Choice Requires="a14">
+          <p:sp>
+            <p:nvSpPr>
+              <p:cNvPr id="29" name="TextBox 28">
+                <a:extLst>
+                  <a:ext uri="{FF2B5EF4-FFF2-40B4-BE49-F238E27FC236}">
+                    <a16:creationId xmlns:a16="http://schemas.microsoft.com/office/drawing/2014/main" id="{C85B9592-2008-FE4F-8173-D799E3100DBE}"/>
+                  </a:ext>
+                </a:extLst>
+              </p:cNvPr>
+              <p:cNvSpPr txBox="1"/>
+              <p:nvPr/>
+            </p:nvSpPr>
+            <p:spPr>
+              <a:xfrm>
+                <a:off x="7384164" y="2209800"/>
+                <a:ext cx="616836" cy="465961"/>
+              </a:xfrm>
+              <a:prstGeom prst="rect">
+                <a:avLst/>
+              </a:prstGeom>
+              <a:noFill/>
+            </p:spPr>
+            <p:txBody>
+              <a:bodyPr wrap="none" rtlCol="0">
+                <a:spAutoFit/>
+              </a:bodyPr>
+              <a:lstStyle/>
+              <a:p>
+                <a:pPr/>
+                <a14:m>
+                  <m:oMathPara xmlns:m="http://schemas.openxmlformats.org/officeDocument/2006/math">
+                    <m:oMathParaPr>
+                      <m:jc m:val="centerGroup"/>
+                    </m:oMathParaPr>
+                    <m:oMath xmlns:m="http://schemas.openxmlformats.org/officeDocument/2006/math">
+                      <m:sSubSup>
+                        <m:sSubSupPr>
+                          <m:ctrlPr>
+                            <a:rPr lang="en-US" sz="2400" b="0" i="1" smtClean="0">
+                              <a:latin typeface="Cambria Math" panose="02040503050406030204" pitchFamily="18" charset="0"/>
+                            </a:rPr>
+                          </m:ctrlPr>
+                        </m:sSubSupPr>
+                        <m:e>
+                          <m:r>
+                            <a:rPr lang="en-US" sz="2400" b="0" i="1" smtClean="0">
+                              <a:latin typeface="Cambria Math" panose="02040503050406030204" pitchFamily="18" charset="0"/>
+                            </a:rPr>
+                            <m:t>𝑅</m:t>
+                          </m:r>
+                        </m:e>
+                        <m:sub>
+                          <m:r>
+                            <a:rPr lang="en-US" sz="2400" b="0" i="1" smtClean="0">
+                              <a:latin typeface="Cambria Math" panose="02040503050406030204" pitchFamily="18" charset="0"/>
+                            </a:rPr>
+                            <m:t>1</m:t>
+                          </m:r>
+                        </m:sub>
+                        <m:sup>
+                          <m:r>
+                            <a:rPr lang="en-US" sz="2400" b="0" i="1" smtClean="0">
+                              <a:latin typeface="Cambria Math" panose="02040503050406030204" pitchFamily="18" charset="0"/>
+                            </a:rPr>
+                            <m:t>2</m:t>
+                          </m:r>
+                        </m:sup>
+                      </m:sSubSup>
+                    </m:oMath>
+                  </m:oMathPara>
+                </a14:m>
+                <a:endParaRPr lang="en-US" sz="2400" dirty="0"/>
+              </a:p>
+            </p:txBody>
+          </p:sp>
+        </mc:Choice>
+        <mc:Fallback xmlns="">
+          <p:sp>
+            <p:nvSpPr>
+              <p:cNvPr id="29" name="TextBox 28">
+                <a:extLst>
+                  <a:ext uri="{FF2B5EF4-FFF2-40B4-BE49-F238E27FC236}">
+                    <a16:creationId xmlns:a16="http://schemas.microsoft.com/office/drawing/2014/main" id="{C85B9592-2008-FE4F-8173-D799E3100DBE}"/>
+                  </a:ext>
+                </a:extLst>
+              </p:cNvPr>
+              <p:cNvSpPr txBox="1">
+                <a:spLocks noRot="1" noChangeAspect="1" noMove="1" noResize="1" noEditPoints="1" noAdjustHandles="1" noChangeArrowheads="1" noChangeShapeType="1" noTextEdit="1"/>
+              </p:cNvSpPr>
+              <p:nvPr/>
+            </p:nvSpPr>
+            <p:spPr>
+              <a:xfrm>
+                <a:off x="7384164" y="2209800"/>
+                <a:ext cx="616836" cy="465961"/>
+              </a:xfrm>
+              <a:prstGeom prst="rect">
+                <a:avLst/>
+              </a:prstGeom>
+              <a:blipFill>
+                <a:blip r:embed="rId3"/>
+                <a:stretch>
+                  <a:fillRect b="-2632"/>
+                </a:stretch>
+              </a:blipFill>
+            </p:spPr>
+            <p:txBody>
+              <a:bodyPr/>
+              <a:lstStyle/>
+              <a:p>
+                <a:r>
+                  <a:rPr lang="en-US">
+                    <a:noFill/>
+                  </a:rPr>
+                  <a:t> </a:t>
+                </a:r>
+              </a:p>
+            </p:txBody>
+          </p:sp>
+        </mc:Fallback>
+      </mc:AlternateContent>
+      <mc:AlternateContent xmlns:mc="http://schemas.openxmlformats.org/markup-compatibility/2006" xmlns:a14="http://schemas.microsoft.com/office/drawing/2010/main">
+        <mc:Choice Requires="a14">
+          <p:sp>
+            <p:nvSpPr>
+              <p:cNvPr id="30" name="TextBox 29">
+                <a:extLst>
+                  <a:ext uri="{FF2B5EF4-FFF2-40B4-BE49-F238E27FC236}">
+                    <a16:creationId xmlns:a16="http://schemas.microsoft.com/office/drawing/2014/main" id="{A83B16B7-2EF0-DC49-813B-500DDD42645E}"/>
+                  </a:ext>
+                </a:extLst>
+              </p:cNvPr>
+              <p:cNvSpPr txBox="1"/>
+              <p:nvPr/>
+            </p:nvSpPr>
+            <p:spPr>
+              <a:xfrm>
+                <a:off x="7376928" y="3425718"/>
+                <a:ext cx="616836" cy="466666"/>
+              </a:xfrm>
+              <a:prstGeom prst="rect">
+                <a:avLst/>
+              </a:prstGeom>
+              <a:noFill/>
+            </p:spPr>
+            <p:txBody>
+              <a:bodyPr wrap="none" rtlCol="0">
+                <a:spAutoFit/>
+              </a:bodyPr>
+              <a:lstStyle/>
+              <a:p>
+                <a:pPr/>
+                <a14:m>
+                  <m:oMathPara xmlns:m="http://schemas.openxmlformats.org/officeDocument/2006/math">
+                    <m:oMathParaPr>
+                      <m:jc m:val="centerGroup"/>
+                    </m:oMathParaPr>
+                    <m:oMath xmlns:m="http://schemas.openxmlformats.org/officeDocument/2006/math">
+                      <m:sSubSup>
+                        <m:sSubSupPr>
+                          <m:ctrlPr>
+                            <a:rPr lang="en-US" sz="2400" b="0" i="1" smtClean="0">
+                              <a:latin typeface="Cambria Math" panose="02040503050406030204" pitchFamily="18" charset="0"/>
+                            </a:rPr>
+                          </m:ctrlPr>
+                        </m:sSubSupPr>
+                        <m:e>
+                          <m:r>
+                            <a:rPr lang="en-US" sz="2400" b="0" i="1" smtClean="0">
+                              <a:latin typeface="Cambria Math" panose="02040503050406030204" pitchFamily="18" charset="0"/>
+                            </a:rPr>
+                            <m:t>𝑅</m:t>
+                          </m:r>
+                        </m:e>
+                        <m:sub>
+                          <m:r>
+                            <a:rPr lang="en-US" sz="2400" b="0" i="1" smtClean="0">
+                              <a:latin typeface="Cambria Math" panose="02040503050406030204" pitchFamily="18" charset="0"/>
+                            </a:rPr>
+                            <m:t>2</m:t>
+                          </m:r>
+                        </m:sub>
+                        <m:sup>
+                          <m:r>
+                            <a:rPr lang="en-US" sz="2400" b="0" i="1" smtClean="0">
+                              <a:latin typeface="Cambria Math" panose="02040503050406030204" pitchFamily="18" charset="0"/>
+                            </a:rPr>
+                            <m:t>2</m:t>
+                          </m:r>
+                        </m:sup>
+                      </m:sSubSup>
+                    </m:oMath>
+                  </m:oMathPara>
+                </a14:m>
+                <a:endParaRPr lang="en-US" sz="2400" dirty="0"/>
+              </a:p>
+            </p:txBody>
+          </p:sp>
+        </mc:Choice>
+        <mc:Fallback xmlns="">
+          <p:sp>
+            <p:nvSpPr>
+              <p:cNvPr id="30" name="TextBox 29">
+                <a:extLst>
+                  <a:ext uri="{FF2B5EF4-FFF2-40B4-BE49-F238E27FC236}">
+                    <a16:creationId xmlns:a16="http://schemas.microsoft.com/office/drawing/2014/main" id="{A83B16B7-2EF0-DC49-813B-500DDD42645E}"/>
+                  </a:ext>
+                </a:extLst>
+              </p:cNvPr>
+              <p:cNvSpPr txBox="1">
+                <a:spLocks noRot="1" noChangeAspect="1" noMove="1" noResize="1" noEditPoints="1" noAdjustHandles="1" noChangeArrowheads="1" noChangeShapeType="1" noTextEdit="1"/>
+              </p:cNvSpPr>
+              <p:nvPr/>
+            </p:nvSpPr>
+            <p:spPr>
+              <a:xfrm>
+                <a:off x="7376928" y="3425718"/>
+                <a:ext cx="616836" cy="466666"/>
+              </a:xfrm>
+              <a:prstGeom prst="rect">
+                <a:avLst/>
+              </a:prstGeom>
+              <a:blipFill>
+                <a:blip r:embed="rId4"/>
+                <a:stretch>
+                  <a:fillRect b="-5405"/>
+                </a:stretch>
+              </a:blipFill>
+            </p:spPr>
+            <p:txBody>
+              <a:bodyPr/>
+              <a:lstStyle/>
+              <a:p>
+                <a:r>
+                  <a:rPr lang="en-US">
+                    <a:noFill/>
+                  </a:rPr>
+                  <a:t> </a:t>
+                </a:r>
+              </a:p>
+            </p:txBody>
+          </p:sp>
+        </mc:Fallback>
+      </mc:AlternateContent>
+      <mc:AlternateContent xmlns:mc="http://schemas.openxmlformats.org/markup-compatibility/2006" xmlns:a14="http://schemas.microsoft.com/office/drawing/2010/main">
+        <mc:Choice Requires="a14">
+          <p:sp>
+            <p:nvSpPr>
+              <p:cNvPr id="34" name="TextBox 33">
+                <a:extLst>
+                  <a:ext uri="{FF2B5EF4-FFF2-40B4-BE49-F238E27FC236}">
+                    <a16:creationId xmlns:a16="http://schemas.microsoft.com/office/drawing/2014/main" id="{547EAC54-57D4-4D43-B930-80577ED91A00}"/>
+                  </a:ext>
+                </a:extLst>
+              </p:cNvPr>
+              <p:cNvSpPr txBox="1"/>
+              <p:nvPr/>
+            </p:nvSpPr>
+            <p:spPr>
+              <a:xfrm>
+                <a:off x="5281868" y="5748913"/>
+                <a:ext cx="2673424" cy="746871"/>
+              </a:xfrm>
+              <a:prstGeom prst="rect">
+                <a:avLst/>
+              </a:prstGeom>
+              <a:noFill/>
+            </p:spPr>
+            <p:txBody>
+              <a:bodyPr wrap="none" lIns="0" tIns="0" rIns="0" bIns="0" rtlCol="0">
+                <a:spAutoFit/>
+              </a:bodyPr>
+              <a:lstStyle/>
+              <a:p>
+                <a:pPr/>
+                <a14:m>
+                  <m:oMathPara xmlns:m="http://schemas.openxmlformats.org/officeDocument/2006/math">
+                    <m:oMathParaPr>
+                      <m:jc m:val="centerGroup"/>
+                    </m:oMathParaPr>
+                    <m:oMath xmlns:m="http://schemas.openxmlformats.org/officeDocument/2006/math">
+                      <m:acc>
+                        <m:accPr>
+                          <m:chr m:val="̂"/>
+                          <m:ctrlPr>
+                            <a:rPr lang="en-US" sz="2400" b="0" i="1" smtClean="0">
+                              <a:latin typeface="Cambria Math" panose="02040503050406030204" pitchFamily="18" charset="0"/>
+                            </a:rPr>
+                          </m:ctrlPr>
+                        </m:accPr>
+                        <m:e>
+                          <m:sSup>
+                            <m:sSupPr>
+                              <m:ctrlPr>
+                                <a:rPr lang="en-US" sz="2400" b="0" i="1" smtClean="0">
+                                  <a:latin typeface="Cambria Math" panose="02040503050406030204" pitchFamily="18" charset="0"/>
+                                </a:rPr>
+                              </m:ctrlPr>
+                            </m:sSupPr>
+                            <m:e>
+                              <m:r>
+                                <a:rPr lang="en-US" sz="2400" b="0" i="1" smtClean="0">
+                                  <a:latin typeface="Cambria Math" panose="02040503050406030204" pitchFamily="18" charset="0"/>
+                                </a:rPr>
+                                <m:t>𝑅</m:t>
+                              </m:r>
+                            </m:e>
+                            <m:sup>
+                              <m:r>
+                                <a:rPr lang="en-US" sz="2400" b="0" i="1" smtClean="0">
+                                  <a:latin typeface="Cambria Math" panose="02040503050406030204" pitchFamily="18" charset="0"/>
+                                </a:rPr>
+                                <m:t>2</m:t>
+                              </m:r>
+                            </m:sup>
+                          </m:sSup>
+                        </m:e>
+                      </m:acc>
+                      <m:r>
+                        <a:rPr lang="en-US" sz="2400" b="0" i="1" smtClean="0">
+                          <a:latin typeface="Cambria Math" panose="02040503050406030204" pitchFamily="18" charset="0"/>
+                        </a:rPr>
+                        <m:t>= </m:t>
+                      </m:r>
+                      <m:f>
+                        <m:fPr>
+                          <m:ctrlPr>
+                            <a:rPr lang="en-US" sz="2400" b="0" i="1" smtClean="0">
+                              <a:latin typeface="Cambria Math" panose="02040503050406030204" pitchFamily="18" charset="0"/>
+                            </a:rPr>
+                          </m:ctrlPr>
+                        </m:fPr>
+                        <m:num>
+                          <m:sSubSup>
+                            <m:sSubSupPr>
+                              <m:ctrlPr>
+                                <a:rPr lang="en-US" sz="2400" b="0" i="1" smtClean="0">
+                                  <a:latin typeface="Cambria Math" panose="02040503050406030204" pitchFamily="18" charset="0"/>
+                                </a:rPr>
+                              </m:ctrlPr>
+                            </m:sSubSupPr>
+                            <m:e>
+                              <m:r>
+                                <a:rPr lang="en-US" sz="2400" b="0" i="1" smtClean="0">
+                                  <a:latin typeface="Cambria Math" panose="02040503050406030204" pitchFamily="18" charset="0"/>
+                                </a:rPr>
+                                <m:t>𝑅</m:t>
+                              </m:r>
+                            </m:e>
+                            <m:sub>
+                              <m:r>
+                                <a:rPr lang="en-US" sz="2400" b="0" i="1" smtClean="0">
+                                  <a:latin typeface="Cambria Math" panose="02040503050406030204" pitchFamily="18" charset="0"/>
+                                </a:rPr>
+                                <m:t>1</m:t>
+                              </m:r>
+                            </m:sub>
+                            <m:sup>
+                              <m:r>
+                                <a:rPr lang="en-US" sz="2400" b="0" i="1" smtClean="0">
+                                  <a:latin typeface="Cambria Math" panose="02040503050406030204" pitchFamily="18" charset="0"/>
+                                </a:rPr>
+                                <m:t>2</m:t>
+                              </m:r>
+                            </m:sup>
+                          </m:sSubSup>
+                          <m:r>
+                            <a:rPr lang="en-US" sz="2400" b="0" i="1" smtClean="0">
+                              <a:latin typeface="Cambria Math" panose="02040503050406030204" pitchFamily="18" charset="0"/>
+                            </a:rPr>
+                            <m:t>+</m:t>
+                          </m:r>
+                          <m:sSubSup>
+                            <m:sSubSupPr>
+                              <m:ctrlPr>
+                                <a:rPr lang="en-US" sz="2400" b="0" i="1" smtClean="0">
+                                  <a:latin typeface="Cambria Math" panose="02040503050406030204" pitchFamily="18" charset="0"/>
+                                </a:rPr>
+                              </m:ctrlPr>
+                            </m:sSubSupPr>
+                            <m:e>
+                              <m:r>
+                                <a:rPr lang="en-US" sz="2400" b="0" i="1" smtClean="0">
+                                  <a:latin typeface="Cambria Math" panose="02040503050406030204" pitchFamily="18" charset="0"/>
+                                </a:rPr>
+                                <m:t>𝑅</m:t>
+                              </m:r>
+                            </m:e>
+                            <m:sub>
+                              <m:r>
+                                <a:rPr lang="en-US" sz="2400" b="0" i="1" smtClean="0">
+                                  <a:latin typeface="Cambria Math" panose="02040503050406030204" pitchFamily="18" charset="0"/>
+                                </a:rPr>
+                                <m:t>2</m:t>
+                              </m:r>
+                            </m:sub>
+                            <m:sup>
+                              <m:r>
+                                <a:rPr lang="en-US" sz="2400" b="0" i="1" smtClean="0">
+                                  <a:latin typeface="Cambria Math" panose="02040503050406030204" pitchFamily="18" charset="0"/>
+                                </a:rPr>
+                                <m:t>2</m:t>
+                              </m:r>
+                            </m:sup>
+                          </m:sSubSup>
+                          <m:r>
+                            <a:rPr lang="en-US" sz="2400" b="0" i="1" smtClean="0">
+                              <a:latin typeface="Cambria Math" panose="02040503050406030204" pitchFamily="18" charset="0"/>
+                            </a:rPr>
+                            <m:t>+</m:t>
+                          </m:r>
+                          <m:sSubSup>
+                            <m:sSubSupPr>
+                              <m:ctrlPr>
+                                <a:rPr lang="en-US" sz="2400" b="0" i="1" smtClean="0">
+                                  <a:latin typeface="Cambria Math" panose="02040503050406030204" pitchFamily="18" charset="0"/>
+                                </a:rPr>
+                              </m:ctrlPr>
+                            </m:sSubSupPr>
+                            <m:e>
+                              <m:r>
+                                <a:rPr lang="en-US" sz="2400" b="0" i="1" smtClean="0">
+                                  <a:latin typeface="Cambria Math" panose="02040503050406030204" pitchFamily="18" charset="0"/>
+                                </a:rPr>
+                                <m:t>𝑅</m:t>
+                              </m:r>
+                            </m:e>
+                            <m:sub>
+                              <m:r>
+                                <a:rPr lang="en-US" sz="2400" b="0" i="1" smtClean="0">
+                                  <a:latin typeface="Cambria Math" panose="02040503050406030204" pitchFamily="18" charset="0"/>
+                                </a:rPr>
+                                <m:t>3</m:t>
+                              </m:r>
+                            </m:sub>
+                            <m:sup>
+                              <m:r>
+                                <a:rPr lang="en-US" sz="2400" b="0" i="1" smtClean="0">
+                                  <a:latin typeface="Cambria Math" panose="02040503050406030204" pitchFamily="18" charset="0"/>
+                                </a:rPr>
+                                <m:t>2</m:t>
+                              </m:r>
+                            </m:sup>
+                          </m:sSubSup>
+                        </m:num>
+                        <m:den>
+                          <m:r>
+                            <a:rPr lang="en-US" sz="2400" b="0" i="1" smtClean="0">
+                              <a:latin typeface="Cambria Math" panose="02040503050406030204" pitchFamily="18" charset="0"/>
+                            </a:rPr>
+                            <m:t>3</m:t>
+                          </m:r>
+                        </m:den>
+                      </m:f>
+                    </m:oMath>
+                  </m:oMathPara>
+                </a14:m>
+                <a:endParaRPr lang="en-US" sz="2400" dirty="0"/>
+              </a:p>
+            </p:txBody>
+          </p:sp>
+        </mc:Choice>
+        <mc:Fallback xmlns="">
+          <p:sp>
+            <p:nvSpPr>
+              <p:cNvPr id="34" name="TextBox 33">
+                <a:extLst>
+                  <a:ext uri="{FF2B5EF4-FFF2-40B4-BE49-F238E27FC236}">
+                    <a16:creationId xmlns:a16="http://schemas.microsoft.com/office/drawing/2014/main" id="{547EAC54-57D4-4D43-B930-80577ED91A00}"/>
+                  </a:ext>
+                </a:extLst>
+              </p:cNvPr>
+              <p:cNvSpPr txBox="1">
+                <a:spLocks noRot="1" noChangeAspect="1" noMove="1" noResize="1" noEditPoints="1" noAdjustHandles="1" noChangeArrowheads="1" noChangeShapeType="1" noTextEdit="1"/>
+              </p:cNvSpPr>
+              <p:nvPr/>
+            </p:nvSpPr>
+            <p:spPr>
+              <a:xfrm>
+                <a:off x="5281868" y="5748913"/>
+                <a:ext cx="2673424" cy="746871"/>
+              </a:xfrm>
+              <a:prstGeom prst="rect">
+                <a:avLst/>
+              </a:prstGeom>
+              <a:blipFill>
+                <a:blip r:embed="rId5"/>
+                <a:stretch>
+                  <a:fillRect l="-1896" b="-11864"/>
+                </a:stretch>
+              </a:blipFill>
+            </p:spPr>
+            <p:txBody>
+              <a:bodyPr/>
+              <a:lstStyle/>
+              <a:p>
+                <a:r>
+                  <a:rPr lang="en-US">
+                    <a:noFill/>
+                  </a:rPr>
+                  <a:t> </a:t>
+                </a:r>
+              </a:p>
+            </p:txBody>
+          </p:sp>
+        </mc:Fallback>
+      </mc:AlternateContent>
+      <p:cxnSp>
+        <p:nvCxnSpPr>
+          <p:cNvPr id="40" name="Straight Arrow Connector 39">
+            <a:extLst>
+              <a:ext uri="{FF2B5EF4-FFF2-40B4-BE49-F238E27FC236}">
+                <a16:creationId xmlns:a16="http://schemas.microsoft.com/office/drawing/2014/main" id="{8BC62965-4722-BE4D-9152-F89DA0EAC1CF}"/>
+              </a:ext>
+            </a:extLst>
+          </p:cNvPr>
+          <p:cNvCxnSpPr>
+            <a:stCxn id="6" idx="2"/>
+          </p:cNvCxnSpPr>
+          <p:nvPr/>
+        </p:nvCxnSpPr>
+        <p:spPr>
+          <a:xfrm>
+            <a:off x="2133600" y="3505200"/>
+            <a:ext cx="0" cy="457200"/>
+          </a:xfrm>
+          <a:prstGeom prst="straightConnector1">
+            <a:avLst/>
+          </a:prstGeom>
+          <a:ln>
+            <a:tailEnd type="triangle"/>
+          </a:ln>
+        </p:spPr>
+        <p:style>
+          <a:lnRef idx="2">
+            <a:schemeClr val="accent1"/>
+          </a:lnRef>
+          <a:fillRef idx="0">
+            <a:schemeClr val="accent1"/>
+          </a:fillRef>
+          <a:effectRef idx="1">
+            <a:schemeClr val="accent1"/>
+          </a:effectRef>
+          <a:fontRef idx="minor">
+            <a:schemeClr val="tx1"/>
+          </a:fontRef>
+        </p:style>
+      </p:cxnSp>
+      <p:graphicFrame>
+        <p:nvGraphicFramePr>
+          <p:cNvPr id="41" name="Table 40">
+            <a:extLst>
+              <a:ext uri="{FF2B5EF4-FFF2-40B4-BE49-F238E27FC236}">
+                <a16:creationId xmlns:a16="http://schemas.microsoft.com/office/drawing/2014/main" id="{F22E23F8-B672-BF49-AC60-9C93E5141676}"/>
+              </a:ext>
+            </a:extLst>
+          </p:cNvPr>
+          <p:cNvGraphicFramePr>
+            <a:graphicFrameLocks noGrp="1"/>
+          </p:cNvGraphicFramePr>
+          <p:nvPr/>
+        </p:nvGraphicFramePr>
+        <p:xfrm>
+          <a:off x="5207657" y="2352040"/>
+          <a:ext cx="833120" cy="467360"/>
+        </p:xfrm>
+        <a:graphic>
+          <a:graphicData uri="http://schemas.openxmlformats.org/drawingml/2006/table">
+            <a:tbl>
+              <a:tblPr firstRow="1" bandRow="1">
+                <a:tableStyleId>{5C22544A-7EE6-4342-B048-85BDC9FD1C3A}</a:tableStyleId>
+              </a:tblPr>
+              <a:tblGrid>
+                <a:gridCol w="208280">
+                  <a:extLst>
+                    <a:ext uri="{9D8B030D-6E8A-4147-A177-3AD203B41FA5}">
+                      <a16:colId xmlns:a16="http://schemas.microsoft.com/office/drawing/2014/main" val="2850824769"/>
+                    </a:ext>
+                  </a:extLst>
+                </a:gridCol>
+                <a:gridCol w="208280">
+                  <a:extLst>
+                    <a:ext uri="{9D8B030D-6E8A-4147-A177-3AD203B41FA5}">
+                      <a16:colId xmlns:a16="http://schemas.microsoft.com/office/drawing/2014/main" val="57343624"/>
+                    </a:ext>
+                  </a:extLst>
+                </a:gridCol>
+                <a:gridCol w="208280">
+                  <a:extLst>
+                    <a:ext uri="{9D8B030D-6E8A-4147-A177-3AD203B41FA5}">
+                      <a16:colId xmlns:a16="http://schemas.microsoft.com/office/drawing/2014/main" val="2298198695"/>
+                    </a:ext>
+                  </a:extLst>
+                </a:gridCol>
+                <a:gridCol w="208280">
+                  <a:extLst>
+                    <a:ext uri="{9D8B030D-6E8A-4147-A177-3AD203B41FA5}">
+                      <a16:colId xmlns:a16="http://schemas.microsoft.com/office/drawing/2014/main" val="3269445081"/>
+                    </a:ext>
+                  </a:extLst>
+                </a:gridCol>
+              </a:tblGrid>
+              <a:tr h="0">
+                <a:tc>
+                  <a:txBody>
+                    <a:bodyPr/>
+                    <a:lstStyle/>
+                    <a:p>
+                      <a:endParaRPr lang="en-US" sz="100" dirty="0">
+                        <a:solidFill>
+                          <a:srgbClr val="002060"/>
+                        </a:solidFill>
+                        <a:highlight>
+                          <a:srgbClr val="0000FF"/>
+                        </a:highlight>
+                      </a:endParaRPr>
+                    </a:p>
+                  </a:txBody>
+                  <a:tcPr>
+                    <a:solidFill>
+                      <a:srgbClr val="002060"/>
+                    </a:solidFill>
+                  </a:tcPr>
+                </a:tc>
+                <a:tc>
+                  <a:txBody>
+                    <a:bodyPr/>
+                    <a:lstStyle/>
+                    <a:p>
+                      <a:endParaRPr lang="en-US" sz="100" dirty="0">
+                        <a:solidFill>
+                          <a:srgbClr val="002060"/>
+                        </a:solidFill>
+                        <a:highlight>
+                          <a:srgbClr val="0000FF"/>
+                        </a:highlight>
+                      </a:endParaRPr>
+                    </a:p>
+                  </a:txBody>
+                  <a:tcPr>
+                    <a:solidFill>
+                      <a:srgbClr val="002060"/>
+                    </a:solidFill>
+                  </a:tcPr>
+                </a:tc>
+                <a:tc>
+                  <a:txBody>
+                    <a:bodyPr/>
+                    <a:lstStyle/>
+                    <a:p>
+                      <a:endParaRPr lang="en-US" sz="100" dirty="0">
+                        <a:solidFill>
+                          <a:srgbClr val="002060"/>
+                        </a:solidFill>
+                        <a:highlight>
+                          <a:srgbClr val="0000FF"/>
+                        </a:highlight>
+                      </a:endParaRPr>
+                    </a:p>
+                  </a:txBody>
+                  <a:tcPr>
+                    <a:solidFill>
+                      <a:srgbClr val="002060"/>
+                    </a:solidFill>
+                  </a:tcPr>
+                </a:tc>
+                <a:tc>
+                  <a:txBody>
+                    <a:bodyPr/>
+                    <a:lstStyle/>
+                    <a:p>
+                      <a:endParaRPr lang="en-US" sz="100" dirty="0">
+                        <a:solidFill>
+                          <a:srgbClr val="002060"/>
+                        </a:solidFill>
+                        <a:highlight>
+                          <a:srgbClr val="0000FF"/>
+                        </a:highlight>
+                      </a:endParaRPr>
+                    </a:p>
+                  </a:txBody>
+                  <a:tcPr>
+                    <a:solidFill>
+                      <a:srgbClr val="002060"/>
+                    </a:solidFill>
+                  </a:tcPr>
+                </a:tc>
+                <a:extLst>
+                  <a:ext uri="{0D108BD9-81ED-4DB2-BD59-A6C34878D82A}">
+                    <a16:rowId xmlns:a16="http://schemas.microsoft.com/office/drawing/2014/main" val="1182745223"/>
+                  </a:ext>
+                </a:extLst>
+              </a:tr>
+              <a:tr h="0">
+                <a:tc>
+                  <a:txBody>
+                    <a:bodyPr/>
+                    <a:lstStyle/>
+                    <a:p>
+                      <a:endParaRPr lang="en-US" sz="100">
+                        <a:solidFill>
+                          <a:srgbClr val="002060"/>
+                        </a:solidFill>
+                        <a:highlight>
+                          <a:srgbClr val="0000FF"/>
+                        </a:highlight>
+                      </a:endParaRPr>
+                    </a:p>
+                  </a:txBody>
+                  <a:tcPr>
+                    <a:solidFill>
+                      <a:srgbClr val="002060"/>
+                    </a:solidFill>
+                  </a:tcPr>
+                </a:tc>
+                <a:tc>
+                  <a:txBody>
+                    <a:bodyPr/>
+                    <a:lstStyle/>
+                    <a:p>
+                      <a:endParaRPr lang="en-US" sz="100">
+                        <a:solidFill>
+                          <a:srgbClr val="002060"/>
+                        </a:solidFill>
+                        <a:highlight>
+                          <a:srgbClr val="0000FF"/>
+                        </a:highlight>
+                      </a:endParaRPr>
+                    </a:p>
+                  </a:txBody>
+                  <a:tcPr>
+                    <a:solidFill>
+                      <a:srgbClr val="002060"/>
+                    </a:solidFill>
+                  </a:tcPr>
+                </a:tc>
+                <a:tc>
+                  <a:txBody>
+                    <a:bodyPr/>
+                    <a:lstStyle/>
+                    <a:p>
+                      <a:endParaRPr lang="en-US" sz="100" dirty="0">
+                        <a:solidFill>
+                          <a:srgbClr val="002060"/>
+                        </a:solidFill>
+                        <a:highlight>
+                          <a:srgbClr val="0000FF"/>
+                        </a:highlight>
+                      </a:endParaRPr>
+                    </a:p>
+                  </a:txBody>
+                  <a:tcPr>
+                    <a:solidFill>
+                      <a:srgbClr val="002060"/>
+                    </a:solidFill>
+                  </a:tcPr>
+                </a:tc>
+                <a:tc>
+                  <a:txBody>
+                    <a:bodyPr/>
+                    <a:lstStyle/>
+                    <a:p>
+                      <a:endParaRPr lang="en-US" sz="100" dirty="0">
+                        <a:solidFill>
+                          <a:srgbClr val="002060"/>
+                        </a:solidFill>
+                        <a:highlight>
+                          <a:srgbClr val="0000FF"/>
+                        </a:highlight>
+                      </a:endParaRPr>
+                    </a:p>
+                  </a:txBody>
+                  <a:tcPr>
+                    <a:solidFill>
+                      <a:srgbClr val="002060"/>
+                    </a:solidFill>
+                  </a:tcPr>
+                </a:tc>
+                <a:extLst>
+                  <a:ext uri="{0D108BD9-81ED-4DB2-BD59-A6C34878D82A}">
+                    <a16:rowId xmlns:a16="http://schemas.microsoft.com/office/drawing/2014/main" val="1211249238"/>
+                  </a:ext>
+                </a:extLst>
+              </a:tr>
+              <a:tr h="0">
+                <a:tc>
+                  <a:txBody>
+                    <a:bodyPr/>
+                    <a:lstStyle/>
+                    <a:p>
+                      <a:endParaRPr lang="en-US" sz="100" dirty="0"/>
+                    </a:p>
+                  </a:txBody>
+                  <a:tcPr>
+                    <a:solidFill>
+                      <a:srgbClr val="00B050"/>
+                    </a:solidFill>
+                  </a:tcPr>
+                </a:tc>
+                <a:tc>
+                  <a:txBody>
+                    <a:bodyPr/>
+                    <a:lstStyle/>
+                    <a:p>
+                      <a:endParaRPr lang="en-US" sz="100" dirty="0"/>
+                    </a:p>
+                  </a:txBody>
+                  <a:tcPr>
+                    <a:solidFill>
+                      <a:srgbClr val="00B050"/>
+                    </a:solidFill>
+                  </a:tcPr>
+                </a:tc>
+                <a:tc>
+                  <a:txBody>
+                    <a:bodyPr/>
+                    <a:lstStyle/>
+                    <a:p>
+                      <a:endParaRPr lang="en-US" sz="100" dirty="0"/>
+                    </a:p>
+                  </a:txBody>
+                  <a:tcPr>
+                    <a:solidFill>
+                      <a:srgbClr val="00B050"/>
+                    </a:solidFill>
+                  </a:tcPr>
+                </a:tc>
+                <a:tc>
+                  <a:txBody>
+                    <a:bodyPr/>
+                    <a:lstStyle/>
+                    <a:p>
+                      <a:endParaRPr lang="en-US" sz="100" dirty="0"/>
+                    </a:p>
+                  </a:txBody>
+                  <a:tcPr>
+                    <a:solidFill>
+                      <a:srgbClr val="00B050"/>
+                    </a:solidFill>
+                  </a:tcPr>
+                </a:tc>
+                <a:extLst>
+                  <a:ext uri="{0D108BD9-81ED-4DB2-BD59-A6C34878D82A}">
+                    <a16:rowId xmlns:a16="http://schemas.microsoft.com/office/drawing/2014/main" val="640380758"/>
+                  </a:ext>
+                </a:extLst>
+              </a:tr>
+              <a:tr h="0">
+                <a:tc>
+                  <a:txBody>
+                    <a:bodyPr/>
+                    <a:lstStyle/>
+                    <a:p>
+                      <a:endParaRPr lang="en-US" sz="100" dirty="0"/>
+                    </a:p>
+                  </a:txBody>
+                  <a:tcPr>
+                    <a:solidFill>
+                      <a:srgbClr val="00B050"/>
+                    </a:solidFill>
+                  </a:tcPr>
+                </a:tc>
+                <a:tc>
+                  <a:txBody>
+                    <a:bodyPr/>
+                    <a:lstStyle/>
+                    <a:p>
+                      <a:endParaRPr lang="en-US" sz="100" dirty="0"/>
+                    </a:p>
+                  </a:txBody>
+                  <a:tcPr>
+                    <a:solidFill>
+                      <a:srgbClr val="00B050"/>
+                    </a:solidFill>
+                  </a:tcPr>
+                </a:tc>
+                <a:tc>
+                  <a:txBody>
+                    <a:bodyPr/>
+                    <a:lstStyle/>
+                    <a:p>
+                      <a:endParaRPr lang="en-US" sz="100" dirty="0"/>
+                    </a:p>
+                  </a:txBody>
+                  <a:tcPr>
+                    <a:solidFill>
+                      <a:srgbClr val="00B050"/>
+                    </a:solidFill>
+                  </a:tcPr>
+                </a:tc>
+                <a:tc>
+                  <a:txBody>
+                    <a:bodyPr/>
+                    <a:lstStyle/>
+                    <a:p>
+                      <a:endParaRPr lang="en-US" sz="100" dirty="0"/>
+                    </a:p>
+                  </a:txBody>
+                  <a:tcPr>
+                    <a:solidFill>
+                      <a:srgbClr val="00B050"/>
+                    </a:solidFill>
+                  </a:tcPr>
+                </a:tc>
+                <a:extLst>
+                  <a:ext uri="{0D108BD9-81ED-4DB2-BD59-A6C34878D82A}">
+                    <a16:rowId xmlns:a16="http://schemas.microsoft.com/office/drawing/2014/main" val="3739254808"/>
+                  </a:ext>
+                </a:extLst>
+              </a:tr>
+            </a:tbl>
+          </a:graphicData>
+        </a:graphic>
+      </p:graphicFrame>
+      <p:graphicFrame>
+        <p:nvGraphicFramePr>
+          <p:cNvPr id="42" name="Table 41">
+            <a:extLst>
+              <a:ext uri="{FF2B5EF4-FFF2-40B4-BE49-F238E27FC236}">
+                <a16:creationId xmlns:a16="http://schemas.microsoft.com/office/drawing/2014/main" id="{54B1369A-1EA2-424F-A8C4-3F47708E84E4}"/>
+              </a:ext>
+            </a:extLst>
+          </p:cNvPr>
+          <p:cNvGraphicFramePr>
+            <a:graphicFrameLocks noGrp="1"/>
+          </p:cNvGraphicFramePr>
+          <p:nvPr/>
+        </p:nvGraphicFramePr>
+        <p:xfrm>
+          <a:off x="6122057" y="2362200"/>
+          <a:ext cx="833120" cy="233680"/>
+        </p:xfrm>
+        <a:graphic>
+          <a:graphicData uri="http://schemas.openxmlformats.org/drawingml/2006/table">
+            <a:tbl>
+              <a:tblPr firstRow="1" bandRow="1">
+                <a:tableStyleId>{5C22544A-7EE6-4342-B048-85BDC9FD1C3A}</a:tableStyleId>
+              </a:tblPr>
+              <a:tblGrid>
+                <a:gridCol w="208280">
+                  <a:extLst>
+                    <a:ext uri="{9D8B030D-6E8A-4147-A177-3AD203B41FA5}">
+                      <a16:colId xmlns:a16="http://schemas.microsoft.com/office/drawing/2014/main" val="2850824769"/>
+                    </a:ext>
+                  </a:extLst>
+                </a:gridCol>
+                <a:gridCol w="208280">
+                  <a:extLst>
+                    <a:ext uri="{9D8B030D-6E8A-4147-A177-3AD203B41FA5}">
+                      <a16:colId xmlns:a16="http://schemas.microsoft.com/office/drawing/2014/main" val="57343624"/>
+                    </a:ext>
+                  </a:extLst>
+                </a:gridCol>
+                <a:gridCol w="208280">
+                  <a:extLst>
+                    <a:ext uri="{9D8B030D-6E8A-4147-A177-3AD203B41FA5}">
+                      <a16:colId xmlns:a16="http://schemas.microsoft.com/office/drawing/2014/main" val="2298198695"/>
+                    </a:ext>
+                  </a:extLst>
+                </a:gridCol>
+                <a:gridCol w="208280">
+                  <a:extLst>
+                    <a:ext uri="{9D8B030D-6E8A-4147-A177-3AD203B41FA5}">
+                      <a16:colId xmlns:a16="http://schemas.microsoft.com/office/drawing/2014/main" val="3269445081"/>
+                    </a:ext>
+                  </a:extLst>
+                </a:gridCol>
+              </a:tblGrid>
+              <a:tr h="0">
+                <a:tc>
+                  <a:txBody>
+                    <a:bodyPr/>
+                    <a:lstStyle/>
+                    <a:p>
+                      <a:endParaRPr lang="en-US" sz="100" dirty="0"/>
+                    </a:p>
+                  </a:txBody>
+                  <a:tcPr>
+                    <a:solidFill>
+                      <a:srgbClr val="C00000"/>
+                    </a:solidFill>
+                  </a:tcPr>
+                </a:tc>
+                <a:tc>
+                  <a:txBody>
+                    <a:bodyPr/>
+                    <a:lstStyle/>
+                    <a:p>
+                      <a:endParaRPr lang="en-US" sz="100" dirty="0"/>
+                    </a:p>
+                  </a:txBody>
+                  <a:tcPr>
+                    <a:solidFill>
+                      <a:srgbClr val="C00000"/>
+                    </a:solidFill>
+                  </a:tcPr>
+                </a:tc>
+                <a:tc>
+                  <a:txBody>
+                    <a:bodyPr/>
+                    <a:lstStyle/>
+                    <a:p>
+                      <a:endParaRPr lang="en-US" sz="100" dirty="0"/>
+                    </a:p>
+                  </a:txBody>
+                  <a:tcPr>
+                    <a:solidFill>
+                      <a:srgbClr val="C00000"/>
+                    </a:solidFill>
+                  </a:tcPr>
+                </a:tc>
+                <a:tc>
+                  <a:txBody>
+                    <a:bodyPr/>
+                    <a:lstStyle/>
+                    <a:p>
+                      <a:endParaRPr lang="en-US" sz="100" dirty="0"/>
+                    </a:p>
+                  </a:txBody>
+                  <a:tcPr>
+                    <a:solidFill>
+                      <a:srgbClr val="C00000"/>
+                    </a:solidFill>
+                  </a:tcPr>
+                </a:tc>
+                <a:extLst>
+                  <a:ext uri="{0D108BD9-81ED-4DB2-BD59-A6C34878D82A}">
+                    <a16:rowId xmlns:a16="http://schemas.microsoft.com/office/drawing/2014/main" val="2733300335"/>
+                  </a:ext>
+                </a:extLst>
+              </a:tr>
+              <a:tr h="0">
+                <a:tc>
+                  <a:txBody>
+                    <a:bodyPr/>
+                    <a:lstStyle/>
+                    <a:p>
+                      <a:endParaRPr lang="en-US" sz="100"/>
+                    </a:p>
+                  </a:txBody>
+                  <a:tcPr>
+                    <a:solidFill>
+                      <a:srgbClr val="C00000"/>
+                    </a:solidFill>
+                  </a:tcPr>
+                </a:tc>
+                <a:tc>
+                  <a:txBody>
+                    <a:bodyPr/>
+                    <a:lstStyle/>
+                    <a:p>
+                      <a:endParaRPr lang="en-US" sz="100"/>
+                    </a:p>
+                  </a:txBody>
+                  <a:tcPr>
+                    <a:solidFill>
+                      <a:srgbClr val="C00000"/>
+                    </a:solidFill>
+                  </a:tcPr>
+                </a:tc>
+                <a:tc>
+                  <a:txBody>
+                    <a:bodyPr/>
+                    <a:lstStyle/>
+                    <a:p>
+                      <a:endParaRPr lang="en-US" sz="100" dirty="0"/>
+                    </a:p>
+                  </a:txBody>
+                  <a:tcPr>
+                    <a:solidFill>
+                      <a:srgbClr val="C00000"/>
+                    </a:solidFill>
+                  </a:tcPr>
+                </a:tc>
+                <a:tc>
+                  <a:txBody>
+                    <a:bodyPr/>
+                    <a:lstStyle/>
+                    <a:p>
+                      <a:endParaRPr lang="en-US" sz="100" dirty="0"/>
+                    </a:p>
+                  </a:txBody>
+                  <a:tcPr>
+                    <a:solidFill>
+                      <a:srgbClr val="C00000"/>
+                    </a:solidFill>
+                  </a:tcPr>
+                </a:tc>
+                <a:extLst>
+                  <a:ext uri="{0D108BD9-81ED-4DB2-BD59-A6C34878D82A}">
+                    <a16:rowId xmlns:a16="http://schemas.microsoft.com/office/drawing/2014/main" val="4233758861"/>
+                  </a:ext>
+                </a:extLst>
+              </a:tr>
+            </a:tbl>
+          </a:graphicData>
+        </a:graphic>
+      </p:graphicFrame>
+      <p:sp>
+        <p:nvSpPr>
+          <p:cNvPr id="43" name="TextBox 42">
+            <a:extLst>
+              <a:ext uri="{FF2B5EF4-FFF2-40B4-BE49-F238E27FC236}">
+                <a16:creationId xmlns:a16="http://schemas.microsoft.com/office/drawing/2014/main" id="{A6D545B7-C507-424A-9886-F386AFC516DF}"/>
+              </a:ext>
+            </a:extLst>
+          </p:cNvPr>
+          <p:cNvSpPr txBox="1"/>
+          <p:nvPr/>
+        </p:nvSpPr>
+        <p:spPr>
+          <a:xfrm>
+            <a:off x="5283857" y="3206742"/>
+            <a:ext cx="894219" cy="369332"/>
+          </a:xfrm>
+          <a:prstGeom prst="rect">
+            <a:avLst/>
+          </a:prstGeom>
+          <a:noFill/>
+        </p:spPr>
+        <p:txBody>
+          <a:bodyPr wrap="none" rtlCol="0">
+            <a:spAutoFit/>
+          </a:bodyPr>
+          <a:lstStyle/>
+          <a:p>
+            <a:r>
+              <a:rPr lang="en-US" dirty="0"/>
+              <a:t>Train 2</a:t>
+            </a:r>
+          </a:p>
+        </p:txBody>
+      </p:sp>
+      <p:sp>
+        <p:nvSpPr>
+          <p:cNvPr id="44" name="TextBox 43">
+            <a:extLst>
+              <a:ext uri="{FF2B5EF4-FFF2-40B4-BE49-F238E27FC236}">
+                <a16:creationId xmlns:a16="http://schemas.microsoft.com/office/drawing/2014/main" id="{F74C6B67-0172-8F4C-98D6-AFA008CF30D9}"/>
+              </a:ext>
+            </a:extLst>
+          </p:cNvPr>
+          <p:cNvSpPr txBox="1"/>
+          <p:nvPr/>
+        </p:nvSpPr>
+        <p:spPr>
+          <a:xfrm>
+            <a:off x="6218438" y="3206742"/>
+            <a:ext cx="800284" cy="369332"/>
+          </a:xfrm>
+          <a:prstGeom prst="rect">
+            <a:avLst/>
+          </a:prstGeom>
+          <a:noFill/>
+        </p:spPr>
+        <p:txBody>
+          <a:bodyPr wrap="none" rtlCol="0">
+            <a:spAutoFit/>
+          </a:bodyPr>
+          <a:lstStyle/>
+          <a:p>
+            <a:r>
+              <a:rPr lang="en-US" dirty="0"/>
+              <a:t>Test 2</a:t>
+            </a:r>
+          </a:p>
+        </p:txBody>
+      </p:sp>
+      <p:graphicFrame>
+        <p:nvGraphicFramePr>
+          <p:cNvPr id="45" name="Table 44">
+            <a:extLst>
+              <a:ext uri="{FF2B5EF4-FFF2-40B4-BE49-F238E27FC236}">
+                <a16:creationId xmlns:a16="http://schemas.microsoft.com/office/drawing/2014/main" id="{15484552-93FE-3F45-9FC5-9D28EA5445EB}"/>
+              </a:ext>
+            </a:extLst>
+          </p:cNvPr>
+          <p:cNvGraphicFramePr>
+            <a:graphicFrameLocks noGrp="1"/>
+          </p:cNvGraphicFramePr>
+          <p:nvPr/>
+        </p:nvGraphicFramePr>
+        <p:xfrm>
+          <a:off x="5207657" y="3577582"/>
+          <a:ext cx="833120" cy="467360"/>
+        </p:xfrm>
+        <a:graphic>
+          <a:graphicData uri="http://schemas.openxmlformats.org/drawingml/2006/table">
+            <a:tbl>
+              <a:tblPr firstRow="1" bandRow="1">
+                <a:tableStyleId>{5C22544A-7EE6-4342-B048-85BDC9FD1C3A}</a:tableStyleId>
+              </a:tblPr>
+              <a:tblGrid>
+                <a:gridCol w="208280">
+                  <a:extLst>
+                    <a:ext uri="{9D8B030D-6E8A-4147-A177-3AD203B41FA5}">
+                      <a16:colId xmlns:a16="http://schemas.microsoft.com/office/drawing/2014/main" val="2850824769"/>
+                    </a:ext>
+                  </a:extLst>
+                </a:gridCol>
+                <a:gridCol w="208280">
+                  <a:extLst>
+                    <a:ext uri="{9D8B030D-6E8A-4147-A177-3AD203B41FA5}">
+                      <a16:colId xmlns:a16="http://schemas.microsoft.com/office/drawing/2014/main" val="57343624"/>
+                    </a:ext>
+                  </a:extLst>
+                </a:gridCol>
+                <a:gridCol w="208280">
+                  <a:extLst>
+                    <a:ext uri="{9D8B030D-6E8A-4147-A177-3AD203B41FA5}">
+                      <a16:colId xmlns:a16="http://schemas.microsoft.com/office/drawing/2014/main" val="2298198695"/>
+                    </a:ext>
+                  </a:extLst>
+                </a:gridCol>
+                <a:gridCol w="208280">
+                  <a:extLst>
+                    <a:ext uri="{9D8B030D-6E8A-4147-A177-3AD203B41FA5}">
+                      <a16:colId xmlns:a16="http://schemas.microsoft.com/office/drawing/2014/main" val="3269445081"/>
+                    </a:ext>
+                  </a:extLst>
+                </a:gridCol>
+              </a:tblGrid>
+              <a:tr h="0">
+                <a:tc>
+                  <a:txBody>
+                    <a:bodyPr/>
+                    <a:lstStyle/>
+                    <a:p>
+                      <a:endParaRPr lang="en-US" sz="100" dirty="0">
+                        <a:solidFill>
+                          <a:srgbClr val="002060"/>
+                        </a:solidFill>
+                        <a:highlight>
+                          <a:srgbClr val="0000FF"/>
+                        </a:highlight>
+                      </a:endParaRPr>
+                    </a:p>
+                  </a:txBody>
+                  <a:tcPr>
+                    <a:solidFill>
+                      <a:srgbClr val="002060"/>
+                    </a:solidFill>
+                  </a:tcPr>
+                </a:tc>
+                <a:tc>
+                  <a:txBody>
+                    <a:bodyPr/>
+                    <a:lstStyle/>
+                    <a:p>
+                      <a:endParaRPr lang="en-US" sz="100" dirty="0">
+                        <a:solidFill>
+                          <a:srgbClr val="002060"/>
+                        </a:solidFill>
+                        <a:highlight>
+                          <a:srgbClr val="0000FF"/>
+                        </a:highlight>
+                      </a:endParaRPr>
+                    </a:p>
+                  </a:txBody>
+                  <a:tcPr>
+                    <a:solidFill>
+                      <a:srgbClr val="002060"/>
+                    </a:solidFill>
+                  </a:tcPr>
+                </a:tc>
+                <a:tc>
+                  <a:txBody>
+                    <a:bodyPr/>
+                    <a:lstStyle/>
+                    <a:p>
+                      <a:endParaRPr lang="en-US" sz="100" dirty="0">
+                        <a:solidFill>
+                          <a:srgbClr val="002060"/>
+                        </a:solidFill>
+                        <a:highlight>
+                          <a:srgbClr val="0000FF"/>
+                        </a:highlight>
+                      </a:endParaRPr>
+                    </a:p>
+                  </a:txBody>
+                  <a:tcPr>
+                    <a:solidFill>
+                      <a:srgbClr val="002060"/>
+                    </a:solidFill>
+                  </a:tcPr>
+                </a:tc>
+                <a:tc>
+                  <a:txBody>
+                    <a:bodyPr/>
+                    <a:lstStyle/>
+                    <a:p>
+                      <a:endParaRPr lang="en-US" sz="100" dirty="0">
+                        <a:solidFill>
+                          <a:srgbClr val="002060"/>
+                        </a:solidFill>
+                        <a:highlight>
+                          <a:srgbClr val="0000FF"/>
+                        </a:highlight>
+                      </a:endParaRPr>
+                    </a:p>
+                  </a:txBody>
+                  <a:tcPr>
+                    <a:solidFill>
+                      <a:srgbClr val="002060"/>
+                    </a:solidFill>
+                  </a:tcPr>
+                </a:tc>
+                <a:extLst>
+                  <a:ext uri="{0D108BD9-81ED-4DB2-BD59-A6C34878D82A}">
+                    <a16:rowId xmlns:a16="http://schemas.microsoft.com/office/drawing/2014/main" val="1182745223"/>
+                  </a:ext>
+                </a:extLst>
+              </a:tr>
+              <a:tr h="0">
+                <a:tc>
+                  <a:txBody>
+                    <a:bodyPr/>
+                    <a:lstStyle/>
+                    <a:p>
+                      <a:endParaRPr lang="en-US" sz="100" dirty="0">
+                        <a:solidFill>
+                          <a:srgbClr val="002060"/>
+                        </a:solidFill>
+                        <a:highlight>
+                          <a:srgbClr val="0000FF"/>
+                        </a:highlight>
+                      </a:endParaRPr>
+                    </a:p>
+                  </a:txBody>
+                  <a:tcPr>
+                    <a:solidFill>
+                      <a:srgbClr val="002060"/>
+                    </a:solidFill>
+                  </a:tcPr>
+                </a:tc>
+                <a:tc>
+                  <a:txBody>
+                    <a:bodyPr/>
+                    <a:lstStyle/>
+                    <a:p>
+                      <a:endParaRPr lang="en-US" sz="100">
+                        <a:solidFill>
+                          <a:srgbClr val="002060"/>
+                        </a:solidFill>
+                        <a:highlight>
+                          <a:srgbClr val="0000FF"/>
+                        </a:highlight>
+                      </a:endParaRPr>
+                    </a:p>
+                  </a:txBody>
+                  <a:tcPr>
+                    <a:solidFill>
+                      <a:srgbClr val="002060"/>
+                    </a:solidFill>
+                  </a:tcPr>
+                </a:tc>
+                <a:tc>
+                  <a:txBody>
+                    <a:bodyPr/>
+                    <a:lstStyle/>
+                    <a:p>
+                      <a:endParaRPr lang="en-US" sz="100" dirty="0">
+                        <a:solidFill>
+                          <a:srgbClr val="002060"/>
+                        </a:solidFill>
+                        <a:highlight>
+                          <a:srgbClr val="0000FF"/>
+                        </a:highlight>
+                      </a:endParaRPr>
+                    </a:p>
+                  </a:txBody>
+                  <a:tcPr>
+                    <a:solidFill>
+                      <a:srgbClr val="002060"/>
+                    </a:solidFill>
+                  </a:tcPr>
+                </a:tc>
+                <a:tc>
+                  <a:txBody>
+                    <a:bodyPr/>
+                    <a:lstStyle/>
+                    <a:p>
+                      <a:endParaRPr lang="en-US" sz="100" dirty="0">
+                        <a:solidFill>
+                          <a:srgbClr val="002060"/>
+                        </a:solidFill>
+                        <a:highlight>
+                          <a:srgbClr val="0000FF"/>
+                        </a:highlight>
+                      </a:endParaRPr>
+                    </a:p>
+                  </a:txBody>
+                  <a:tcPr>
+                    <a:solidFill>
+                      <a:srgbClr val="002060"/>
+                    </a:solidFill>
+                  </a:tcPr>
+                </a:tc>
+                <a:extLst>
+                  <a:ext uri="{0D108BD9-81ED-4DB2-BD59-A6C34878D82A}">
+                    <a16:rowId xmlns:a16="http://schemas.microsoft.com/office/drawing/2014/main" val="1211249238"/>
+                  </a:ext>
+                </a:extLst>
+              </a:tr>
+              <a:tr h="0">
+                <a:tc>
+                  <a:txBody>
+                    <a:bodyPr/>
+                    <a:lstStyle/>
+                    <a:p>
+                      <a:endParaRPr lang="en-US" sz="100" dirty="0"/>
+                    </a:p>
+                  </a:txBody>
+                  <a:tcPr>
+                    <a:solidFill>
+                      <a:srgbClr val="C00000"/>
+                    </a:solidFill>
+                  </a:tcPr>
+                </a:tc>
+                <a:tc>
+                  <a:txBody>
+                    <a:bodyPr/>
+                    <a:lstStyle/>
+                    <a:p>
+                      <a:endParaRPr lang="en-US" sz="100" dirty="0"/>
+                    </a:p>
+                  </a:txBody>
+                  <a:tcPr>
+                    <a:solidFill>
+                      <a:srgbClr val="C00000"/>
+                    </a:solidFill>
+                  </a:tcPr>
+                </a:tc>
+                <a:tc>
+                  <a:txBody>
+                    <a:bodyPr/>
+                    <a:lstStyle/>
+                    <a:p>
+                      <a:endParaRPr lang="en-US" sz="100" dirty="0"/>
+                    </a:p>
+                  </a:txBody>
+                  <a:tcPr>
+                    <a:solidFill>
+                      <a:srgbClr val="C00000"/>
+                    </a:solidFill>
+                  </a:tcPr>
+                </a:tc>
+                <a:tc>
+                  <a:txBody>
+                    <a:bodyPr/>
+                    <a:lstStyle/>
+                    <a:p>
+                      <a:endParaRPr lang="en-US" sz="100" dirty="0"/>
+                    </a:p>
+                  </a:txBody>
+                  <a:tcPr>
+                    <a:solidFill>
+                      <a:srgbClr val="C00000"/>
+                    </a:solidFill>
+                  </a:tcPr>
+                </a:tc>
+                <a:extLst>
+                  <a:ext uri="{0D108BD9-81ED-4DB2-BD59-A6C34878D82A}">
+                    <a16:rowId xmlns:a16="http://schemas.microsoft.com/office/drawing/2014/main" val="640380758"/>
+                  </a:ext>
+                </a:extLst>
+              </a:tr>
+              <a:tr h="0">
+                <a:tc>
+                  <a:txBody>
+                    <a:bodyPr/>
+                    <a:lstStyle/>
+                    <a:p>
+                      <a:endParaRPr lang="en-US" sz="100" dirty="0"/>
+                    </a:p>
+                  </a:txBody>
+                  <a:tcPr>
+                    <a:solidFill>
+                      <a:srgbClr val="C00000"/>
+                    </a:solidFill>
+                  </a:tcPr>
+                </a:tc>
+                <a:tc>
+                  <a:txBody>
+                    <a:bodyPr/>
+                    <a:lstStyle/>
+                    <a:p>
+                      <a:endParaRPr lang="en-US" sz="100" dirty="0"/>
+                    </a:p>
+                  </a:txBody>
+                  <a:tcPr>
+                    <a:solidFill>
+                      <a:srgbClr val="C00000"/>
+                    </a:solidFill>
+                  </a:tcPr>
+                </a:tc>
+                <a:tc>
+                  <a:txBody>
+                    <a:bodyPr/>
+                    <a:lstStyle/>
+                    <a:p>
+                      <a:endParaRPr lang="en-US" sz="100" dirty="0"/>
+                    </a:p>
+                  </a:txBody>
+                  <a:tcPr>
+                    <a:solidFill>
+                      <a:srgbClr val="C00000"/>
+                    </a:solidFill>
+                  </a:tcPr>
+                </a:tc>
+                <a:tc>
+                  <a:txBody>
+                    <a:bodyPr/>
+                    <a:lstStyle/>
+                    <a:p>
+                      <a:endParaRPr lang="en-US" sz="100" dirty="0"/>
+                    </a:p>
+                  </a:txBody>
+                  <a:tcPr>
+                    <a:solidFill>
+                      <a:srgbClr val="C00000"/>
+                    </a:solidFill>
+                  </a:tcPr>
+                </a:tc>
+                <a:extLst>
+                  <a:ext uri="{0D108BD9-81ED-4DB2-BD59-A6C34878D82A}">
+                    <a16:rowId xmlns:a16="http://schemas.microsoft.com/office/drawing/2014/main" val="3739254808"/>
+                  </a:ext>
+                </a:extLst>
+              </a:tr>
+            </a:tbl>
+          </a:graphicData>
+        </a:graphic>
+      </p:graphicFrame>
+      <p:graphicFrame>
+        <p:nvGraphicFramePr>
+          <p:cNvPr id="46" name="Table 45">
+            <a:extLst>
+              <a:ext uri="{FF2B5EF4-FFF2-40B4-BE49-F238E27FC236}">
+                <a16:creationId xmlns:a16="http://schemas.microsoft.com/office/drawing/2014/main" id="{C2B92D56-835A-B246-B254-C26A327FA9B7}"/>
+              </a:ext>
+            </a:extLst>
+          </p:cNvPr>
+          <p:cNvGraphicFramePr>
+            <a:graphicFrameLocks noGrp="1"/>
+          </p:cNvGraphicFramePr>
+          <p:nvPr/>
+        </p:nvGraphicFramePr>
+        <p:xfrm>
+          <a:off x="6122057" y="3587742"/>
+          <a:ext cx="833120" cy="233680"/>
+        </p:xfrm>
+        <a:graphic>
+          <a:graphicData uri="http://schemas.openxmlformats.org/drawingml/2006/table">
+            <a:tbl>
+              <a:tblPr firstRow="1" bandRow="1">
+                <a:tableStyleId>{5C22544A-7EE6-4342-B048-85BDC9FD1C3A}</a:tableStyleId>
+              </a:tblPr>
+              <a:tblGrid>
+                <a:gridCol w="208280">
+                  <a:extLst>
+                    <a:ext uri="{9D8B030D-6E8A-4147-A177-3AD203B41FA5}">
+                      <a16:colId xmlns:a16="http://schemas.microsoft.com/office/drawing/2014/main" val="2850824769"/>
+                    </a:ext>
+                  </a:extLst>
+                </a:gridCol>
+                <a:gridCol w="208280">
+                  <a:extLst>
+                    <a:ext uri="{9D8B030D-6E8A-4147-A177-3AD203B41FA5}">
+                      <a16:colId xmlns:a16="http://schemas.microsoft.com/office/drawing/2014/main" val="57343624"/>
+                    </a:ext>
+                  </a:extLst>
+                </a:gridCol>
+                <a:gridCol w="208280">
+                  <a:extLst>
+                    <a:ext uri="{9D8B030D-6E8A-4147-A177-3AD203B41FA5}">
+                      <a16:colId xmlns:a16="http://schemas.microsoft.com/office/drawing/2014/main" val="2298198695"/>
+                    </a:ext>
+                  </a:extLst>
+                </a:gridCol>
+                <a:gridCol w="208280">
+                  <a:extLst>
+                    <a:ext uri="{9D8B030D-6E8A-4147-A177-3AD203B41FA5}">
+                      <a16:colId xmlns:a16="http://schemas.microsoft.com/office/drawing/2014/main" val="3269445081"/>
+                    </a:ext>
+                  </a:extLst>
+                </a:gridCol>
+              </a:tblGrid>
+              <a:tr h="0">
+                <a:tc>
+                  <a:txBody>
+                    <a:bodyPr/>
+                    <a:lstStyle/>
+                    <a:p>
+                      <a:endParaRPr lang="en-US" sz="100" dirty="0"/>
+                    </a:p>
+                  </a:txBody>
+                  <a:tcPr>
+                    <a:solidFill>
+                      <a:srgbClr val="00B050"/>
+                    </a:solidFill>
+                  </a:tcPr>
+                </a:tc>
+                <a:tc>
+                  <a:txBody>
+                    <a:bodyPr/>
+                    <a:lstStyle/>
+                    <a:p>
+                      <a:endParaRPr lang="en-US" sz="100" dirty="0"/>
+                    </a:p>
+                  </a:txBody>
+                  <a:tcPr>
+                    <a:solidFill>
+                      <a:srgbClr val="00B050"/>
+                    </a:solidFill>
+                  </a:tcPr>
+                </a:tc>
+                <a:tc>
+                  <a:txBody>
+                    <a:bodyPr/>
+                    <a:lstStyle/>
+                    <a:p>
+                      <a:endParaRPr lang="en-US" sz="100" dirty="0"/>
+                    </a:p>
+                  </a:txBody>
+                  <a:tcPr>
+                    <a:solidFill>
+                      <a:srgbClr val="00B050"/>
+                    </a:solidFill>
+                  </a:tcPr>
+                </a:tc>
+                <a:tc>
+                  <a:txBody>
+                    <a:bodyPr/>
+                    <a:lstStyle/>
+                    <a:p>
+                      <a:endParaRPr lang="en-US" sz="100" dirty="0"/>
+                    </a:p>
+                  </a:txBody>
+                  <a:tcPr>
+                    <a:solidFill>
+                      <a:srgbClr val="00B050"/>
+                    </a:solidFill>
+                  </a:tcPr>
+                </a:tc>
+                <a:extLst>
+                  <a:ext uri="{0D108BD9-81ED-4DB2-BD59-A6C34878D82A}">
+                    <a16:rowId xmlns:a16="http://schemas.microsoft.com/office/drawing/2014/main" val="2733300335"/>
+                  </a:ext>
+                </a:extLst>
+              </a:tr>
+              <a:tr h="0">
+                <a:tc>
+                  <a:txBody>
+                    <a:bodyPr/>
+                    <a:lstStyle/>
+                    <a:p>
+                      <a:endParaRPr lang="en-US" sz="100"/>
+                    </a:p>
+                  </a:txBody>
+                  <a:tcPr>
+                    <a:solidFill>
+                      <a:srgbClr val="00B050"/>
+                    </a:solidFill>
+                  </a:tcPr>
+                </a:tc>
+                <a:tc>
+                  <a:txBody>
+                    <a:bodyPr/>
+                    <a:lstStyle/>
+                    <a:p>
+                      <a:endParaRPr lang="en-US" sz="100"/>
+                    </a:p>
+                  </a:txBody>
+                  <a:tcPr>
+                    <a:solidFill>
+                      <a:srgbClr val="00B050"/>
+                    </a:solidFill>
+                  </a:tcPr>
+                </a:tc>
+                <a:tc>
+                  <a:txBody>
+                    <a:bodyPr/>
+                    <a:lstStyle/>
+                    <a:p>
+                      <a:endParaRPr lang="en-US" sz="100" dirty="0"/>
+                    </a:p>
+                  </a:txBody>
+                  <a:tcPr>
+                    <a:solidFill>
+                      <a:srgbClr val="00B050"/>
+                    </a:solidFill>
+                  </a:tcPr>
+                </a:tc>
+                <a:tc>
+                  <a:txBody>
+                    <a:bodyPr/>
+                    <a:lstStyle/>
+                    <a:p>
+                      <a:endParaRPr lang="en-US" sz="100" dirty="0"/>
+                    </a:p>
+                  </a:txBody>
+                  <a:tcPr>
+                    <a:solidFill>
+                      <a:srgbClr val="00B050"/>
+                    </a:solidFill>
+                  </a:tcPr>
+                </a:tc>
+                <a:extLst>
+                  <a:ext uri="{0D108BD9-81ED-4DB2-BD59-A6C34878D82A}">
+                    <a16:rowId xmlns:a16="http://schemas.microsoft.com/office/drawing/2014/main" val="4233758861"/>
+                  </a:ext>
+                </a:extLst>
+              </a:tr>
+            </a:tbl>
+          </a:graphicData>
+        </a:graphic>
+      </p:graphicFrame>
+      <p:sp>
+        <p:nvSpPr>
+          <p:cNvPr id="47" name="TextBox 46">
+            <a:extLst>
+              <a:ext uri="{FF2B5EF4-FFF2-40B4-BE49-F238E27FC236}">
+                <a16:creationId xmlns:a16="http://schemas.microsoft.com/office/drawing/2014/main" id="{AE72598F-82D6-214E-89C7-D7804BE814CA}"/>
+              </a:ext>
+            </a:extLst>
+          </p:cNvPr>
+          <p:cNvSpPr txBox="1"/>
+          <p:nvPr/>
+        </p:nvSpPr>
+        <p:spPr>
+          <a:xfrm>
+            <a:off x="5301592" y="4495800"/>
+            <a:ext cx="894219" cy="369332"/>
+          </a:xfrm>
+          <a:prstGeom prst="rect">
+            <a:avLst/>
+          </a:prstGeom>
+          <a:noFill/>
+        </p:spPr>
+        <p:txBody>
+          <a:bodyPr wrap="none" rtlCol="0">
+            <a:spAutoFit/>
+          </a:bodyPr>
+          <a:lstStyle/>
+          <a:p>
+            <a:r>
+              <a:rPr lang="en-US" dirty="0"/>
+              <a:t>Train 3</a:t>
+            </a:r>
+          </a:p>
+        </p:txBody>
+      </p:sp>
+      <p:sp>
+        <p:nvSpPr>
+          <p:cNvPr id="48" name="TextBox 47">
+            <a:extLst>
+              <a:ext uri="{FF2B5EF4-FFF2-40B4-BE49-F238E27FC236}">
+                <a16:creationId xmlns:a16="http://schemas.microsoft.com/office/drawing/2014/main" id="{4D016B07-D37A-F94D-B743-05207C2D6190}"/>
+              </a:ext>
+            </a:extLst>
+          </p:cNvPr>
+          <p:cNvSpPr txBox="1"/>
+          <p:nvPr/>
+        </p:nvSpPr>
+        <p:spPr>
+          <a:xfrm>
+            <a:off x="6236173" y="4495800"/>
+            <a:ext cx="800284" cy="369332"/>
+          </a:xfrm>
+          <a:prstGeom prst="rect">
+            <a:avLst/>
+          </a:prstGeom>
+          <a:noFill/>
+        </p:spPr>
+        <p:txBody>
+          <a:bodyPr wrap="none" rtlCol="0">
+            <a:spAutoFit/>
+          </a:bodyPr>
+          <a:lstStyle/>
+          <a:p>
+            <a:r>
+              <a:rPr lang="en-US" dirty="0"/>
+              <a:t>Test 3</a:t>
+            </a:r>
+          </a:p>
+        </p:txBody>
+      </p:sp>
+      <p:graphicFrame>
+        <p:nvGraphicFramePr>
+          <p:cNvPr id="49" name="Table 48">
+            <a:extLst>
+              <a:ext uri="{FF2B5EF4-FFF2-40B4-BE49-F238E27FC236}">
+                <a16:creationId xmlns:a16="http://schemas.microsoft.com/office/drawing/2014/main" id="{7A9449CC-6755-5C4F-A906-9E8ED3F1F7B3}"/>
+              </a:ext>
+            </a:extLst>
+          </p:cNvPr>
+          <p:cNvGraphicFramePr>
+            <a:graphicFrameLocks noGrp="1"/>
+          </p:cNvGraphicFramePr>
+          <p:nvPr/>
+        </p:nvGraphicFramePr>
+        <p:xfrm>
+          <a:off x="5207656" y="4876800"/>
+          <a:ext cx="833120" cy="467360"/>
+        </p:xfrm>
+        <a:graphic>
+          <a:graphicData uri="http://schemas.openxmlformats.org/drawingml/2006/table">
+            <a:tbl>
+              <a:tblPr firstRow="1" bandRow="1">
+                <a:tableStyleId>{5C22544A-7EE6-4342-B048-85BDC9FD1C3A}</a:tableStyleId>
+              </a:tblPr>
+              <a:tblGrid>
+                <a:gridCol w="208280">
+                  <a:extLst>
+                    <a:ext uri="{9D8B030D-6E8A-4147-A177-3AD203B41FA5}">
+                      <a16:colId xmlns:a16="http://schemas.microsoft.com/office/drawing/2014/main" val="2850824769"/>
+                    </a:ext>
+                  </a:extLst>
+                </a:gridCol>
+                <a:gridCol w="208280">
+                  <a:extLst>
+                    <a:ext uri="{9D8B030D-6E8A-4147-A177-3AD203B41FA5}">
+                      <a16:colId xmlns:a16="http://schemas.microsoft.com/office/drawing/2014/main" val="57343624"/>
+                    </a:ext>
+                  </a:extLst>
+                </a:gridCol>
+                <a:gridCol w="208280">
+                  <a:extLst>
+                    <a:ext uri="{9D8B030D-6E8A-4147-A177-3AD203B41FA5}">
+                      <a16:colId xmlns:a16="http://schemas.microsoft.com/office/drawing/2014/main" val="2298198695"/>
+                    </a:ext>
+                  </a:extLst>
+                </a:gridCol>
+                <a:gridCol w="208280">
+                  <a:extLst>
+                    <a:ext uri="{9D8B030D-6E8A-4147-A177-3AD203B41FA5}">
+                      <a16:colId xmlns:a16="http://schemas.microsoft.com/office/drawing/2014/main" val="3269445081"/>
+                    </a:ext>
+                  </a:extLst>
+                </a:gridCol>
+              </a:tblGrid>
+              <a:tr h="0">
+                <a:tc>
+                  <a:txBody>
+                    <a:bodyPr/>
+                    <a:lstStyle/>
+                    <a:p>
+                      <a:endParaRPr lang="en-US" sz="100" dirty="0">
+                        <a:solidFill>
+                          <a:srgbClr val="002060"/>
+                        </a:solidFill>
+                        <a:highlight>
+                          <a:srgbClr val="0000FF"/>
+                        </a:highlight>
+                      </a:endParaRPr>
+                    </a:p>
+                  </a:txBody>
+                  <a:tcPr>
+                    <a:solidFill>
+                      <a:srgbClr val="00B050"/>
+                    </a:solidFill>
+                  </a:tcPr>
+                </a:tc>
+                <a:tc>
+                  <a:txBody>
+                    <a:bodyPr/>
+                    <a:lstStyle/>
+                    <a:p>
+                      <a:endParaRPr lang="en-US" sz="100" dirty="0">
+                        <a:solidFill>
+                          <a:srgbClr val="002060"/>
+                        </a:solidFill>
+                        <a:highlight>
+                          <a:srgbClr val="0000FF"/>
+                        </a:highlight>
+                      </a:endParaRPr>
+                    </a:p>
+                  </a:txBody>
+                  <a:tcPr>
+                    <a:solidFill>
+                      <a:srgbClr val="00B050"/>
+                    </a:solidFill>
+                  </a:tcPr>
+                </a:tc>
+                <a:tc>
+                  <a:txBody>
+                    <a:bodyPr/>
+                    <a:lstStyle/>
+                    <a:p>
+                      <a:endParaRPr lang="en-US" sz="100" dirty="0">
+                        <a:solidFill>
+                          <a:srgbClr val="002060"/>
+                        </a:solidFill>
+                        <a:highlight>
+                          <a:srgbClr val="0000FF"/>
+                        </a:highlight>
+                      </a:endParaRPr>
+                    </a:p>
+                  </a:txBody>
+                  <a:tcPr>
+                    <a:solidFill>
+                      <a:srgbClr val="00B050"/>
+                    </a:solidFill>
+                  </a:tcPr>
+                </a:tc>
+                <a:tc>
+                  <a:txBody>
+                    <a:bodyPr/>
+                    <a:lstStyle/>
+                    <a:p>
+                      <a:endParaRPr lang="en-US" sz="100" dirty="0">
+                        <a:solidFill>
+                          <a:srgbClr val="002060"/>
+                        </a:solidFill>
+                        <a:highlight>
+                          <a:srgbClr val="0000FF"/>
+                        </a:highlight>
+                      </a:endParaRPr>
+                    </a:p>
+                  </a:txBody>
+                  <a:tcPr>
+                    <a:solidFill>
+                      <a:srgbClr val="00B050"/>
+                    </a:solidFill>
+                  </a:tcPr>
+                </a:tc>
+                <a:extLst>
+                  <a:ext uri="{0D108BD9-81ED-4DB2-BD59-A6C34878D82A}">
+                    <a16:rowId xmlns:a16="http://schemas.microsoft.com/office/drawing/2014/main" val="1182745223"/>
+                  </a:ext>
+                </a:extLst>
+              </a:tr>
+              <a:tr h="0">
+                <a:tc>
+                  <a:txBody>
+                    <a:bodyPr/>
+                    <a:lstStyle/>
+                    <a:p>
+                      <a:endParaRPr lang="en-US" sz="100" dirty="0">
+                        <a:solidFill>
+                          <a:srgbClr val="002060"/>
+                        </a:solidFill>
+                        <a:highlight>
+                          <a:srgbClr val="0000FF"/>
+                        </a:highlight>
+                      </a:endParaRPr>
+                    </a:p>
+                  </a:txBody>
+                  <a:tcPr>
+                    <a:solidFill>
+                      <a:srgbClr val="00B050"/>
+                    </a:solidFill>
+                  </a:tcPr>
+                </a:tc>
+                <a:tc>
+                  <a:txBody>
+                    <a:bodyPr/>
+                    <a:lstStyle/>
+                    <a:p>
+                      <a:endParaRPr lang="en-US" sz="100">
+                        <a:solidFill>
+                          <a:srgbClr val="002060"/>
+                        </a:solidFill>
+                        <a:highlight>
+                          <a:srgbClr val="0000FF"/>
+                        </a:highlight>
+                      </a:endParaRPr>
+                    </a:p>
+                  </a:txBody>
+                  <a:tcPr>
+                    <a:solidFill>
+                      <a:srgbClr val="00B050"/>
+                    </a:solidFill>
+                  </a:tcPr>
+                </a:tc>
+                <a:tc>
+                  <a:txBody>
+                    <a:bodyPr/>
+                    <a:lstStyle/>
+                    <a:p>
+                      <a:endParaRPr lang="en-US" sz="100" dirty="0">
+                        <a:solidFill>
+                          <a:srgbClr val="002060"/>
+                        </a:solidFill>
+                        <a:highlight>
+                          <a:srgbClr val="0000FF"/>
+                        </a:highlight>
+                      </a:endParaRPr>
+                    </a:p>
+                  </a:txBody>
+                  <a:tcPr>
+                    <a:solidFill>
+                      <a:srgbClr val="00B050"/>
+                    </a:solidFill>
+                  </a:tcPr>
+                </a:tc>
+                <a:tc>
+                  <a:txBody>
+                    <a:bodyPr/>
+                    <a:lstStyle/>
+                    <a:p>
+                      <a:endParaRPr lang="en-US" sz="100" dirty="0">
+                        <a:solidFill>
+                          <a:srgbClr val="002060"/>
+                        </a:solidFill>
+                        <a:highlight>
+                          <a:srgbClr val="0000FF"/>
+                        </a:highlight>
+                      </a:endParaRPr>
+                    </a:p>
+                  </a:txBody>
+                  <a:tcPr>
+                    <a:solidFill>
+                      <a:srgbClr val="00B050"/>
+                    </a:solidFill>
+                  </a:tcPr>
+                </a:tc>
+                <a:extLst>
+                  <a:ext uri="{0D108BD9-81ED-4DB2-BD59-A6C34878D82A}">
+                    <a16:rowId xmlns:a16="http://schemas.microsoft.com/office/drawing/2014/main" val="1211249238"/>
+                  </a:ext>
+                </a:extLst>
+              </a:tr>
+              <a:tr h="0">
+                <a:tc>
+                  <a:txBody>
+                    <a:bodyPr/>
+                    <a:lstStyle/>
+                    <a:p>
+                      <a:endParaRPr lang="en-US" sz="100" dirty="0"/>
+                    </a:p>
+                  </a:txBody>
+                  <a:tcPr>
+                    <a:solidFill>
+                      <a:srgbClr val="C00000"/>
+                    </a:solidFill>
+                  </a:tcPr>
+                </a:tc>
+                <a:tc>
+                  <a:txBody>
+                    <a:bodyPr/>
+                    <a:lstStyle/>
+                    <a:p>
+                      <a:endParaRPr lang="en-US" sz="100" dirty="0"/>
+                    </a:p>
+                  </a:txBody>
+                  <a:tcPr>
+                    <a:solidFill>
+                      <a:srgbClr val="C00000"/>
+                    </a:solidFill>
+                  </a:tcPr>
+                </a:tc>
+                <a:tc>
+                  <a:txBody>
+                    <a:bodyPr/>
+                    <a:lstStyle/>
+                    <a:p>
+                      <a:endParaRPr lang="en-US" sz="100" dirty="0"/>
+                    </a:p>
+                  </a:txBody>
+                  <a:tcPr>
+                    <a:solidFill>
+                      <a:srgbClr val="C00000"/>
+                    </a:solidFill>
+                  </a:tcPr>
+                </a:tc>
+                <a:tc>
+                  <a:txBody>
+                    <a:bodyPr/>
+                    <a:lstStyle/>
+                    <a:p>
+                      <a:endParaRPr lang="en-US" sz="100" dirty="0"/>
+                    </a:p>
+                  </a:txBody>
+                  <a:tcPr>
+                    <a:solidFill>
+                      <a:srgbClr val="C00000"/>
+                    </a:solidFill>
+                  </a:tcPr>
+                </a:tc>
+                <a:extLst>
+                  <a:ext uri="{0D108BD9-81ED-4DB2-BD59-A6C34878D82A}">
+                    <a16:rowId xmlns:a16="http://schemas.microsoft.com/office/drawing/2014/main" val="640380758"/>
+                  </a:ext>
+                </a:extLst>
+              </a:tr>
+              <a:tr h="0">
+                <a:tc>
+                  <a:txBody>
+                    <a:bodyPr/>
+                    <a:lstStyle/>
+                    <a:p>
+                      <a:endParaRPr lang="en-US" sz="100" dirty="0"/>
+                    </a:p>
+                  </a:txBody>
+                  <a:tcPr>
+                    <a:solidFill>
+                      <a:srgbClr val="C00000"/>
+                    </a:solidFill>
+                  </a:tcPr>
+                </a:tc>
+                <a:tc>
+                  <a:txBody>
+                    <a:bodyPr/>
+                    <a:lstStyle/>
+                    <a:p>
+                      <a:endParaRPr lang="en-US" sz="100" dirty="0"/>
+                    </a:p>
+                  </a:txBody>
+                  <a:tcPr>
+                    <a:solidFill>
+                      <a:srgbClr val="C00000"/>
+                    </a:solidFill>
+                  </a:tcPr>
+                </a:tc>
+                <a:tc>
+                  <a:txBody>
+                    <a:bodyPr/>
+                    <a:lstStyle/>
+                    <a:p>
+                      <a:endParaRPr lang="en-US" sz="100" dirty="0"/>
+                    </a:p>
+                  </a:txBody>
+                  <a:tcPr>
+                    <a:solidFill>
+                      <a:srgbClr val="C00000"/>
+                    </a:solidFill>
+                  </a:tcPr>
+                </a:tc>
+                <a:tc>
+                  <a:txBody>
+                    <a:bodyPr/>
+                    <a:lstStyle/>
+                    <a:p>
+                      <a:endParaRPr lang="en-US" sz="100" dirty="0"/>
+                    </a:p>
+                  </a:txBody>
+                  <a:tcPr>
+                    <a:solidFill>
+                      <a:srgbClr val="C00000"/>
+                    </a:solidFill>
+                  </a:tcPr>
+                </a:tc>
+                <a:extLst>
+                  <a:ext uri="{0D108BD9-81ED-4DB2-BD59-A6C34878D82A}">
+                    <a16:rowId xmlns:a16="http://schemas.microsoft.com/office/drawing/2014/main" val="3739254808"/>
+                  </a:ext>
+                </a:extLst>
+              </a:tr>
+            </a:tbl>
+          </a:graphicData>
+        </a:graphic>
+      </p:graphicFrame>
+      <p:graphicFrame>
+        <p:nvGraphicFramePr>
+          <p:cNvPr id="50" name="Table 49">
+            <a:extLst>
+              <a:ext uri="{FF2B5EF4-FFF2-40B4-BE49-F238E27FC236}">
+                <a16:creationId xmlns:a16="http://schemas.microsoft.com/office/drawing/2014/main" id="{74EF314B-C45C-CD40-99C7-E147162CA69F}"/>
+              </a:ext>
+            </a:extLst>
+          </p:cNvPr>
+          <p:cNvGraphicFramePr>
+            <a:graphicFrameLocks noGrp="1"/>
+          </p:cNvGraphicFramePr>
+          <p:nvPr/>
+        </p:nvGraphicFramePr>
+        <p:xfrm>
+          <a:off x="6139792" y="4876800"/>
+          <a:ext cx="833120" cy="233680"/>
+        </p:xfrm>
+        <a:graphic>
+          <a:graphicData uri="http://schemas.openxmlformats.org/drawingml/2006/table">
+            <a:tbl>
+              <a:tblPr firstRow="1" bandRow="1">
+                <a:tableStyleId>{5C22544A-7EE6-4342-B048-85BDC9FD1C3A}</a:tableStyleId>
+              </a:tblPr>
+              <a:tblGrid>
+                <a:gridCol w="208280">
+                  <a:extLst>
+                    <a:ext uri="{9D8B030D-6E8A-4147-A177-3AD203B41FA5}">
+                      <a16:colId xmlns:a16="http://schemas.microsoft.com/office/drawing/2014/main" val="2850824769"/>
+                    </a:ext>
+                  </a:extLst>
+                </a:gridCol>
+                <a:gridCol w="208280">
+                  <a:extLst>
+                    <a:ext uri="{9D8B030D-6E8A-4147-A177-3AD203B41FA5}">
+                      <a16:colId xmlns:a16="http://schemas.microsoft.com/office/drawing/2014/main" val="57343624"/>
+                    </a:ext>
+                  </a:extLst>
+                </a:gridCol>
+                <a:gridCol w="208280">
+                  <a:extLst>
+                    <a:ext uri="{9D8B030D-6E8A-4147-A177-3AD203B41FA5}">
+                      <a16:colId xmlns:a16="http://schemas.microsoft.com/office/drawing/2014/main" val="2298198695"/>
+                    </a:ext>
+                  </a:extLst>
+                </a:gridCol>
+                <a:gridCol w="208280">
+                  <a:extLst>
+                    <a:ext uri="{9D8B030D-6E8A-4147-A177-3AD203B41FA5}">
+                      <a16:colId xmlns:a16="http://schemas.microsoft.com/office/drawing/2014/main" val="3269445081"/>
+                    </a:ext>
+                  </a:extLst>
+                </a:gridCol>
+              </a:tblGrid>
+              <a:tr h="0">
+                <a:tc>
+                  <a:txBody>
+                    <a:bodyPr/>
+                    <a:lstStyle/>
+                    <a:p>
+                      <a:endParaRPr lang="en-US" sz="100" dirty="0"/>
+                    </a:p>
+                  </a:txBody>
+                  <a:tcPr>
+                    <a:solidFill>
+                      <a:srgbClr val="002060"/>
+                    </a:solidFill>
+                  </a:tcPr>
+                </a:tc>
+                <a:tc>
+                  <a:txBody>
+                    <a:bodyPr/>
+                    <a:lstStyle/>
+                    <a:p>
+                      <a:endParaRPr lang="en-US" sz="100" dirty="0"/>
+                    </a:p>
+                  </a:txBody>
+                  <a:tcPr>
+                    <a:solidFill>
+                      <a:srgbClr val="002060"/>
+                    </a:solidFill>
+                  </a:tcPr>
+                </a:tc>
+                <a:tc>
+                  <a:txBody>
+                    <a:bodyPr/>
+                    <a:lstStyle/>
+                    <a:p>
+                      <a:endParaRPr lang="en-US" sz="100" dirty="0"/>
+                    </a:p>
+                  </a:txBody>
+                  <a:tcPr>
+                    <a:solidFill>
+                      <a:srgbClr val="002060"/>
+                    </a:solidFill>
+                  </a:tcPr>
+                </a:tc>
+                <a:tc>
+                  <a:txBody>
+                    <a:bodyPr/>
+                    <a:lstStyle/>
+                    <a:p>
+                      <a:endParaRPr lang="en-US" sz="100" dirty="0"/>
+                    </a:p>
+                  </a:txBody>
+                  <a:tcPr>
+                    <a:solidFill>
+                      <a:srgbClr val="002060"/>
+                    </a:solidFill>
+                  </a:tcPr>
+                </a:tc>
+                <a:extLst>
+                  <a:ext uri="{0D108BD9-81ED-4DB2-BD59-A6C34878D82A}">
+                    <a16:rowId xmlns:a16="http://schemas.microsoft.com/office/drawing/2014/main" val="2733300335"/>
+                  </a:ext>
+                </a:extLst>
+              </a:tr>
+              <a:tr h="0">
+                <a:tc>
+                  <a:txBody>
+                    <a:bodyPr/>
+                    <a:lstStyle/>
+                    <a:p>
+                      <a:endParaRPr lang="en-US" sz="100"/>
+                    </a:p>
+                  </a:txBody>
+                  <a:tcPr>
+                    <a:solidFill>
+                      <a:srgbClr val="002060"/>
+                    </a:solidFill>
+                  </a:tcPr>
+                </a:tc>
+                <a:tc>
+                  <a:txBody>
+                    <a:bodyPr/>
+                    <a:lstStyle/>
+                    <a:p>
+                      <a:endParaRPr lang="en-US" sz="100"/>
+                    </a:p>
+                  </a:txBody>
+                  <a:tcPr>
+                    <a:solidFill>
+                      <a:srgbClr val="002060"/>
+                    </a:solidFill>
+                  </a:tcPr>
+                </a:tc>
+                <a:tc>
+                  <a:txBody>
+                    <a:bodyPr/>
+                    <a:lstStyle/>
+                    <a:p>
+                      <a:endParaRPr lang="en-US" sz="100" dirty="0"/>
+                    </a:p>
+                  </a:txBody>
+                  <a:tcPr>
+                    <a:solidFill>
+                      <a:srgbClr val="002060"/>
+                    </a:solidFill>
+                  </a:tcPr>
+                </a:tc>
+                <a:tc>
+                  <a:txBody>
+                    <a:bodyPr/>
+                    <a:lstStyle/>
+                    <a:p>
+                      <a:endParaRPr lang="en-US" sz="100" dirty="0"/>
+                    </a:p>
+                  </a:txBody>
+                  <a:tcPr>
+                    <a:solidFill>
+                      <a:srgbClr val="002060"/>
+                    </a:solidFill>
+                  </a:tcPr>
+                </a:tc>
+                <a:extLst>
+                  <a:ext uri="{0D108BD9-81ED-4DB2-BD59-A6C34878D82A}">
+                    <a16:rowId xmlns:a16="http://schemas.microsoft.com/office/drawing/2014/main" val="4233758861"/>
+                  </a:ext>
+                </a:extLst>
+              </a:tr>
+            </a:tbl>
+          </a:graphicData>
+        </a:graphic>
+      </p:graphicFrame>
+      <mc:AlternateContent xmlns:mc="http://schemas.openxmlformats.org/markup-compatibility/2006" xmlns:a14="http://schemas.microsoft.com/office/drawing/2010/main">
+        <mc:Choice Requires="a14">
+          <p:sp>
+            <p:nvSpPr>
+              <p:cNvPr id="51" name="TextBox 50">
+                <a:extLst>
+                  <a:ext uri="{FF2B5EF4-FFF2-40B4-BE49-F238E27FC236}">
+                    <a16:creationId xmlns:a16="http://schemas.microsoft.com/office/drawing/2014/main" id="{60B5E461-7F84-AD4C-AC8B-99A3FF76C515}"/>
+                  </a:ext>
+                </a:extLst>
+              </p:cNvPr>
+              <p:cNvSpPr txBox="1"/>
+              <p:nvPr/>
+            </p:nvSpPr>
+            <p:spPr>
+              <a:xfrm>
+                <a:off x="7384164" y="4721823"/>
+                <a:ext cx="616836" cy="468526"/>
+              </a:xfrm>
+              <a:prstGeom prst="rect">
+                <a:avLst/>
+              </a:prstGeom>
+              <a:noFill/>
+            </p:spPr>
+            <p:txBody>
+              <a:bodyPr wrap="none" rtlCol="0">
+                <a:spAutoFit/>
+              </a:bodyPr>
+              <a:lstStyle/>
+              <a:p>
+                <a:pPr/>
+                <a14:m>
+                  <m:oMathPara xmlns:m="http://schemas.openxmlformats.org/officeDocument/2006/math">
+                    <m:oMathParaPr>
+                      <m:jc m:val="centerGroup"/>
+                    </m:oMathParaPr>
+                    <m:oMath xmlns:m="http://schemas.openxmlformats.org/officeDocument/2006/math">
+                      <m:sSubSup>
+                        <m:sSubSupPr>
+                          <m:ctrlPr>
+                            <a:rPr lang="en-US" sz="2400" b="0" i="1" smtClean="0">
+                              <a:latin typeface="Cambria Math" panose="02040503050406030204" pitchFamily="18" charset="0"/>
+                            </a:rPr>
+                          </m:ctrlPr>
+                        </m:sSubSupPr>
+                        <m:e>
+                          <m:r>
+                            <a:rPr lang="en-US" sz="2400" b="0" i="1" smtClean="0">
+                              <a:latin typeface="Cambria Math" panose="02040503050406030204" pitchFamily="18" charset="0"/>
+                            </a:rPr>
+                            <m:t>𝑅</m:t>
+                          </m:r>
+                        </m:e>
+                        <m:sub>
+                          <m:r>
+                            <a:rPr lang="en-US" sz="2400" b="0" i="1" smtClean="0">
+                              <a:latin typeface="Cambria Math" panose="02040503050406030204" pitchFamily="18" charset="0"/>
+                            </a:rPr>
+                            <m:t>3</m:t>
+                          </m:r>
+                        </m:sub>
+                        <m:sup>
+                          <m:r>
+                            <a:rPr lang="en-US" sz="2400" b="0" i="1" smtClean="0">
+                              <a:latin typeface="Cambria Math" panose="02040503050406030204" pitchFamily="18" charset="0"/>
+                            </a:rPr>
+                            <m:t>2</m:t>
+                          </m:r>
+                        </m:sup>
+                      </m:sSubSup>
+                    </m:oMath>
+                  </m:oMathPara>
+                </a14:m>
+                <a:endParaRPr lang="en-US" sz="2400" dirty="0"/>
+              </a:p>
+            </p:txBody>
+          </p:sp>
+        </mc:Choice>
+        <mc:Fallback xmlns="">
+          <p:sp>
+            <p:nvSpPr>
+              <p:cNvPr id="51" name="TextBox 50">
+                <a:extLst>
+                  <a:ext uri="{FF2B5EF4-FFF2-40B4-BE49-F238E27FC236}">
+                    <a16:creationId xmlns:a16="http://schemas.microsoft.com/office/drawing/2014/main" id="{60B5E461-7F84-AD4C-AC8B-99A3FF76C515}"/>
+                  </a:ext>
+                </a:extLst>
+              </p:cNvPr>
+              <p:cNvSpPr txBox="1">
+                <a:spLocks noRot="1" noChangeAspect="1" noMove="1" noResize="1" noEditPoints="1" noAdjustHandles="1" noChangeArrowheads="1" noChangeShapeType="1" noTextEdit="1"/>
+              </p:cNvSpPr>
+              <p:nvPr/>
+            </p:nvSpPr>
+            <p:spPr>
+              <a:xfrm>
+                <a:off x="7384164" y="4721823"/>
+                <a:ext cx="616836" cy="468526"/>
+              </a:xfrm>
+              <a:prstGeom prst="rect">
+                <a:avLst/>
+              </a:prstGeom>
+              <a:blipFill>
+                <a:blip r:embed="rId6"/>
+                <a:stretch>
+                  <a:fillRect b="-2703"/>
+                </a:stretch>
+              </a:blipFill>
+            </p:spPr>
+            <p:txBody>
+              <a:bodyPr/>
+              <a:lstStyle/>
+              <a:p>
+                <a:r>
+                  <a:rPr lang="en-US">
+                    <a:noFill/>
+                  </a:rPr>
+                  <a:t> </a:t>
+                </a:r>
+              </a:p>
+            </p:txBody>
+          </p:sp>
+        </mc:Fallback>
+      </mc:AlternateContent>
+      <p:cxnSp>
+        <p:nvCxnSpPr>
+          <p:cNvPr id="53" name="Straight Arrow Connector 52">
+            <a:extLst>
+              <a:ext uri="{FF2B5EF4-FFF2-40B4-BE49-F238E27FC236}">
+                <a16:creationId xmlns:a16="http://schemas.microsoft.com/office/drawing/2014/main" id="{672DEB05-9AAF-DE41-91C3-2979AF08690B}"/>
+              </a:ext>
+            </a:extLst>
+          </p:cNvPr>
+          <p:cNvCxnSpPr>
+            <a:cxnSpLocks/>
+          </p:cNvCxnSpPr>
+          <p:nvPr/>
+        </p:nvCxnSpPr>
+        <p:spPr>
+          <a:xfrm>
+            <a:off x="7036457" y="2442780"/>
+            <a:ext cx="449963" cy="1"/>
+          </a:xfrm>
+          <a:prstGeom prst="straightConnector1">
+            <a:avLst/>
+          </a:prstGeom>
+          <a:ln>
+            <a:solidFill>
+              <a:schemeClr val="tx1"/>
+            </a:solidFill>
+            <a:tailEnd type="triangle"/>
+          </a:ln>
+        </p:spPr>
+        <p:style>
+          <a:lnRef idx="2">
+            <a:schemeClr val="accent1"/>
+          </a:lnRef>
+          <a:fillRef idx="0">
+            <a:schemeClr val="accent1"/>
+          </a:fillRef>
+          <a:effectRef idx="1">
+            <a:schemeClr val="accent1"/>
+          </a:effectRef>
+          <a:fontRef idx="minor">
+            <a:schemeClr val="tx1"/>
+          </a:fontRef>
+        </p:style>
+      </p:cxnSp>
+      <p:cxnSp>
+        <p:nvCxnSpPr>
+          <p:cNvPr id="55" name="Straight Arrow Connector 54">
+            <a:extLst>
+              <a:ext uri="{FF2B5EF4-FFF2-40B4-BE49-F238E27FC236}">
+                <a16:creationId xmlns:a16="http://schemas.microsoft.com/office/drawing/2014/main" id="{908638E4-3058-F94B-BF77-26E092DBDBB5}"/>
+              </a:ext>
+            </a:extLst>
+          </p:cNvPr>
+          <p:cNvCxnSpPr>
+            <a:cxnSpLocks/>
+          </p:cNvCxnSpPr>
+          <p:nvPr/>
+        </p:nvCxnSpPr>
+        <p:spPr>
+          <a:xfrm>
+            <a:off x="7036457" y="3659051"/>
+            <a:ext cx="442727" cy="0"/>
+          </a:xfrm>
+          <a:prstGeom prst="straightConnector1">
+            <a:avLst/>
+          </a:prstGeom>
+          <a:ln>
+            <a:solidFill>
+              <a:schemeClr val="tx1"/>
+            </a:solidFill>
+            <a:tailEnd type="triangle"/>
+          </a:ln>
+        </p:spPr>
+        <p:style>
+          <a:lnRef idx="2">
+            <a:schemeClr val="accent1"/>
+          </a:lnRef>
+          <a:fillRef idx="0">
+            <a:schemeClr val="accent1"/>
+          </a:fillRef>
+          <a:effectRef idx="1">
+            <a:schemeClr val="accent1"/>
+          </a:effectRef>
+          <a:fontRef idx="minor">
+            <a:schemeClr val="tx1"/>
+          </a:fontRef>
+        </p:style>
+      </p:cxnSp>
+      <p:cxnSp>
+        <p:nvCxnSpPr>
+          <p:cNvPr id="57" name="Straight Arrow Connector 56">
+            <a:extLst>
+              <a:ext uri="{FF2B5EF4-FFF2-40B4-BE49-F238E27FC236}">
+                <a16:creationId xmlns:a16="http://schemas.microsoft.com/office/drawing/2014/main" id="{A06B54A6-CBF3-5E4A-A4D7-6A1C0FDD7FE2}"/>
+              </a:ext>
+            </a:extLst>
+          </p:cNvPr>
+          <p:cNvCxnSpPr>
+            <a:cxnSpLocks/>
+          </p:cNvCxnSpPr>
+          <p:nvPr/>
+        </p:nvCxnSpPr>
+        <p:spPr>
+          <a:xfrm>
+            <a:off x="7018722" y="4956086"/>
+            <a:ext cx="467698" cy="0"/>
+          </a:xfrm>
+          <a:prstGeom prst="straightConnector1">
+            <a:avLst/>
+          </a:prstGeom>
+          <a:ln>
+            <a:solidFill>
+              <a:schemeClr val="tx1"/>
+            </a:solidFill>
+            <a:tailEnd type="triangle"/>
+          </a:ln>
+        </p:spPr>
+        <p:style>
+          <a:lnRef idx="2">
+            <a:schemeClr val="accent1"/>
+          </a:lnRef>
+          <a:fillRef idx="0">
+            <a:schemeClr val="accent1"/>
+          </a:fillRef>
+          <a:effectRef idx="1">
+            <a:schemeClr val="accent1"/>
+          </a:effectRef>
+          <a:fontRef idx="minor">
+            <a:schemeClr val="tx1"/>
+          </a:fontRef>
+        </p:style>
+      </p:cxnSp>
+      <p:cxnSp>
+        <p:nvCxnSpPr>
+          <p:cNvPr id="59" name="Straight Connector 58">
+            <a:extLst>
+              <a:ext uri="{FF2B5EF4-FFF2-40B4-BE49-F238E27FC236}">
+                <a16:creationId xmlns:a16="http://schemas.microsoft.com/office/drawing/2014/main" id="{174F41DB-E795-184A-ADD9-B43214B818AA}"/>
+              </a:ext>
+            </a:extLst>
+          </p:cNvPr>
+          <p:cNvCxnSpPr/>
+          <p:nvPr/>
+        </p:nvCxnSpPr>
+        <p:spPr>
+          <a:xfrm>
+            <a:off x="4267200" y="1198880"/>
+            <a:ext cx="0" cy="5125720"/>
+          </a:xfrm>
+          <a:prstGeom prst="line">
+            <a:avLst/>
+          </a:prstGeom>
+          <a:ln w="57150">
+            <a:solidFill>
+              <a:schemeClr val="tx1"/>
+            </a:solidFill>
+          </a:ln>
+        </p:spPr>
+        <p:style>
+          <a:lnRef idx="2">
+            <a:schemeClr val="accent1"/>
+          </a:lnRef>
+          <a:fillRef idx="0">
+            <a:schemeClr val="accent1"/>
+          </a:fillRef>
+          <a:effectRef idx="1">
+            <a:schemeClr val="accent1"/>
+          </a:effectRef>
+          <a:fontRef idx="minor">
+            <a:schemeClr val="tx1"/>
+          </a:fontRef>
+        </p:style>
+      </p:cxnSp>
+      <p:graphicFrame>
+        <p:nvGraphicFramePr>
+          <p:cNvPr id="60" name="Table 59">
+            <a:extLst>
+              <a:ext uri="{FF2B5EF4-FFF2-40B4-BE49-F238E27FC236}">
+                <a16:creationId xmlns:a16="http://schemas.microsoft.com/office/drawing/2014/main" id="{E48CA0A6-B1C9-3D44-B48B-E18903E61F52}"/>
+              </a:ext>
+            </a:extLst>
+          </p:cNvPr>
+          <p:cNvGraphicFramePr>
+            <a:graphicFrameLocks noGrp="1"/>
+          </p:cNvGraphicFramePr>
+          <p:nvPr/>
+        </p:nvGraphicFramePr>
+        <p:xfrm>
+          <a:off x="4572000" y="838200"/>
+          <a:ext cx="833120" cy="701040"/>
+        </p:xfrm>
+        <a:graphic>
+          <a:graphicData uri="http://schemas.openxmlformats.org/drawingml/2006/table">
+            <a:tbl>
+              <a:tblPr firstRow="1" bandRow="1">
+                <a:tableStyleId>{5C22544A-7EE6-4342-B048-85BDC9FD1C3A}</a:tableStyleId>
+              </a:tblPr>
+              <a:tblGrid>
+                <a:gridCol w="208280">
+                  <a:extLst>
+                    <a:ext uri="{9D8B030D-6E8A-4147-A177-3AD203B41FA5}">
+                      <a16:colId xmlns:a16="http://schemas.microsoft.com/office/drawing/2014/main" val="2850824769"/>
+                    </a:ext>
+                  </a:extLst>
+                </a:gridCol>
+                <a:gridCol w="208280">
+                  <a:extLst>
+                    <a:ext uri="{9D8B030D-6E8A-4147-A177-3AD203B41FA5}">
+                      <a16:colId xmlns:a16="http://schemas.microsoft.com/office/drawing/2014/main" val="57343624"/>
+                    </a:ext>
+                  </a:extLst>
+                </a:gridCol>
+                <a:gridCol w="208280">
+                  <a:extLst>
+                    <a:ext uri="{9D8B030D-6E8A-4147-A177-3AD203B41FA5}">
+                      <a16:colId xmlns:a16="http://schemas.microsoft.com/office/drawing/2014/main" val="2298198695"/>
+                    </a:ext>
+                  </a:extLst>
+                </a:gridCol>
+                <a:gridCol w="208280">
+                  <a:extLst>
+                    <a:ext uri="{9D8B030D-6E8A-4147-A177-3AD203B41FA5}">
+                      <a16:colId xmlns:a16="http://schemas.microsoft.com/office/drawing/2014/main" val="3269445081"/>
+                    </a:ext>
+                  </a:extLst>
+                </a:gridCol>
+              </a:tblGrid>
+              <a:tr h="0">
+                <a:tc>
+                  <a:txBody>
+                    <a:bodyPr/>
+                    <a:lstStyle/>
+                    <a:p>
+                      <a:endParaRPr lang="en-US" sz="100" dirty="0">
+                        <a:solidFill>
+                          <a:srgbClr val="002060"/>
+                        </a:solidFill>
+                        <a:highlight>
+                          <a:srgbClr val="0000FF"/>
+                        </a:highlight>
+                      </a:endParaRPr>
+                    </a:p>
+                  </a:txBody>
+                  <a:tcPr>
+                    <a:solidFill>
+                      <a:schemeClr val="bg1">
+                        <a:lumMod val="85000"/>
+                      </a:schemeClr>
+                    </a:solidFill>
+                  </a:tcPr>
+                </a:tc>
+                <a:tc>
+                  <a:txBody>
+                    <a:bodyPr/>
+                    <a:lstStyle/>
+                    <a:p>
+                      <a:endParaRPr lang="en-US" sz="100" dirty="0">
+                        <a:solidFill>
+                          <a:srgbClr val="002060"/>
+                        </a:solidFill>
+                        <a:highlight>
+                          <a:srgbClr val="0000FF"/>
+                        </a:highlight>
+                      </a:endParaRPr>
+                    </a:p>
+                  </a:txBody>
+                  <a:tcPr>
+                    <a:solidFill>
+                      <a:schemeClr val="bg1">
+                        <a:lumMod val="85000"/>
+                      </a:schemeClr>
+                    </a:solidFill>
+                  </a:tcPr>
+                </a:tc>
+                <a:tc>
+                  <a:txBody>
+                    <a:bodyPr/>
+                    <a:lstStyle/>
+                    <a:p>
+                      <a:endParaRPr lang="en-US" sz="100" dirty="0">
+                        <a:solidFill>
+                          <a:srgbClr val="002060"/>
+                        </a:solidFill>
+                        <a:highlight>
+                          <a:srgbClr val="0000FF"/>
+                        </a:highlight>
+                      </a:endParaRPr>
+                    </a:p>
+                  </a:txBody>
+                  <a:tcPr>
+                    <a:solidFill>
+                      <a:schemeClr val="bg1">
+                        <a:lumMod val="85000"/>
+                      </a:schemeClr>
+                    </a:solidFill>
+                  </a:tcPr>
+                </a:tc>
+                <a:tc>
+                  <a:txBody>
+                    <a:bodyPr/>
+                    <a:lstStyle/>
+                    <a:p>
+                      <a:endParaRPr lang="en-US" sz="100" dirty="0">
+                        <a:solidFill>
+                          <a:srgbClr val="002060"/>
+                        </a:solidFill>
+                        <a:highlight>
+                          <a:srgbClr val="0000FF"/>
+                        </a:highlight>
+                      </a:endParaRPr>
+                    </a:p>
+                  </a:txBody>
+                  <a:tcPr>
+                    <a:solidFill>
+                      <a:schemeClr val="bg1">
+                        <a:lumMod val="85000"/>
+                      </a:schemeClr>
+                    </a:solidFill>
+                  </a:tcPr>
+                </a:tc>
+                <a:extLst>
+                  <a:ext uri="{0D108BD9-81ED-4DB2-BD59-A6C34878D82A}">
+                    <a16:rowId xmlns:a16="http://schemas.microsoft.com/office/drawing/2014/main" val="1182745223"/>
+                  </a:ext>
+                </a:extLst>
+              </a:tr>
+              <a:tr h="0">
+                <a:tc>
+                  <a:txBody>
+                    <a:bodyPr/>
+                    <a:lstStyle/>
+                    <a:p>
+                      <a:endParaRPr lang="en-US" sz="100">
+                        <a:solidFill>
+                          <a:srgbClr val="002060"/>
+                        </a:solidFill>
+                        <a:highlight>
+                          <a:srgbClr val="0000FF"/>
+                        </a:highlight>
+                      </a:endParaRPr>
+                    </a:p>
+                  </a:txBody>
+                  <a:tcPr>
+                    <a:solidFill>
+                      <a:schemeClr val="bg1">
+                        <a:lumMod val="85000"/>
+                      </a:schemeClr>
+                    </a:solidFill>
+                  </a:tcPr>
+                </a:tc>
+                <a:tc>
+                  <a:txBody>
+                    <a:bodyPr/>
+                    <a:lstStyle/>
+                    <a:p>
+                      <a:endParaRPr lang="en-US" sz="100">
+                        <a:solidFill>
+                          <a:srgbClr val="002060"/>
+                        </a:solidFill>
+                        <a:highlight>
+                          <a:srgbClr val="0000FF"/>
+                        </a:highlight>
+                      </a:endParaRPr>
+                    </a:p>
+                  </a:txBody>
+                  <a:tcPr>
+                    <a:solidFill>
+                      <a:schemeClr val="bg1">
+                        <a:lumMod val="85000"/>
+                      </a:schemeClr>
+                    </a:solidFill>
+                  </a:tcPr>
+                </a:tc>
+                <a:tc>
+                  <a:txBody>
+                    <a:bodyPr/>
+                    <a:lstStyle/>
+                    <a:p>
+                      <a:endParaRPr lang="en-US" sz="100" dirty="0">
+                        <a:solidFill>
+                          <a:srgbClr val="002060"/>
+                        </a:solidFill>
+                        <a:highlight>
+                          <a:srgbClr val="0000FF"/>
+                        </a:highlight>
+                      </a:endParaRPr>
+                    </a:p>
+                  </a:txBody>
+                  <a:tcPr>
+                    <a:solidFill>
+                      <a:schemeClr val="bg1">
+                        <a:lumMod val="85000"/>
+                      </a:schemeClr>
+                    </a:solidFill>
+                  </a:tcPr>
+                </a:tc>
+                <a:tc>
+                  <a:txBody>
+                    <a:bodyPr/>
+                    <a:lstStyle/>
+                    <a:p>
+                      <a:endParaRPr lang="en-US" sz="100" dirty="0">
+                        <a:solidFill>
+                          <a:srgbClr val="002060"/>
+                        </a:solidFill>
+                        <a:highlight>
+                          <a:srgbClr val="0000FF"/>
+                        </a:highlight>
+                      </a:endParaRPr>
+                    </a:p>
+                  </a:txBody>
+                  <a:tcPr>
+                    <a:solidFill>
+                      <a:schemeClr val="bg1">
+                        <a:lumMod val="85000"/>
+                      </a:schemeClr>
+                    </a:solidFill>
+                  </a:tcPr>
+                </a:tc>
+                <a:extLst>
+                  <a:ext uri="{0D108BD9-81ED-4DB2-BD59-A6C34878D82A}">
+                    <a16:rowId xmlns:a16="http://schemas.microsoft.com/office/drawing/2014/main" val="1211249238"/>
+                  </a:ext>
+                </a:extLst>
+              </a:tr>
+              <a:tr h="0">
+                <a:tc>
+                  <a:txBody>
+                    <a:bodyPr/>
+                    <a:lstStyle/>
+                    <a:p>
+                      <a:endParaRPr lang="en-US" sz="100" dirty="0"/>
+                    </a:p>
+                  </a:txBody>
+                  <a:tcPr>
+                    <a:solidFill>
+                      <a:schemeClr val="bg1">
+                        <a:lumMod val="85000"/>
+                      </a:schemeClr>
+                    </a:solidFill>
+                  </a:tcPr>
+                </a:tc>
+                <a:tc>
+                  <a:txBody>
+                    <a:bodyPr/>
+                    <a:lstStyle/>
+                    <a:p>
+                      <a:endParaRPr lang="en-US" sz="100" dirty="0"/>
+                    </a:p>
+                  </a:txBody>
+                  <a:tcPr>
+                    <a:solidFill>
+                      <a:schemeClr val="bg1">
+                        <a:lumMod val="85000"/>
+                      </a:schemeClr>
+                    </a:solidFill>
+                  </a:tcPr>
+                </a:tc>
+                <a:tc>
+                  <a:txBody>
+                    <a:bodyPr/>
+                    <a:lstStyle/>
+                    <a:p>
+                      <a:endParaRPr lang="en-US" sz="100" dirty="0"/>
+                    </a:p>
+                  </a:txBody>
+                  <a:tcPr>
+                    <a:solidFill>
+                      <a:schemeClr val="bg1">
+                        <a:lumMod val="85000"/>
+                      </a:schemeClr>
+                    </a:solidFill>
+                  </a:tcPr>
+                </a:tc>
+                <a:tc>
+                  <a:txBody>
+                    <a:bodyPr/>
+                    <a:lstStyle/>
+                    <a:p>
+                      <a:endParaRPr lang="en-US" sz="100" dirty="0"/>
+                    </a:p>
+                  </a:txBody>
+                  <a:tcPr>
+                    <a:solidFill>
+                      <a:schemeClr val="bg1">
+                        <a:lumMod val="85000"/>
+                      </a:schemeClr>
+                    </a:solidFill>
+                  </a:tcPr>
+                </a:tc>
+                <a:extLst>
+                  <a:ext uri="{0D108BD9-81ED-4DB2-BD59-A6C34878D82A}">
+                    <a16:rowId xmlns:a16="http://schemas.microsoft.com/office/drawing/2014/main" val="640380758"/>
+                  </a:ext>
+                </a:extLst>
+              </a:tr>
+              <a:tr h="0">
+                <a:tc>
+                  <a:txBody>
+                    <a:bodyPr/>
+                    <a:lstStyle/>
+                    <a:p>
+                      <a:endParaRPr lang="en-US" sz="100" dirty="0"/>
+                    </a:p>
+                  </a:txBody>
+                  <a:tcPr>
+                    <a:solidFill>
+                      <a:schemeClr val="bg1">
+                        <a:lumMod val="85000"/>
+                      </a:schemeClr>
+                    </a:solidFill>
+                  </a:tcPr>
+                </a:tc>
+                <a:tc>
+                  <a:txBody>
+                    <a:bodyPr/>
+                    <a:lstStyle/>
+                    <a:p>
+                      <a:endParaRPr lang="en-US" sz="100" dirty="0"/>
+                    </a:p>
+                  </a:txBody>
+                  <a:tcPr>
+                    <a:solidFill>
+                      <a:schemeClr val="bg1">
+                        <a:lumMod val="85000"/>
+                      </a:schemeClr>
+                    </a:solidFill>
+                  </a:tcPr>
+                </a:tc>
+                <a:tc>
+                  <a:txBody>
+                    <a:bodyPr/>
+                    <a:lstStyle/>
+                    <a:p>
+                      <a:endParaRPr lang="en-US" sz="100" dirty="0"/>
+                    </a:p>
+                  </a:txBody>
+                  <a:tcPr>
+                    <a:solidFill>
+                      <a:schemeClr val="bg1">
+                        <a:lumMod val="85000"/>
+                      </a:schemeClr>
+                    </a:solidFill>
+                  </a:tcPr>
+                </a:tc>
+                <a:tc>
+                  <a:txBody>
+                    <a:bodyPr/>
+                    <a:lstStyle/>
+                    <a:p>
+                      <a:endParaRPr lang="en-US" sz="100" dirty="0"/>
+                    </a:p>
+                  </a:txBody>
+                  <a:tcPr>
+                    <a:solidFill>
+                      <a:schemeClr val="bg1">
+                        <a:lumMod val="85000"/>
+                      </a:schemeClr>
+                    </a:solidFill>
+                  </a:tcPr>
+                </a:tc>
+                <a:extLst>
+                  <a:ext uri="{0D108BD9-81ED-4DB2-BD59-A6C34878D82A}">
+                    <a16:rowId xmlns:a16="http://schemas.microsoft.com/office/drawing/2014/main" val="3739254808"/>
+                  </a:ext>
+                </a:extLst>
+              </a:tr>
+              <a:tr h="0">
+                <a:tc>
+                  <a:txBody>
+                    <a:bodyPr/>
+                    <a:lstStyle/>
+                    <a:p>
+                      <a:endParaRPr lang="en-US" sz="100" dirty="0"/>
+                    </a:p>
+                  </a:txBody>
+                  <a:tcPr>
+                    <a:solidFill>
+                      <a:schemeClr val="bg1">
+                        <a:lumMod val="85000"/>
+                      </a:schemeClr>
+                    </a:solidFill>
+                  </a:tcPr>
+                </a:tc>
+                <a:tc>
+                  <a:txBody>
+                    <a:bodyPr/>
+                    <a:lstStyle/>
+                    <a:p>
+                      <a:endParaRPr lang="en-US" sz="100"/>
+                    </a:p>
+                  </a:txBody>
+                  <a:tcPr>
+                    <a:solidFill>
+                      <a:schemeClr val="bg1">
+                        <a:lumMod val="85000"/>
+                      </a:schemeClr>
+                    </a:solidFill>
+                  </a:tcPr>
+                </a:tc>
+                <a:tc>
+                  <a:txBody>
+                    <a:bodyPr/>
+                    <a:lstStyle/>
+                    <a:p>
+                      <a:endParaRPr lang="en-US" sz="100" dirty="0"/>
+                    </a:p>
+                  </a:txBody>
+                  <a:tcPr>
+                    <a:solidFill>
+                      <a:schemeClr val="bg1">
+                        <a:lumMod val="85000"/>
+                      </a:schemeClr>
+                    </a:solidFill>
+                  </a:tcPr>
+                </a:tc>
+                <a:tc>
+                  <a:txBody>
+                    <a:bodyPr/>
+                    <a:lstStyle/>
+                    <a:p>
+                      <a:endParaRPr lang="en-US" sz="100" dirty="0"/>
+                    </a:p>
+                  </a:txBody>
+                  <a:tcPr>
+                    <a:solidFill>
+                      <a:schemeClr val="bg1">
+                        <a:lumMod val="85000"/>
+                      </a:schemeClr>
+                    </a:solidFill>
+                  </a:tcPr>
+                </a:tc>
+                <a:extLst>
+                  <a:ext uri="{0D108BD9-81ED-4DB2-BD59-A6C34878D82A}">
+                    <a16:rowId xmlns:a16="http://schemas.microsoft.com/office/drawing/2014/main" val="2733300335"/>
+                  </a:ext>
+                </a:extLst>
+              </a:tr>
+              <a:tr h="0">
+                <a:tc>
+                  <a:txBody>
+                    <a:bodyPr/>
+                    <a:lstStyle/>
+                    <a:p>
+                      <a:endParaRPr lang="en-US" sz="100"/>
+                    </a:p>
+                  </a:txBody>
+                  <a:tcPr>
+                    <a:solidFill>
+                      <a:schemeClr val="bg1">
+                        <a:lumMod val="85000"/>
+                      </a:schemeClr>
+                    </a:solidFill>
+                  </a:tcPr>
+                </a:tc>
+                <a:tc>
+                  <a:txBody>
+                    <a:bodyPr/>
+                    <a:lstStyle/>
+                    <a:p>
+                      <a:endParaRPr lang="en-US" sz="100"/>
+                    </a:p>
+                  </a:txBody>
+                  <a:tcPr>
+                    <a:solidFill>
+                      <a:schemeClr val="bg1">
+                        <a:lumMod val="85000"/>
+                      </a:schemeClr>
+                    </a:solidFill>
+                  </a:tcPr>
+                </a:tc>
+                <a:tc>
+                  <a:txBody>
+                    <a:bodyPr/>
+                    <a:lstStyle/>
+                    <a:p>
+                      <a:endParaRPr lang="en-US" sz="100"/>
+                    </a:p>
+                  </a:txBody>
+                  <a:tcPr>
+                    <a:solidFill>
+                      <a:schemeClr val="bg1">
+                        <a:lumMod val="85000"/>
+                      </a:schemeClr>
+                    </a:solidFill>
+                  </a:tcPr>
+                </a:tc>
+                <a:tc>
+                  <a:txBody>
+                    <a:bodyPr/>
+                    <a:lstStyle/>
+                    <a:p>
+                      <a:endParaRPr lang="en-US" sz="100" dirty="0"/>
+                    </a:p>
+                  </a:txBody>
+                  <a:tcPr>
+                    <a:solidFill>
+                      <a:schemeClr val="bg1">
+                        <a:lumMod val="85000"/>
+                      </a:schemeClr>
+                    </a:solidFill>
+                  </a:tcPr>
+                </a:tc>
+                <a:extLst>
+                  <a:ext uri="{0D108BD9-81ED-4DB2-BD59-A6C34878D82A}">
+                    <a16:rowId xmlns:a16="http://schemas.microsoft.com/office/drawing/2014/main" val="4233758861"/>
+                  </a:ext>
+                </a:extLst>
+              </a:tr>
+            </a:tbl>
+          </a:graphicData>
+        </a:graphic>
+      </p:graphicFrame>
+      <p:sp>
+        <p:nvSpPr>
+          <p:cNvPr id="61" name="Right Arrow 60">
+            <a:extLst>
+              <a:ext uri="{FF2B5EF4-FFF2-40B4-BE49-F238E27FC236}">
+                <a16:creationId xmlns:a16="http://schemas.microsoft.com/office/drawing/2014/main" id="{77D698FD-0ABE-3548-BBF6-A35389489D65}"/>
+              </a:ext>
+            </a:extLst>
+          </p:cNvPr>
+          <p:cNvSpPr/>
+          <p:nvPr/>
+        </p:nvSpPr>
+        <p:spPr>
+          <a:xfrm>
+            <a:off x="5560155" y="1087120"/>
+            <a:ext cx="307245" cy="132080"/>
+          </a:xfrm>
+          <a:prstGeom prst="rightArrow">
+            <a:avLst/>
+          </a:prstGeom>
+        </p:spPr>
+        <p:style>
+          <a:lnRef idx="1">
+            <a:schemeClr val="accent1"/>
+          </a:lnRef>
+          <a:fillRef idx="3">
+            <a:schemeClr val="accent1"/>
+          </a:fillRef>
+          <a:effectRef idx="2">
+            <a:schemeClr val="accent1"/>
+          </a:effectRef>
+          <a:fontRef idx="minor">
+            <a:schemeClr val="lt1"/>
+          </a:fontRef>
+        </p:style>
+        <p:txBody>
+          <a:bodyPr rtlCol="0" anchor="ctr"/>
+          <a:lstStyle/>
+          <a:p>
+            <a:pPr algn="ctr"/>
+            <a:endParaRPr lang="en-US"/>
+          </a:p>
+        </p:txBody>
+      </p:sp>
+      <p:sp>
+        <p:nvSpPr>
+          <p:cNvPr id="63" name="TextBox 62">
+            <a:extLst>
+              <a:ext uri="{FF2B5EF4-FFF2-40B4-BE49-F238E27FC236}">
+                <a16:creationId xmlns:a16="http://schemas.microsoft.com/office/drawing/2014/main" id="{1767BD7F-B9E2-F74E-A1D7-83D6F8E1A8CA}"/>
+              </a:ext>
+            </a:extLst>
+          </p:cNvPr>
+          <p:cNvSpPr txBox="1"/>
+          <p:nvPr/>
+        </p:nvSpPr>
+        <p:spPr>
+          <a:xfrm>
+            <a:off x="5281868" y="1544140"/>
+            <a:ext cx="684803" cy="369332"/>
+          </a:xfrm>
+          <a:prstGeom prst="rect">
+            <a:avLst/>
+          </a:prstGeom>
+          <a:noFill/>
+        </p:spPr>
+        <p:txBody>
+          <a:bodyPr wrap="none" rtlCol="0">
+            <a:spAutoFit/>
+          </a:bodyPr>
+          <a:lstStyle/>
+          <a:p>
+            <a:r>
+              <a:rPr lang="en-US" b="1" dirty="0"/>
+              <a:t>Data</a:t>
+            </a:r>
+          </a:p>
+        </p:txBody>
+      </p:sp>
+      <p:grpSp>
+        <p:nvGrpSpPr>
+          <p:cNvPr id="15" name="Group 14">
+            <a:extLst>
+              <a:ext uri="{FF2B5EF4-FFF2-40B4-BE49-F238E27FC236}">
+                <a16:creationId xmlns:a16="http://schemas.microsoft.com/office/drawing/2014/main" id="{1B39E990-FA79-3642-B660-037B4CF5081F}"/>
+              </a:ext>
+            </a:extLst>
+          </p:cNvPr>
+          <p:cNvGrpSpPr/>
+          <p:nvPr/>
+        </p:nvGrpSpPr>
+        <p:grpSpPr>
+          <a:xfrm>
+            <a:off x="4598056" y="2256495"/>
+            <a:ext cx="735944" cy="3077505"/>
+            <a:chOff x="4598056" y="2256495"/>
+            <a:chExt cx="735944" cy="3077505"/>
+          </a:xfrm>
+        </p:grpSpPr>
+        <mc:AlternateContent xmlns:mc="http://schemas.openxmlformats.org/markup-compatibility/2006" xmlns:a14="http://schemas.microsoft.com/office/drawing/2010/main">
+          <mc:Choice Requires="a14">
+            <p:sp>
+              <p:nvSpPr>
+                <p:cNvPr id="3" name="TextBox 2">
+                  <a:extLst>
+                    <a:ext uri="{FF2B5EF4-FFF2-40B4-BE49-F238E27FC236}">
+                      <a16:creationId xmlns:a16="http://schemas.microsoft.com/office/drawing/2014/main" id="{6A807C5F-8F4B-0048-96CC-772B545995D0}"/>
+                    </a:ext>
+                  </a:extLst>
+                </p:cNvPr>
+                <p:cNvSpPr txBox="1"/>
+                <p:nvPr/>
+              </p:nvSpPr>
+              <p:spPr>
+                <a:xfrm>
+                  <a:off x="4598056" y="2454403"/>
+                  <a:ext cx="431144" cy="288797"/>
+                </a:xfrm>
+                <a:prstGeom prst="rect">
+                  <a:avLst/>
+                </a:prstGeom>
+                <a:noFill/>
+              </p:spPr>
+              <p:txBody>
+                <a:bodyPr wrap="none" lIns="0" tIns="0" rIns="0" bIns="0" rtlCol="0">
+                  <a:spAutoFit/>
+                </a:bodyPr>
+                <a:lstStyle/>
+                <a:p>
+                  <a:pPr/>
+                  <a14:m>
+                    <m:oMathPara xmlns:m="http://schemas.openxmlformats.org/officeDocument/2006/math">
+                      <m:oMathParaPr>
+                        <m:jc m:val="centerGroup"/>
+                      </m:oMathParaPr>
+                      <m:oMath xmlns:m="http://schemas.openxmlformats.org/officeDocument/2006/math">
+                        <m:sSup>
+                          <m:sSupPr>
+                            <m:ctrlPr>
+                              <a:rPr lang="en-US" b="0" i="1" smtClean="0">
+                                <a:latin typeface="Cambria Math" panose="02040503050406030204" pitchFamily="18" charset="0"/>
+                              </a:rPr>
+                            </m:ctrlPr>
+                          </m:sSupPr>
+                          <m:e>
+                            <m:acc>
+                              <m:accPr>
+                                <m:chr m:val="̂"/>
+                                <m:ctrlPr>
+                                  <a:rPr lang="en-US" b="0" i="1" smtClean="0">
+                                    <a:latin typeface="Cambria Math" panose="02040503050406030204" pitchFamily="18" charset="0"/>
+                                  </a:rPr>
+                                </m:ctrlPr>
+                              </m:accPr>
+                              <m:e>
+                                <m:r>
+                                  <a:rPr lang="en-US" b="0" i="1" smtClean="0">
+                                    <a:latin typeface="Cambria Math" panose="02040503050406030204" pitchFamily="18" charset="0"/>
+                                  </a:rPr>
+                                  <m:t>𝜃</m:t>
+                                </m:r>
+                              </m:e>
+                            </m:acc>
+                          </m:e>
+                          <m:sup>
+                            <m:r>
+                              <a:rPr lang="en-US" b="0" i="1" smtClean="0">
+                                <a:latin typeface="Cambria Math" panose="02040503050406030204" pitchFamily="18" charset="0"/>
+                              </a:rPr>
+                              <m:t>[1]</m:t>
+                            </m:r>
+                          </m:sup>
+                        </m:sSup>
+                      </m:oMath>
+                    </m:oMathPara>
+                  </a14:m>
+                  <a:endParaRPr lang="en-US" dirty="0"/>
+                </a:p>
+              </p:txBody>
+            </p:sp>
+          </mc:Choice>
+          <mc:Fallback xmlns="">
+            <p:sp>
+              <p:nvSpPr>
+                <p:cNvPr id="3" name="TextBox 2">
+                  <a:extLst>
+                    <a:ext uri="{FF2B5EF4-FFF2-40B4-BE49-F238E27FC236}">
+                      <a16:creationId xmlns:a16="http://schemas.microsoft.com/office/drawing/2014/main" id="{6A807C5F-8F4B-0048-96CC-772B545995D0}"/>
+                    </a:ext>
+                  </a:extLst>
+                </p:cNvPr>
+                <p:cNvSpPr txBox="1">
+                  <a:spLocks noRot="1" noChangeAspect="1" noMove="1" noResize="1" noEditPoints="1" noAdjustHandles="1" noChangeArrowheads="1" noChangeShapeType="1" noTextEdit="1"/>
+                </p:cNvSpPr>
+                <p:nvPr/>
+              </p:nvSpPr>
+              <p:spPr>
+                <a:xfrm>
+                  <a:off x="4598056" y="2454403"/>
+                  <a:ext cx="431144" cy="288797"/>
+                </a:xfrm>
+                <a:prstGeom prst="rect">
+                  <a:avLst/>
+                </a:prstGeom>
+                <a:blipFill>
+                  <a:blip r:embed="rId7"/>
+                  <a:stretch>
+                    <a:fillRect l="-8571" t="-16667" r="-8571" b="-4167"/>
+                  </a:stretch>
+                </a:blipFill>
+              </p:spPr>
+              <p:txBody>
+                <a:bodyPr/>
+                <a:lstStyle/>
+                <a:p>
+                  <a:r>
+                    <a:rPr lang="en-US">
+                      <a:noFill/>
+                    </a:rPr>
+                    <a:t> </a:t>
+                  </a:r>
+                </a:p>
+              </p:txBody>
+            </p:sp>
+          </mc:Fallback>
+        </mc:AlternateContent>
+        <p:sp>
+          <p:nvSpPr>
+            <p:cNvPr id="13" name="TextBox 12">
+              <a:extLst>
+                <a:ext uri="{FF2B5EF4-FFF2-40B4-BE49-F238E27FC236}">
+                  <a16:creationId xmlns:a16="http://schemas.microsoft.com/office/drawing/2014/main" id="{8B66AAAB-38CF-854A-A9C8-1603EFC822ED}"/>
+                </a:ext>
+              </a:extLst>
+            </p:cNvPr>
+            <p:cNvSpPr txBox="1"/>
+            <p:nvPr/>
+          </p:nvSpPr>
+          <p:spPr>
+            <a:xfrm>
+              <a:off x="4945155" y="2256495"/>
+              <a:ext cx="322524" cy="584775"/>
+            </a:xfrm>
+            <a:prstGeom prst="rect">
+              <a:avLst/>
+            </a:prstGeom>
+            <a:noFill/>
+          </p:spPr>
+          <p:txBody>
+            <a:bodyPr wrap="none" rtlCol="0">
+              <a:spAutoFit/>
+            </a:bodyPr>
+            <a:lstStyle/>
+            <a:p>
+              <a:r>
+                <a:rPr lang="en-US" sz="3200" dirty="0"/>
+                <a:t>{</a:t>
+              </a:r>
+            </a:p>
+          </p:txBody>
+        </p:sp>
+        <mc:AlternateContent xmlns:mc="http://schemas.openxmlformats.org/markup-compatibility/2006" xmlns:a14="http://schemas.microsoft.com/office/drawing/2010/main">
+          <mc:Choice Requires="a14">
+            <p:sp>
+              <p:nvSpPr>
+                <p:cNvPr id="52" name="TextBox 51">
+                  <a:extLst>
+                    <a:ext uri="{FF2B5EF4-FFF2-40B4-BE49-F238E27FC236}">
+                      <a16:creationId xmlns:a16="http://schemas.microsoft.com/office/drawing/2014/main" id="{3BC3A54E-6658-724A-B916-D3925FFE3B00}"/>
+                    </a:ext>
+                  </a:extLst>
+                </p:cNvPr>
+                <p:cNvSpPr txBox="1"/>
+                <p:nvPr/>
+              </p:nvSpPr>
+              <p:spPr>
+                <a:xfrm>
+                  <a:off x="4648200" y="3651733"/>
+                  <a:ext cx="431144" cy="288797"/>
+                </a:xfrm>
+                <a:prstGeom prst="rect">
+                  <a:avLst/>
+                </a:prstGeom>
+                <a:noFill/>
+              </p:spPr>
+              <p:txBody>
+                <a:bodyPr wrap="none" lIns="0" tIns="0" rIns="0" bIns="0" rtlCol="0">
+                  <a:spAutoFit/>
+                </a:bodyPr>
+                <a:lstStyle/>
+                <a:p>
+                  <a:pPr/>
+                  <a14:m>
+                    <m:oMathPara xmlns:m="http://schemas.openxmlformats.org/officeDocument/2006/math">
+                      <m:oMathParaPr>
+                        <m:jc m:val="centerGroup"/>
+                      </m:oMathParaPr>
+                      <m:oMath xmlns:m="http://schemas.openxmlformats.org/officeDocument/2006/math">
+                        <m:sSup>
+                          <m:sSupPr>
+                            <m:ctrlPr>
+                              <a:rPr lang="en-US" b="0" i="1" smtClean="0">
+                                <a:latin typeface="Cambria Math" panose="02040503050406030204" pitchFamily="18" charset="0"/>
+                              </a:rPr>
+                            </m:ctrlPr>
+                          </m:sSupPr>
+                          <m:e>
+                            <m:acc>
+                              <m:accPr>
+                                <m:chr m:val="̂"/>
+                                <m:ctrlPr>
+                                  <a:rPr lang="en-US" b="0" i="1" smtClean="0">
+                                    <a:latin typeface="Cambria Math" panose="02040503050406030204" pitchFamily="18" charset="0"/>
+                                  </a:rPr>
+                                </m:ctrlPr>
+                              </m:accPr>
+                              <m:e>
+                                <m:r>
+                                  <a:rPr lang="en-US" b="0" i="1" smtClean="0">
+                                    <a:latin typeface="Cambria Math" panose="02040503050406030204" pitchFamily="18" charset="0"/>
+                                  </a:rPr>
+                                  <m:t>𝜃</m:t>
+                                </m:r>
+                              </m:e>
+                            </m:acc>
+                          </m:e>
+                          <m:sup>
+                            <m:r>
+                              <a:rPr lang="en-US" b="0" i="1" smtClean="0">
+                                <a:latin typeface="Cambria Math" panose="02040503050406030204" pitchFamily="18" charset="0"/>
+                              </a:rPr>
+                              <m:t>[2]</m:t>
+                            </m:r>
+                          </m:sup>
+                        </m:sSup>
+                      </m:oMath>
+                    </m:oMathPara>
+                  </a14:m>
+                  <a:endParaRPr lang="en-US" dirty="0"/>
+                </a:p>
+              </p:txBody>
+            </p:sp>
+          </mc:Choice>
+          <mc:Fallback xmlns="">
+            <p:sp>
+              <p:nvSpPr>
+                <p:cNvPr id="52" name="TextBox 51">
+                  <a:extLst>
+                    <a:ext uri="{FF2B5EF4-FFF2-40B4-BE49-F238E27FC236}">
+                      <a16:creationId xmlns:a16="http://schemas.microsoft.com/office/drawing/2014/main" id="{3BC3A54E-6658-724A-B916-D3925FFE3B00}"/>
+                    </a:ext>
+                  </a:extLst>
+                </p:cNvPr>
+                <p:cNvSpPr txBox="1">
+                  <a:spLocks noRot="1" noChangeAspect="1" noMove="1" noResize="1" noEditPoints="1" noAdjustHandles="1" noChangeArrowheads="1" noChangeShapeType="1" noTextEdit="1"/>
+                </p:cNvSpPr>
+                <p:nvPr/>
+              </p:nvSpPr>
+              <p:spPr>
+                <a:xfrm>
+                  <a:off x="4648200" y="3651733"/>
+                  <a:ext cx="431144" cy="288797"/>
+                </a:xfrm>
+                <a:prstGeom prst="rect">
+                  <a:avLst/>
+                </a:prstGeom>
+                <a:blipFill>
+                  <a:blip r:embed="rId8"/>
+                  <a:stretch>
+                    <a:fillRect l="-8571" t="-27273" r="-8571" b="-9091"/>
+                  </a:stretch>
+                </a:blipFill>
+              </p:spPr>
+              <p:txBody>
+                <a:bodyPr/>
+                <a:lstStyle/>
+                <a:p>
+                  <a:r>
+                    <a:rPr lang="en-US">
+                      <a:noFill/>
+                    </a:rPr>
+                    <a:t> </a:t>
+                  </a:r>
+                </a:p>
+              </p:txBody>
+            </p:sp>
+          </mc:Fallback>
+        </mc:AlternateContent>
+        <p:sp>
+          <p:nvSpPr>
+            <p:cNvPr id="54" name="TextBox 53">
+              <a:extLst>
+                <a:ext uri="{FF2B5EF4-FFF2-40B4-BE49-F238E27FC236}">
+                  <a16:creationId xmlns:a16="http://schemas.microsoft.com/office/drawing/2014/main" id="{CFCA57CC-FCFB-C541-B613-EEB57B6F4C17}"/>
+                </a:ext>
+              </a:extLst>
+            </p:cNvPr>
+            <p:cNvSpPr txBox="1"/>
+            <p:nvPr/>
+          </p:nvSpPr>
+          <p:spPr>
+            <a:xfrm>
+              <a:off x="4995299" y="3453825"/>
+              <a:ext cx="322524" cy="584775"/>
+            </a:xfrm>
+            <a:prstGeom prst="rect">
+              <a:avLst/>
+            </a:prstGeom>
+            <a:noFill/>
+          </p:spPr>
+          <p:txBody>
+            <a:bodyPr wrap="none" rtlCol="0">
+              <a:spAutoFit/>
+            </a:bodyPr>
+            <a:lstStyle/>
+            <a:p>
+              <a:r>
+                <a:rPr lang="en-US" sz="3200" dirty="0"/>
+                <a:t>{</a:t>
+              </a:r>
+            </a:p>
+          </p:txBody>
+        </p:sp>
+        <mc:AlternateContent xmlns:mc="http://schemas.openxmlformats.org/markup-compatibility/2006" xmlns:a14="http://schemas.microsoft.com/office/drawing/2010/main">
+          <mc:Choice Requires="a14">
+            <p:sp>
+              <p:nvSpPr>
+                <p:cNvPr id="56" name="TextBox 55">
+                  <a:extLst>
+                    <a:ext uri="{FF2B5EF4-FFF2-40B4-BE49-F238E27FC236}">
+                      <a16:creationId xmlns:a16="http://schemas.microsoft.com/office/drawing/2014/main" id="{F53BF9B3-D87F-0E4C-BA95-544B7F30D8CC}"/>
+                    </a:ext>
+                  </a:extLst>
+                </p:cNvPr>
+                <p:cNvSpPr txBox="1"/>
+                <p:nvPr/>
+              </p:nvSpPr>
+              <p:spPr>
+                <a:xfrm>
+                  <a:off x="4664377" y="4947133"/>
+                  <a:ext cx="431144" cy="288797"/>
+                </a:xfrm>
+                <a:prstGeom prst="rect">
+                  <a:avLst/>
+                </a:prstGeom>
+                <a:noFill/>
+              </p:spPr>
+              <p:txBody>
+                <a:bodyPr wrap="none" lIns="0" tIns="0" rIns="0" bIns="0" rtlCol="0">
+                  <a:spAutoFit/>
+                </a:bodyPr>
+                <a:lstStyle/>
+                <a:p>
+                  <a:pPr/>
+                  <a14:m>
+                    <m:oMathPara xmlns:m="http://schemas.openxmlformats.org/officeDocument/2006/math">
+                      <m:oMathParaPr>
+                        <m:jc m:val="centerGroup"/>
+                      </m:oMathParaPr>
+                      <m:oMath xmlns:m="http://schemas.openxmlformats.org/officeDocument/2006/math">
+                        <m:sSup>
+                          <m:sSupPr>
+                            <m:ctrlPr>
+                              <a:rPr lang="en-US" b="0" i="1" smtClean="0">
+                                <a:latin typeface="Cambria Math" panose="02040503050406030204" pitchFamily="18" charset="0"/>
+                              </a:rPr>
+                            </m:ctrlPr>
+                          </m:sSupPr>
+                          <m:e>
+                            <m:acc>
+                              <m:accPr>
+                                <m:chr m:val="̂"/>
+                                <m:ctrlPr>
+                                  <a:rPr lang="en-US" b="0" i="1" smtClean="0">
+                                    <a:latin typeface="Cambria Math" panose="02040503050406030204" pitchFamily="18" charset="0"/>
+                                  </a:rPr>
+                                </m:ctrlPr>
+                              </m:accPr>
+                              <m:e>
+                                <m:r>
+                                  <a:rPr lang="en-US" b="0" i="1" smtClean="0">
+                                    <a:latin typeface="Cambria Math" panose="02040503050406030204" pitchFamily="18" charset="0"/>
+                                  </a:rPr>
+                                  <m:t>𝜃</m:t>
+                                </m:r>
+                              </m:e>
+                            </m:acc>
+                          </m:e>
+                          <m:sup>
+                            <m:r>
+                              <a:rPr lang="en-US" b="0" i="1" smtClean="0">
+                                <a:latin typeface="Cambria Math" panose="02040503050406030204" pitchFamily="18" charset="0"/>
+                              </a:rPr>
+                              <m:t>[3]</m:t>
+                            </m:r>
+                          </m:sup>
+                        </m:sSup>
+                      </m:oMath>
+                    </m:oMathPara>
+                  </a14:m>
+                  <a:endParaRPr lang="en-US" dirty="0"/>
+                </a:p>
+              </p:txBody>
+            </p:sp>
+          </mc:Choice>
+          <mc:Fallback xmlns="">
+            <p:sp>
+              <p:nvSpPr>
+                <p:cNvPr id="56" name="TextBox 55">
+                  <a:extLst>
+                    <a:ext uri="{FF2B5EF4-FFF2-40B4-BE49-F238E27FC236}">
+                      <a16:creationId xmlns:a16="http://schemas.microsoft.com/office/drawing/2014/main" id="{F53BF9B3-D87F-0E4C-BA95-544B7F30D8CC}"/>
+                    </a:ext>
+                  </a:extLst>
+                </p:cNvPr>
+                <p:cNvSpPr txBox="1">
+                  <a:spLocks noRot="1" noChangeAspect="1" noMove="1" noResize="1" noEditPoints="1" noAdjustHandles="1" noChangeArrowheads="1" noChangeShapeType="1" noTextEdit="1"/>
+                </p:cNvSpPr>
+                <p:nvPr/>
+              </p:nvSpPr>
+              <p:spPr>
+                <a:xfrm>
+                  <a:off x="4664377" y="4947133"/>
+                  <a:ext cx="431144" cy="288797"/>
+                </a:xfrm>
+                <a:prstGeom prst="rect">
+                  <a:avLst/>
+                </a:prstGeom>
+                <a:blipFill>
+                  <a:blip r:embed="rId9"/>
+                  <a:stretch>
+                    <a:fillRect l="-8571" t="-21739" r="-8571" b="-4348"/>
+                  </a:stretch>
+                </a:blipFill>
+              </p:spPr>
+              <p:txBody>
+                <a:bodyPr/>
+                <a:lstStyle/>
+                <a:p>
+                  <a:r>
+                    <a:rPr lang="en-US">
+                      <a:noFill/>
+                    </a:rPr>
+                    <a:t> </a:t>
+                  </a:r>
+                </a:p>
+              </p:txBody>
+            </p:sp>
+          </mc:Fallback>
+        </mc:AlternateContent>
+        <p:sp>
+          <p:nvSpPr>
+            <p:cNvPr id="58" name="TextBox 57">
+              <a:extLst>
+                <a:ext uri="{FF2B5EF4-FFF2-40B4-BE49-F238E27FC236}">
+                  <a16:creationId xmlns:a16="http://schemas.microsoft.com/office/drawing/2014/main" id="{A908CE6B-58D0-4149-8F26-5650239F6ACA}"/>
+                </a:ext>
+              </a:extLst>
+            </p:cNvPr>
+            <p:cNvSpPr txBox="1"/>
+            <p:nvPr/>
+          </p:nvSpPr>
+          <p:spPr>
+            <a:xfrm>
+              <a:off x="5011476" y="4749225"/>
+              <a:ext cx="322524" cy="584775"/>
+            </a:xfrm>
+            <a:prstGeom prst="rect">
+              <a:avLst/>
+            </a:prstGeom>
+            <a:noFill/>
+          </p:spPr>
+          <p:txBody>
+            <a:bodyPr wrap="none" rtlCol="0">
+              <a:spAutoFit/>
+            </a:bodyPr>
+            <a:lstStyle/>
+            <a:p>
+              <a:r>
+                <a:rPr lang="en-US" sz="3200" dirty="0"/>
+                <a:t>{</a:t>
+              </a:r>
+            </a:p>
+          </p:txBody>
+        </p:sp>
+      </p:grpSp>
+    </p:spTree>
+    <p:extLst>
+      <p:ext uri="{BB962C8B-B14F-4D97-AF65-F5344CB8AC3E}">
+        <p14:creationId xmlns:p14="http://schemas.microsoft.com/office/powerpoint/2010/main" val="275672345"/>
+      </p:ext>
+    </p:extLst>
+  </p:cSld>
+  <p:clrMapOvr>
+    <a:masterClrMapping/>
+  </p:clrMapOvr>
+  <p:timing>
+    <p:tnLst>
+      <p:par>
+        <p:cTn id="1" dur="indefinite" restart="never" nodeType="tmRoot">
+          <p:childTnLst>
+            <p:seq concurrent="1" nextAc="seek">
+              <p:cTn id="2" dur="indefinite" nodeType="mainSeq">
+                <p:childTnLst>
+                  <p:par>
+                    <p:cTn id="3" fill="hold">
+                      <p:stCondLst>
+                        <p:cond delay="indefinite"/>
+                      </p:stCondLst>
+                      <p:childTnLst>
+                        <p:par>
+                          <p:cTn id="4" fill="hold">
+                            <p:stCondLst>
+                              <p:cond delay="0"/>
+                            </p:stCondLst>
+                            <p:childTnLst>
+                              <p:par>
+                                <p:cTn id="5" presetID="1" presetClass="entr" presetSubtype="0" fill="hold" grpId="0" nodeType="clickEffect">
+                                  <p:stCondLst>
+                                    <p:cond delay="0"/>
+                                  </p:stCondLst>
+                                  <p:childTnLst>
+                                    <p:set>
+                                      <p:cBhvr>
+                                        <p:cTn id="6" dur="1" fill="hold">
+                                          <p:stCondLst>
+                                            <p:cond delay="0"/>
+                                          </p:stCondLst>
+                                        </p:cTn>
+                                        <p:tgtEl>
+                                          <p:spTgt spid="5"/>
+                                        </p:tgtEl>
+                                        <p:attrNameLst>
+                                          <p:attrName>style.visibility</p:attrName>
+                                        </p:attrNameLst>
+                                      </p:cBhvr>
+                                      <p:to>
+                                        <p:strVal val="visible"/>
+                                      </p:to>
+                                    </p:set>
+                                  </p:childTnLst>
+                                </p:cTn>
+                              </p:par>
+                            </p:childTnLst>
+                          </p:cTn>
+                        </p:par>
+                      </p:childTnLst>
+                    </p:cTn>
+                  </p:par>
+                  <p:par>
+                    <p:cTn id="7" fill="hold">
+                      <p:stCondLst>
+                        <p:cond delay="indefinite"/>
+                      </p:stCondLst>
+                      <p:childTnLst>
+                        <p:par>
+                          <p:cTn id="8" fill="hold">
+                            <p:stCondLst>
+                              <p:cond delay="0"/>
+                            </p:stCondLst>
+                            <p:childTnLst>
+                              <p:par>
+                                <p:cTn id="9" presetID="1" presetClass="entr" presetSubtype="0" fill="hold" nodeType="clickEffect">
+                                  <p:stCondLst>
+                                    <p:cond delay="0"/>
+                                  </p:stCondLst>
+                                  <p:childTnLst>
+                                    <p:set>
+                                      <p:cBhvr>
+                                        <p:cTn id="10" dur="1" fill="hold">
+                                          <p:stCondLst>
+                                            <p:cond delay="0"/>
+                                          </p:stCondLst>
+                                        </p:cTn>
+                                        <p:tgtEl>
+                                          <p:spTgt spid="19"/>
+                                        </p:tgtEl>
+                                        <p:attrNameLst>
+                                          <p:attrName>style.visibility</p:attrName>
+                                        </p:attrNameLst>
+                                      </p:cBhvr>
+                                      <p:to>
+                                        <p:strVal val="visible"/>
+                                      </p:to>
+                                    </p:set>
+                                  </p:childTnLst>
+                                </p:cTn>
+                              </p:par>
+                              <p:par>
+                                <p:cTn id="11" presetID="1" presetClass="entr" presetSubtype="0" fill="hold" grpId="0" nodeType="withEffect">
+                                  <p:stCondLst>
+                                    <p:cond delay="0"/>
+                                  </p:stCondLst>
+                                  <p:childTnLst>
+                                    <p:set>
+                                      <p:cBhvr>
+                                        <p:cTn id="12" dur="1" fill="hold">
+                                          <p:stCondLst>
+                                            <p:cond delay="0"/>
+                                          </p:stCondLst>
+                                        </p:cTn>
+                                        <p:tgtEl>
+                                          <p:spTgt spid="61"/>
+                                        </p:tgtEl>
+                                        <p:attrNameLst>
+                                          <p:attrName>style.visibility</p:attrName>
+                                        </p:attrNameLst>
+                                      </p:cBhvr>
+                                      <p:to>
+                                        <p:strVal val="visible"/>
+                                      </p:to>
+                                    </p:set>
+                                  </p:childTnLst>
+                                </p:cTn>
+                              </p:par>
+                            </p:childTnLst>
+                          </p:cTn>
+                        </p:par>
+                      </p:childTnLst>
+                    </p:cTn>
+                  </p:par>
+                  <p:par>
+                    <p:cTn id="13" fill="hold">
+                      <p:stCondLst>
+                        <p:cond delay="indefinite"/>
+                      </p:stCondLst>
+                      <p:childTnLst>
+                        <p:par>
+                          <p:cTn id="14" fill="hold">
+                            <p:stCondLst>
+                              <p:cond delay="0"/>
+                            </p:stCondLst>
+                            <p:childTnLst>
+                              <p:par>
+                                <p:cTn id="15" presetID="1" presetClass="entr" presetSubtype="0" fill="hold" nodeType="clickEffect">
+                                  <p:stCondLst>
+                                    <p:cond delay="0"/>
+                                  </p:stCondLst>
+                                  <p:childTnLst>
+                                    <p:set>
+                                      <p:cBhvr>
+                                        <p:cTn id="16" dur="1" fill="hold">
+                                          <p:stCondLst>
+                                            <p:cond delay="0"/>
+                                          </p:stCondLst>
+                                        </p:cTn>
+                                        <p:tgtEl>
+                                          <p:spTgt spid="10"/>
+                                        </p:tgtEl>
+                                        <p:attrNameLst>
+                                          <p:attrName>style.visibility</p:attrName>
+                                        </p:attrNameLst>
+                                      </p:cBhvr>
+                                      <p:to>
+                                        <p:strVal val="visible"/>
+                                      </p:to>
+                                    </p:set>
+                                  </p:childTnLst>
+                                </p:cTn>
+                              </p:par>
+                              <p:par>
+                                <p:cTn id="17" presetID="1" presetClass="entr" presetSubtype="0" fill="hold" grpId="0" nodeType="withEffect">
+                                  <p:stCondLst>
+                                    <p:cond delay="0"/>
+                                  </p:stCondLst>
+                                  <p:childTnLst>
+                                    <p:set>
+                                      <p:cBhvr>
+                                        <p:cTn id="18" dur="1" fill="hold">
+                                          <p:stCondLst>
+                                            <p:cond delay="0"/>
+                                          </p:stCondLst>
+                                        </p:cTn>
+                                        <p:tgtEl>
+                                          <p:spTgt spid="6"/>
+                                        </p:tgtEl>
+                                        <p:attrNameLst>
+                                          <p:attrName>style.visibility</p:attrName>
+                                        </p:attrNameLst>
+                                      </p:cBhvr>
+                                      <p:to>
+                                        <p:strVal val="visible"/>
+                                      </p:to>
+                                    </p:set>
+                                  </p:childTnLst>
+                                </p:cTn>
+                              </p:par>
+                            </p:childTnLst>
+                          </p:cTn>
+                        </p:par>
+                      </p:childTnLst>
+                    </p:cTn>
+                  </p:par>
+                  <p:par>
+                    <p:cTn id="19" fill="hold">
+                      <p:stCondLst>
+                        <p:cond delay="indefinite"/>
+                      </p:stCondLst>
+                      <p:childTnLst>
+                        <p:par>
+                          <p:cTn id="20" fill="hold">
+                            <p:stCondLst>
+                              <p:cond delay="0"/>
+                            </p:stCondLst>
+                            <p:childTnLst>
+                              <p:par>
+                                <p:cTn id="21" presetID="1" presetClass="entr" presetSubtype="0" fill="hold" grpId="0" nodeType="clickEffect">
+                                  <p:stCondLst>
+                                    <p:cond delay="0"/>
+                                  </p:stCondLst>
+                                  <p:childTnLst>
+                                    <p:set>
+                                      <p:cBhvr>
+                                        <p:cTn id="22" dur="1" fill="hold">
+                                          <p:stCondLst>
+                                            <p:cond delay="0"/>
+                                          </p:stCondLst>
+                                        </p:cTn>
+                                        <p:tgtEl>
+                                          <p:spTgt spid="25"/>
+                                        </p:tgtEl>
+                                        <p:attrNameLst>
+                                          <p:attrName>style.visibility</p:attrName>
+                                        </p:attrNameLst>
+                                      </p:cBhvr>
+                                      <p:to>
+                                        <p:strVal val="visible"/>
+                                      </p:to>
+                                    </p:set>
+                                  </p:childTnLst>
+                                </p:cTn>
+                              </p:par>
+                              <p:par>
+                                <p:cTn id="23" presetID="1" presetClass="entr" presetSubtype="0" fill="hold" grpId="0" nodeType="withEffect">
+                                  <p:stCondLst>
+                                    <p:cond delay="0"/>
+                                  </p:stCondLst>
+                                  <p:childTnLst>
+                                    <p:set>
+                                      <p:cBhvr>
+                                        <p:cTn id="24" dur="1" fill="hold">
+                                          <p:stCondLst>
+                                            <p:cond delay="0"/>
+                                          </p:stCondLst>
+                                        </p:cTn>
+                                        <p:tgtEl>
+                                          <p:spTgt spid="26"/>
+                                        </p:tgtEl>
+                                        <p:attrNameLst>
+                                          <p:attrName>style.visibility</p:attrName>
+                                        </p:attrNameLst>
+                                      </p:cBhvr>
+                                      <p:to>
+                                        <p:strVal val="visible"/>
+                                      </p:to>
+                                    </p:set>
+                                  </p:childTnLst>
+                                </p:cTn>
+                              </p:par>
+                              <p:par>
+                                <p:cTn id="25" presetID="1" presetClass="entr" presetSubtype="0" fill="hold" nodeType="withEffect">
+                                  <p:stCondLst>
+                                    <p:cond delay="0"/>
+                                  </p:stCondLst>
+                                  <p:childTnLst>
+                                    <p:set>
+                                      <p:cBhvr>
+                                        <p:cTn id="26" dur="1" fill="hold">
+                                          <p:stCondLst>
+                                            <p:cond delay="0"/>
+                                          </p:stCondLst>
+                                        </p:cTn>
+                                        <p:tgtEl>
+                                          <p:spTgt spid="41"/>
+                                        </p:tgtEl>
+                                        <p:attrNameLst>
+                                          <p:attrName>style.visibility</p:attrName>
+                                        </p:attrNameLst>
+                                      </p:cBhvr>
+                                      <p:to>
+                                        <p:strVal val="visible"/>
+                                      </p:to>
+                                    </p:set>
+                                  </p:childTnLst>
+                                </p:cTn>
+                              </p:par>
+                              <p:par>
+                                <p:cTn id="27" presetID="1" presetClass="entr" presetSubtype="0" fill="hold" nodeType="withEffect">
+                                  <p:stCondLst>
+                                    <p:cond delay="0"/>
+                                  </p:stCondLst>
+                                  <p:childTnLst>
+                                    <p:set>
+                                      <p:cBhvr>
+                                        <p:cTn id="28" dur="1" fill="hold">
+                                          <p:stCondLst>
+                                            <p:cond delay="0"/>
+                                          </p:stCondLst>
+                                        </p:cTn>
+                                        <p:tgtEl>
+                                          <p:spTgt spid="42"/>
+                                        </p:tgtEl>
+                                        <p:attrNameLst>
+                                          <p:attrName>style.visibility</p:attrName>
+                                        </p:attrNameLst>
+                                      </p:cBhvr>
+                                      <p:to>
+                                        <p:strVal val="visible"/>
+                                      </p:to>
+                                    </p:set>
+                                  </p:childTnLst>
+                                </p:cTn>
+                              </p:par>
+                              <p:par>
+                                <p:cTn id="29" presetID="1" presetClass="entr" presetSubtype="0" fill="hold" grpId="0" nodeType="withEffect">
+                                  <p:stCondLst>
+                                    <p:cond delay="0"/>
+                                  </p:stCondLst>
+                                  <p:childTnLst>
+                                    <p:set>
+                                      <p:cBhvr>
+                                        <p:cTn id="30" dur="1" fill="hold">
+                                          <p:stCondLst>
+                                            <p:cond delay="0"/>
+                                          </p:stCondLst>
+                                        </p:cTn>
+                                        <p:tgtEl>
+                                          <p:spTgt spid="43"/>
+                                        </p:tgtEl>
+                                        <p:attrNameLst>
+                                          <p:attrName>style.visibility</p:attrName>
+                                        </p:attrNameLst>
+                                      </p:cBhvr>
+                                      <p:to>
+                                        <p:strVal val="visible"/>
+                                      </p:to>
+                                    </p:set>
+                                  </p:childTnLst>
+                                </p:cTn>
+                              </p:par>
+                              <p:par>
+                                <p:cTn id="31" presetID="1" presetClass="entr" presetSubtype="0" fill="hold" grpId="0" nodeType="withEffect">
+                                  <p:stCondLst>
+                                    <p:cond delay="0"/>
+                                  </p:stCondLst>
+                                  <p:childTnLst>
+                                    <p:set>
+                                      <p:cBhvr>
+                                        <p:cTn id="32" dur="1" fill="hold">
+                                          <p:stCondLst>
+                                            <p:cond delay="0"/>
+                                          </p:stCondLst>
+                                        </p:cTn>
+                                        <p:tgtEl>
+                                          <p:spTgt spid="44"/>
+                                        </p:tgtEl>
+                                        <p:attrNameLst>
+                                          <p:attrName>style.visibility</p:attrName>
+                                        </p:attrNameLst>
+                                      </p:cBhvr>
+                                      <p:to>
+                                        <p:strVal val="visible"/>
+                                      </p:to>
+                                    </p:set>
+                                  </p:childTnLst>
+                                </p:cTn>
+                              </p:par>
+                              <p:par>
+                                <p:cTn id="33" presetID="1" presetClass="entr" presetSubtype="0" fill="hold" nodeType="withEffect">
+                                  <p:stCondLst>
+                                    <p:cond delay="0"/>
+                                  </p:stCondLst>
+                                  <p:childTnLst>
+                                    <p:set>
+                                      <p:cBhvr>
+                                        <p:cTn id="34" dur="1" fill="hold">
+                                          <p:stCondLst>
+                                            <p:cond delay="0"/>
+                                          </p:stCondLst>
+                                        </p:cTn>
+                                        <p:tgtEl>
+                                          <p:spTgt spid="45"/>
+                                        </p:tgtEl>
+                                        <p:attrNameLst>
+                                          <p:attrName>style.visibility</p:attrName>
+                                        </p:attrNameLst>
+                                      </p:cBhvr>
+                                      <p:to>
+                                        <p:strVal val="visible"/>
+                                      </p:to>
+                                    </p:set>
+                                  </p:childTnLst>
+                                </p:cTn>
+                              </p:par>
+                              <p:par>
+                                <p:cTn id="35" presetID="1" presetClass="entr" presetSubtype="0" fill="hold" nodeType="withEffect">
+                                  <p:stCondLst>
+                                    <p:cond delay="0"/>
+                                  </p:stCondLst>
+                                  <p:childTnLst>
+                                    <p:set>
+                                      <p:cBhvr>
+                                        <p:cTn id="36" dur="1" fill="hold">
+                                          <p:stCondLst>
+                                            <p:cond delay="0"/>
+                                          </p:stCondLst>
+                                        </p:cTn>
+                                        <p:tgtEl>
+                                          <p:spTgt spid="46"/>
+                                        </p:tgtEl>
+                                        <p:attrNameLst>
+                                          <p:attrName>style.visibility</p:attrName>
+                                        </p:attrNameLst>
+                                      </p:cBhvr>
+                                      <p:to>
+                                        <p:strVal val="visible"/>
+                                      </p:to>
+                                    </p:set>
+                                  </p:childTnLst>
+                                </p:cTn>
+                              </p:par>
+                              <p:par>
+                                <p:cTn id="37" presetID="1" presetClass="entr" presetSubtype="0" fill="hold" grpId="0" nodeType="withEffect">
+                                  <p:stCondLst>
+                                    <p:cond delay="0"/>
+                                  </p:stCondLst>
+                                  <p:childTnLst>
+                                    <p:set>
+                                      <p:cBhvr>
+                                        <p:cTn id="38" dur="1" fill="hold">
+                                          <p:stCondLst>
+                                            <p:cond delay="0"/>
+                                          </p:stCondLst>
+                                        </p:cTn>
+                                        <p:tgtEl>
+                                          <p:spTgt spid="47"/>
+                                        </p:tgtEl>
+                                        <p:attrNameLst>
+                                          <p:attrName>style.visibility</p:attrName>
+                                        </p:attrNameLst>
+                                      </p:cBhvr>
+                                      <p:to>
+                                        <p:strVal val="visible"/>
+                                      </p:to>
+                                    </p:set>
+                                  </p:childTnLst>
+                                </p:cTn>
+                              </p:par>
+                              <p:par>
+                                <p:cTn id="39" presetID="1" presetClass="entr" presetSubtype="0" fill="hold" grpId="0" nodeType="withEffect">
+                                  <p:stCondLst>
+                                    <p:cond delay="0"/>
+                                  </p:stCondLst>
+                                  <p:childTnLst>
+                                    <p:set>
+                                      <p:cBhvr>
+                                        <p:cTn id="40" dur="1" fill="hold">
+                                          <p:stCondLst>
+                                            <p:cond delay="0"/>
+                                          </p:stCondLst>
+                                        </p:cTn>
+                                        <p:tgtEl>
+                                          <p:spTgt spid="48"/>
+                                        </p:tgtEl>
+                                        <p:attrNameLst>
+                                          <p:attrName>style.visibility</p:attrName>
+                                        </p:attrNameLst>
+                                      </p:cBhvr>
+                                      <p:to>
+                                        <p:strVal val="visible"/>
+                                      </p:to>
+                                    </p:set>
+                                  </p:childTnLst>
+                                </p:cTn>
+                              </p:par>
+                              <p:par>
+                                <p:cTn id="41" presetID="1" presetClass="entr" presetSubtype="0" fill="hold" nodeType="withEffect">
+                                  <p:stCondLst>
+                                    <p:cond delay="0"/>
+                                  </p:stCondLst>
+                                  <p:childTnLst>
+                                    <p:set>
+                                      <p:cBhvr>
+                                        <p:cTn id="42" dur="1" fill="hold">
+                                          <p:stCondLst>
+                                            <p:cond delay="0"/>
+                                          </p:stCondLst>
+                                        </p:cTn>
+                                        <p:tgtEl>
+                                          <p:spTgt spid="49"/>
+                                        </p:tgtEl>
+                                        <p:attrNameLst>
+                                          <p:attrName>style.visibility</p:attrName>
+                                        </p:attrNameLst>
+                                      </p:cBhvr>
+                                      <p:to>
+                                        <p:strVal val="visible"/>
+                                      </p:to>
+                                    </p:set>
+                                  </p:childTnLst>
+                                </p:cTn>
+                              </p:par>
+                              <p:par>
+                                <p:cTn id="43" presetID="1" presetClass="entr" presetSubtype="0" fill="hold" nodeType="withEffect">
+                                  <p:stCondLst>
+                                    <p:cond delay="0"/>
+                                  </p:stCondLst>
+                                  <p:childTnLst>
+                                    <p:set>
+                                      <p:cBhvr>
+                                        <p:cTn id="44" dur="1" fill="hold">
+                                          <p:stCondLst>
+                                            <p:cond delay="0"/>
+                                          </p:stCondLst>
+                                        </p:cTn>
+                                        <p:tgtEl>
+                                          <p:spTgt spid="50"/>
+                                        </p:tgtEl>
+                                        <p:attrNameLst>
+                                          <p:attrName>style.visibility</p:attrName>
+                                        </p:attrNameLst>
+                                      </p:cBhvr>
+                                      <p:to>
+                                        <p:strVal val="visible"/>
+                                      </p:to>
+                                    </p:set>
+                                  </p:childTnLst>
+                                </p:cTn>
+                              </p:par>
+                            </p:childTnLst>
+                          </p:cTn>
+                        </p:par>
+                      </p:childTnLst>
+                    </p:cTn>
+                  </p:par>
+                  <p:par>
+                    <p:cTn id="45" fill="hold">
+                      <p:stCondLst>
+                        <p:cond delay="indefinite"/>
+                      </p:stCondLst>
+                      <p:childTnLst>
+                        <p:par>
+                          <p:cTn id="46" fill="hold">
+                            <p:stCondLst>
+                              <p:cond delay="0"/>
+                            </p:stCondLst>
+                            <p:childTnLst>
+                              <p:par>
+                                <p:cTn id="47" presetID="1" presetClass="entr" presetSubtype="0" fill="hold" nodeType="clickEffect">
+                                  <p:stCondLst>
+                                    <p:cond delay="0"/>
+                                  </p:stCondLst>
+                                  <p:childTnLst>
+                                    <p:set>
+                                      <p:cBhvr>
+                                        <p:cTn id="48" dur="1" fill="hold">
+                                          <p:stCondLst>
+                                            <p:cond delay="0"/>
+                                          </p:stCondLst>
+                                        </p:cTn>
+                                        <p:tgtEl>
+                                          <p:spTgt spid="40"/>
+                                        </p:tgtEl>
+                                        <p:attrNameLst>
+                                          <p:attrName>style.visibility</p:attrName>
+                                        </p:attrNameLst>
+                                      </p:cBhvr>
+                                      <p:to>
+                                        <p:strVal val="visible"/>
+                                      </p:to>
+                                    </p:set>
+                                  </p:childTnLst>
+                                </p:cTn>
+                              </p:par>
+                              <p:par>
+                                <p:cTn id="49" presetID="1" presetClass="entr" presetSubtype="0" fill="hold" grpId="0" nodeType="withEffect">
+                                  <p:stCondLst>
+                                    <p:cond delay="0"/>
+                                  </p:stCondLst>
+                                  <p:childTnLst>
+                                    <p:set>
+                                      <p:cBhvr>
+                                        <p:cTn id="50" dur="1" fill="hold">
+                                          <p:stCondLst>
+                                            <p:cond delay="0"/>
+                                          </p:stCondLst>
+                                        </p:cTn>
+                                        <p:tgtEl>
+                                          <p:spTgt spid="7"/>
+                                        </p:tgtEl>
+                                        <p:attrNameLst>
+                                          <p:attrName>style.visibility</p:attrName>
+                                        </p:attrNameLst>
+                                      </p:cBhvr>
+                                      <p:to>
+                                        <p:strVal val="visible"/>
+                                      </p:to>
+                                    </p:set>
+                                  </p:childTnLst>
+                                </p:cTn>
+                              </p:par>
+                            </p:childTnLst>
+                          </p:cTn>
+                        </p:par>
+                      </p:childTnLst>
+                    </p:cTn>
+                  </p:par>
+                  <p:par>
+                    <p:cTn id="51" fill="hold">
+                      <p:stCondLst>
+                        <p:cond delay="indefinite"/>
+                      </p:stCondLst>
+                      <p:childTnLst>
+                        <p:par>
+                          <p:cTn id="52" fill="hold">
+                            <p:stCondLst>
+                              <p:cond delay="0"/>
+                            </p:stCondLst>
+                            <p:childTnLst>
+                              <p:par>
+                                <p:cTn id="53" presetID="1" presetClass="entr" presetSubtype="0" fill="hold" grpId="0" nodeType="clickEffect">
+                                  <p:stCondLst>
+                                    <p:cond delay="0"/>
+                                  </p:stCondLst>
+                                  <p:childTnLst>
+                                    <p:set>
+                                      <p:cBhvr>
+                                        <p:cTn id="54" dur="1" fill="hold">
+                                          <p:stCondLst>
+                                            <p:cond delay="0"/>
+                                          </p:stCondLst>
+                                        </p:cTn>
+                                        <p:tgtEl>
+                                          <p:spTgt spid="29"/>
+                                        </p:tgtEl>
+                                        <p:attrNameLst>
+                                          <p:attrName>style.visibility</p:attrName>
+                                        </p:attrNameLst>
+                                      </p:cBhvr>
+                                      <p:to>
+                                        <p:strVal val="visible"/>
+                                      </p:to>
+                                    </p:set>
+                                  </p:childTnLst>
+                                </p:cTn>
+                              </p:par>
+                              <p:par>
+                                <p:cTn id="55" presetID="1" presetClass="entr" presetSubtype="0" fill="hold" grpId="0" nodeType="withEffect">
+                                  <p:stCondLst>
+                                    <p:cond delay="0"/>
+                                  </p:stCondLst>
+                                  <p:childTnLst>
+                                    <p:set>
+                                      <p:cBhvr>
+                                        <p:cTn id="56" dur="1" fill="hold">
+                                          <p:stCondLst>
+                                            <p:cond delay="0"/>
+                                          </p:stCondLst>
+                                        </p:cTn>
+                                        <p:tgtEl>
+                                          <p:spTgt spid="30"/>
+                                        </p:tgtEl>
+                                        <p:attrNameLst>
+                                          <p:attrName>style.visibility</p:attrName>
+                                        </p:attrNameLst>
+                                      </p:cBhvr>
+                                      <p:to>
+                                        <p:strVal val="visible"/>
+                                      </p:to>
+                                    </p:set>
+                                  </p:childTnLst>
+                                </p:cTn>
+                              </p:par>
+                              <p:par>
+                                <p:cTn id="57" presetID="1" presetClass="entr" presetSubtype="0" fill="hold" grpId="0" nodeType="withEffect">
+                                  <p:stCondLst>
+                                    <p:cond delay="0"/>
+                                  </p:stCondLst>
+                                  <p:childTnLst>
+                                    <p:set>
+                                      <p:cBhvr>
+                                        <p:cTn id="58" dur="1" fill="hold">
+                                          <p:stCondLst>
+                                            <p:cond delay="0"/>
+                                          </p:stCondLst>
+                                        </p:cTn>
+                                        <p:tgtEl>
+                                          <p:spTgt spid="51"/>
+                                        </p:tgtEl>
+                                        <p:attrNameLst>
+                                          <p:attrName>style.visibility</p:attrName>
+                                        </p:attrNameLst>
+                                      </p:cBhvr>
+                                      <p:to>
+                                        <p:strVal val="visible"/>
+                                      </p:to>
+                                    </p:set>
+                                  </p:childTnLst>
+                                </p:cTn>
+                              </p:par>
+                              <p:par>
+                                <p:cTn id="59" presetID="1" presetClass="entr" presetSubtype="0" fill="hold" nodeType="withEffect">
+                                  <p:stCondLst>
+                                    <p:cond delay="0"/>
+                                  </p:stCondLst>
+                                  <p:childTnLst>
+                                    <p:set>
+                                      <p:cBhvr>
+                                        <p:cTn id="60" dur="1" fill="hold">
+                                          <p:stCondLst>
+                                            <p:cond delay="0"/>
+                                          </p:stCondLst>
+                                        </p:cTn>
+                                        <p:tgtEl>
+                                          <p:spTgt spid="15"/>
+                                        </p:tgtEl>
+                                        <p:attrNameLst>
+                                          <p:attrName>style.visibility</p:attrName>
+                                        </p:attrNameLst>
+                                      </p:cBhvr>
+                                      <p:to>
+                                        <p:strVal val="visible"/>
+                                      </p:to>
+                                    </p:set>
+                                  </p:childTnLst>
+                                </p:cTn>
+                              </p:par>
+                              <p:par>
+                                <p:cTn id="61" presetID="1" presetClass="entr" presetSubtype="0" fill="hold" nodeType="withEffect">
+                                  <p:stCondLst>
+                                    <p:cond delay="0"/>
+                                  </p:stCondLst>
+                                  <p:childTnLst>
+                                    <p:set>
+                                      <p:cBhvr>
+                                        <p:cTn id="62" dur="1" fill="hold">
+                                          <p:stCondLst>
+                                            <p:cond delay="0"/>
+                                          </p:stCondLst>
+                                        </p:cTn>
+                                        <p:tgtEl>
+                                          <p:spTgt spid="53"/>
+                                        </p:tgtEl>
+                                        <p:attrNameLst>
+                                          <p:attrName>style.visibility</p:attrName>
+                                        </p:attrNameLst>
+                                      </p:cBhvr>
+                                      <p:to>
+                                        <p:strVal val="visible"/>
+                                      </p:to>
+                                    </p:set>
+                                  </p:childTnLst>
+                                </p:cTn>
+                              </p:par>
+                              <p:par>
+                                <p:cTn id="63" presetID="1" presetClass="entr" presetSubtype="0" fill="hold" nodeType="withEffect">
+                                  <p:stCondLst>
+                                    <p:cond delay="0"/>
+                                  </p:stCondLst>
+                                  <p:childTnLst>
+                                    <p:set>
+                                      <p:cBhvr>
+                                        <p:cTn id="64" dur="1" fill="hold">
+                                          <p:stCondLst>
+                                            <p:cond delay="0"/>
+                                          </p:stCondLst>
+                                        </p:cTn>
+                                        <p:tgtEl>
+                                          <p:spTgt spid="55"/>
+                                        </p:tgtEl>
+                                        <p:attrNameLst>
+                                          <p:attrName>style.visibility</p:attrName>
+                                        </p:attrNameLst>
+                                      </p:cBhvr>
+                                      <p:to>
+                                        <p:strVal val="visible"/>
+                                      </p:to>
+                                    </p:set>
+                                  </p:childTnLst>
+                                </p:cTn>
+                              </p:par>
+                              <p:par>
+                                <p:cTn id="65" presetID="1" presetClass="entr" presetSubtype="0" fill="hold" nodeType="withEffect">
+                                  <p:stCondLst>
+                                    <p:cond delay="0"/>
+                                  </p:stCondLst>
+                                  <p:childTnLst>
+                                    <p:set>
+                                      <p:cBhvr>
+                                        <p:cTn id="66" dur="1" fill="hold">
+                                          <p:stCondLst>
+                                            <p:cond delay="0"/>
+                                          </p:stCondLst>
+                                        </p:cTn>
+                                        <p:tgtEl>
+                                          <p:spTgt spid="57"/>
+                                        </p:tgtEl>
+                                        <p:attrNameLst>
+                                          <p:attrName>style.visibility</p:attrName>
+                                        </p:attrNameLst>
+                                      </p:cBhvr>
+                                      <p:to>
+                                        <p:strVal val="visible"/>
+                                      </p:to>
+                                    </p:set>
+                                  </p:childTnLst>
+                                </p:cTn>
+                              </p:par>
+                            </p:childTnLst>
+                          </p:cTn>
+                        </p:par>
+                      </p:childTnLst>
+                    </p:cTn>
+                  </p:par>
+                  <p:par>
+                    <p:cTn id="67" fill="hold">
+                      <p:stCondLst>
+                        <p:cond delay="indefinite"/>
+                      </p:stCondLst>
+                      <p:childTnLst>
+                        <p:par>
+                          <p:cTn id="68" fill="hold">
+                            <p:stCondLst>
+                              <p:cond delay="0"/>
+                            </p:stCondLst>
+                            <p:childTnLst>
+                              <p:par>
+                                <p:cTn id="69" presetID="1" presetClass="entr" presetSubtype="0" fill="hold" nodeType="clickEffect">
+                                  <p:stCondLst>
+                                    <p:cond delay="0"/>
+                                  </p:stCondLst>
+                                  <p:childTnLst>
+                                    <p:set>
+                                      <p:cBhvr>
+                                        <p:cTn id="70" dur="1" fill="hold">
+                                          <p:stCondLst>
+                                            <p:cond delay="0"/>
+                                          </p:stCondLst>
+                                        </p:cTn>
+                                        <p:tgtEl>
+                                          <p:spTgt spid="14"/>
+                                        </p:tgtEl>
+                                        <p:attrNameLst>
+                                          <p:attrName>style.visibility</p:attrName>
+                                        </p:attrNameLst>
+                                      </p:cBhvr>
+                                      <p:to>
+                                        <p:strVal val="visible"/>
+                                      </p:to>
+                                    </p:set>
+                                  </p:childTnLst>
+                                </p:cTn>
+                              </p:par>
+                              <p:par>
+                                <p:cTn id="71" presetID="1" presetClass="entr" presetSubtype="0" fill="hold" grpId="0" nodeType="withEffect">
+                                  <p:stCondLst>
+                                    <p:cond delay="0"/>
+                                  </p:stCondLst>
+                                  <p:childTnLst>
+                                    <p:set>
+                                      <p:cBhvr>
+                                        <p:cTn id="72" dur="1" fill="hold">
+                                          <p:stCondLst>
+                                            <p:cond delay="0"/>
+                                          </p:stCondLst>
+                                        </p:cTn>
+                                        <p:tgtEl>
+                                          <p:spTgt spid="8"/>
+                                        </p:tgtEl>
+                                        <p:attrNameLst>
+                                          <p:attrName>style.visibility</p:attrName>
+                                        </p:attrNameLst>
+                                      </p:cBhvr>
+                                      <p:to>
+                                        <p:strVal val="visible"/>
+                                      </p:to>
+                                    </p:set>
+                                  </p:childTnLst>
+                                </p:cTn>
+                              </p:par>
+                            </p:childTnLst>
+                          </p:cTn>
+                        </p:par>
+                      </p:childTnLst>
+                    </p:cTn>
+                  </p:par>
+                  <p:par>
+                    <p:cTn id="73" fill="hold">
+                      <p:stCondLst>
+                        <p:cond delay="indefinite"/>
+                      </p:stCondLst>
+                      <p:childTnLst>
+                        <p:par>
+                          <p:cTn id="74" fill="hold">
+                            <p:stCondLst>
+                              <p:cond delay="0"/>
+                            </p:stCondLst>
+                            <p:childTnLst>
+                              <p:par>
+                                <p:cTn id="75" presetID="1" presetClass="entr" presetSubtype="0" fill="hold" grpId="0" nodeType="clickEffect">
+                                  <p:stCondLst>
+                                    <p:cond delay="0"/>
+                                  </p:stCondLst>
+                                  <p:childTnLst>
+                                    <p:set>
+                                      <p:cBhvr>
+                                        <p:cTn id="76" dur="1" fill="hold">
+                                          <p:stCondLst>
+                                            <p:cond delay="0"/>
+                                          </p:stCondLst>
+                                        </p:cTn>
+                                        <p:tgtEl>
+                                          <p:spTgt spid="34"/>
+                                        </p:tgtEl>
+                                        <p:attrNameLst>
+                                          <p:attrName>style.visibility</p:attrName>
+                                        </p:attrNameLst>
+                                      </p:cBhvr>
+                                      <p:to>
+                                        <p:strVal val="visible"/>
+                                      </p:to>
+                                    </p:set>
+                                  </p:childTnLst>
+                                </p:cTn>
+                              </p:par>
+                            </p:childTnLst>
+                          </p:cTn>
+                        </p:par>
+                      </p:childTnLst>
+                    </p:cTn>
+                  </p:par>
+                </p:childTnLst>
+              </p:cTn>
+              <p:prevCondLst>
+                <p:cond evt="onPrev" delay="0">
+                  <p:tgtEl>
+                    <p:sldTgt/>
+                  </p:tgtEl>
+                </p:cond>
+              </p:prevCondLst>
+              <p:nextCondLst>
+                <p:cond evt="onNext" delay="0">
+                  <p:tgtEl>
+                    <p:sldTgt/>
+                  </p:tgtEl>
+                </p:cond>
+              </p:nextCondLst>
+            </p:seq>
+          </p:childTnLst>
+        </p:cTn>
+      </p:par>
+    </p:tnLst>
+    <p:bldLst>
+      <p:bldP spid="5" grpId="0" animBg="1"/>
+      <p:bldP spid="6" grpId="0" animBg="1"/>
+      <p:bldP spid="7" grpId="0" animBg="1"/>
+      <p:bldP spid="8" grpId="0" animBg="1"/>
+      <p:bldP spid="25" grpId="0"/>
+      <p:bldP spid="26" grpId="0"/>
+      <p:bldP spid="29" grpId="0"/>
+      <p:bldP spid="30" grpId="0"/>
+      <p:bldP spid="34" grpId="0"/>
+      <p:bldP spid="43" grpId="0"/>
+      <p:bldP spid="44" grpId="0"/>
+      <p:bldP spid="47" grpId="0"/>
+      <p:bldP spid="48" grpId="0"/>
+      <p:bldP spid="51" grpId="0"/>
+      <p:bldP spid="61" grpId="0" animBg="1"/>
+    </p:bldLst>
+  </p:timing>
+</p:sld>
+</file>
+
+<file path=ppt/slides/slide5.xml><?xml version="1.0" encoding="utf-8"?>
+<p:sld xmlns:a="http://schemas.openxmlformats.org/drawingml/2006/main" xmlns:r="http://schemas.openxmlformats.org/officeDocument/2006/relationships" xmlns:p="http://schemas.openxmlformats.org/presentationml/2006/main">
+  <p:cSld>
+    <p:spTree>
+      <p:nvGrpSpPr>
+        <p:cNvPr id="1" name=""/>
+        <p:cNvGrpSpPr/>
+        <p:nvPr/>
+      </p:nvGrpSpPr>
+      <p:grpSpPr>
+        <a:xfrm>
+          <a:off x="0" y="0"/>
+          <a:ext cx="0" cy="0"/>
+          <a:chOff x="0" y="0"/>
+          <a:chExt cx="0" cy="0"/>
+        </a:xfrm>
+      </p:grpSpPr>
+      <p:sp>
+        <p:nvSpPr>
+          <p:cNvPr id="2" name="Title 1">
+            <a:extLst>
+              <a:ext uri="{FF2B5EF4-FFF2-40B4-BE49-F238E27FC236}">
+                <a16:creationId xmlns:a16="http://schemas.microsoft.com/office/drawing/2014/main" id="{67345335-ED46-0D4F-B205-2E4F8BBCAED2}"/>
+              </a:ext>
+            </a:extLst>
+          </p:cNvPr>
+          <p:cNvSpPr>
+            <a:spLocks noGrp="1"/>
+          </p:cNvSpPr>
+          <p:nvPr>
+            <p:ph type="title"/>
+          </p:nvPr>
+        </p:nvSpPr>
+        <p:spPr>
+          <a:xfrm>
+            <a:off x="457200" y="838200"/>
+            <a:ext cx="8229600" cy="838200"/>
+          </a:xfrm>
+        </p:spPr>
+        <p:txBody>
+          <a:bodyPr/>
+          <a:lstStyle/>
+          <a:p>
+            <a:r>
+              <a:rPr lang="en-US" dirty="0"/>
+              <a:t>See lecture_9_cross_validation.ipynb</a:t>
+            </a:r>
+            <a:br>
+              <a:rPr lang="en-US" dirty="0"/>
+            </a:br>
+            <a:r>
+              <a:rPr lang="en-US" dirty="0"/>
+              <a:t>(lecture_9_cross_validation.md)</a:t>
+            </a:r>
+          </a:p>
+        </p:txBody>
+      </p:sp>
+      <p:sp>
+        <p:nvSpPr>
+          <p:cNvPr id="3" name="Slide Number Placeholder 2">
+            <a:extLst>
+              <a:ext uri="{FF2B5EF4-FFF2-40B4-BE49-F238E27FC236}">
+                <a16:creationId xmlns:a16="http://schemas.microsoft.com/office/drawing/2014/main" id="{55F1BA6F-DF47-6945-AD26-014F0ADCB6E6}"/>
+              </a:ext>
+            </a:extLst>
+          </p:cNvPr>
+          <p:cNvSpPr>
+            <a:spLocks noGrp="1"/>
+          </p:cNvSpPr>
+          <p:nvPr>
+            <p:ph type="sldNum" sz="quarter" idx="11"/>
+          </p:nvPr>
+        </p:nvSpPr>
+        <p:spPr/>
+        <p:txBody>
+          <a:bodyPr/>
+          <a:lstStyle/>
+          <a:p>
+            <a:pPr>
+              <a:defRPr/>
+            </a:pPr>
+            <a:fld id="{2E4304A7-0FB2-4094-BC1E-DB17183AD0C1}" type="slidenum">
+              <a:rPr lang="en-US" altLang="x-none" smtClean="0"/>
+              <a:pPr>
+                <a:defRPr/>
+              </a:pPr>
+              <a:t>5</a:t>
+            </a:fld>
+            <a:endParaRPr lang="en-US" altLang="x-none"/>
+          </a:p>
+        </p:txBody>
+      </p:sp>
+    </p:spTree>
+    <p:extLst>
+      <p:ext uri="{BB962C8B-B14F-4D97-AF65-F5344CB8AC3E}">
+        <p14:creationId xmlns:p14="http://schemas.microsoft.com/office/powerpoint/2010/main" val="487898969"/>
+      </p:ext>
+    </p:extLst>
+  </p:cSld>
+  <p:clrMapOvr>
+    <a:masterClrMapping/>
+  </p:clrMapOvr>
+</p:sld>
+</file>
+
+<file path=ppt/slides/slide6.xml><?xml version="1.0" encoding="utf-8"?>
 <p:sld xmlns:a="http://schemas.openxmlformats.org/drawingml/2006/main" xmlns:r="http://schemas.openxmlformats.org/officeDocument/2006/relationships" xmlns:p="http://schemas.openxmlformats.org/presentationml/2006/main">
   <p:cSld>
     <p:spTree>
@@ -5646,8 +13012,8 @@
         </p:nvSpPr>
         <p:spPr>
           <a:xfrm>
-            <a:off x="5524498" y="4651637"/>
-            <a:ext cx="2552702" cy="644802"/>
+            <a:off x="4724400" y="4651637"/>
+            <a:ext cx="3352800" cy="644802"/>
           </a:xfrm>
           <a:prstGeom prst="ellipse">
             <a:avLst/>
@@ -5674,7 +13040,7 @@
             <a:pPr algn="ctr"/>
             <a:r>
               <a:rPr lang="en-US" dirty="0"/>
-              <a:t>Refined Model Quality Metrics</a:t>
+              <a:t>Model Quality Metrics</a:t>
             </a:r>
           </a:p>
         </p:txBody>
@@ -5798,53 +13164,6 @@
             <a:r>
               <a:rPr lang="en-US" dirty="0"/>
               <a:t>Parameter Estimates</a:t>
-            </a:r>
-          </a:p>
-        </p:txBody>
-      </p:sp>
-      <p:sp>
-        <p:nvSpPr>
-          <p:cNvPr id="12" name="Oval 11">
-            <a:extLst>
-              <a:ext uri="{FF2B5EF4-FFF2-40B4-BE49-F238E27FC236}">
-                <a16:creationId xmlns:a16="http://schemas.microsoft.com/office/drawing/2014/main" id="{3CF5D10D-4F9A-6742-94A0-911BFCC43361}"/>
-              </a:ext>
-            </a:extLst>
-          </p:cNvPr>
-          <p:cNvSpPr/>
-          <p:nvPr/>
-        </p:nvSpPr>
-        <p:spPr>
-          <a:xfrm>
-            <a:off x="5904670" y="3276600"/>
-            <a:ext cx="2144138" cy="644802"/>
-          </a:xfrm>
-          <a:prstGeom prst="ellipse">
-            <a:avLst/>
-          </a:prstGeom>
-        </p:spPr>
-        <p:style>
-          <a:lnRef idx="1">
-            <a:schemeClr val="accent1"/>
-          </a:lnRef>
-          <a:fillRef idx="3">
-            <a:schemeClr val="accent1"/>
-          </a:fillRef>
-          <a:effectRef idx="2">
-            <a:schemeClr val="accent1"/>
-          </a:effectRef>
-          <a:fontRef idx="minor">
-            <a:schemeClr val="lt1"/>
-          </a:fontRef>
-        </p:style>
-        <p:txBody>
-          <a:bodyPr rtlCol="0" anchor="ctr"/>
-          <a:lstStyle/>
-          <a:p>
-            <a:pPr algn="ctr"/>
-            <a:r>
-              <a:rPr lang="en-US" dirty="0"/>
-              <a:t>Model Quality Metrics</a:t>
             </a:r>
           </a:p>
         </p:txBody>
@@ -6203,52 +13522,6 @@
       </p:cxnSp>
       <p:cxnSp>
         <p:nvCxnSpPr>
-          <p:cNvPr id="34" name="Elbow Connector 33">
-            <a:extLst>
-              <a:ext uri="{FF2B5EF4-FFF2-40B4-BE49-F238E27FC236}">
-                <a16:creationId xmlns:a16="http://schemas.microsoft.com/office/drawing/2014/main" id="{9F9668C4-C473-0342-83F7-C37F106E07DF}"/>
-              </a:ext>
-            </a:extLst>
-          </p:cNvPr>
-          <p:cNvCxnSpPr>
-            <a:cxnSpLocks/>
-            <a:stCxn id="7" idx="3"/>
-            <a:endCxn id="12" idx="0"/>
-          </p:cNvCxnSpPr>
-          <p:nvPr/>
-        </p:nvCxnSpPr>
-        <p:spPr>
-          <a:xfrm flipV="1">
-            <a:off x="5447470" y="3276600"/>
-            <a:ext cx="1529269" cy="308335"/>
-          </a:xfrm>
-          <a:prstGeom prst="bentConnector4">
-            <a:avLst>
-              <a:gd name="adj1" fmla="val 14948"/>
-              <a:gd name="adj2" fmla="val 245988"/>
-            </a:avLst>
-          </a:prstGeom>
-          <a:ln>
-            <a:tailEnd type="triangle"/>
-          </a:ln>
-        </p:spPr>
-        <p:style>
-          <a:lnRef idx="2">
-            <a:schemeClr val="accent1"/>
-          </a:lnRef>
-          <a:fillRef idx="0">
-            <a:schemeClr val="accent1"/>
-          </a:fillRef>
-          <a:effectRef idx="1">
-            <a:schemeClr val="accent1"/>
-          </a:effectRef>
-          <a:fontRef idx="minor">
-            <a:schemeClr val="tx1"/>
-          </a:fontRef>
-        </p:style>
-      </p:cxnSp>
-      <p:cxnSp>
-        <p:nvCxnSpPr>
           <p:cNvPr id="36" name="Elbow Connector 35">
             <a:extLst>
               <a:ext uri="{FF2B5EF4-FFF2-40B4-BE49-F238E27FC236}">
@@ -6308,8 +13581,8 @@
         </p:nvCxnSpPr>
         <p:spPr>
           <a:xfrm rot="16200000" flipH="1">
-            <a:off x="5513256" y="3364043"/>
-            <a:ext cx="308237" cy="2266949"/>
+            <a:off x="5313232" y="3564068"/>
+            <a:ext cx="308237" cy="1866900"/>
           </a:xfrm>
           <a:prstGeom prst="bentConnector3">
             <a:avLst/>
@@ -6877,35 +14150,26 @@
                                   </p:childTnLst>
                                 </p:cTn>
                               </p:par>
+                            </p:childTnLst>
+                          </p:cTn>
+                        </p:par>
+                      </p:childTnLst>
+                    </p:cTn>
+                  </p:par>
+                  <p:par>
+                    <p:cTn id="27" fill="hold">
+                      <p:stCondLst>
+                        <p:cond delay="indefinite"/>
+                      </p:stCondLst>
+                      <p:childTnLst>
+                        <p:par>
+                          <p:cTn id="28" fill="hold">
+                            <p:stCondLst>
+                              <p:cond delay="0"/>
+                            </p:stCondLst>
+                            <p:childTnLst>
                               <p:par>
-                                <p:cTn id="27" presetID="1" presetClass="entr" presetSubtype="0" fill="hold" grpId="0" nodeType="withEffect">
-                                  <p:stCondLst>
-                                    <p:cond delay="0"/>
-                                  </p:stCondLst>
-                                  <p:childTnLst>
-                                    <p:set>
-                                      <p:cBhvr>
-                                        <p:cTn id="28" dur="1" fill="hold">
-                                          <p:stCondLst>
-                                            <p:cond delay="0"/>
-                                          </p:stCondLst>
-                                        </p:cTn>
-                                        <p:tgtEl>
-                                          <p:spTgt spid="12"/>
-                                        </p:tgtEl>
-                                        <p:attrNameLst>
-                                          <p:attrName>style.visibility</p:attrName>
-                                        </p:attrNameLst>
-                                      </p:cBhvr>
-                                      <p:to>
-                                        <p:strVal val="visible"/>
-                                      </p:to>
-                                    </p:set>
-                                  </p:childTnLst>
-                                </p:cTn>
-                              </p:par>
-                              <p:par>
-                                <p:cTn id="29" presetID="1" presetClass="entr" presetSubtype="0" fill="hold" nodeType="withEffect">
+                                <p:cTn id="29" presetID="1" presetClass="entr" presetSubtype="0" fill="hold" grpId="0" nodeType="clickEffect">
                                   <p:stCondLst>
                                     <p:cond delay="0"/>
                                   </p:stCondLst>
@@ -6913,51 +14177,6 @@
                                     <p:set>
                                       <p:cBhvr>
                                         <p:cTn id="30" dur="1" fill="hold">
-                                          <p:stCondLst>
-                                            <p:cond delay="0"/>
-                                          </p:stCondLst>
-                                        </p:cTn>
-                                        <p:tgtEl>
-                                          <p:spTgt spid="34"/>
-                                        </p:tgtEl>
-                                        <p:attrNameLst>
-                                          <p:attrName>style.visibility</p:attrName>
-                                        </p:attrNameLst>
-                                      </p:cBhvr>
-                                      <p:to>
-                                        <p:strVal val="visible"/>
-                                      </p:to>
-                                    </p:set>
-                                  </p:childTnLst>
-                                </p:cTn>
-                              </p:par>
-                            </p:childTnLst>
-                          </p:cTn>
-                        </p:par>
-                      </p:childTnLst>
-                    </p:cTn>
-                  </p:par>
-                  <p:par>
-                    <p:cTn id="31" fill="hold">
-                      <p:stCondLst>
-                        <p:cond delay="indefinite"/>
-                      </p:stCondLst>
-                      <p:childTnLst>
-                        <p:par>
-                          <p:cTn id="32" fill="hold">
-                            <p:stCondLst>
-                              <p:cond delay="0"/>
-                            </p:stCondLst>
-                            <p:childTnLst>
-                              <p:par>
-                                <p:cTn id="33" presetID="1" presetClass="entr" presetSubtype="0" fill="hold" grpId="0" nodeType="clickEffect">
-                                  <p:stCondLst>
-                                    <p:cond delay="0"/>
-                                  </p:stCondLst>
-                                  <p:childTnLst>
-                                    <p:set>
-                                      <p:cBhvr>
-                                        <p:cTn id="34" dur="1" fill="hold">
                                           <p:stCondLst>
                                             <p:cond delay="0"/>
                                           </p:stCondLst>
@@ -6977,14 +14196,14 @@
                                 </p:cTn>
                               </p:par>
                               <p:par>
-                                <p:cTn id="35" presetID="1" presetClass="entr" presetSubtype="0" fill="hold" grpId="0" nodeType="withEffect">
+                                <p:cTn id="31" presetID="1" presetClass="entr" presetSubtype="0" fill="hold" grpId="0" nodeType="withEffect">
                                   <p:stCondLst>
                                     <p:cond delay="0"/>
                                   </p:stCondLst>
                                   <p:childTnLst>
                                     <p:set>
                                       <p:cBhvr>
-                                        <p:cTn id="36" dur="1" fill="hold">
+                                        <p:cTn id="32" dur="1" fill="hold">
                                           <p:stCondLst>
                                             <p:cond delay="0"/>
                                           </p:stCondLst>
@@ -7004,14 +14223,14 @@
                                 </p:cTn>
                               </p:par>
                               <p:par>
-                                <p:cTn id="37" presetID="1" presetClass="entr" presetSubtype="0" fill="hold" nodeType="withEffect">
+                                <p:cTn id="33" presetID="1" presetClass="entr" presetSubtype="0" fill="hold" nodeType="withEffect">
                                   <p:stCondLst>
                                     <p:cond delay="0"/>
                                   </p:stCondLst>
                                   <p:childTnLst>
                                     <p:set>
                                       <p:cBhvr>
-                                        <p:cTn id="38" dur="1" fill="hold">
+                                        <p:cTn id="34" dur="1" fill="hold">
                                           <p:stCondLst>
                                             <p:cond delay="0"/>
                                           </p:stCondLst>
@@ -7031,7 +14250,61 @@
                                 </p:cTn>
                               </p:par>
                               <p:par>
-                                <p:cTn id="39" presetID="1" presetClass="entr" presetSubtype="0" fill="hold" nodeType="withEffect">
+                                <p:cTn id="35" presetID="1" presetClass="entr" presetSubtype="0" fill="hold" nodeType="withEffect">
+                                  <p:stCondLst>
+                                    <p:cond delay="0"/>
+                                  </p:stCondLst>
+                                  <p:childTnLst>
+                                    <p:set>
+                                      <p:cBhvr>
+                                        <p:cTn id="36" dur="1" fill="hold">
+                                          <p:stCondLst>
+                                            <p:cond delay="0"/>
+                                          </p:stCondLst>
+                                        </p:cTn>
+                                        <p:tgtEl>
+                                          <p:spTgt spid="38"/>
+                                        </p:tgtEl>
+                                        <p:attrNameLst>
+                                          <p:attrName>style.visibility</p:attrName>
+                                        </p:attrNameLst>
+                                      </p:cBhvr>
+                                      <p:to>
+                                        <p:strVal val="visible"/>
+                                      </p:to>
+                                    </p:set>
+                                  </p:childTnLst>
+                                </p:cTn>
+                              </p:par>
+                              <p:par>
+                                <p:cTn id="37" presetID="1" presetClass="entr" presetSubtype="0" fill="hold" grpId="0" nodeType="withEffect">
+                                  <p:stCondLst>
+                                    <p:cond delay="0"/>
+                                  </p:stCondLst>
+                                  <p:childTnLst>
+                                    <p:set>
+                                      <p:cBhvr>
+                                        <p:cTn id="38" dur="1" fill="hold">
+                                          <p:stCondLst>
+                                            <p:cond delay="0"/>
+                                          </p:stCondLst>
+                                        </p:cTn>
+                                        <p:tgtEl>
+                                          <p:spTgt spid="16"/>
+                                        </p:tgtEl>
+                                        <p:attrNameLst>
+                                          <p:attrName>style.visibility</p:attrName>
+                                        </p:attrNameLst>
+                                      </p:cBhvr>
+                                      <p:to>
+                                        <p:strVal val="visible"/>
+                                      </p:to>
+                                    </p:set>
+                                  </p:childTnLst>
+                                </p:cTn>
+                              </p:par>
+                              <p:par>
+                                <p:cTn id="39" presetID="1" presetClass="entr" presetSubtype="0" fill="hold" grpId="0" nodeType="withEffect">
                                   <p:stCondLst>
                                     <p:cond delay="0"/>
                                   </p:stCondLst>
@@ -7044,7 +14317,7 @@
                                           </p:stCondLst>
                                         </p:cTn>
                                         <p:tgtEl>
-                                          <p:spTgt spid="38"/>
+                                          <p:spTgt spid="15"/>
                                         </p:tgtEl>
                                         <p:attrNameLst>
                                           <p:attrName>style.visibility</p:attrName>
@@ -7071,60 +14344,6 @@
                                           </p:stCondLst>
                                         </p:cTn>
                                         <p:tgtEl>
-                                          <p:spTgt spid="16"/>
-                                        </p:tgtEl>
-                                        <p:attrNameLst>
-                                          <p:attrName>style.visibility</p:attrName>
-                                        </p:attrNameLst>
-                                      </p:cBhvr>
-                                      <p:to>
-                                        <p:strVal val="visible"/>
-                                      </p:to>
-                                    </p:set>
-                                  </p:childTnLst>
-                                </p:cTn>
-                              </p:par>
-                              <p:par>
-                                <p:cTn id="43" presetID="1" presetClass="entr" presetSubtype="0" fill="hold" grpId="0" nodeType="withEffect">
-                                  <p:stCondLst>
-                                    <p:cond delay="0"/>
-                                  </p:stCondLst>
-                                  <p:childTnLst>
-                                    <p:set>
-                                      <p:cBhvr>
-                                        <p:cTn id="44" dur="1" fill="hold">
-                                          <p:stCondLst>
-                                            <p:cond delay="0"/>
-                                          </p:stCondLst>
-                                        </p:cTn>
-                                        <p:tgtEl>
-                                          <p:spTgt spid="15"/>
-                                        </p:tgtEl>
-                                        <p:attrNameLst>
-                                          <p:attrName>style.visibility</p:attrName>
-                                        </p:attrNameLst>
-                                      </p:cBhvr>
-                                      <p:to>
-                                        <p:strVal val="visible"/>
-                                      </p:to>
-                                    </p:set>
-                                  </p:childTnLst>
-                                </p:cTn>
-                              </p:par>
-                              <p:par>
-                                <p:cTn id="45" presetID="1" presetClass="entr" presetSubtype="0" fill="hold" grpId="0" nodeType="withEffect">
-                                  <p:stCondLst>
-                                    <p:cond delay="0"/>
-                                  </p:stCondLst>
-                                  <p:childTnLst>
-                                    <p:set>
-                                      <p:cBhvr>
-                                        <p:cTn id="46" dur="1" fill="hold">
-                                          <p:stCondLst>
-                                            <p:cond delay="0"/>
-                                          </p:stCondLst>
-                                        </p:cTn>
-                                        <p:tgtEl>
                                           <p:spTgt spid="33"/>
                                         </p:tgtEl>
                                         <p:attrNameLst>
@@ -7139,14 +14358,14 @@
                                 </p:cTn>
                               </p:par>
                               <p:par>
-                                <p:cTn id="47" presetID="1" presetClass="entr" presetSubtype="0" fill="hold" nodeType="withEffect">
+                                <p:cTn id="43" presetID="1" presetClass="entr" presetSubtype="0" fill="hold" nodeType="withEffect">
                                   <p:stCondLst>
                                     <p:cond delay="0"/>
                                   </p:stCondLst>
                                   <p:childTnLst>
                                     <p:set>
                                       <p:cBhvr>
-                                        <p:cTn id="48" dur="1" fill="hold">
+                                        <p:cTn id="44" dur="1" fill="hold">
                                           <p:stCondLst>
                                             <p:cond delay="0"/>
                                           </p:stCondLst>
@@ -7172,19 +14391,73 @@
                     </p:cTn>
                   </p:par>
                   <p:par>
-                    <p:cTn id="49" fill="hold">
+                    <p:cTn id="45" fill="hold">
                       <p:stCondLst>
                         <p:cond delay="indefinite"/>
                       </p:stCondLst>
                       <p:childTnLst>
                         <p:par>
-                          <p:cTn id="50" fill="hold">
+                          <p:cTn id="46" fill="hold">
                             <p:stCondLst>
                               <p:cond delay="0"/>
                             </p:stCondLst>
                             <p:childTnLst>
                               <p:par>
-                                <p:cTn id="51" presetID="1" presetClass="entr" presetSubtype="0" fill="hold" grpId="0" nodeType="clickEffect">
+                                <p:cTn id="47" presetID="1" presetClass="entr" presetSubtype="0" fill="hold" grpId="0" nodeType="clickEffect">
+                                  <p:stCondLst>
+                                    <p:cond delay="0"/>
+                                  </p:stCondLst>
+                                  <p:childTnLst>
+                                    <p:set>
+                                      <p:cBhvr>
+                                        <p:cTn id="48" dur="1" fill="hold">
+                                          <p:stCondLst>
+                                            <p:cond delay="0"/>
+                                          </p:stCondLst>
+                                        </p:cTn>
+                                        <p:tgtEl>
+                                          <p:spTgt spid="20"/>
+                                        </p:tgtEl>
+                                        <p:attrNameLst>
+                                          <p:attrName>style.visibility</p:attrName>
+                                        </p:attrNameLst>
+                                      </p:cBhvr>
+                                      <p:to>
+                                        <p:strVal val="visible"/>
+                                      </p:to>
+                                    </p:set>
+                                  </p:childTnLst>
+                                </p:cTn>
+                              </p:par>
+                              <p:par>
+                                <p:cTn id="49" presetID="1" presetClass="entr" presetSubtype="0" fill="hold" grpId="0" nodeType="withEffect">
+                                  <p:stCondLst>
+                                    <p:cond delay="0"/>
+                                  </p:stCondLst>
+                                  <p:childTnLst>
+                                    <p:set>
+                                      <p:cBhvr>
+                                        <p:cTn id="50" dur="1" fill="hold">
+                                          <p:stCondLst>
+                                            <p:cond delay="0"/>
+                                          </p:stCondLst>
+                                        </p:cTn>
+                                        <p:tgtEl>
+                                          <p:spTgt spid="22"/>
+                                        </p:tgtEl>
+                                        <p:attrNameLst>
+                                          <p:attrName>style.visibility</p:attrName>
+                                        </p:attrNameLst>
+                                      </p:cBhvr>
+                                      <p:to>
+                                        <p:strVal val="visible"/>
+                                      </p:to>
+                                    </p:set>
+                                  </p:childTnLst>
+                                </p:cTn>
+                              </p:par>
+                              <p:par>
+                                <p:cTn id="51" presetID="1" presetClass="entr" presetSubtype="0" fill="hold" nodeType="withEffect">
                                   <p:stCondLst>
                                     <p:cond delay="0"/>
                                   </p:stCondLst>
@@ -7197,7 +14470,7 @@
                                           </p:stCondLst>
                                         </p:cTn>
                                         <p:tgtEl>
-                                          <p:spTgt spid="20"/>
+                                          <p:spTgt spid="40"/>
                                         </p:tgtEl>
                                         <p:attrNameLst>
                                           <p:attrName>style.visibility</p:attrName>
@@ -7219,60 +14492,6 @@
                                     <p:set>
                                       <p:cBhvr>
                                         <p:cTn id="54" dur="1" fill="hold">
-                                          <p:stCondLst>
-                                            <p:cond delay="0"/>
-                                          </p:stCondLst>
-                                        </p:cTn>
-                                        <p:tgtEl>
-                                          <p:spTgt spid="22"/>
-                                        </p:tgtEl>
-                                        <p:attrNameLst>
-                                          <p:attrName>style.visibility</p:attrName>
-                                        </p:attrNameLst>
-                                      </p:cBhvr>
-                                      <p:to>
-                                        <p:strVal val="visible"/>
-                                      </p:to>
-                                    </p:set>
-                                  </p:childTnLst>
-                                </p:cTn>
-                              </p:par>
-                              <p:par>
-                                <p:cTn id="55" presetID="1" presetClass="entr" presetSubtype="0" fill="hold" nodeType="withEffect">
-                                  <p:stCondLst>
-                                    <p:cond delay="0"/>
-                                  </p:stCondLst>
-                                  <p:childTnLst>
-                                    <p:set>
-                                      <p:cBhvr>
-                                        <p:cTn id="56" dur="1" fill="hold">
-                                          <p:stCondLst>
-                                            <p:cond delay="0"/>
-                                          </p:stCondLst>
-                                        </p:cTn>
-                                        <p:tgtEl>
-                                          <p:spTgt spid="40"/>
-                                        </p:tgtEl>
-                                        <p:attrNameLst>
-                                          <p:attrName>style.visibility</p:attrName>
-                                        </p:attrNameLst>
-                                      </p:cBhvr>
-                                      <p:to>
-                                        <p:strVal val="visible"/>
-                                      </p:to>
-                                    </p:set>
-                                  </p:childTnLst>
-                                </p:cTn>
-                              </p:par>
-                              <p:par>
-                                <p:cTn id="57" presetID="1" presetClass="entr" presetSubtype="0" fill="hold" grpId="0" nodeType="withEffect">
-                                  <p:stCondLst>
-                                    <p:cond delay="0"/>
-                                  </p:stCondLst>
-                                  <p:childTnLst>
-                                    <p:set>
-                                      <p:cBhvr>
-                                        <p:cTn id="58" dur="1" fill="hold">
                                           <p:stCondLst>
                                             <p:cond delay="0"/>
                                           </p:stCondLst>
@@ -7325,7 +14544,6 @@
       <p:bldP spid="16" grpId="0" animBg="1"/>
       <p:bldP spid="7" grpId="0" animBg="1"/>
       <p:bldP spid="9" grpId="0" animBg="1"/>
-      <p:bldP spid="12" grpId="0" animBg="1"/>
       <p:bldP spid="17" grpId="0" animBg="1"/>
       <p:bldP spid="18" grpId="0" animBg="1"/>
       <p:bldP spid="19" grpId="0"/>
@@ -7340,151 +14558,7 @@
 </p:sld>
 </file>
 
-<file path=ppt/slides/slide4.xml><?xml version="1.0" encoding="utf-8"?>
-<p:sld xmlns:a="http://schemas.openxmlformats.org/drawingml/2006/main" xmlns:r="http://schemas.openxmlformats.org/officeDocument/2006/relationships" xmlns:p="http://schemas.openxmlformats.org/presentationml/2006/main">
-  <p:cSld>
-    <p:spTree>
-      <p:nvGrpSpPr>
-        <p:cNvPr id="1" name=""/>
-        <p:cNvGrpSpPr/>
-        <p:nvPr/>
-      </p:nvGrpSpPr>
-      <p:grpSpPr>
-        <a:xfrm>
-          <a:off x="0" y="0"/>
-          <a:ext cx="0" cy="0"/>
-          <a:chOff x="0" y="0"/>
-          <a:chExt cx="0" cy="0"/>
-        </a:xfrm>
-      </p:grpSpPr>
-      <p:sp>
-        <p:nvSpPr>
-          <p:cNvPr id="2" name="Title 1">
-            <a:extLst>
-              <a:ext uri="{FF2B5EF4-FFF2-40B4-BE49-F238E27FC236}">
-                <a16:creationId xmlns:a16="http://schemas.microsoft.com/office/drawing/2014/main" id="{8FDC0FC5-4607-3544-9AE7-2A2AE7D79CC0}"/>
-              </a:ext>
-            </a:extLst>
-          </p:cNvPr>
-          <p:cNvSpPr>
-            <a:spLocks noGrp="1"/>
-          </p:cNvSpPr>
-          <p:nvPr>
-            <p:ph type="title"/>
-          </p:nvPr>
-        </p:nvSpPr>
-        <p:spPr/>
-        <p:txBody>
-          <a:bodyPr/>
-          <a:lstStyle/>
-          <a:p>
-            <a:r>
-              <a:rPr lang="en-US" dirty="0"/>
-              <a:t>Agenda</a:t>
-            </a:r>
-          </a:p>
-        </p:txBody>
-      </p:sp>
-      <p:sp>
-        <p:nvSpPr>
-          <p:cNvPr id="3" name="Content Placeholder 2">
-            <a:extLst>
-              <a:ext uri="{FF2B5EF4-FFF2-40B4-BE49-F238E27FC236}">
-                <a16:creationId xmlns:a16="http://schemas.microsoft.com/office/drawing/2014/main" id="{045232E1-DDA0-7840-B460-59388493AE09}"/>
-              </a:ext>
-            </a:extLst>
-          </p:cNvPr>
-          <p:cNvSpPr>
-            <a:spLocks noGrp="1"/>
-          </p:cNvSpPr>
-          <p:nvPr>
-            <p:ph idx="1"/>
-          </p:nvPr>
-        </p:nvSpPr>
-        <p:spPr/>
-        <p:txBody>
-          <a:bodyPr/>
-          <a:lstStyle/>
-          <a:p>
-            <a:r>
-              <a:rPr lang="en-US" dirty="0"/>
-              <a:t>Review of cross validation (</a:t>
-            </a:r>
-            <a:r>
-              <a:rPr lang="en-US" dirty="0" err="1"/>
-              <a:t>Jupyter</a:t>
-            </a:r>
-            <a:r>
-              <a:rPr lang="en-US" dirty="0"/>
-              <a:t> notebook)</a:t>
-            </a:r>
-          </a:p>
-          <a:p>
-            <a:r>
-              <a:rPr lang="en-US" dirty="0"/>
-              <a:t>Software engineering concepts</a:t>
-            </a:r>
-          </a:p>
-          <a:p>
-            <a:r>
-              <a:rPr lang="en-US" dirty="0"/>
-              <a:t>Software engineering workflow for modelers</a:t>
-            </a:r>
-          </a:p>
-          <a:p>
-            <a:endParaRPr lang="en-US" dirty="0"/>
-          </a:p>
-        </p:txBody>
-      </p:sp>
-      <p:sp>
-        <p:nvSpPr>
-          <p:cNvPr id="4" name="Slide Number Placeholder 3">
-            <a:extLst>
-              <a:ext uri="{FF2B5EF4-FFF2-40B4-BE49-F238E27FC236}">
-                <a16:creationId xmlns:a16="http://schemas.microsoft.com/office/drawing/2014/main" id="{6FE1EE21-A226-204F-8EF8-9D8CBBE07257}"/>
-              </a:ext>
-            </a:extLst>
-          </p:cNvPr>
-          <p:cNvSpPr>
-            <a:spLocks noGrp="1"/>
-          </p:cNvSpPr>
-          <p:nvPr>
-            <p:ph type="sldNum" sz="quarter" idx="11"/>
-          </p:nvPr>
-        </p:nvSpPr>
-        <p:spPr/>
-        <p:txBody>
-          <a:bodyPr/>
-          <a:lstStyle/>
-          <a:p>
-            <a:pPr>
-              <a:defRPr/>
-            </a:pPr>
-            <a:fld id="{3EF4E9CC-9D91-476E-91FD-5BEEC1642931}" type="slidenum">
-              <a:rPr lang="en-US" altLang="x-none" smtClean="0"/>
-              <a:pPr>
-                <a:defRPr/>
-              </a:pPr>
-              <a:t>4</a:t>
-            </a:fld>
-            <a:endParaRPr lang="en-US" altLang="x-none"/>
-          </a:p>
-        </p:txBody>
-      </p:sp>
-    </p:spTree>
-    <p:extLst>
-      <p:ext uri="{BB962C8B-B14F-4D97-AF65-F5344CB8AC3E}">
-        <p14:creationId xmlns:p14="http://schemas.microsoft.com/office/powerpoint/2010/main" val="867686869"/>
-      </p:ext>
-    </p:extLst>
-  </p:cSld>
-  <p:clrMapOvr>
-    <a:masterClrMapping/>
-  </p:clrMapOvr>
-</p:sld>
-</file>
-
-<file path=ppt/slides/slide5.xml><?xml version="1.0" encoding="utf-8"?>
+<file path=ppt/slides/slide7.xml><?xml version="1.0" encoding="utf-8"?>
 <p:sld xmlns:a="http://schemas.openxmlformats.org/drawingml/2006/main" xmlns:r="http://schemas.openxmlformats.org/officeDocument/2006/relationships" xmlns:p="http://schemas.openxmlformats.org/presentationml/2006/main">
   <p:cSld>
     <p:spTree>
@@ -7560,7 +14634,7 @@
           <a:p>
             <a:r>
               <a:rPr lang="en-US" dirty="0"/>
-              <a:t>Code and data are research products.</a:t>
+              <a:t>Code and data are research products value comparable to that of publications.</a:t>
             </a:r>
           </a:p>
           <a:p>
@@ -7624,7 +14698,7 @@
               <a:pPr>
                 <a:defRPr/>
               </a:pPr>
-              <a:t>5</a:t>
+              <a:t>7</a:t>
             </a:fld>
             <a:endParaRPr lang="en-US" altLang="x-none"/>
           </a:p>
@@ -7815,7 +14889,7 @@
 </p:sld>
 </file>
 
-<file path=ppt/slides/slide6.xml><?xml version="1.0" encoding="utf-8"?>
+<file path=ppt/slides/slide8.xml><?xml version="1.0" encoding="utf-8"?>
 <p:sld xmlns:a="http://schemas.openxmlformats.org/drawingml/2006/main" xmlns:r="http://schemas.openxmlformats.org/officeDocument/2006/relationships" xmlns:p="http://schemas.openxmlformats.org/presentationml/2006/main">
   <p:cSld>
     <p:spTree>
@@ -7902,7 +14976,7 @@
             <a:pPr lvl="1"/>
             <a:r>
               <a:rPr lang="en-US" sz="2000" dirty="0"/>
-              <a:t>Best practices: Use functions</a:t>
+              <a:t>Best practices: Use functions for code (and normalized data)</a:t>
             </a:r>
           </a:p>
           <a:p>
@@ -7942,7 +15016,7 @@
             <a:pPr lvl="1"/>
             <a:r>
               <a:rPr lang="en-US" sz="2000" dirty="0"/>
-              <a:t>Best practices: function, module documentation, meaningful names</a:t>
+              <a:t>Best practices: function, good documentation, meaningful names</a:t>
             </a:r>
           </a:p>
           <a:p>
@@ -7962,7 +15036,7 @@
             <a:pPr lvl="1"/>
             <a:r>
               <a:rPr lang="en-US" sz="2000" dirty="0"/>
-              <a:t>Best practices: write tests for each function, no manual steps in computation studies, automated installs</a:t>
+              <a:t>Best practices: write tests for each function, no manual steps in computational studies, automated installs</a:t>
             </a:r>
           </a:p>
         </p:txBody>
@@ -7996,7 +15070,7 @@
               <a:pPr>
                 <a:defRPr/>
               </a:pPr>
-              <a:t>6</a:t>
+              <a:t>8</a:t>
             </a:fld>
             <a:endParaRPr lang="en-US" altLang="x-none"/>
           </a:p>
@@ -8489,7 +15563,7 @@
 </p:sld>
 </file>
 
-<file path=ppt/slides/slide7.xml><?xml version="1.0" encoding="utf-8"?>
+<file path=ppt/slides/slide9.xml><?xml version="1.0" encoding="utf-8"?>
 <p:sld xmlns:a="http://schemas.openxmlformats.org/drawingml/2006/main" xmlns:r="http://schemas.openxmlformats.org/officeDocument/2006/relationships" xmlns:p="http://schemas.openxmlformats.org/presentationml/2006/main">
   <p:cSld>
     <p:spTree>
@@ -8612,7 +15686,7 @@
               <a:pPr>
                 <a:defRPr/>
               </a:pPr>
-              <a:t>7</a:t>
+              <a:t>9</a:t>
             </a:fld>
             <a:endParaRPr lang="en-US" altLang="x-none"/>
           </a:p>
@@ -8622,1199 +15696,6 @@
     <p:extLst>
       <p:ext uri="{BB962C8B-B14F-4D97-AF65-F5344CB8AC3E}">
         <p14:creationId xmlns:p14="http://schemas.microsoft.com/office/powerpoint/2010/main" val="1039138126"/>
-      </p:ext>
-    </p:extLst>
-  </p:cSld>
-  <p:clrMapOvr>
-    <a:masterClrMapping/>
-  </p:clrMapOvr>
-</p:sld>
-</file>
-
-<file path=ppt/slides/slide8.xml><?xml version="1.0" encoding="utf-8"?>
-<p:sld xmlns:a="http://schemas.openxmlformats.org/drawingml/2006/main" xmlns:r="http://schemas.openxmlformats.org/officeDocument/2006/relationships" xmlns:p="http://schemas.openxmlformats.org/presentationml/2006/main">
-  <p:cSld>
-    <p:spTree>
-      <p:nvGrpSpPr>
-        <p:cNvPr id="1" name=""/>
-        <p:cNvGrpSpPr/>
-        <p:nvPr/>
-      </p:nvGrpSpPr>
-      <p:grpSpPr>
-        <a:xfrm>
-          <a:off x="0" y="0"/>
-          <a:ext cx="0" cy="0"/>
-          <a:chOff x="0" y="0"/>
-          <a:chExt cx="0" cy="0"/>
-        </a:xfrm>
-      </p:grpSpPr>
-      <p:sp>
-        <p:nvSpPr>
-          <p:cNvPr id="2" name="Title 1">
-            <a:extLst>
-              <a:ext uri="{FF2B5EF4-FFF2-40B4-BE49-F238E27FC236}">
-                <a16:creationId xmlns:a16="http://schemas.microsoft.com/office/drawing/2014/main" id="{78E5CFF9-EA49-6A41-868D-0A94283F8A54}"/>
-              </a:ext>
-            </a:extLst>
-          </p:cNvPr>
-          <p:cNvSpPr>
-            <a:spLocks noGrp="1"/>
-          </p:cNvSpPr>
-          <p:nvPr>
-            <p:ph type="title"/>
-          </p:nvPr>
-        </p:nvSpPr>
-        <p:spPr>
-          <a:xfrm>
-            <a:off x="152400" y="228600"/>
-            <a:ext cx="8839200" cy="838200"/>
-          </a:xfrm>
-        </p:spPr>
-        <p:txBody>
-          <a:bodyPr/>
-          <a:lstStyle/>
-          <a:p>
-            <a:r>
-              <a:rPr lang="en-US" dirty="0"/>
-              <a:t>Software Engineering Workflow for Modeling</a:t>
-            </a:r>
-          </a:p>
-        </p:txBody>
-      </p:sp>
-      <p:sp>
-        <p:nvSpPr>
-          <p:cNvPr id="4" name="Slide Number Placeholder 3">
-            <a:extLst>
-              <a:ext uri="{FF2B5EF4-FFF2-40B4-BE49-F238E27FC236}">
-                <a16:creationId xmlns:a16="http://schemas.microsoft.com/office/drawing/2014/main" id="{87A61205-5FED-2547-AB3B-BECE0878A47C}"/>
-              </a:ext>
-            </a:extLst>
-          </p:cNvPr>
-          <p:cNvSpPr>
-            <a:spLocks noGrp="1"/>
-          </p:cNvSpPr>
-          <p:nvPr>
-            <p:ph type="sldNum" sz="quarter" idx="11"/>
-          </p:nvPr>
-        </p:nvSpPr>
-        <p:spPr/>
-        <p:txBody>
-          <a:bodyPr/>
-          <a:lstStyle/>
-          <a:p>
-            <a:pPr>
-              <a:defRPr/>
-            </a:pPr>
-            <a:fld id="{3EF4E9CC-9D91-476E-91FD-5BEEC1642931}" type="slidenum">
-              <a:rPr lang="en-US" altLang="x-none" smtClean="0"/>
-              <a:pPr>
-                <a:defRPr/>
-              </a:pPr>
-              <a:t>8</a:t>
-            </a:fld>
-            <a:endParaRPr lang="en-US" altLang="x-none"/>
-          </a:p>
-        </p:txBody>
-      </p:sp>
-      <p:sp>
-        <p:nvSpPr>
-          <p:cNvPr id="5" name="Rectangle 4">
-            <a:extLst>
-              <a:ext uri="{FF2B5EF4-FFF2-40B4-BE49-F238E27FC236}">
-                <a16:creationId xmlns:a16="http://schemas.microsoft.com/office/drawing/2014/main" id="{0E63BFA0-6808-9D47-9A8F-DD27EFE43AC2}"/>
-              </a:ext>
-            </a:extLst>
-          </p:cNvPr>
-          <p:cNvSpPr/>
-          <p:nvPr/>
-        </p:nvSpPr>
-        <p:spPr>
-          <a:xfrm>
-            <a:off x="765265" y="1219200"/>
-            <a:ext cx="2209800" cy="914400"/>
-          </a:xfrm>
-          <a:prstGeom prst="rect">
-            <a:avLst/>
-          </a:prstGeom>
-        </p:spPr>
-        <p:style>
-          <a:lnRef idx="1">
-            <a:schemeClr val="accent1"/>
-          </a:lnRef>
-          <a:fillRef idx="3">
-            <a:schemeClr val="accent1"/>
-          </a:fillRef>
-          <a:effectRef idx="2">
-            <a:schemeClr val="accent1"/>
-          </a:effectRef>
-          <a:fontRef idx="minor">
-            <a:schemeClr val="lt1"/>
-          </a:fontRef>
-        </p:style>
-        <p:txBody>
-          <a:bodyPr rtlCol="0" anchor="ctr"/>
-          <a:lstStyle/>
-          <a:p>
-            <a:pPr algn="ctr"/>
-            <a:r>
-              <a:rPr lang="en-US" b="1" dirty="0"/>
-              <a:t>Construct model in a </a:t>
-            </a:r>
-            <a:r>
-              <a:rPr lang="en-US" b="1" dirty="0" err="1"/>
-              <a:t>Jupyter</a:t>
-            </a:r>
-            <a:r>
-              <a:rPr lang="en-US" b="1" dirty="0"/>
-              <a:t>  Notebook (or similar)</a:t>
-            </a:r>
-          </a:p>
-        </p:txBody>
-      </p:sp>
-      <p:sp>
-        <p:nvSpPr>
-          <p:cNvPr id="6" name="Rectangle 5">
-            <a:extLst>
-              <a:ext uri="{FF2B5EF4-FFF2-40B4-BE49-F238E27FC236}">
-                <a16:creationId xmlns:a16="http://schemas.microsoft.com/office/drawing/2014/main" id="{7E73DCC0-C285-894A-8284-5B51C203FD91}"/>
-              </a:ext>
-            </a:extLst>
-          </p:cNvPr>
-          <p:cNvSpPr/>
-          <p:nvPr/>
-        </p:nvSpPr>
-        <p:spPr>
-          <a:xfrm>
-            <a:off x="765265" y="2781300"/>
-            <a:ext cx="2209800" cy="914400"/>
-          </a:xfrm>
-          <a:prstGeom prst="rect">
-            <a:avLst/>
-          </a:prstGeom>
-        </p:spPr>
-        <p:style>
-          <a:lnRef idx="1">
-            <a:schemeClr val="accent1"/>
-          </a:lnRef>
-          <a:fillRef idx="3">
-            <a:schemeClr val="accent1"/>
-          </a:fillRef>
-          <a:effectRef idx="2">
-            <a:schemeClr val="accent1"/>
-          </a:effectRef>
-          <a:fontRef idx="minor">
-            <a:schemeClr val="lt1"/>
-          </a:fontRef>
-        </p:style>
-        <p:txBody>
-          <a:bodyPr rtlCol="0" anchor="ctr"/>
-          <a:lstStyle/>
-          <a:p>
-            <a:pPr algn="ctr"/>
-            <a:r>
-              <a:rPr lang="en-US" b="1" dirty="0"/>
-              <a:t>Functionalize common codes.</a:t>
-            </a:r>
-          </a:p>
-        </p:txBody>
-      </p:sp>
-      <p:sp>
-        <p:nvSpPr>
-          <p:cNvPr id="7" name="Rectangle 6">
-            <a:extLst>
-              <a:ext uri="{FF2B5EF4-FFF2-40B4-BE49-F238E27FC236}">
-                <a16:creationId xmlns:a16="http://schemas.microsoft.com/office/drawing/2014/main" id="{008FD830-0B0D-1649-B576-6C5900389E98}"/>
-              </a:ext>
-            </a:extLst>
-          </p:cNvPr>
-          <p:cNvSpPr/>
-          <p:nvPr/>
-        </p:nvSpPr>
-        <p:spPr>
-          <a:xfrm>
-            <a:off x="765265" y="4191000"/>
-            <a:ext cx="2209800" cy="914400"/>
-          </a:xfrm>
-          <a:prstGeom prst="rect">
-            <a:avLst/>
-          </a:prstGeom>
-        </p:spPr>
-        <p:style>
-          <a:lnRef idx="1">
-            <a:schemeClr val="accent1"/>
-          </a:lnRef>
-          <a:fillRef idx="3">
-            <a:schemeClr val="accent1"/>
-          </a:fillRef>
-          <a:effectRef idx="2">
-            <a:schemeClr val="accent1"/>
-          </a:effectRef>
-          <a:fontRef idx="minor">
-            <a:schemeClr val="lt1"/>
-          </a:fontRef>
-        </p:style>
-        <p:txBody>
-          <a:bodyPr rtlCol="0" anchor="ctr"/>
-          <a:lstStyle/>
-          <a:p>
-            <a:pPr algn="ctr"/>
-            <a:r>
-              <a:rPr lang="en-US" b="1" dirty="0"/>
-              <a:t>Export notebook to a python module using </a:t>
-            </a:r>
-            <a:r>
-              <a:rPr lang="en-US" b="1" dirty="0" err="1">
-                <a:latin typeface="Courier New" panose="02070309020205020404" pitchFamily="49" charset="0"/>
-                <a:cs typeface="Courier New" panose="02070309020205020404" pitchFamily="49" charset="0"/>
-              </a:rPr>
-              <a:t>nbconvert</a:t>
-            </a:r>
-            <a:r>
-              <a:rPr lang="en-US" b="1" dirty="0"/>
-              <a:t>.</a:t>
-            </a:r>
-          </a:p>
-        </p:txBody>
-      </p:sp>
-      <p:sp>
-        <p:nvSpPr>
-          <p:cNvPr id="8" name="Rectangle 7">
-            <a:extLst>
-              <a:ext uri="{FF2B5EF4-FFF2-40B4-BE49-F238E27FC236}">
-                <a16:creationId xmlns:a16="http://schemas.microsoft.com/office/drawing/2014/main" id="{AC13B347-7B9E-FA4E-89DD-E3B4B70FFDE4}"/>
-              </a:ext>
-            </a:extLst>
-          </p:cNvPr>
-          <p:cNvSpPr/>
-          <p:nvPr/>
-        </p:nvSpPr>
-        <p:spPr>
-          <a:xfrm>
-            <a:off x="3733800" y="1219200"/>
-            <a:ext cx="2209800" cy="914400"/>
-          </a:xfrm>
-          <a:prstGeom prst="rect">
-            <a:avLst/>
-          </a:prstGeom>
-        </p:spPr>
-        <p:style>
-          <a:lnRef idx="1">
-            <a:schemeClr val="accent1"/>
-          </a:lnRef>
-          <a:fillRef idx="3">
-            <a:schemeClr val="accent1"/>
-          </a:fillRef>
-          <a:effectRef idx="2">
-            <a:schemeClr val="accent1"/>
-          </a:effectRef>
-          <a:fontRef idx="minor">
-            <a:schemeClr val="lt1"/>
-          </a:fontRef>
-        </p:style>
-        <p:txBody>
-          <a:bodyPr rtlCol="0" anchor="ctr"/>
-          <a:lstStyle/>
-          <a:p>
-            <a:pPr algn="ctr"/>
-            <a:r>
-              <a:rPr lang="en-US" b="1" dirty="0"/>
-              <a:t>Functionalize codes in python module.</a:t>
-            </a:r>
-          </a:p>
-        </p:txBody>
-      </p:sp>
-      <p:sp>
-        <p:nvSpPr>
-          <p:cNvPr id="9" name="Rectangle 8">
-            <a:extLst>
-              <a:ext uri="{FF2B5EF4-FFF2-40B4-BE49-F238E27FC236}">
-                <a16:creationId xmlns:a16="http://schemas.microsoft.com/office/drawing/2014/main" id="{A30B67A8-1D78-2C49-B6D9-60CA9E606454}"/>
-              </a:ext>
-            </a:extLst>
-          </p:cNvPr>
-          <p:cNvSpPr/>
-          <p:nvPr/>
-        </p:nvSpPr>
-        <p:spPr>
-          <a:xfrm>
-            <a:off x="3733800" y="2819400"/>
-            <a:ext cx="2209800" cy="914400"/>
-          </a:xfrm>
-          <a:prstGeom prst="rect">
-            <a:avLst/>
-          </a:prstGeom>
-        </p:spPr>
-        <p:style>
-          <a:lnRef idx="1">
-            <a:schemeClr val="accent1"/>
-          </a:lnRef>
-          <a:fillRef idx="3">
-            <a:schemeClr val="accent1"/>
-          </a:fillRef>
-          <a:effectRef idx="2">
-            <a:schemeClr val="accent1"/>
-          </a:effectRef>
-          <a:fontRef idx="minor">
-            <a:schemeClr val="lt1"/>
-          </a:fontRef>
-        </p:style>
-        <p:txBody>
-          <a:bodyPr rtlCol="0" anchor="ctr"/>
-          <a:lstStyle/>
-          <a:p>
-            <a:pPr algn="ctr"/>
-            <a:r>
-              <a:rPr lang="en-US" b="1" dirty="0"/>
-              <a:t>Create </a:t>
-            </a:r>
-            <a:r>
-              <a:rPr lang="en-US" b="1" dirty="0" err="1"/>
-              <a:t>unittests</a:t>
-            </a:r>
-            <a:r>
-              <a:rPr lang="en-US" b="1" dirty="0"/>
-              <a:t>.</a:t>
-            </a:r>
-          </a:p>
-        </p:txBody>
-      </p:sp>
-      <p:sp>
-        <p:nvSpPr>
-          <p:cNvPr id="10" name="Rectangle 9">
-            <a:extLst>
-              <a:ext uri="{FF2B5EF4-FFF2-40B4-BE49-F238E27FC236}">
-                <a16:creationId xmlns:a16="http://schemas.microsoft.com/office/drawing/2014/main" id="{27BCE8DE-8FC9-6D41-A6E2-CA334949D7F6}"/>
-              </a:ext>
-            </a:extLst>
-          </p:cNvPr>
-          <p:cNvSpPr/>
-          <p:nvPr/>
-        </p:nvSpPr>
-        <p:spPr>
-          <a:xfrm>
-            <a:off x="6477000" y="2057400"/>
-            <a:ext cx="2209800" cy="2133600"/>
-          </a:xfrm>
-          <a:prstGeom prst="rect">
-            <a:avLst/>
-          </a:prstGeom>
-        </p:spPr>
-        <p:style>
-          <a:lnRef idx="1">
-            <a:schemeClr val="accent1"/>
-          </a:lnRef>
-          <a:fillRef idx="3">
-            <a:schemeClr val="accent1"/>
-          </a:fillRef>
-          <a:effectRef idx="2">
-            <a:schemeClr val="accent1"/>
-          </a:effectRef>
-          <a:fontRef idx="minor">
-            <a:schemeClr val="lt1"/>
-          </a:fontRef>
-        </p:style>
-        <p:txBody>
-          <a:bodyPr rtlCol="0" anchor="ctr"/>
-          <a:lstStyle/>
-          <a:p>
-            <a:pPr algn="ctr"/>
-            <a:r>
-              <a:rPr lang="en-US" b="1" dirty="0"/>
-              <a:t>Create a new notebook that uses codes in python module and verify that the result is the same as the original notebook. .</a:t>
-            </a:r>
-          </a:p>
-        </p:txBody>
-      </p:sp>
-      <p:cxnSp>
-        <p:nvCxnSpPr>
-          <p:cNvPr id="12" name="Elbow Connector 11">
-            <a:extLst>
-              <a:ext uri="{FF2B5EF4-FFF2-40B4-BE49-F238E27FC236}">
-                <a16:creationId xmlns:a16="http://schemas.microsoft.com/office/drawing/2014/main" id="{03429367-1517-6443-B72D-561FCBFE87B1}"/>
-              </a:ext>
-            </a:extLst>
-          </p:cNvPr>
-          <p:cNvCxnSpPr/>
-          <p:nvPr/>
-        </p:nvCxnSpPr>
-        <p:spPr>
-          <a:xfrm rot="5400000">
-            <a:off x="1546315" y="2457450"/>
-            <a:ext cx="647700" cy="12700"/>
-          </a:xfrm>
-          <a:prstGeom prst="bentConnector3">
-            <a:avLst/>
-          </a:prstGeom>
-          <a:ln>
-            <a:tailEnd type="triangle"/>
-          </a:ln>
-        </p:spPr>
-        <p:style>
-          <a:lnRef idx="2">
-            <a:schemeClr val="accent1"/>
-          </a:lnRef>
-          <a:fillRef idx="0">
-            <a:schemeClr val="accent1"/>
-          </a:fillRef>
-          <a:effectRef idx="1">
-            <a:schemeClr val="accent1"/>
-          </a:effectRef>
-          <a:fontRef idx="minor">
-            <a:schemeClr val="tx1"/>
-          </a:fontRef>
-        </p:style>
-      </p:cxnSp>
-      <p:cxnSp>
-        <p:nvCxnSpPr>
-          <p:cNvPr id="13" name="Elbow Connector 12">
-            <a:extLst>
-              <a:ext uri="{FF2B5EF4-FFF2-40B4-BE49-F238E27FC236}">
-                <a16:creationId xmlns:a16="http://schemas.microsoft.com/office/drawing/2014/main" id="{8B40F8E3-C856-0644-88C7-0DD8621C47C3}"/>
-              </a:ext>
-            </a:extLst>
-          </p:cNvPr>
-          <p:cNvCxnSpPr>
-            <a:cxnSpLocks/>
-          </p:cNvCxnSpPr>
-          <p:nvPr/>
-        </p:nvCxnSpPr>
-        <p:spPr>
-          <a:xfrm rot="5400000">
-            <a:off x="1622515" y="3943350"/>
-            <a:ext cx="495300" cy="12700"/>
-          </a:xfrm>
-          <a:prstGeom prst="bentConnector3">
-            <a:avLst>
-              <a:gd name="adj1" fmla="val 50000"/>
-            </a:avLst>
-          </a:prstGeom>
-          <a:ln>
-            <a:tailEnd type="triangle"/>
-          </a:ln>
-        </p:spPr>
-        <p:style>
-          <a:lnRef idx="2">
-            <a:schemeClr val="accent1"/>
-          </a:lnRef>
-          <a:fillRef idx="0">
-            <a:schemeClr val="accent1"/>
-          </a:fillRef>
-          <a:effectRef idx="1">
-            <a:schemeClr val="accent1"/>
-          </a:effectRef>
-          <a:fontRef idx="minor">
-            <a:schemeClr val="tx1"/>
-          </a:fontRef>
-        </p:style>
-      </p:cxnSp>
-      <p:cxnSp>
-        <p:nvCxnSpPr>
-          <p:cNvPr id="17" name="Elbow Connector 16">
-            <a:extLst>
-              <a:ext uri="{FF2B5EF4-FFF2-40B4-BE49-F238E27FC236}">
-                <a16:creationId xmlns:a16="http://schemas.microsoft.com/office/drawing/2014/main" id="{ADD77FB8-158B-994D-9767-BDEEC1EC3874}"/>
-              </a:ext>
-            </a:extLst>
-          </p:cNvPr>
-          <p:cNvCxnSpPr>
-            <a:stCxn id="7" idx="3"/>
-            <a:endCxn id="8" idx="1"/>
-          </p:cNvCxnSpPr>
-          <p:nvPr/>
-        </p:nvCxnSpPr>
-        <p:spPr>
-          <a:xfrm flipV="1">
-            <a:off x="2975065" y="1676400"/>
-            <a:ext cx="758735" cy="2971800"/>
-          </a:xfrm>
-          <a:prstGeom prst="bentConnector3">
-            <a:avLst/>
-          </a:prstGeom>
-          <a:ln>
-            <a:tailEnd type="triangle"/>
-          </a:ln>
-        </p:spPr>
-        <p:style>
-          <a:lnRef idx="2">
-            <a:schemeClr val="accent1"/>
-          </a:lnRef>
-          <a:fillRef idx="0">
-            <a:schemeClr val="accent1"/>
-          </a:fillRef>
-          <a:effectRef idx="1">
-            <a:schemeClr val="accent1"/>
-          </a:effectRef>
-          <a:fontRef idx="minor">
-            <a:schemeClr val="tx1"/>
-          </a:fontRef>
-        </p:style>
-      </p:cxnSp>
-      <p:cxnSp>
-        <p:nvCxnSpPr>
-          <p:cNvPr id="19" name="Elbow Connector 18">
-            <a:extLst>
-              <a:ext uri="{FF2B5EF4-FFF2-40B4-BE49-F238E27FC236}">
-                <a16:creationId xmlns:a16="http://schemas.microsoft.com/office/drawing/2014/main" id="{CE661BD8-66C1-EC49-9636-84CFF80D74D7}"/>
-              </a:ext>
-            </a:extLst>
-          </p:cNvPr>
-          <p:cNvCxnSpPr/>
-          <p:nvPr/>
-        </p:nvCxnSpPr>
-        <p:spPr>
-          <a:xfrm rot="5400000">
-            <a:off x="4495800" y="2476500"/>
-            <a:ext cx="685800" cy="12700"/>
-          </a:xfrm>
-          <a:prstGeom prst="bentConnector3">
-            <a:avLst/>
-          </a:prstGeom>
-          <a:ln>
-            <a:tailEnd type="triangle"/>
-          </a:ln>
-        </p:spPr>
-        <p:style>
-          <a:lnRef idx="2">
-            <a:schemeClr val="accent1"/>
-          </a:lnRef>
-          <a:fillRef idx="0">
-            <a:schemeClr val="accent1"/>
-          </a:fillRef>
-          <a:effectRef idx="1">
-            <a:schemeClr val="accent1"/>
-          </a:effectRef>
-          <a:fontRef idx="minor">
-            <a:schemeClr val="tx1"/>
-          </a:fontRef>
-        </p:style>
-      </p:cxnSp>
-      <p:cxnSp>
-        <p:nvCxnSpPr>
-          <p:cNvPr id="23" name="Elbow Connector 22">
-            <a:extLst>
-              <a:ext uri="{FF2B5EF4-FFF2-40B4-BE49-F238E27FC236}">
-                <a16:creationId xmlns:a16="http://schemas.microsoft.com/office/drawing/2014/main" id="{67305E93-8F2E-FB48-9299-1B8AFD3D8265}"/>
-              </a:ext>
-            </a:extLst>
-          </p:cNvPr>
-          <p:cNvCxnSpPr>
-            <a:stCxn id="9" idx="3"/>
-            <a:endCxn id="10" idx="0"/>
-          </p:cNvCxnSpPr>
-          <p:nvPr/>
-        </p:nvCxnSpPr>
-        <p:spPr>
-          <a:xfrm flipV="1">
-            <a:off x="5943600" y="2057400"/>
-            <a:ext cx="1638300" cy="1219200"/>
-          </a:xfrm>
-          <a:prstGeom prst="bentConnector4">
-            <a:avLst>
-              <a:gd name="adj1" fmla="val 16279"/>
-              <a:gd name="adj2" fmla="val 118750"/>
-            </a:avLst>
-          </a:prstGeom>
-          <a:ln>
-            <a:tailEnd type="triangle"/>
-          </a:ln>
-        </p:spPr>
-        <p:style>
-          <a:lnRef idx="2">
-            <a:schemeClr val="accent1"/>
-          </a:lnRef>
-          <a:fillRef idx="0">
-            <a:schemeClr val="accent1"/>
-          </a:fillRef>
-          <a:effectRef idx="1">
-            <a:schemeClr val="accent1"/>
-          </a:effectRef>
-          <a:fontRef idx="minor">
-            <a:schemeClr val="tx1"/>
-          </a:fontRef>
-        </p:style>
-      </p:cxnSp>
-    </p:spTree>
-    <p:extLst>
-      <p:ext uri="{BB962C8B-B14F-4D97-AF65-F5344CB8AC3E}">
-        <p14:creationId xmlns:p14="http://schemas.microsoft.com/office/powerpoint/2010/main" val="2622821966"/>
-      </p:ext>
-    </p:extLst>
-  </p:cSld>
-  <p:clrMapOvr>
-    <a:masterClrMapping/>
-  </p:clrMapOvr>
-  <p:timing>
-    <p:tnLst>
-      <p:par>
-        <p:cTn id="1" dur="indefinite" restart="never" nodeType="tmRoot">
-          <p:childTnLst>
-            <p:seq concurrent="1" nextAc="seek">
-              <p:cTn id="2" dur="indefinite" nodeType="mainSeq">
-                <p:childTnLst>
-                  <p:par>
-                    <p:cTn id="3" fill="hold">
-                      <p:stCondLst>
-                        <p:cond delay="indefinite"/>
-                      </p:stCondLst>
-                      <p:childTnLst>
-                        <p:par>
-                          <p:cTn id="4" fill="hold">
-                            <p:stCondLst>
-                              <p:cond delay="0"/>
-                            </p:stCondLst>
-                            <p:childTnLst>
-                              <p:par>
-                                <p:cTn id="5" presetID="1" presetClass="entr" presetSubtype="0" fill="hold" nodeType="clickEffect">
-                                  <p:stCondLst>
-                                    <p:cond delay="0"/>
-                                  </p:stCondLst>
-                                  <p:childTnLst>
-                                    <p:set>
-                                      <p:cBhvr>
-                                        <p:cTn id="6" dur="1" fill="hold">
-                                          <p:stCondLst>
-                                            <p:cond delay="0"/>
-                                          </p:stCondLst>
-                                        </p:cTn>
-                                        <p:tgtEl>
-                                          <p:spTgt spid="12"/>
-                                        </p:tgtEl>
-                                        <p:attrNameLst>
-                                          <p:attrName>style.visibility</p:attrName>
-                                        </p:attrNameLst>
-                                      </p:cBhvr>
-                                      <p:to>
-                                        <p:strVal val="visible"/>
-                                      </p:to>
-                                    </p:set>
-                                  </p:childTnLst>
-                                </p:cTn>
-                              </p:par>
-                              <p:par>
-                                <p:cTn id="7" presetID="1" presetClass="entr" presetSubtype="0" fill="hold" grpId="0" nodeType="withEffect">
-                                  <p:stCondLst>
-                                    <p:cond delay="0"/>
-                                  </p:stCondLst>
-                                  <p:childTnLst>
-                                    <p:set>
-                                      <p:cBhvr>
-                                        <p:cTn id="8" dur="1" fill="hold">
-                                          <p:stCondLst>
-                                            <p:cond delay="0"/>
-                                          </p:stCondLst>
-                                        </p:cTn>
-                                        <p:tgtEl>
-                                          <p:spTgt spid="6"/>
-                                        </p:tgtEl>
-                                        <p:attrNameLst>
-                                          <p:attrName>style.visibility</p:attrName>
-                                        </p:attrNameLst>
-                                      </p:cBhvr>
-                                      <p:to>
-                                        <p:strVal val="visible"/>
-                                      </p:to>
-                                    </p:set>
-                                  </p:childTnLst>
-                                </p:cTn>
-                              </p:par>
-                            </p:childTnLst>
-                          </p:cTn>
-                        </p:par>
-                      </p:childTnLst>
-                    </p:cTn>
-                  </p:par>
-                  <p:par>
-                    <p:cTn id="9" fill="hold">
-                      <p:stCondLst>
-                        <p:cond delay="indefinite"/>
-                      </p:stCondLst>
-                      <p:childTnLst>
-                        <p:par>
-                          <p:cTn id="10" fill="hold">
-                            <p:stCondLst>
-                              <p:cond delay="0"/>
-                            </p:stCondLst>
-                            <p:childTnLst>
-                              <p:par>
-                                <p:cTn id="11" presetID="1" presetClass="entr" presetSubtype="0" fill="hold" nodeType="clickEffect">
-                                  <p:stCondLst>
-                                    <p:cond delay="0"/>
-                                  </p:stCondLst>
-                                  <p:childTnLst>
-                                    <p:set>
-                                      <p:cBhvr>
-                                        <p:cTn id="12" dur="1" fill="hold">
-                                          <p:stCondLst>
-                                            <p:cond delay="0"/>
-                                          </p:stCondLst>
-                                        </p:cTn>
-                                        <p:tgtEl>
-                                          <p:spTgt spid="13"/>
-                                        </p:tgtEl>
-                                        <p:attrNameLst>
-                                          <p:attrName>style.visibility</p:attrName>
-                                        </p:attrNameLst>
-                                      </p:cBhvr>
-                                      <p:to>
-                                        <p:strVal val="visible"/>
-                                      </p:to>
-                                    </p:set>
-                                  </p:childTnLst>
-                                </p:cTn>
-                              </p:par>
-                              <p:par>
-                                <p:cTn id="13" presetID="1" presetClass="entr" presetSubtype="0" fill="hold" grpId="0" nodeType="withEffect">
-                                  <p:stCondLst>
-                                    <p:cond delay="0"/>
-                                  </p:stCondLst>
-                                  <p:childTnLst>
-                                    <p:set>
-                                      <p:cBhvr>
-                                        <p:cTn id="14" dur="1" fill="hold">
-                                          <p:stCondLst>
-                                            <p:cond delay="0"/>
-                                          </p:stCondLst>
-                                        </p:cTn>
-                                        <p:tgtEl>
-                                          <p:spTgt spid="7"/>
-                                        </p:tgtEl>
-                                        <p:attrNameLst>
-                                          <p:attrName>style.visibility</p:attrName>
-                                        </p:attrNameLst>
-                                      </p:cBhvr>
-                                      <p:to>
-                                        <p:strVal val="visible"/>
-                                      </p:to>
-                                    </p:set>
-                                  </p:childTnLst>
-                                </p:cTn>
-                              </p:par>
-                            </p:childTnLst>
-                          </p:cTn>
-                        </p:par>
-                      </p:childTnLst>
-                    </p:cTn>
-                  </p:par>
-                  <p:par>
-                    <p:cTn id="15" fill="hold">
-                      <p:stCondLst>
-                        <p:cond delay="indefinite"/>
-                      </p:stCondLst>
-                      <p:childTnLst>
-                        <p:par>
-                          <p:cTn id="16" fill="hold">
-                            <p:stCondLst>
-                              <p:cond delay="0"/>
-                            </p:stCondLst>
-                            <p:childTnLst>
-                              <p:par>
-                                <p:cTn id="17" presetID="1" presetClass="entr" presetSubtype="0" fill="hold" nodeType="clickEffect">
-                                  <p:stCondLst>
-                                    <p:cond delay="0"/>
-                                  </p:stCondLst>
-                                  <p:childTnLst>
-                                    <p:set>
-                                      <p:cBhvr>
-                                        <p:cTn id="18" dur="1" fill="hold">
-                                          <p:stCondLst>
-                                            <p:cond delay="0"/>
-                                          </p:stCondLst>
-                                        </p:cTn>
-                                        <p:tgtEl>
-                                          <p:spTgt spid="17"/>
-                                        </p:tgtEl>
-                                        <p:attrNameLst>
-                                          <p:attrName>style.visibility</p:attrName>
-                                        </p:attrNameLst>
-                                      </p:cBhvr>
-                                      <p:to>
-                                        <p:strVal val="visible"/>
-                                      </p:to>
-                                    </p:set>
-                                  </p:childTnLst>
-                                </p:cTn>
-                              </p:par>
-                              <p:par>
-                                <p:cTn id="19" presetID="1" presetClass="entr" presetSubtype="0" fill="hold" grpId="0" nodeType="withEffect">
-                                  <p:stCondLst>
-                                    <p:cond delay="0"/>
-                                  </p:stCondLst>
-                                  <p:childTnLst>
-                                    <p:set>
-                                      <p:cBhvr>
-                                        <p:cTn id="20" dur="1" fill="hold">
-                                          <p:stCondLst>
-                                            <p:cond delay="0"/>
-                                          </p:stCondLst>
-                                        </p:cTn>
-                                        <p:tgtEl>
-                                          <p:spTgt spid="8"/>
-                                        </p:tgtEl>
-                                        <p:attrNameLst>
-                                          <p:attrName>style.visibility</p:attrName>
-                                        </p:attrNameLst>
-                                      </p:cBhvr>
-                                      <p:to>
-                                        <p:strVal val="visible"/>
-                                      </p:to>
-                                    </p:set>
-                                  </p:childTnLst>
-                                </p:cTn>
-                              </p:par>
-                            </p:childTnLst>
-                          </p:cTn>
-                        </p:par>
-                      </p:childTnLst>
-                    </p:cTn>
-                  </p:par>
-                  <p:par>
-                    <p:cTn id="21" fill="hold">
-                      <p:stCondLst>
-                        <p:cond delay="indefinite"/>
-                      </p:stCondLst>
-                      <p:childTnLst>
-                        <p:par>
-                          <p:cTn id="22" fill="hold">
-                            <p:stCondLst>
-                              <p:cond delay="0"/>
-                            </p:stCondLst>
-                            <p:childTnLst>
-                              <p:par>
-                                <p:cTn id="23" presetID="1" presetClass="entr" presetSubtype="0" fill="hold" nodeType="clickEffect">
-                                  <p:stCondLst>
-                                    <p:cond delay="0"/>
-                                  </p:stCondLst>
-                                  <p:childTnLst>
-                                    <p:set>
-                                      <p:cBhvr>
-                                        <p:cTn id="24" dur="1" fill="hold">
-                                          <p:stCondLst>
-                                            <p:cond delay="0"/>
-                                          </p:stCondLst>
-                                        </p:cTn>
-                                        <p:tgtEl>
-                                          <p:spTgt spid="19"/>
-                                        </p:tgtEl>
-                                        <p:attrNameLst>
-                                          <p:attrName>style.visibility</p:attrName>
-                                        </p:attrNameLst>
-                                      </p:cBhvr>
-                                      <p:to>
-                                        <p:strVal val="visible"/>
-                                      </p:to>
-                                    </p:set>
-                                  </p:childTnLst>
-                                </p:cTn>
-                              </p:par>
-                              <p:par>
-                                <p:cTn id="25" presetID="1" presetClass="entr" presetSubtype="0" fill="hold" grpId="0" nodeType="withEffect">
-                                  <p:stCondLst>
-                                    <p:cond delay="0"/>
-                                  </p:stCondLst>
-                                  <p:childTnLst>
-                                    <p:set>
-                                      <p:cBhvr>
-                                        <p:cTn id="26" dur="1" fill="hold">
-                                          <p:stCondLst>
-                                            <p:cond delay="0"/>
-                                          </p:stCondLst>
-                                        </p:cTn>
-                                        <p:tgtEl>
-                                          <p:spTgt spid="9"/>
-                                        </p:tgtEl>
-                                        <p:attrNameLst>
-                                          <p:attrName>style.visibility</p:attrName>
-                                        </p:attrNameLst>
-                                      </p:cBhvr>
-                                      <p:to>
-                                        <p:strVal val="visible"/>
-                                      </p:to>
-                                    </p:set>
-                                  </p:childTnLst>
-                                </p:cTn>
-                              </p:par>
-                            </p:childTnLst>
-                          </p:cTn>
-                        </p:par>
-                      </p:childTnLst>
-                    </p:cTn>
-                  </p:par>
-                  <p:par>
-                    <p:cTn id="27" fill="hold">
-                      <p:stCondLst>
-                        <p:cond delay="indefinite"/>
-                      </p:stCondLst>
-                      <p:childTnLst>
-                        <p:par>
-                          <p:cTn id="28" fill="hold">
-                            <p:stCondLst>
-                              <p:cond delay="0"/>
-                            </p:stCondLst>
-                            <p:childTnLst>
-                              <p:par>
-                                <p:cTn id="29" presetID="1" presetClass="entr" presetSubtype="0" fill="hold" nodeType="clickEffect">
-                                  <p:stCondLst>
-                                    <p:cond delay="0"/>
-                                  </p:stCondLst>
-                                  <p:childTnLst>
-                                    <p:set>
-                                      <p:cBhvr>
-                                        <p:cTn id="30" dur="1" fill="hold">
-                                          <p:stCondLst>
-                                            <p:cond delay="0"/>
-                                          </p:stCondLst>
-                                        </p:cTn>
-                                        <p:tgtEl>
-                                          <p:spTgt spid="23"/>
-                                        </p:tgtEl>
-                                        <p:attrNameLst>
-                                          <p:attrName>style.visibility</p:attrName>
-                                        </p:attrNameLst>
-                                      </p:cBhvr>
-                                      <p:to>
-                                        <p:strVal val="visible"/>
-                                      </p:to>
-                                    </p:set>
-                                  </p:childTnLst>
-                                </p:cTn>
-                              </p:par>
-                              <p:par>
-                                <p:cTn id="31" presetID="1" presetClass="entr" presetSubtype="0" fill="hold" grpId="0" nodeType="withEffect">
-                                  <p:stCondLst>
-                                    <p:cond delay="0"/>
-                                  </p:stCondLst>
-                                  <p:childTnLst>
-                                    <p:set>
-                                      <p:cBhvr>
-                                        <p:cTn id="32" dur="1" fill="hold">
-                                          <p:stCondLst>
-                                            <p:cond delay="0"/>
-                                          </p:stCondLst>
-                                        </p:cTn>
-                                        <p:tgtEl>
-                                          <p:spTgt spid="10"/>
-                                        </p:tgtEl>
-                                        <p:attrNameLst>
-                                          <p:attrName>style.visibility</p:attrName>
-                                        </p:attrNameLst>
-                                      </p:cBhvr>
-                                      <p:to>
-                                        <p:strVal val="visible"/>
-                                      </p:to>
-                                    </p:set>
-                                  </p:childTnLst>
-                                </p:cTn>
-                              </p:par>
-                            </p:childTnLst>
-                          </p:cTn>
-                        </p:par>
-                      </p:childTnLst>
-                    </p:cTn>
-                  </p:par>
-                </p:childTnLst>
-              </p:cTn>
-              <p:prevCondLst>
-                <p:cond evt="onPrev" delay="0">
-                  <p:tgtEl>
-                    <p:sldTgt/>
-                  </p:tgtEl>
-                </p:cond>
-              </p:prevCondLst>
-              <p:nextCondLst>
-                <p:cond evt="onNext" delay="0">
-                  <p:tgtEl>
-                    <p:sldTgt/>
-                  </p:tgtEl>
-                </p:cond>
-              </p:nextCondLst>
-            </p:seq>
-          </p:childTnLst>
-        </p:cTn>
-      </p:par>
-    </p:tnLst>
-    <p:bldLst>
-      <p:bldP spid="6" grpId="0" animBg="1"/>
-      <p:bldP spid="7" grpId="0" animBg="1"/>
-      <p:bldP spid="8" grpId="0" animBg="1"/>
-      <p:bldP spid="9" grpId="0" animBg="1"/>
-      <p:bldP spid="10" grpId="0" animBg="1"/>
-    </p:bldLst>
-  </p:timing>
-</p:sld>
-</file>
-
-<file path=ppt/slides/slide9.xml><?xml version="1.0" encoding="utf-8"?>
-<p:sld xmlns:a="http://schemas.openxmlformats.org/drawingml/2006/main" xmlns:r="http://schemas.openxmlformats.org/officeDocument/2006/relationships" xmlns:p="http://schemas.openxmlformats.org/presentationml/2006/main">
-  <p:cSld>
-    <p:spTree>
-      <p:nvGrpSpPr>
-        <p:cNvPr id="1" name=""/>
-        <p:cNvGrpSpPr/>
-        <p:nvPr/>
-      </p:nvGrpSpPr>
-      <p:grpSpPr>
-        <a:xfrm>
-          <a:off x="0" y="0"/>
-          <a:ext cx="0" cy="0"/>
-          <a:chOff x="0" y="0"/>
-          <a:chExt cx="0" cy="0"/>
-        </a:xfrm>
-      </p:grpSpPr>
-      <p:sp>
-        <p:nvSpPr>
-          <p:cNvPr id="2" name="Title 1">
-            <a:extLst>
-              <a:ext uri="{FF2B5EF4-FFF2-40B4-BE49-F238E27FC236}">
-                <a16:creationId xmlns:a16="http://schemas.microsoft.com/office/drawing/2014/main" id="{D8902AD0-9338-CD46-9B66-D617AC02BCA5}"/>
-              </a:ext>
-            </a:extLst>
-          </p:cNvPr>
-          <p:cNvSpPr>
-            <a:spLocks noGrp="1"/>
-          </p:cNvSpPr>
-          <p:nvPr>
-            <p:ph type="title"/>
-          </p:nvPr>
-        </p:nvSpPr>
-        <p:spPr/>
-        <p:txBody>
-          <a:bodyPr/>
-          <a:lstStyle/>
-          <a:p>
-            <a:r>
-              <a:rPr lang="en-US" dirty="0"/>
-              <a:t>Exercises 1: Using </a:t>
-            </a:r>
-            <a:r>
-              <a:rPr lang="en-US" dirty="0" err="1">
-                <a:latin typeface="Courier New" panose="02070309020205020404" pitchFamily="49" charset="0"/>
-                <a:cs typeface="Courier New" panose="02070309020205020404" pitchFamily="49" charset="0"/>
-              </a:rPr>
-              <a:t>model_fitting</a:t>
-            </a:r>
-            <a:endParaRPr lang="en-US" dirty="0">
-              <a:latin typeface="Courier New" panose="02070309020205020404" pitchFamily="49" charset="0"/>
-              <a:cs typeface="Courier New" panose="02070309020205020404" pitchFamily="49" charset="0"/>
-            </a:endParaRPr>
-          </a:p>
-        </p:txBody>
-      </p:sp>
-      <p:sp>
-        <p:nvSpPr>
-          <p:cNvPr id="3" name="Content Placeholder 2">
-            <a:extLst>
-              <a:ext uri="{FF2B5EF4-FFF2-40B4-BE49-F238E27FC236}">
-                <a16:creationId xmlns:a16="http://schemas.microsoft.com/office/drawing/2014/main" id="{93450BE3-648F-1A45-8522-7AA2DBF56554}"/>
-              </a:ext>
-            </a:extLst>
-          </p:cNvPr>
-          <p:cNvSpPr>
-            <a:spLocks noGrp="1"/>
-          </p:cNvSpPr>
-          <p:nvPr>
-            <p:ph idx="1"/>
-          </p:nvPr>
-        </p:nvSpPr>
-        <p:spPr/>
-        <p:txBody>
-          <a:bodyPr/>
-          <a:lstStyle/>
-          <a:p>
-            <a:r>
-              <a:rPr lang="en-US" dirty="0"/>
-              <a:t>Use </a:t>
-            </a:r>
-            <a:r>
-              <a:rPr lang="en-US" dirty="0" err="1"/>
-              <a:t>model_fitting</a:t>
-            </a:r>
-            <a:r>
-              <a:rPr lang="en-US" dirty="0"/>
-              <a:t> to do a cross validation study</a:t>
-            </a:r>
-          </a:p>
-          <a:p>
-            <a:pPr lvl="1"/>
-            <a:r>
-              <a:rPr lang="en-US" dirty="0"/>
-              <a:t>Effect of using 2 folds? 5 folds?</a:t>
-            </a:r>
-          </a:p>
-          <a:p>
-            <a:r>
-              <a:rPr lang="en-US" dirty="0"/>
-              <a:t>See the effect of fitting the wrong model.</a:t>
-            </a:r>
-          </a:p>
-          <a:p>
-            <a:pPr lvl="1"/>
-            <a:r>
-              <a:rPr lang="en-US" dirty="0"/>
-              <a:t>Correct model: </a:t>
-            </a:r>
-            <a:r>
-              <a:rPr lang="en-US" dirty="0">
-                <a:latin typeface="Courier New" panose="02070309020205020404" pitchFamily="49" charset="0"/>
-                <a:cs typeface="Courier New" panose="02070309020205020404" pitchFamily="49" charset="0"/>
-              </a:rPr>
-              <a:t>A-&gt;B-&gt;C-&gt;D</a:t>
-            </a:r>
-          </a:p>
-          <a:p>
-            <a:pPr lvl="1"/>
-            <a:r>
-              <a:rPr lang="en-US" dirty="0"/>
-              <a:t>Fitted model:  </a:t>
-            </a:r>
-            <a:r>
-              <a:rPr lang="en-US" dirty="0">
-                <a:latin typeface="Courier New" panose="02070309020205020404" pitchFamily="49" charset="0"/>
-                <a:cs typeface="Courier New" panose="02070309020205020404" pitchFamily="49" charset="0"/>
-              </a:rPr>
-              <a:t>A-&gt;B, A-&gt;C, B + C -&gt; D</a:t>
-            </a:r>
-          </a:p>
-        </p:txBody>
-      </p:sp>
-      <p:sp>
-        <p:nvSpPr>
-          <p:cNvPr id="4" name="Slide Number Placeholder 3">
-            <a:extLst>
-              <a:ext uri="{FF2B5EF4-FFF2-40B4-BE49-F238E27FC236}">
-                <a16:creationId xmlns:a16="http://schemas.microsoft.com/office/drawing/2014/main" id="{F6EEAA1A-B096-2743-AE90-55A92688088D}"/>
-              </a:ext>
-            </a:extLst>
-          </p:cNvPr>
-          <p:cNvSpPr>
-            <a:spLocks noGrp="1"/>
-          </p:cNvSpPr>
-          <p:nvPr>
-            <p:ph type="sldNum" sz="quarter" idx="11"/>
-          </p:nvPr>
-        </p:nvSpPr>
-        <p:spPr/>
-        <p:txBody>
-          <a:bodyPr/>
-          <a:lstStyle/>
-          <a:p>
-            <a:pPr>
-              <a:defRPr/>
-            </a:pPr>
-            <a:fld id="{3EF4E9CC-9D91-476E-91FD-5BEEC1642931}" type="slidenum">
-              <a:rPr lang="en-US" altLang="x-none" smtClean="0"/>
-              <a:pPr>
-                <a:defRPr/>
-              </a:pPr>
-              <a:t>9</a:t>
-            </a:fld>
-            <a:endParaRPr lang="en-US" altLang="x-none"/>
-          </a:p>
-        </p:txBody>
-      </p:sp>
-    </p:spTree>
-    <p:extLst>
-      <p:ext uri="{BB962C8B-B14F-4D97-AF65-F5344CB8AC3E}">
-        <p14:creationId xmlns:p14="http://schemas.microsoft.com/office/powerpoint/2010/main" val="259598209"/>
       </p:ext>
     </p:extLst>
   </p:cSld>
